--- a/presentations/URES2025.pptx
+++ b/presentations/URES2025.pptx
@@ -5,7 +5,7 @@
     <p:sldMasterId id="2147483675" r:id="rId1"/>
   </p:sldMasterIdLst>
   <p:notesMasterIdLst>
-    <p:notesMasterId r:id="rId21"/>
+    <p:notesMasterId r:id="rId22"/>
   </p:notesMasterIdLst>
   <p:sldIdLst>
     <p:sldId id="256" r:id="rId2"/>
@@ -20,41 +20,40 @@
     <p:sldId id="301" r:id="rId11"/>
     <p:sldId id="318" r:id="rId12"/>
     <p:sldId id="309" r:id="rId13"/>
-    <p:sldId id="316" r:id="rId14"/>
-    <p:sldId id="302" r:id="rId15"/>
-    <p:sldId id="319" r:id="rId16"/>
-    <p:sldId id="317" r:id="rId17"/>
-    <p:sldId id="320" r:id="rId18"/>
-    <p:sldId id="321" r:id="rId19"/>
-    <p:sldId id="305" r:id="rId20"/>
+    <p:sldId id="322" r:id="rId14"/>
+    <p:sldId id="316" r:id="rId15"/>
+    <p:sldId id="302" r:id="rId16"/>
+    <p:sldId id="319" r:id="rId17"/>
+    <p:sldId id="317" r:id="rId18"/>
+    <p:sldId id="320" r:id="rId19"/>
+    <p:sldId id="321" r:id="rId20"/>
+    <p:sldId id="305" r:id="rId21"/>
   </p:sldIdLst>
   <p:sldSz cx="9144000" cy="5143500" type="screen16x9"/>
   <p:notesSz cx="6858000" cy="9144000"/>
   <p:embeddedFontLst>
     <p:embeddedFont>
       <p:font typeface="Cambria Math" panose="02040503050406030204" pitchFamily="18" charset="0"/>
-      <p:regular r:id="rId22"/>
+      <p:regular r:id="rId23"/>
     </p:embeddedFont>
     <p:embeddedFont>
       <p:font typeface="DM Sans" pitchFamily="2" charset="77"/>
-      <p:regular r:id="rId23"/>
-      <p:bold r:id="rId24"/>
-      <p:italic r:id="rId25"/>
-      <p:boldItalic r:id="rId26"/>
+      <p:regular r:id="rId24"/>
+      <p:bold r:id="rId25"/>
+      <p:italic r:id="rId26"/>
+      <p:boldItalic r:id="rId27"/>
     </p:embeddedFont>
     <p:embeddedFont>
-      <p:font typeface="Nunito" pitchFamily="2" charset="77"/>
-      <p:regular r:id="rId27"/>
-      <p:bold r:id="rId28"/>
+      <p:font typeface="Georgia Pro" panose="02040502050405020303" pitchFamily="18" charset="0"/>
+      <p:regular r:id="rId28"/>
       <p:italic r:id="rId29"/>
-      <p:boldItalic r:id="rId30"/>
     </p:embeddedFont>
     <p:embeddedFont>
       <p:font typeface="Playfair Display Medium" pitchFamily="2" charset="77"/>
-      <p:regular r:id="rId31"/>
-      <p:bold r:id="rId32"/>
-      <p:italic r:id="rId33"/>
-      <p:boldItalic r:id="rId34"/>
+      <p:regular r:id="rId30"/>
+      <p:bold r:id="rId31"/>
+      <p:italic r:id="rId32"/>
+      <p:boldItalic r:id="rId33"/>
     </p:embeddedFont>
   </p:embeddedFontLst>
   <p:defaultTextStyle>
@@ -1301,6 +1300,160 @@
         <p:cNvPr id="1" name="Shape 203">
           <a:extLst>
             <a:ext uri="{FF2B5EF4-FFF2-40B4-BE49-F238E27FC236}">
+              <a16:creationId xmlns:a16="http://schemas.microsoft.com/office/drawing/2014/main" id="{0D571B59-092A-EA47-EEC7-BD11591FA2EA}"/>
+            </a:ext>
+          </a:extLst>
+        </p:cNvPr>
+        <p:cNvGrpSpPr/>
+        <p:nvPr/>
+      </p:nvGrpSpPr>
+      <p:grpSpPr>
+        <a:xfrm>
+          <a:off x="0" y="0"/>
+          <a:ext cx="0" cy="0"/>
+          <a:chOff x="0" y="0"/>
+          <a:chExt cx="0" cy="0"/>
+        </a:xfrm>
+      </p:grpSpPr>
+      <p:sp>
+        <p:nvSpPr>
+          <p:cNvPr id="204" name="Google Shape;204;g54dda1946d_6_322:notes">
+            <a:extLst>
+              <a:ext uri="{FF2B5EF4-FFF2-40B4-BE49-F238E27FC236}">
+                <a16:creationId xmlns:a16="http://schemas.microsoft.com/office/drawing/2014/main" id="{3B3A2318-51F1-111A-AC37-03BD5F944C81}"/>
+              </a:ext>
+            </a:extLst>
+          </p:cNvPr>
+          <p:cNvSpPr>
+            <a:spLocks noGrp="1" noRot="1" noChangeAspect="1"/>
+          </p:cNvSpPr>
+          <p:nvPr>
+            <p:ph type="sldImg" idx="2"/>
+          </p:nvPr>
+        </p:nvSpPr>
+        <p:spPr>
+          <a:xfrm>
+            <a:off x="381000" y="685800"/>
+            <a:ext cx="6096000" cy="3429000"/>
+          </a:xfrm>
+          <a:custGeom>
+            <a:avLst/>
+            <a:gdLst/>
+            <a:ahLst/>
+            <a:cxnLst/>
+            <a:rect l="l" t="t" r="r" b="b"/>
+            <a:pathLst>
+              <a:path w="120000" h="120000" extrusionOk="0">
+                <a:moveTo>
+                  <a:pt x="0" y="0"/>
+                </a:moveTo>
+                <a:lnTo>
+                  <a:pt x="120000" y="0"/>
+                </a:lnTo>
+                <a:lnTo>
+                  <a:pt x="120000" y="120000"/>
+                </a:lnTo>
+                <a:lnTo>
+                  <a:pt x="0" y="120000"/>
+                </a:lnTo>
+                <a:close/>
+              </a:path>
+            </a:pathLst>
+          </a:custGeom>
+        </p:spPr>
+      </p:sp>
+      <p:sp>
+        <p:nvSpPr>
+          <p:cNvPr id="205" name="Google Shape;205;g54dda1946d_6_322:notes">
+            <a:extLst>
+              <a:ext uri="{FF2B5EF4-FFF2-40B4-BE49-F238E27FC236}">
+                <a16:creationId xmlns:a16="http://schemas.microsoft.com/office/drawing/2014/main" id="{E488BF2D-B77D-9EC2-537A-0A5ED033F2DE}"/>
+              </a:ext>
+            </a:extLst>
+          </p:cNvPr>
+          <p:cNvSpPr txBox="1">
+            <a:spLocks noGrp="1"/>
+          </p:cNvSpPr>
+          <p:nvPr>
+            <p:ph type="body" idx="1"/>
+          </p:nvPr>
+        </p:nvSpPr>
+        <p:spPr>
+          <a:xfrm>
+            <a:off x="685800" y="4343400"/>
+            <a:ext cx="5486400" cy="4114800"/>
+          </a:xfrm>
+          <a:prstGeom prst="rect">
+            <a:avLst/>
+          </a:prstGeom>
+        </p:spPr>
+        <p:txBody>
+          <a:bodyPr spcFirstLastPara="1" wrap="square" lIns="91425" tIns="91425" rIns="91425" bIns="91425" anchor="t" anchorCtr="0">
+            <a:noAutofit/>
+          </a:bodyPr>
+          <a:lstStyle/>
+          <a:p>
+            <a:pPr marL="0" lvl="0" indent="0" algn="l" rtl="0">
+              <a:spcBef>
+                <a:spcPts val="0"/>
+              </a:spcBef>
+              <a:spcAft>
+                <a:spcPts val="0"/>
+              </a:spcAft>
+              <a:buNone/>
+            </a:pPr>
+            <a:r>
+              <a:rPr lang="en-US" dirty="0"/>
+              <a:t>Walk through flow</a:t>
+            </a:r>
+          </a:p>
+          <a:p>
+            <a:pPr marL="0" lvl="0" indent="0" algn="l" rtl="0">
+              <a:spcBef>
+                <a:spcPts val="0"/>
+              </a:spcBef>
+              <a:spcAft>
+                <a:spcPts val="0"/>
+              </a:spcAft>
+              <a:buNone/>
+            </a:pPr>
+            <a:r>
+              <a:rPr lang="en-US" dirty="0"/>
+              <a:t>Explain 2</a:t>
+            </a:r>
+            <a:r>
+              <a:rPr lang="en-US" baseline="30000" dirty="0"/>
+              <a:t>nd</a:t>
+            </a:r>
+            <a:r>
+              <a:rPr lang="en-US" dirty="0"/>
+              <a:t> group : base immunity </a:t>
+            </a:r>
+            <a:endParaRPr dirty="0"/>
+          </a:p>
+        </p:txBody>
+      </p:sp>
+    </p:spTree>
+    <p:extLst>
+      <p:ext uri="{BB962C8B-B14F-4D97-AF65-F5344CB8AC3E}">
+        <p14:creationId xmlns:p14="http://schemas.microsoft.com/office/powerpoint/2010/main" val="2586122490"/>
+      </p:ext>
+    </p:extLst>
+  </p:cSld>
+  <p:clrMapOvr>
+    <a:masterClrMapping/>
+  </p:clrMapOvr>
+</p:notes>
+</file>
+
+<file path=ppt/notesSlides/notesSlide14.xml><?xml version="1.0" encoding="utf-8"?>
+<p:notes xmlns:a="http://schemas.openxmlformats.org/drawingml/2006/main" xmlns:r="http://schemas.openxmlformats.org/officeDocument/2006/relationships" xmlns:p="http://schemas.openxmlformats.org/presentationml/2006/main" showMasterSp="0" showMasterPhAnim="0">
+  <p:cSld>
+    <p:spTree>
+      <p:nvGrpSpPr>
+        <p:cNvPr id="1" name="Shape 203">
+          <a:extLst>
+            <a:ext uri="{FF2B5EF4-FFF2-40B4-BE49-F238E27FC236}">
               <a16:creationId xmlns:a16="http://schemas.microsoft.com/office/drawing/2014/main" id="{FC038043-F5C0-0617-D27C-BB0E623B8FC2}"/>
             </a:ext>
           </a:extLst>
@@ -1423,7 +1576,7 @@
 </p:notes>
 </file>
 
-<file path=ppt/notesSlides/notesSlide14.xml><?xml version="1.0" encoding="utf-8"?>
+<file path=ppt/notesSlides/notesSlide15.xml><?xml version="1.0" encoding="utf-8"?>
 <p:notes xmlns:a="http://schemas.openxmlformats.org/drawingml/2006/main" xmlns:r="http://schemas.openxmlformats.org/officeDocument/2006/relationships" xmlns:p="http://schemas.openxmlformats.org/presentationml/2006/main" showMasterSp="0" showMasterPhAnim="0">
   <p:cSld>
     <p:spTree>
@@ -1553,7 +1706,7 @@
 </p:notes>
 </file>
 
-<file path=ppt/notesSlides/notesSlide15.xml><?xml version="1.0" encoding="utf-8"?>
+<file path=ppt/notesSlides/notesSlide16.xml><?xml version="1.0" encoding="utf-8"?>
 <p:notes xmlns:a="http://schemas.openxmlformats.org/drawingml/2006/main" xmlns:r="http://schemas.openxmlformats.org/officeDocument/2006/relationships" xmlns:p="http://schemas.openxmlformats.org/presentationml/2006/main" showMasterSp="0" showMasterPhAnim="0">
   <p:cSld>
     <p:spTree>
@@ -1683,7 +1836,7 @@
 </p:notes>
 </file>
 
-<file path=ppt/notesSlides/notesSlide16.xml><?xml version="1.0" encoding="utf-8"?>
+<file path=ppt/notesSlides/notesSlide17.xml><?xml version="1.0" encoding="utf-8"?>
 <p:notes xmlns:a="http://schemas.openxmlformats.org/drawingml/2006/main" xmlns:r="http://schemas.openxmlformats.org/officeDocument/2006/relationships" xmlns:p="http://schemas.openxmlformats.org/presentationml/2006/main" showMasterSp="0" showMasterPhAnim="0">
   <p:cSld>
     <p:spTree>
@@ -1813,7 +1966,7 @@
 </p:notes>
 </file>
 
-<file path=ppt/notesSlides/notesSlide17.xml><?xml version="1.0" encoding="utf-8"?>
+<file path=ppt/notesSlides/notesSlide18.xml><?xml version="1.0" encoding="utf-8"?>
 <p:notes xmlns:a="http://schemas.openxmlformats.org/drawingml/2006/main" xmlns:r="http://schemas.openxmlformats.org/officeDocument/2006/relationships" xmlns:p="http://schemas.openxmlformats.org/presentationml/2006/main" showMasterSp="0" showMasterPhAnim="0">
   <p:cSld>
     <p:spTree>
@@ -1943,7 +2096,7 @@
 </p:notes>
 </file>
 
-<file path=ppt/notesSlides/notesSlide18.xml><?xml version="1.0" encoding="utf-8"?>
+<file path=ppt/notesSlides/notesSlide19.xml><?xml version="1.0" encoding="utf-8"?>
 <p:notes xmlns:a="http://schemas.openxmlformats.org/drawingml/2006/main" xmlns:r="http://schemas.openxmlformats.org/officeDocument/2006/relationships" xmlns:p="http://schemas.openxmlformats.org/presentationml/2006/main" showMasterSp="0" showMasterPhAnim="0">
   <p:cSld>
     <p:spTree>
@@ -2064,133 +2217,6 @@
     <p:extLst>
       <p:ext uri="{BB962C8B-B14F-4D97-AF65-F5344CB8AC3E}">
         <p14:creationId xmlns:p14="http://schemas.microsoft.com/office/powerpoint/2010/main" val="638804323"/>
-      </p:ext>
-    </p:extLst>
-  </p:cSld>
-  <p:clrMapOvr>
-    <a:masterClrMapping/>
-  </p:clrMapOvr>
-</p:notes>
-</file>
-
-<file path=ppt/notesSlides/notesSlide19.xml><?xml version="1.0" encoding="utf-8"?>
-<p:notes xmlns:a="http://schemas.openxmlformats.org/drawingml/2006/main" xmlns:r="http://schemas.openxmlformats.org/officeDocument/2006/relationships" xmlns:p="http://schemas.openxmlformats.org/presentationml/2006/main" showMasterSp="0" showMasterPhAnim="0">
-  <p:cSld>
-    <p:spTree>
-      <p:nvGrpSpPr>
-        <p:cNvPr id="1" name="Shape 203">
-          <a:extLst>
-            <a:ext uri="{FF2B5EF4-FFF2-40B4-BE49-F238E27FC236}">
-              <a16:creationId xmlns:a16="http://schemas.microsoft.com/office/drawing/2014/main" id="{FB445F65-C9CB-2328-E8FB-EACAFFA31530}"/>
-            </a:ext>
-          </a:extLst>
-        </p:cNvPr>
-        <p:cNvGrpSpPr/>
-        <p:nvPr/>
-      </p:nvGrpSpPr>
-      <p:grpSpPr>
-        <a:xfrm>
-          <a:off x="0" y="0"/>
-          <a:ext cx="0" cy="0"/>
-          <a:chOff x="0" y="0"/>
-          <a:chExt cx="0" cy="0"/>
-        </a:xfrm>
-      </p:grpSpPr>
-      <p:sp>
-        <p:nvSpPr>
-          <p:cNvPr id="204" name="Google Shape;204;g54dda1946d_6_322:notes">
-            <a:extLst>
-              <a:ext uri="{FF2B5EF4-FFF2-40B4-BE49-F238E27FC236}">
-                <a16:creationId xmlns:a16="http://schemas.microsoft.com/office/drawing/2014/main" id="{43A78A0D-516C-FD3D-7D65-87CA8990ACCA}"/>
-              </a:ext>
-            </a:extLst>
-          </p:cNvPr>
-          <p:cNvSpPr>
-            <a:spLocks noGrp="1" noRot="1" noChangeAspect="1"/>
-          </p:cNvSpPr>
-          <p:nvPr>
-            <p:ph type="sldImg" idx="2"/>
-          </p:nvPr>
-        </p:nvSpPr>
-        <p:spPr>
-          <a:xfrm>
-            <a:off x="381000" y="685800"/>
-            <a:ext cx="6096000" cy="3429000"/>
-          </a:xfrm>
-          <a:custGeom>
-            <a:avLst/>
-            <a:gdLst/>
-            <a:ahLst/>
-            <a:cxnLst/>
-            <a:rect l="l" t="t" r="r" b="b"/>
-            <a:pathLst>
-              <a:path w="120000" h="120000" extrusionOk="0">
-                <a:moveTo>
-                  <a:pt x="0" y="0"/>
-                </a:moveTo>
-                <a:lnTo>
-                  <a:pt x="120000" y="0"/>
-                </a:lnTo>
-                <a:lnTo>
-                  <a:pt x="120000" y="120000"/>
-                </a:lnTo>
-                <a:lnTo>
-                  <a:pt x="0" y="120000"/>
-                </a:lnTo>
-                <a:close/>
-              </a:path>
-            </a:pathLst>
-          </a:custGeom>
-        </p:spPr>
-      </p:sp>
-      <p:sp>
-        <p:nvSpPr>
-          <p:cNvPr id="205" name="Google Shape;205;g54dda1946d_6_322:notes">
-            <a:extLst>
-              <a:ext uri="{FF2B5EF4-FFF2-40B4-BE49-F238E27FC236}">
-                <a16:creationId xmlns:a16="http://schemas.microsoft.com/office/drawing/2014/main" id="{7F340E68-DEFE-0AE1-6CE0-B4E424115A13}"/>
-              </a:ext>
-            </a:extLst>
-          </p:cNvPr>
-          <p:cNvSpPr txBox="1">
-            <a:spLocks noGrp="1"/>
-          </p:cNvSpPr>
-          <p:nvPr>
-            <p:ph type="body" idx="1"/>
-          </p:nvPr>
-        </p:nvSpPr>
-        <p:spPr>
-          <a:xfrm>
-            <a:off x="685800" y="4343400"/>
-            <a:ext cx="5486400" cy="4114800"/>
-          </a:xfrm>
-          <a:prstGeom prst="rect">
-            <a:avLst/>
-          </a:prstGeom>
-        </p:spPr>
-        <p:txBody>
-          <a:bodyPr spcFirstLastPara="1" wrap="square" lIns="91425" tIns="91425" rIns="91425" bIns="91425" anchor="t" anchorCtr="0">
-            <a:noAutofit/>
-          </a:bodyPr>
-          <a:lstStyle/>
-          <a:p>
-            <a:pPr marL="0" lvl="0" indent="0" algn="l" rtl="0">
-              <a:spcBef>
-                <a:spcPts val="0"/>
-              </a:spcBef>
-              <a:spcAft>
-                <a:spcPts val="0"/>
-              </a:spcAft>
-              <a:buNone/>
-            </a:pPr>
-            <a:endParaRPr/>
-          </a:p>
-        </p:txBody>
-      </p:sp>
-    </p:spTree>
-    <p:extLst>
-      <p:ext uri="{BB962C8B-B14F-4D97-AF65-F5344CB8AC3E}">
-        <p14:creationId xmlns:p14="http://schemas.microsoft.com/office/powerpoint/2010/main" val="2301706269"/>
       </p:ext>
     </p:extLst>
   </p:cSld>
@@ -2369,6 +2395,238 @@
         </p:txBody>
       </p:sp>
     </p:spTree>
+  </p:cSld>
+  <p:clrMapOvr>
+    <a:masterClrMapping/>
+  </p:clrMapOvr>
+</p:notes>
+</file>
+
+<file path=ppt/notesSlides/notesSlide20.xml><?xml version="1.0" encoding="utf-8"?>
+<p:notes xmlns:a="http://schemas.openxmlformats.org/drawingml/2006/main" xmlns:r="http://schemas.openxmlformats.org/officeDocument/2006/relationships" xmlns:p="http://schemas.openxmlformats.org/presentationml/2006/main" showMasterSp="0" showMasterPhAnim="0">
+  <p:cSld>
+    <p:spTree>
+      <p:nvGrpSpPr>
+        <p:cNvPr id="1" name="Shape 203">
+          <a:extLst>
+            <a:ext uri="{FF2B5EF4-FFF2-40B4-BE49-F238E27FC236}">
+              <a16:creationId xmlns:a16="http://schemas.microsoft.com/office/drawing/2014/main" id="{FB445F65-C9CB-2328-E8FB-EACAFFA31530}"/>
+            </a:ext>
+          </a:extLst>
+        </p:cNvPr>
+        <p:cNvGrpSpPr/>
+        <p:nvPr/>
+      </p:nvGrpSpPr>
+      <p:grpSpPr>
+        <a:xfrm>
+          <a:off x="0" y="0"/>
+          <a:ext cx="0" cy="0"/>
+          <a:chOff x="0" y="0"/>
+          <a:chExt cx="0" cy="0"/>
+        </a:xfrm>
+      </p:grpSpPr>
+      <p:sp>
+        <p:nvSpPr>
+          <p:cNvPr id="204" name="Google Shape;204;g54dda1946d_6_322:notes">
+            <a:extLst>
+              <a:ext uri="{FF2B5EF4-FFF2-40B4-BE49-F238E27FC236}">
+                <a16:creationId xmlns:a16="http://schemas.microsoft.com/office/drawing/2014/main" id="{43A78A0D-516C-FD3D-7D65-87CA8990ACCA}"/>
+              </a:ext>
+            </a:extLst>
+          </p:cNvPr>
+          <p:cNvSpPr>
+            <a:spLocks noGrp="1" noRot="1" noChangeAspect="1"/>
+          </p:cNvSpPr>
+          <p:nvPr>
+            <p:ph type="sldImg" idx="2"/>
+          </p:nvPr>
+        </p:nvSpPr>
+        <p:spPr>
+          <a:xfrm>
+            <a:off x="381000" y="685800"/>
+            <a:ext cx="6096000" cy="3429000"/>
+          </a:xfrm>
+          <a:custGeom>
+            <a:avLst/>
+            <a:gdLst/>
+            <a:ahLst/>
+            <a:cxnLst/>
+            <a:rect l="l" t="t" r="r" b="b"/>
+            <a:pathLst>
+              <a:path w="120000" h="120000" extrusionOk="0">
+                <a:moveTo>
+                  <a:pt x="0" y="0"/>
+                </a:moveTo>
+                <a:lnTo>
+                  <a:pt x="120000" y="0"/>
+                </a:lnTo>
+                <a:lnTo>
+                  <a:pt x="120000" y="120000"/>
+                </a:lnTo>
+                <a:lnTo>
+                  <a:pt x="0" y="120000"/>
+                </a:lnTo>
+                <a:close/>
+              </a:path>
+            </a:pathLst>
+          </a:custGeom>
+        </p:spPr>
+      </p:sp>
+      <p:sp>
+        <p:nvSpPr>
+          <p:cNvPr id="205" name="Google Shape;205;g54dda1946d_6_322:notes">
+            <a:extLst>
+              <a:ext uri="{FF2B5EF4-FFF2-40B4-BE49-F238E27FC236}">
+                <a16:creationId xmlns:a16="http://schemas.microsoft.com/office/drawing/2014/main" id="{7F340E68-DEFE-0AE1-6CE0-B4E424115A13}"/>
+              </a:ext>
+            </a:extLst>
+          </p:cNvPr>
+          <p:cNvSpPr txBox="1">
+            <a:spLocks noGrp="1"/>
+          </p:cNvSpPr>
+          <p:nvPr>
+            <p:ph type="body" idx="1"/>
+          </p:nvPr>
+        </p:nvSpPr>
+        <p:spPr>
+          <a:xfrm>
+            <a:off x="685800" y="4343400"/>
+            <a:ext cx="5486400" cy="4114800"/>
+          </a:xfrm>
+          <a:prstGeom prst="rect">
+            <a:avLst/>
+          </a:prstGeom>
+        </p:spPr>
+        <p:txBody>
+          <a:bodyPr spcFirstLastPara="1" wrap="square" lIns="91425" tIns="91425" rIns="91425" bIns="91425" anchor="t" anchorCtr="0">
+            <a:noAutofit/>
+          </a:bodyPr>
+          <a:lstStyle/>
+          <a:p>
+            <a:pPr>
+              <a:buClr>
+                <a:schemeClr val="tx1"/>
+              </a:buClr>
+              <a:buFont typeface="Arial" panose="020B0604020202020204" pitchFamily="34" charset="0"/>
+              <a:buChar char="•"/>
+            </a:pPr>
+            <a:r>
+              <a:rPr lang="en-US" sz="1400" dirty="0">
+                <a:solidFill>
+                  <a:schemeClr val="tx1"/>
+                </a:solidFill>
+                <a:latin typeface="Aptos" panose="020B0004020202020204" pitchFamily="34" charset="0"/>
+              </a:rPr>
+              <a:t>For Flu, having the same vaccination coverage for all age groups is less impactful than for COVID</a:t>
+            </a:r>
+          </a:p>
+          <a:p>
+            <a:pPr>
+              <a:spcBef>
+                <a:spcPts val="1000"/>
+              </a:spcBef>
+              <a:buFont typeface="Arial" panose="020B0604020202020204" pitchFamily="34" charset="0"/>
+              <a:buChar char="•"/>
+            </a:pPr>
+            <a:r>
+              <a:rPr lang="en-US" sz="1400" dirty="0">
+                <a:latin typeface="Aptos" panose="020B0004020202020204" pitchFamily="34" charset="0"/>
+              </a:rPr>
+              <a:t>Future Research:</a:t>
+            </a:r>
+          </a:p>
+          <a:p>
+            <a:pPr lvl="1" algn="l">
+              <a:buClr>
+                <a:schemeClr val="tx1"/>
+              </a:buClr>
+              <a:buFont typeface="Arial" panose="020B0604020202020204" pitchFamily="34" charset="0"/>
+              <a:buChar char="•"/>
+            </a:pPr>
+            <a:r>
+              <a:rPr lang="en-US" sz="1400" dirty="0">
+                <a:solidFill>
+                  <a:schemeClr val="tx1"/>
+                </a:solidFill>
+                <a:latin typeface="Aptos" panose="020B0004020202020204" pitchFamily="34" charset="0"/>
+              </a:rPr>
+              <a:t>How does vaccination in one group affect infection in a different group?</a:t>
+            </a:r>
+          </a:p>
+          <a:p>
+            <a:pPr lvl="2" algn="l">
+              <a:buClr>
+                <a:schemeClr val="tx1"/>
+              </a:buClr>
+              <a:buFont typeface="Arial" panose="020B0604020202020204" pitchFamily="34" charset="0"/>
+              <a:buChar char="•"/>
+            </a:pPr>
+            <a:r>
+              <a:rPr lang="en-US" sz="1400" dirty="0">
+                <a:solidFill>
+                  <a:schemeClr val="tx1"/>
+                </a:solidFill>
+                <a:latin typeface="Aptos" panose="020B0004020202020204" pitchFamily="34" charset="0"/>
+              </a:rPr>
+              <a:t>How does vaccinating children at a higher rate impact parents?</a:t>
+            </a:r>
+          </a:p>
+          <a:p>
+            <a:pPr lvl="1" algn="l">
+              <a:buClr>
+                <a:schemeClr val="tx1"/>
+              </a:buClr>
+              <a:buFont typeface="Arial" panose="020B0604020202020204" pitchFamily="34" charset="0"/>
+              <a:buChar char="•"/>
+            </a:pPr>
+            <a:r>
+              <a:rPr lang="en-US" sz="1400" dirty="0">
+                <a:solidFill>
+                  <a:schemeClr val="tx1"/>
+                </a:solidFill>
+                <a:latin typeface="Aptos" panose="020B0004020202020204" pitchFamily="34" charset="0"/>
+              </a:rPr>
+              <a:t>How can we optimize vaccination rates to get the least infections, critical illness, and deaths? </a:t>
+            </a:r>
+          </a:p>
+          <a:p>
+            <a:pPr lvl="1" algn="l">
+              <a:buClr>
+                <a:schemeClr val="tx1"/>
+              </a:buClr>
+              <a:buFont typeface="Arial" panose="020B0604020202020204" pitchFamily="34" charset="0"/>
+              <a:buChar char="•"/>
+            </a:pPr>
+            <a:r>
+              <a:rPr lang="en-US" sz="1400" dirty="0">
+                <a:solidFill>
+                  <a:schemeClr val="tx1"/>
+                </a:solidFill>
+                <a:latin typeface="Aptos" panose="020B0004020202020204" pitchFamily="34" charset="0"/>
+              </a:rPr>
+              <a:t>What barriers are specific to each age group? What can be done to eliminate these barriers? </a:t>
+            </a:r>
+          </a:p>
+          <a:p>
+            <a:pPr marL="0" lvl="0" indent="0" algn="l" rtl="0">
+              <a:spcBef>
+                <a:spcPts val="0"/>
+              </a:spcBef>
+              <a:spcAft>
+                <a:spcPts val="0"/>
+              </a:spcAft>
+              <a:buNone/>
+            </a:pPr>
+            <a:endParaRPr dirty="0"/>
+          </a:p>
+        </p:txBody>
+      </p:sp>
+    </p:spTree>
+    <p:extLst>
+      <p:ext uri="{BB962C8B-B14F-4D97-AF65-F5344CB8AC3E}">
+        <p14:creationId xmlns:p14="http://schemas.microsoft.com/office/powerpoint/2010/main" val="2301706269"/>
+      </p:ext>
+    </p:extLst>
   </p:cSld>
   <p:clrMapOvr>
     <a:masterClrMapping/>
@@ -6176,10 +6434,16 @@
               <a:buNone/>
             </a:pPr>
             <a:r>
-              <a:rPr lang="en" dirty="0"/>
+              <a:rPr lang="en" dirty="0">
+                <a:latin typeface="Georgia Pro" panose="020F0502020204030204" pitchFamily="34" charset="0"/>
+                <a:cs typeface="Georgia Pro" panose="020F0502020204030204" pitchFamily="34" charset="0"/>
+              </a:rPr>
               <a:t>Analyzing Health Seeking Behavior in Response to Respiratory Diseases in Illinois</a:t>
             </a:r>
-            <a:endParaRPr dirty="0"/>
+            <a:endParaRPr dirty="0">
+              <a:latin typeface="Georgia Pro" panose="020F0502020204030204" pitchFamily="34" charset="0"/>
+              <a:cs typeface="Georgia Pro" panose="020F0502020204030204" pitchFamily="34" charset="0"/>
+            </a:endParaRPr>
           </a:p>
         </p:txBody>
       </p:sp>
@@ -6211,15 +6475,21 @@
           <a:p>
             <a:pPr algn="ctr"/>
             <a:r>
-              <a:rPr lang="en-US" dirty="0"/>
+              <a:rPr lang="en-US" dirty="0">
+                <a:latin typeface="Calibri" panose="020F0502020204030204" pitchFamily="34" charset="0"/>
+                <a:cs typeface="Calibri" panose="020F0502020204030204" pitchFamily="34" charset="0"/>
+              </a:rPr>
               <a:t>Alyssa Anastasi</a:t>
             </a:r>
           </a:p>
           <a:p>
             <a:pPr algn="ctr"/>
             <a:r>
-              <a:rPr lang="en-US" dirty="0"/>
-              <a:t>Research Advisors: Sophie Larsen &amp; Pamela Martinez </a:t>
+              <a:rPr lang="en-US" dirty="0">
+                <a:latin typeface="Calibri" panose="020F0502020204030204" pitchFamily="34" charset="0"/>
+                <a:cs typeface="Calibri" panose="020F0502020204030204" pitchFamily="34" charset="0"/>
+              </a:rPr>
+              <a:t>Collaborators: Chloe Yang, Sophie Larsen &amp; Pamela Martinez </a:t>
             </a:r>
           </a:p>
         </p:txBody>
@@ -6304,10 +6574,14 @@
               <a:buNone/>
             </a:pPr>
             <a:r>
-              <a:rPr lang="en" dirty="0"/>
-              <a:t>SEIRD Model</a:t>
+              <a:rPr lang="en" dirty="0">
+                <a:latin typeface="Georgia Pro" panose="02040502050405020303" pitchFamily="18" charset="0"/>
+              </a:rPr>
+              <a:t>Age-Stratified SEIRD Model</a:t>
             </a:r>
-            <a:endParaRPr i="1" dirty="0"/>
+            <a:endParaRPr i="1" dirty="0">
+              <a:latin typeface="Georgia Pro" panose="02040502050405020303" pitchFamily="18" charset="0"/>
+            </a:endParaRPr>
           </a:p>
         </p:txBody>
       </p:sp>
@@ -7181,10 +7455,14 @@
               <a:buNone/>
             </a:pPr>
             <a:r>
-              <a:rPr lang="en" dirty="0"/>
-              <a:t>SEIRD Model </a:t>
+              <a:rPr lang="en" dirty="0">
+                <a:latin typeface="Georgia Pro" panose="02040502050405020303" pitchFamily="18" charset="0"/>
+              </a:rPr>
+              <a:t>Age-Stratified SEIRD Model </a:t>
             </a:r>
-            <a:endParaRPr i="1" dirty="0"/>
+            <a:endParaRPr i="1" dirty="0">
+              <a:latin typeface="Georgia Pro" panose="02040502050405020303" pitchFamily="18" charset="0"/>
+            </a:endParaRPr>
           </a:p>
         </p:txBody>
       </p:sp>
@@ -7202,7 +7480,7 @@
         </p:nvSpPr>
         <p:spPr>
           <a:xfrm>
-            <a:off x="2080590" y="1309816"/>
+            <a:off x="2353181" y="1269474"/>
             <a:ext cx="1639956" cy="539324"/>
           </a:xfrm>
           <a:prstGeom prst="rect">
@@ -7260,7 +7538,7 @@
         </p:nvSpPr>
         <p:spPr>
           <a:xfrm>
-            <a:off x="440634" y="2410701"/>
+            <a:off x="713225" y="2370359"/>
             <a:ext cx="1639956" cy="539324"/>
           </a:xfrm>
           <a:prstGeom prst="rect">
@@ -7318,7 +7596,7 @@
         </p:nvSpPr>
         <p:spPr>
           <a:xfrm>
-            <a:off x="3752022" y="2410701"/>
+            <a:off x="4024613" y="2370359"/>
             <a:ext cx="1639956" cy="539324"/>
           </a:xfrm>
           <a:prstGeom prst="rect">
@@ -7376,7 +7654,7 @@
         </p:nvSpPr>
         <p:spPr>
           <a:xfrm>
-            <a:off x="2080590" y="3511586"/>
+            <a:off x="2353181" y="3471244"/>
             <a:ext cx="1639956" cy="539324"/>
           </a:xfrm>
           <a:prstGeom prst="rect">
@@ -7437,7 +7715,7 @@
         </p:nvCxnSpPr>
         <p:spPr>
           <a:xfrm rot="10800000" flipV="1">
-            <a:off x="1260612" y="1579477"/>
+            <a:off x="1533203" y="1539135"/>
             <a:ext cx="819978" cy="831223"/>
           </a:xfrm>
           <a:prstGeom prst="curvedConnector2">
@@ -7485,7 +7763,7 @@
         </p:nvCxnSpPr>
         <p:spPr>
           <a:xfrm rot="16200000" flipH="1">
-            <a:off x="1254990" y="2955647"/>
+            <a:off x="1527581" y="2915305"/>
             <a:ext cx="831223" cy="819978"/>
           </a:xfrm>
           <a:prstGeom prst="curvedConnector2">
@@ -7533,7 +7811,7 @@
         </p:nvCxnSpPr>
         <p:spPr>
           <a:xfrm>
-            <a:off x="3720546" y="1579478"/>
+            <a:off x="3993137" y="1539136"/>
             <a:ext cx="851454" cy="831223"/>
           </a:xfrm>
           <a:prstGeom prst="curvedConnector2">
@@ -7581,7 +7859,7 @@
         </p:nvCxnSpPr>
         <p:spPr>
           <a:xfrm rot="5400000">
-            <a:off x="3730662" y="2939909"/>
+            <a:off x="4003253" y="2899567"/>
             <a:ext cx="831223" cy="851454"/>
           </a:xfrm>
           <a:prstGeom prst="curvedConnector2">
@@ -7611,45 +7889,632 @@
           </a:fontRef>
         </p:style>
       </p:cxnSp>
-      <p:sp>
-        <p:nvSpPr>
-          <p:cNvPr id="48" name="TextBox 47">
-            <a:extLst>
-              <a:ext uri="{FF2B5EF4-FFF2-40B4-BE49-F238E27FC236}">
-                <a16:creationId xmlns:a16="http://schemas.microsoft.com/office/drawing/2014/main" id="{419859BB-2EC0-D393-5E9B-1427DAF5C3C5}"/>
-              </a:ext>
-            </a:extLst>
-          </p:cNvPr>
-          <p:cNvSpPr txBox="1"/>
-          <p:nvPr/>
-        </p:nvSpPr>
-        <p:spPr>
-          <a:xfrm>
-            <a:off x="5791201" y="1564640"/>
-            <a:ext cx="2560320" cy="523220"/>
-          </a:xfrm>
-          <a:prstGeom prst="rect">
-            <a:avLst/>
-          </a:prstGeom>
-          <a:noFill/>
-        </p:spPr>
-        <p:txBody>
-          <a:bodyPr wrap="square" rtlCol="0">
-            <a:spAutoFit/>
-          </a:bodyPr>
-          <a:lstStyle/>
-          <a:p>
-            <a:pPr marL="285750" indent="-285750">
-              <a:buFont typeface="Arial" panose="020B0604020202020204" pitchFamily="34" charset="0"/>
-              <a:buChar char="•"/>
-            </a:pPr>
-            <a:r>
-              <a:rPr lang="en-US" dirty="0"/>
-              <a:t>Separate age groups to contact rate differently </a:t>
-            </a:r>
-          </a:p>
-        </p:txBody>
-      </p:sp>
+      <mc:AlternateContent xmlns:mc="http://schemas.openxmlformats.org/markup-compatibility/2006" xmlns:a14="http://schemas.microsoft.com/office/drawing/2010/main">
+        <mc:Choice Requires="a14">
+          <p:sp>
+            <p:nvSpPr>
+              <p:cNvPr id="4" name="TextBox 3">
+                <a:extLst>
+                  <a:ext uri="{FF2B5EF4-FFF2-40B4-BE49-F238E27FC236}">
+                    <a16:creationId xmlns:a16="http://schemas.microsoft.com/office/drawing/2014/main" id="{2F560783-B4C4-D39C-01CA-9E667D480057}"/>
+                  </a:ext>
+                </a:extLst>
+              </p:cNvPr>
+              <p:cNvSpPr txBox="1"/>
+              <p:nvPr/>
+            </p:nvSpPr>
+            <p:spPr>
+              <a:xfrm>
+                <a:off x="1501727" y="1476841"/>
+                <a:ext cx="282385" cy="430887"/>
+              </a:xfrm>
+              <a:prstGeom prst="rect">
+                <a:avLst/>
+              </a:prstGeom>
+              <a:noFill/>
+            </p:spPr>
+            <p:txBody>
+              <a:bodyPr wrap="none" lIns="0" tIns="0" rIns="0" bIns="0" rtlCol="0">
+                <a:spAutoFit/>
+              </a:bodyPr>
+              <a:lstStyle/>
+              <a:p>
+                <a:pPr/>
+                <a14:m>
+                  <m:oMathPara xmlns:m="http://schemas.openxmlformats.org/officeDocument/2006/math">
+                    <m:oMathParaPr>
+                      <m:jc m:val="centerGroup"/>
+                    </m:oMathParaPr>
+                    <m:oMath xmlns:m="http://schemas.openxmlformats.org/officeDocument/2006/math">
+                      <m:sSub>
+                        <m:sSubPr>
+                          <m:ctrlPr>
+                            <a:rPr lang="en-US" b="0" i="1" smtClean="0">
+                              <a:latin typeface="Cambria Math" panose="02040503050406030204" pitchFamily="18" charset="0"/>
+                            </a:rPr>
+                          </m:ctrlPr>
+                        </m:sSubPr>
+                        <m:e>
+                          <m:r>
+                            <a:rPr lang="en-US" b="0" i="1" smtClean="0">
+                              <a:latin typeface="Cambria Math" panose="02040503050406030204" pitchFamily="18" charset="0"/>
+                            </a:rPr>
+                            <m:t>𝑐</m:t>
+                          </m:r>
+                        </m:e>
+                        <m:sub>
+                          <m:r>
+                            <a:rPr lang="en-US" b="0" i="1" smtClean="0">
+                              <a:latin typeface="Cambria Math" panose="02040503050406030204" pitchFamily="18" charset="0"/>
+                            </a:rPr>
+                            <m:t>1</m:t>
+                          </m:r>
+                        </m:sub>
+                      </m:sSub>
+                    </m:oMath>
+                  </m:oMathPara>
+                </a14:m>
+                <a:endParaRPr lang="en-US" b="0" dirty="0"/>
+              </a:p>
+              <a:p>
+                <a:endParaRPr lang="en-US" dirty="0"/>
+              </a:p>
+            </p:txBody>
+          </p:sp>
+        </mc:Choice>
+        <mc:Fallback xmlns="">
+          <p:sp>
+            <p:nvSpPr>
+              <p:cNvPr id="4" name="TextBox 3">
+                <a:extLst>
+                  <a:ext uri="{FF2B5EF4-FFF2-40B4-BE49-F238E27FC236}">
+                    <a16:creationId xmlns:a16="http://schemas.microsoft.com/office/drawing/2014/main" id="{2F560783-B4C4-D39C-01CA-9E667D480057}"/>
+                  </a:ext>
+                </a:extLst>
+              </p:cNvPr>
+              <p:cNvSpPr txBox="1">
+                <a:spLocks noRot="1" noChangeAspect="1" noMove="1" noResize="1" noEditPoints="1" noAdjustHandles="1" noChangeArrowheads="1" noChangeShapeType="1" noTextEdit="1"/>
+              </p:cNvSpPr>
+              <p:nvPr/>
+            </p:nvSpPr>
+            <p:spPr>
+              <a:xfrm>
+                <a:off x="1501727" y="1476841"/>
+                <a:ext cx="282385" cy="430887"/>
+              </a:xfrm>
+              <a:prstGeom prst="rect">
+                <a:avLst/>
+              </a:prstGeom>
+              <a:blipFill>
+                <a:blip r:embed="rId3"/>
+                <a:stretch>
+                  <a:fillRect/>
+                </a:stretch>
+              </a:blipFill>
+            </p:spPr>
+            <p:txBody>
+              <a:bodyPr/>
+              <a:lstStyle/>
+              <a:p>
+                <a:r>
+                  <a:rPr lang="en-US">
+                    <a:noFill/>
+                  </a:rPr>
+                  <a:t> </a:t>
+                </a:r>
+              </a:p>
+            </p:txBody>
+          </p:sp>
+        </mc:Fallback>
+      </mc:AlternateContent>
+      <mc:AlternateContent xmlns:mc="http://schemas.openxmlformats.org/markup-compatibility/2006" xmlns:a14="http://schemas.microsoft.com/office/drawing/2010/main">
+        <mc:Choice Requires="a14">
+          <p:sp>
+            <p:nvSpPr>
+              <p:cNvPr id="5" name="TextBox 4">
+                <a:extLst>
+                  <a:ext uri="{FF2B5EF4-FFF2-40B4-BE49-F238E27FC236}">
+                    <a16:creationId xmlns:a16="http://schemas.microsoft.com/office/drawing/2014/main" id="{0A100195-771A-E348-3AEC-5056D5C4D4AD}"/>
+                  </a:ext>
+                </a:extLst>
+              </p:cNvPr>
+              <p:cNvSpPr txBox="1"/>
+              <p:nvPr/>
+            </p:nvSpPr>
+            <p:spPr>
+              <a:xfrm>
+                <a:off x="4595080" y="1408746"/>
+                <a:ext cx="280461" cy="430887"/>
+              </a:xfrm>
+              <a:prstGeom prst="rect">
+                <a:avLst/>
+              </a:prstGeom>
+              <a:noFill/>
+            </p:spPr>
+            <p:txBody>
+              <a:bodyPr wrap="none" lIns="0" tIns="0" rIns="0" bIns="0" rtlCol="0">
+                <a:spAutoFit/>
+              </a:bodyPr>
+              <a:lstStyle/>
+              <a:p>
+                <a:pPr/>
+                <a14:m>
+                  <m:oMathPara xmlns:m="http://schemas.openxmlformats.org/officeDocument/2006/math">
+                    <m:oMathParaPr>
+                      <m:jc m:val="centerGroup"/>
+                    </m:oMathParaPr>
+                    <m:oMath xmlns:m="http://schemas.openxmlformats.org/officeDocument/2006/math">
+                      <m:sSub>
+                        <m:sSubPr>
+                          <m:ctrlPr>
+                            <a:rPr lang="en-US" b="0" i="1" smtClean="0">
+                              <a:latin typeface="Cambria Math" panose="02040503050406030204" pitchFamily="18" charset="0"/>
+                            </a:rPr>
+                          </m:ctrlPr>
+                        </m:sSubPr>
+                        <m:e>
+                          <m:r>
+                            <a:rPr lang="en-US" b="0" i="1" smtClean="0">
+                              <a:latin typeface="Cambria Math" panose="02040503050406030204" pitchFamily="18" charset="0"/>
+                            </a:rPr>
+                            <m:t>𝑐</m:t>
+                          </m:r>
+                        </m:e>
+                        <m:sub>
+                          <m:r>
+                            <a:rPr lang="en-US" b="0" i="1" smtClean="0">
+                              <a:latin typeface="Cambria Math" panose="02040503050406030204" pitchFamily="18" charset="0"/>
+                            </a:rPr>
+                            <m:t>2</m:t>
+                          </m:r>
+                        </m:sub>
+                      </m:sSub>
+                    </m:oMath>
+                  </m:oMathPara>
+                </a14:m>
+                <a:endParaRPr lang="en-US" b="0" dirty="0"/>
+              </a:p>
+              <a:p>
+                <a:endParaRPr lang="en-US" dirty="0"/>
+              </a:p>
+            </p:txBody>
+          </p:sp>
+        </mc:Choice>
+        <mc:Fallback xmlns="">
+          <p:sp>
+            <p:nvSpPr>
+              <p:cNvPr id="5" name="TextBox 4">
+                <a:extLst>
+                  <a:ext uri="{FF2B5EF4-FFF2-40B4-BE49-F238E27FC236}">
+                    <a16:creationId xmlns:a16="http://schemas.microsoft.com/office/drawing/2014/main" id="{0A100195-771A-E348-3AEC-5056D5C4D4AD}"/>
+                  </a:ext>
+                </a:extLst>
+              </p:cNvPr>
+              <p:cNvSpPr txBox="1">
+                <a:spLocks noRot="1" noChangeAspect="1" noMove="1" noResize="1" noEditPoints="1" noAdjustHandles="1" noChangeArrowheads="1" noChangeShapeType="1" noTextEdit="1"/>
+              </p:cNvSpPr>
+              <p:nvPr/>
+            </p:nvSpPr>
+            <p:spPr>
+              <a:xfrm>
+                <a:off x="4595080" y="1408746"/>
+                <a:ext cx="280461" cy="430887"/>
+              </a:xfrm>
+              <a:prstGeom prst="rect">
+                <a:avLst/>
+              </a:prstGeom>
+              <a:blipFill>
+                <a:blip r:embed="rId4"/>
+                <a:stretch>
+                  <a:fillRect/>
+                </a:stretch>
+              </a:blipFill>
+            </p:spPr>
+            <p:txBody>
+              <a:bodyPr/>
+              <a:lstStyle/>
+              <a:p>
+                <a:r>
+                  <a:rPr lang="en-US">
+                    <a:noFill/>
+                  </a:rPr>
+                  <a:t> </a:t>
+                </a:r>
+              </a:p>
+            </p:txBody>
+          </p:sp>
+        </mc:Fallback>
+      </mc:AlternateContent>
+      <mc:AlternateContent xmlns:mc="http://schemas.openxmlformats.org/markup-compatibility/2006" xmlns:a14="http://schemas.microsoft.com/office/drawing/2010/main">
+        <mc:Choice Requires="a14">
+          <p:sp>
+            <p:nvSpPr>
+              <p:cNvPr id="6" name="TextBox 5">
+                <a:extLst>
+                  <a:ext uri="{FF2B5EF4-FFF2-40B4-BE49-F238E27FC236}">
+                    <a16:creationId xmlns:a16="http://schemas.microsoft.com/office/drawing/2014/main" id="{0696AAD6-D411-A814-5605-3A5D0CAF3C5F}"/>
+                  </a:ext>
+                </a:extLst>
+              </p:cNvPr>
+              <p:cNvSpPr txBox="1"/>
+              <p:nvPr/>
+            </p:nvSpPr>
+            <p:spPr>
+              <a:xfrm>
+                <a:off x="1533202" y="3578269"/>
+                <a:ext cx="280461" cy="430887"/>
+              </a:xfrm>
+              <a:prstGeom prst="rect">
+                <a:avLst/>
+              </a:prstGeom>
+              <a:noFill/>
+            </p:spPr>
+            <p:txBody>
+              <a:bodyPr wrap="none" lIns="0" tIns="0" rIns="0" bIns="0" rtlCol="0">
+                <a:spAutoFit/>
+              </a:bodyPr>
+              <a:lstStyle/>
+              <a:p>
+                <a:pPr/>
+                <a14:m>
+                  <m:oMathPara xmlns:m="http://schemas.openxmlformats.org/officeDocument/2006/math">
+                    <m:oMathParaPr>
+                      <m:jc m:val="centerGroup"/>
+                    </m:oMathParaPr>
+                    <m:oMath xmlns:m="http://schemas.openxmlformats.org/officeDocument/2006/math">
+                      <m:sSub>
+                        <m:sSubPr>
+                          <m:ctrlPr>
+                            <a:rPr lang="en-US" b="0" i="1" smtClean="0">
+                              <a:latin typeface="Cambria Math" panose="02040503050406030204" pitchFamily="18" charset="0"/>
+                            </a:rPr>
+                          </m:ctrlPr>
+                        </m:sSubPr>
+                        <m:e>
+                          <m:r>
+                            <a:rPr lang="en-US" b="0" i="1" smtClean="0">
+                              <a:latin typeface="Cambria Math" panose="02040503050406030204" pitchFamily="18" charset="0"/>
+                            </a:rPr>
+                            <m:t>𝑐</m:t>
+                          </m:r>
+                        </m:e>
+                        <m:sub>
+                          <m:r>
+                            <a:rPr lang="en-US" b="0" i="1" smtClean="0">
+                              <a:latin typeface="Cambria Math" panose="02040503050406030204" pitchFamily="18" charset="0"/>
+                            </a:rPr>
+                            <m:t>3</m:t>
+                          </m:r>
+                        </m:sub>
+                      </m:sSub>
+                    </m:oMath>
+                  </m:oMathPara>
+                </a14:m>
+                <a:endParaRPr lang="en-US" b="0" dirty="0"/>
+              </a:p>
+              <a:p>
+                <a:endParaRPr lang="en-US" dirty="0"/>
+              </a:p>
+            </p:txBody>
+          </p:sp>
+        </mc:Choice>
+        <mc:Fallback xmlns="">
+          <p:sp>
+            <p:nvSpPr>
+              <p:cNvPr id="6" name="TextBox 5">
+                <a:extLst>
+                  <a:ext uri="{FF2B5EF4-FFF2-40B4-BE49-F238E27FC236}">
+                    <a16:creationId xmlns:a16="http://schemas.microsoft.com/office/drawing/2014/main" id="{0696AAD6-D411-A814-5605-3A5D0CAF3C5F}"/>
+                  </a:ext>
+                </a:extLst>
+              </p:cNvPr>
+              <p:cNvSpPr txBox="1">
+                <a:spLocks noRot="1" noChangeAspect="1" noMove="1" noResize="1" noEditPoints="1" noAdjustHandles="1" noChangeArrowheads="1" noChangeShapeType="1" noTextEdit="1"/>
+              </p:cNvSpPr>
+              <p:nvPr/>
+            </p:nvSpPr>
+            <p:spPr>
+              <a:xfrm>
+                <a:off x="1533202" y="3578269"/>
+                <a:ext cx="280461" cy="430887"/>
+              </a:xfrm>
+              <a:prstGeom prst="rect">
+                <a:avLst/>
+              </a:prstGeom>
+              <a:blipFill>
+                <a:blip r:embed="rId5"/>
+                <a:stretch>
+                  <a:fillRect/>
+                </a:stretch>
+              </a:blipFill>
+            </p:spPr>
+            <p:txBody>
+              <a:bodyPr/>
+              <a:lstStyle/>
+              <a:p>
+                <a:r>
+                  <a:rPr lang="en-US">
+                    <a:noFill/>
+                  </a:rPr>
+                  <a:t> </a:t>
+                </a:r>
+              </a:p>
+            </p:txBody>
+          </p:sp>
+        </mc:Fallback>
+      </mc:AlternateContent>
+      <mc:AlternateContent xmlns:mc="http://schemas.openxmlformats.org/markup-compatibility/2006" xmlns:a14="http://schemas.microsoft.com/office/drawing/2010/main">
+        <mc:Choice Requires="a14">
+          <p:sp>
+            <p:nvSpPr>
+              <p:cNvPr id="7" name="TextBox 6">
+                <a:extLst>
+                  <a:ext uri="{FF2B5EF4-FFF2-40B4-BE49-F238E27FC236}">
+                    <a16:creationId xmlns:a16="http://schemas.microsoft.com/office/drawing/2014/main" id="{E2E55B04-E95B-DAF8-D7EE-C127F4393E80}"/>
+                  </a:ext>
+                </a:extLst>
+              </p:cNvPr>
+              <p:cNvSpPr txBox="1"/>
+              <p:nvPr/>
+            </p:nvSpPr>
+            <p:spPr>
+              <a:xfrm>
+                <a:off x="4595080" y="3525463"/>
+                <a:ext cx="280461" cy="430887"/>
+              </a:xfrm>
+              <a:prstGeom prst="rect">
+                <a:avLst/>
+              </a:prstGeom>
+              <a:noFill/>
+            </p:spPr>
+            <p:txBody>
+              <a:bodyPr wrap="none" lIns="0" tIns="0" rIns="0" bIns="0" rtlCol="0">
+                <a:spAutoFit/>
+              </a:bodyPr>
+              <a:lstStyle/>
+              <a:p>
+                <a:pPr/>
+                <a14:m>
+                  <m:oMathPara xmlns:m="http://schemas.openxmlformats.org/officeDocument/2006/math">
+                    <m:oMathParaPr>
+                      <m:jc m:val="centerGroup"/>
+                    </m:oMathParaPr>
+                    <m:oMath xmlns:m="http://schemas.openxmlformats.org/officeDocument/2006/math">
+                      <m:sSub>
+                        <m:sSubPr>
+                          <m:ctrlPr>
+                            <a:rPr lang="en-US" b="0" i="1" smtClean="0">
+                              <a:latin typeface="Cambria Math" panose="02040503050406030204" pitchFamily="18" charset="0"/>
+                            </a:rPr>
+                          </m:ctrlPr>
+                        </m:sSubPr>
+                        <m:e>
+                          <m:r>
+                            <a:rPr lang="en-US" b="0" i="1" smtClean="0">
+                              <a:latin typeface="Cambria Math" panose="02040503050406030204" pitchFamily="18" charset="0"/>
+                            </a:rPr>
+                            <m:t>𝑐</m:t>
+                          </m:r>
+                        </m:e>
+                        <m:sub>
+                          <m:r>
+                            <a:rPr lang="en-US" b="0" i="1" smtClean="0">
+                              <a:latin typeface="Cambria Math" panose="02040503050406030204" pitchFamily="18" charset="0"/>
+                            </a:rPr>
+                            <m:t>4</m:t>
+                          </m:r>
+                        </m:sub>
+                      </m:sSub>
+                    </m:oMath>
+                  </m:oMathPara>
+                </a14:m>
+                <a:endParaRPr lang="en-US" b="0" dirty="0"/>
+              </a:p>
+              <a:p>
+                <a:endParaRPr lang="en-US" dirty="0"/>
+              </a:p>
+            </p:txBody>
+          </p:sp>
+        </mc:Choice>
+        <mc:Fallback xmlns="">
+          <p:sp>
+            <p:nvSpPr>
+              <p:cNvPr id="7" name="TextBox 6">
+                <a:extLst>
+                  <a:ext uri="{FF2B5EF4-FFF2-40B4-BE49-F238E27FC236}">
+                    <a16:creationId xmlns:a16="http://schemas.microsoft.com/office/drawing/2014/main" id="{E2E55B04-E95B-DAF8-D7EE-C127F4393E80}"/>
+                  </a:ext>
+                </a:extLst>
+              </p:cNvPr>
+              <p:cNvSpPr txBox="1">
+                <a:spLocks noRot="1" noChangeAspect="1" noMove="1" noResize="1" noEditPoints="1" noAdjustHandles="1" noChangeArrowheads="1" noChangeShapeType="1" noTextEdit="1"/>
+              </p:cNvSpPr>
+              <p:nvPr/>
+            </p:nvSpPr>
+            <p:spPr>
+              <a:xfrm>
+                <a:off x="4595080" y="3525463"/>
+                <a:ext cx="280461" cy="430887"/>
+              </a:xfrm>
+              <a:prstGeom prst="rect">
+                <a:avLst/>
+              </a:prstGeom>
+              <a:blipFill>
+                <a:blip r:embed="rId6"/>
+                <a:stretch>
+                  <a:fillRect/>
+                </a:stretch>
+              </a:blipFill>
+            </p:spPr>
+            <p:txBody>
+              <a:bodyPr/>
+              <a:lstStyle/>
+              <a:p>
+                <a:r>
+                  <a:rPr lang="en-US">
+                    <a:noFill/>
+                  </a:rPr>
+                  <a:t> </a:t>
+                </a:r>
+              </a:p>
+            </p:txBody>
+          </p:sp>
+        </mc:Fallback>
+      </mc:AlternateContent>
+      <mc:AlternateContent xmlns:mc="http://schemas.openxmlformats.org/markup-compatibility/2006" xmlns:a14="http://schemas.microsoft.com/office/drawing/2010/main">
+        <mc:Choice Requires="a14">
+          <p:sp>
+            <p:nvSpPr>
+              <p:cNvPr id="8" name="TextBox 7">
+                <a:extLst>
+                  <a:ext uri="{FF2B5EF4-FFF2-40B4-BE49-F238E27FC236}">
+                    <a16:creationId xmlns:a16="http://schemas.microsoft.com/office/drawing/2014/main" id="{4F81B2A1-0202-C99B-3168-A8A97CF4CA10}"/>
+                  </a:ext>
+                </a:extLst>
+              </p:cNvPr>
+              <p:cNvSpPr txBox="1"/>
+              <p:nvPr/>
+            </p:nvSpPr>
+            <p:spPr>
+              <a:xfrm>
+                <a:off x="5977911" y="1673790"/>
+                <a:ext cx="2680567" cy="1600438"/>
+              </a:xfrm>
+              <a:prstGeom prst="rect">
+                <a:avLst/>
+              </a:prstGeom>
+              <a:noFill/>
+            </p:spPr>
+            <p:txBody>
+              <a:bodyPr wrap="square" rtlCol="0">
+                <a:spAutoFit/>
+              </a:bodyPr>
+              <a:lstStyle/>
+              <a:p>
+                <a14:m>
+                  <m:oMath xmlns:m="http://schemas.openxmlformats.org/officeDocument/2006/math">
+                    <m:sSub>
+                      <m:sSubPr>
+                        <m:ctrlPr>
+                          <a:rPr lang="en-US" b="0" i="1" smtClean="0">
+                            <a:latin typeface="Cambria Math" panose="02040503050406030204" pitchFamily="18" charset="0"/>
+                            <a:ea typeface="Cambria Math" panose="02040503050406030204" pitchFamily="18" charset="0"/>
+                          </a:rPr>
+                        </m:ctrlPr>
+                      </m:sSubPr>
+                      <m:e>
+                        <m:r>
+                          <a:rPr lang="en-US" b="0" i="1" smtClean="0">
+                            <a:latin typeface="Cambria Math" panose="02040503050406030204" pitchFamily="18" charset="0"/>
+                            <a:ea typeface="Cambria Math" panose="02040503050406030204" pitchFamily="18" charset="0"/>
+                          </a:rPr>
+                          <m:t>𝑐</m:t>
+                        </m:r>
+                      </m:e>
+                      <m:sub>
+                        <m:r>
+                          <a:rPr lang="en-US" b="0" i="1" smtClean="0">
+                            <a:latin typeface="Cambria Math" panose="02040503050406030204" pitchFamily="18" charset="0"/>
+                            <a:ea typeface="Cambria Math" panose="02040503050406030204" pitchFamily="18" charset="0"/>
+                          </a:rPr>
+                          <m:t>𝑖</m:t>
+                        </m:r>
+                      </m:sub>
+                    </m:sSub>
+                  </m:oMath>
+                </a14:m>
+                <a:r>
+                  <a:rPr lang="en-US" b="0" dirty="0">
+                    <a:latin typeface="Cambria Math" panose="02040503050406030204" pitchFamily="18" charset="0"/>
+                    <a:ea typeface="Cambria Math" panose="02040503050406030204" pitchFamily="18" charset="0"/>
+                  </a:rPr>
+                  <a:t>: contact between each group</a:t>
+                </a:r>
+              </a:p>
+              <a:p>
+                <a:endParaRPr lang="en-US" dirty="0">
+                  <a:latin typeface="Cambria Math" panose="02040503050406030204" pitchFamily="18" charset="0"/>
+                  <a:ea typeface="Cambria Math" panose="02040503050406030204" pitchFamily="18" charset="0"/>
+                </a:endParaRPr>
+              </a:p>
+              <a:p>
+                <a:endParaRPr lang="en-US" dirty="0">
+                  <a:latin typeface="Cambria Math" panose="02040503050406030204" pitchFamily="18" charset="0"/>
+                  <a:ea typeface="Cambria Math" panose="02040503050406030204" pitchFamily="18" charset="0"/>
+                </a:endParaRPr>
+              </a:p>
+              <a:p>
+                <a:endParaRPr lang="en-US" dirty="0">
+                  <a:latin typeface="Cambria Math" panose="02040503050406030204" pitchFamily="18" charset="0"/>
+                  <a:ea typeface="Cambria Math" panose="02040503050406030204" pitchFamily="18" charset="0"/>
+                </a:endParaRPr>
+              </a:p>
+              <a:p>
+                <a:endParaRPr lang="en-US" dirty="0">
+                  <a:latin typeface="Cambria Math" panose="02040503050406030204" pitchFamily="18" charset="0"/>
+                  <a:ea typeface="Cambria Math" panose="02040503050406030204" pitchFamily="18" charset="0"/>
+                </a:endParaRPr>
+              </a:p>
+              <a:p>
+                <a:endParaRPr lang="en-US" dirty="0">
+                  <a:latin typeface="Cambria Math" panose="02040503050406030204" pitchFamily="18" charset="0"/>
+                  <a:ea typeface="Cambria Math" panose="02040503050406030204" pitchFamily="18" charset="0"/>
+                </a:endParaRPr>
+              </a:p>
+              <a:p>
+                <a:endParaRPr lang="en-US" dirty="0">
+                  <a:latin typeface="Cambria Math" panose="02040503050406030204" pitchFamily="18" charset="0"/>
+                  <a:ea typeface="Cambria Math" panose="02040503050406030204" pitchFamily="18" charset="0"/>
+                </a:endParaRPr>
+              </a:p>
+            </p:txBody>
+          </p:sp>
+        </mc:Choice>
+        <mc:Fallback xmlns="">
+          <p:sp>
+            <p:nvSpPr>
+              <p:cNvPr id="8" name="TextBox 7">
+                <a:extLst>
+                  <a:ext uri="{FF2B5EF4-FFF2-40B4-BE49-F238E27FC236}">
+                    <a16:creationId xmlns:a16="http://schemas.microsoft.com/office/drawing/2014/main" id="{4F81B2A1-0202-C99B-3168-A8A97CF4CA10}"/>
+                  </a:ext>
+                </a:extLst>
+              </p:cNvPr>
+              <p:cNvSpPr txBox="1">
+                <a:spLocks noRot="1" noChangeAspect="1" noMove="1" noResize="1" noEditPoints="1" noAdjustHandles="1" noChangeArrowheads="1" noChangeShapeType="1" noTextEdit="1"/>
+              </p:cNvSpPr>
+              <p:nvPr/>
+            </p:nvSpPr>
+            <p:spPr>
+              <a:xfrm>
+                <a:off x="5977911" y="1673790"/>
+                <a:ext cx="2680567" cy="1600438"/>
+              </a:xfrm>
+              <a:prstGeom prst="rect">
+                <a:avLst/>
+              </a:prstGeom>
+              <a:blipFill>
+                <a:blip r:embed="rId7"/>
+                <a:stretch>
+                  <a:fillRect t="-794"/>
+                </a:stretch>
+              </a:blipFill>
+            </p:spPr>
+            <p:txBody>
+              <a:bodyPr/>
+              <a:lstStyle/>
+              <a:p>
+                <a:r>
+                  <a:rPr lang="en-US">
+                    <a:noFill/>
+                  </a:rPr>
+                  <a:t> </a:t>
+                </a:r>
+              </a:p>
+            </p:txBody>
+          </p:sp>
+        </mc:Fallback>
+      </mc:AlternateContent>
     </p:spTree>
     <p:extLst>
       <p:ext uri="{BB962C8B-B14F-4D97-AF65-F5344CB8AC3E}">
@@ -7735,10 +8600,14 @@
               <a:buNone/>
             </a:pPr>
             <a:r>
-              <a:rPr lang="en" dirty="0"/>
-              <a:t>SEIRD Model </a:t>
+              <a:rPr lang="en" dirty="0">
+                <a:latin typeface="Georgia Pro" panose="02040502050405020303" pitchFamily="18" charset="0"/>
+              </a:rPr>
+              <a:t>Age-Stratified SEIRD Model </a:t>
             </a:r>
-            <a:endParaRPr i="1" dirty="0"/>
+            <a:endParaRPr i="1" dirty="0">
+              <a:latin typeface="Georgia Pro" panose="02040502050405020303" pitchFamily="18" charset="0"/>
+            </a:endParaRPr>
           </a:p>
         </p:txBody>
       </p:sp>
@@ -8222,8 +9091,8 @@
           </a:fontRef>
         </p:style>
       </p:cxnSp>
-      <mc:AlternateContent xmlns:mc="http://schemas.openxmlformats.org/markup-compatibility/2006">
-        <mc:Choice xmlns:a14="http://schemas.microsoft.com/office/drawing/2010/main" Requires="a14">
+      <mc:AlternateContent xmlns:mc="http://schemas.openxmlformats.org/markup-compatibility/2006" xmlns:a14="http://schemas.microsoft.com/office/drawing/2010/main">
+        <mc:Choice Requires="a14">
           <p:sp>
             <p:nvSpPr>
               <p:cNvPr id="14" name="TextBox 13">
@@ -8238,8 +9107,8 @@
             </p:nvSpPr>
             <p:spPr>
               <a:xfrm>
-                <a:off x="1475502" y="1441886"/>
-                <a:ext cx="330411" cy="307777"/>
+                <a:off x="1510810" y="1441649"/>
+                <a:ext cx="918411" cy="292388"/>
               </a:xfrm>
               <a:prstGeom prst="rect">
                 <a:avLst/>
@@ -8252,29 +9121,26 @@
               </a:bodyPr>
               <a:lstStyle/>
               <a:p>
-                <a:pPr/>
                 <a14:m>
-                  <m:oMathPara xmlns:m="http://schemas.openxmlformats.org/officeDocument/2006/math">
-                    <m:oMathParaPr>
-                      <m:jc m:val="centerGroup"/>
-                    </m:oMathParaPr>
-                    <m:oMath xmlns:m="http://schemas.openxmlformats.org/officeDocument/2006/math">
-                      <m:r>
-                        <a:rPr lang="en-US" i="1" smtClean="0">
-                          <a:latin typeface="Cambria Math" panose="02040503050406030204" pitchFamily="18" charset="0"/>
-                          <a:ea typeface="Cambria Math" panose="02040503050406030204" pitchFamily="18" charset="0"/>
-                        </a:rPr>
-                        <m:t>𝜆</m:t>
-                      </m:r>
-                    </m:oMath>
-                  </m:oMathPara>
+                  <m:oMath xmlns:m="http://schemas.openxmlformats.org/officeDocument/2006/math">
+                    <m:r>
+                      <a:rPr lang="en-US" sz="1300" i="1" smtClean="0">
+                        <a:latin typeface="Cambria Math" panose="02040503050406030204" pitchFamily="18" charset="0"/>
+                        <a:ea typeface="Cambria Math" panose="02040503050406030204" pitchFamily="18" charset="0"/>
+                      </a:rPr>
+                      <m:t>𝜆</m:t>
+                    </m:r>
+                  </m:oMath>
                 </a14:m>
-                <a:endParaRPr lang="en-US" dirty="0"/>
+                <a:r>
+                  <a:rPr lang="en-US" sz="1300" dirty="0"/>
+                  <a:t> </a:t>
+                </a:r>
               </a:p>
             </p:txBody>
           </p:sp>
         </mc:Choice>
-        <mc:Fallback>
+        <mc:Fallback xmlns="">
           <p:sp>
             <p:nvSpPr>
               <p:cNvPr id="14" name="TextBox 13">
@@ -8291,8 +9157,8 @@
             </p:nvSpPr>
             <p:spPr>
               <a:xfrm>
-                <a:off x="1475502" y="1441886"/>
-                <a:ext cx="330411" cy="307777"/>
+                <a:off x="1510810" y="1441649"/>
+                <a:ext cx="918411" cy="292388"/>
               </a:xfrm>
               <a:prstGeom prst="rect">
                 <a:avLst/>
@@ -8319,8 +9185,8 @@
           </p:sp>
         </mc:Fallback>
       </mc:AlternateContent>
-      <mc:AlternateContent xmlns:mc="http://schemas.openxmlformats.org/markup-compatibility/2006">
-        <mc:Choice xmlns:a14="http://schemas.microsoft.com/office/drawing/2010/main" Requires="a14">
+      <mc:AlternateContent xmlns:mc="http://schemas.openxmlformats.org/markup-compatibility/2006" xmlns:a14="http://schemas.microsoft.com/office/drawing/2010/main">
+        <mc:Choice Requires="a14">
           <p:sp>
             <p:nvSpPr>
               <p:cNvPr id="15" name="TextBox 14">
@@ -8376,7 +9242,7 @@
             </p:txBody>
           </p:sp>
         </mc:Choice>
-        <mc:Fallback>
+        <mc:Fallback xmlns="">
           <p:sp>
             <p:nvSpPr>
               <p:cNvPr id="15" name="TextBox 14">
@@ -8421,8 +9287,8 @@
           </p:sp>
         </mc:Fallback>
       </mc:AlternateContent>
-      <mc:AlternateContent xmlns:mc="http://schemas.openxmlformats.org/markup-compatibility/2006">
-        <mc:Choice xmlns:a14="http://schemas.microsoft.com/office/drawing/2010/main" Requires="a14">
+      <mc:AlternateContent xmlns:mc="http://schemas.openxmlformats.org/markup-compatibility/2006" xmlns:a14="http://schemas.microsoft.com/office/drawing/2010/main">
+        <mc:Choice Requires="a14">
           <p:sp>
             <p:nvSpPr>
               <p:cNvPr id="16" name="TextBox 15">
@@ -8473,7 +9339,7 @@
             </p:txBody>
           </p:sp>
         </mc:Choice>
-        <mc:Fallback>
+        <mc:Fallback xmlns="">
           <p:sp>
             <p:nvSpPr>
               <p:cNvPr id="16" name="TextBox 15">
@@ -8518,8 +9384,8 @@
           </p:sp>
         </mc:Fallback>
       </mc:AlternateContent>
-      <mc:AlternateContent xmlns:mc="http://schemas.openxmlformats.org/markup-compatibility/2006">
-        <mc:Choice xmlns:a14="http://schemas.microsoft.com/office/drawing/2010/main" Requires="a14">
+      <mc:AlternateContent xmlns:mc="http://schemas.openxmlformats.org/markup-compatibility/2006" xmlns:a14="http://schemas.microsoft.com/office/drawing/2010/main">
+        <mc:Choice Requires="a14">
           <p:sp>
             <p:nvSpPr>
               <p:cNvPr id="17" name="TextBox 16">
@@ -8591,13 +9457,12 @@
                 </a:endParaRPr>
               </a:p>
               <a:p>
-                <a:pPr/>
                 <a:endParaRPr lang="en-US" dirty="0"/>
               </a:p>
             </p:txBody>
           </p:sp>
         </mc:Choice>
-        <mc:Fallback>
+        <mc:Fallback xmlns="">
           <p:sp>
             <p:nvSpPr>
               <p:cNvPr id="17" name="TextBox 16">
@@ -8911,8 +9776,8 @@
           </a:fontRef>
         </p:style>
       </p:cxnSp>
-      <mc:AlternateContent xmlns:mc="http://schemas.openxmlformats.org/markup-compatibility/2006">
-        <mc:Choice xmlns:a14="http://schemas.microsoft.com/office/drawing/2010/main" Requires="a14">
+      <mc:AlternateContent xmlns:mc="http://schemas.openxmlformats.org/markup-compatibility/2006" xmlns:a14="http://schemas.microsoft.com/office/drawing/2010/main">
+        <mc:Choice Requires="a14">
           <p:sp>
             <p:nvSpPr>
               <p:cNvPr id="27" name="TextBox 26">
@@ -8977,7 +9842,7 @@
             </p:txBody>
           </p:sp>
         </mc:Choice>
-        <mc:Fallback>
+        <mc:Fallback xmlns="">
           <p:sp>
             <p:nvSpPr>
               <p:cNvPr id="27" name="TextBox 26">
@@ -9022,8 +9887,8 @@
           </p:sp>
         </mc:Fallback>
       </mc:AlternateContent>
-      <mc:AlternateContent xmlns:mc="http://schemas.openxmlformats.org/markup-compatibility/2006">
-        <mc:Choice xmlns:a14="http://schemas.microsoft.com/office/drawing/2010/main" Requires="a14">
+      <mc:AlternateContent xmlns:mc="http://schemas.openxmlformats.org/markup-compatibility/2006" xmlns:a14="http://schemas.microsoft.com/office/drawing/2010/main">
+        <mc:Choice Requires="a14">
           <p:sp>
             <p:nvSpPr>
               <p:cNvPr id="28" name="TextBox 27">
@@ -9079,7 +9944,7 @@
             </p:txBody>
           </p:sp>
         </mc:Choice>
-        <mc:Fallback>
+        <mc:Fallback xmlns="">
           <p:sp>
             <p:nvSpPr>
               <p:cNvPr id="28" name="TextBox 27">
@@ -9174,8 +10039,8 @@
           </a:fontRef>
         </p:style>
       </p:cxnSp>
-      <mc:AlternateContent xmlns:mc="http://schemas.openxmlformats.org/markup-compatibility/2006">
-        <mc:Choice xmlns:a14="http://schemas.microsoft.com/office/drawing/2010/main" Requires="a14">
+      <mc:AlternateContent xmlns:mc="http://schemas.openxmlformats.org/markup-compatibility/2006" xmlns:a14="http://schemas.microsoft.com/office/drawing/2010/main">
+        <mc:Choice Requires="a14">
           <p:sp>
             <p:nvSpPr>
               <p:cNvPr id="34" name="TextBox 33">
@@ -9226,7 +10091,7 @@
             </p:txBody>
           </p:sp>
         </mc:Choice>
-        <mc:Fallback>
+        <mc:Fallback xmlns="">
           <p:sp>
             <p:nvSpPr>
               <p:cNvPr id="34" name="TextBox 33">
@@ -9321,8 +10186,8 @@
           </a:fontRef>
         </p:style>
       </p:cxnSp>
-      <mc:AlternateContent xmlns:mc="http://schemas.openxmlformats.org/markup-compatibility/2006">
-        <mc:Choice xmlns:a14="http://schemas.microsoft.com/office/drawing/2010/main" Requires="a14">
+      <mc:AlternateContent xmlns:mc="http://schemas.openxmlformats.org/markup-compatibility/2006" xmlns:a14="http://schemas.microsoft.com/office/drawing/2010/main">
+        <mc:Choice Requires="a14">
           <p:sp>
             <p:nvSpPr>
               <p:cNvPr id="206" name="TextBox 205">
@@ -9387,7 +10252,7 @@
             </p:txBody>
           </p:sp>
         </mc:Choice>
-        <mc:Fallback>
+        <mc:Fallback xmlns="">
           <p:sp>
             <p:nvSpPr>
               <p:cNvPr id="206" name="TextBox 205">
@@ -9479,8 +10344,8 @@
           </a:fontRef>
         </p:style>
       </p:cxnSp>
-      <mc:AlternateContent xmlns:mc="http://schemas.openxmlformats.org/markup-compatibility/2006">
-        <mc:Choice xmlns:a14="http://schemas.microsoft.com/office/drawing/2010/main" Requires="a14">
+      <mc:AlternateContent xmlns:mc="http://schemas.openxmlformats.org/markup-compatibility/2006" xmlns:a14="http://schemas.microsoft.com/office/drawing/2010/main">
+        <mc:Choice Requires="a14">
           <p:sp>
             <p:nvSpPr>
               <p:cNvPr id="212" name="TextBox 211">
@@ -9544,7 +10409,7 @@
             </p:txBody>
           </p:sp>
         </mc:Choice>
-        <mc:Fallback>
+        <mc:Fallback xmlns="">
           <p:sp>
             <p:nvSpPr>
               <p:cNvPr id="212" name="TextBox 211">
@@ -9635,8 +10500,8 @@
           </a:fontRef>
         </p:style>
       </p:cxnSp>
-      <mc:AlternateContent xmlns:mc="http://schemas.openxmlformats.org/markup-compatibility/2006">
-        <mc:Choice xmlns:a14="http://schemas.microsoft.com/office/drawing/2010/main" Requires="a14">
+      <mc:AlternateContent xmlns:mc="http://schemas.openxmlformats.org/markup-compatibility/2006" xmlns:a14="http://schemas.microsoft.com/office/drawing/2010/main">
+        <mc:Choice Requires="a14">
           <p:sp>
             <p:nvSpPr>
               <p:cNvPr id="218" name="TextBox 217">
@@ -9700,7 +10565,7 @@
             </p:txBody>
           </p:sp>
         </mc:Choice>
-        <mc:Fallback>
+        <mc:Fallback xmlns="">
           <p:sp>
             <p:nvSpPr>
               <p:cNvPr id="218" name="TextBox 217">
@@ -9791,8 +10656,8 @@
           </a:fontRef>
         </p:style>
       </p:cxnSp>
-      <mc:AlternateContent xmlns:mc="http://schemas.openxmlformats.org/markup-compatibility/2006">
-        <mc:Choice xmlns:a14="http://schemas.microsoft.com/office/drawing/2010/main" Requires="a14">
+      <mc:AlternateContent xmlns:mc="http://schemas.openxmlformats.org/markup-compatibility/2006" xmlns:a14="http://schemas.microsoft.com/office/drawing/2010/main">
+        <mc:Choice Requires="a14">
           <p:sp>
             <p:nvSpPr>
               <p:cNvPr id="220" name="TextBox 219">
@@ -9856,7 +10721,7 @@
             </p:txBody>
           </p:sp>
         </mc:Choice>
-        <mc:Fallback>
+        <mc:Fallback xmlns="">
           <p:sp>
             <p:nvSpPr>
               <p:cNvPr id="220" name="TextBox 219">
@@ -9947,8 +10812,8 @@
           </a:fontRef>
         </p:style>
       </p:cxnSp>
-      <mc:AlternateContent xmlns:mc="http://schemas.openxmlformats.org/markup-compatibility/2006">
-        <mc:Choice xmlns:a14="http://schemas.microsoft.com/office/drawing/2010/main" Requires="a14">
+      <mc:AlternateContent xmlns:mc="http://schemas.openxmlformats.org/markup-compatibility/2006" xmlns:a14="http://schemas.microsoft.com/office/drawing/2010/main">
+        <mc:Choice Requires="a14">
           <p:sp>
             <p:nvSpPr>
               <p:cNvPr id="227" name="TextBox 226">
@@ -10012,7 +10877,7 @@
             </p:txBody>
           </p:sp>
         </mc:Choice>
-        <mc:Fallback>
+        <mc:Fallback xmlns="">
           <p:sp>
             <p:nvSpPr>
               <p:cNvPr id="227" name="TextBox 226">
@@ -10103,8 +10968,8 @@
           </a:fontRef>
         </p:style>
       </p:cxnSp>
-      <mc:AlternateContent xmlns:mc="http://schemas.openxmlformats.org/markup-compatibility/2006">
-        <mc:Choice xmlns:a14="http://schemas.microsoft.com/office/drawing/2010/main" Requires="a14">
+      <mc:AlternateContent xmlns:mc="http://schemas.openxmlformats.org/markup-compatibility/2006" xmlns:a14="http://schemas.microsoft.com/office/drawing/2010/main">
+        <mc:Choice Requires="a14">
           <p:sp>
             <p:nvSpPr>
               <p:cNvPr id="229" name="TextBox 228">
@@ -10168,7 +11033,7 @@
             </p:txBody>
           </p:sp>
         </mc:Choice>
-        <mc:Fallback>
+        <mc:Fallback xmlns="">
           <p:sp>
             <p:nvSpPr>
               <p:cNvPr id="229" name="TextBox 228">
@@ -10259,8 +11124,8 @@
           </a:fontRef>
         </p:style>
       </p:cxnSp>
-      <mc:AlternateContent xmlns:mc="http://schemas.openxmlformats.org/markup-compatibility/2006">
-        <mc:Choice xmlns:a14="http://schemas.microsoft.com/office/drawing/2010/main" Requires="a14">
+      <mc:AlternateContent xmlns:mc="http://schemas.openxmlformats.org/markup-compatibility/2006" xmlns:a14="http://schemas.microsoft.com/office/drawing/2010/main">
+        <mc:Choice Requires="a14">
           <p:sp>
             <p:nvSpPr>
               <p:cNvPr id="231" name="TextBox 230">
@@ -10324,7 +11189,7 @@
             </p:txBody>
           </p:sp>
         </mc:Choice>
-        <mc:Fallback>
+        <mc:Fallback xmlns="">
           <p:sp>
             <p:nvSpPr>
               <p:cNvPr id="231" name="TextBox 230">
@@ -10369,8 +11234,8 @@
           </p:sp>
         </mc:Fallback>
       </mc:AlternateContent>
-      <mc:AlternateContent xmlns:mc="http://schemas.openxmlformats.org/markup-compatibility/2006">
-        <mc:Choice xmlns:a14="http://schemas.microsoft.com/office/drawing/2010/main" Requires="a14">
+      <mc:AlternateContent xmlns:mc="http://schemas.openxmlformats.org/markup-compatibility/2006" xmlns:a14="http://schemas.microsoft.com/office/drawing/2010/main">
+        <mc:Choice Requires="a14">
           <p:sp>
             <p:nvSpPr>
               <p:cNvPr id="39" name="TextBox 38">
@@ -10385,8 +11250,8 @@
             </p:nvSpPr>
             <p:spPr>
               <a:xfrm>
-                <a:off x="5832254" y="1614442"/>
-                <a:ext cx="1952779" cy="3323987"/>
+                <a:off x="5884464" y="1452975"/>
+                <a:ext cx="2157963" cy="3539430"/>
               </a:xfrm>
               <a:prstGeom prst="rect">
                 <a:avLst/>
@@ -10425,6 +11290,47 @@
                     <a:ea typeface="Cambria Math" panose="02040503050406030204" pitchFamily="18" charset="0"/>
                   </a:rPr>
                   <a:t>force of infection</a:t>
+                </a:r>
+              </a:p>
+              <a:p>
+                <a14:m>
+                  <m:oMath xmlns:m="http://schemas.openxmlformats.org/officeDocument/2006/math">
+                    <m:r>
+                      <a:rPr lang="en-US" b="0" i="1" smtClean="0">
+                        <a:latin typeface="Cambria Math" panose="02040503050406030204" pitchFamily="18" charset="0"/>
+                        <a:ea typeface="Cambria Math" panose="02040503050406030204" pitchFamily="18" charset="0"/>
+                      </a:rPr>
+                      <m:t>𝑣</m:t>
+                    </m:r>
+                    <m:r>
+                      <a:rPr lang="en-US" b="0" i="1" smtClean="0">
+                        <a:latin typeface="Cambria Math" panose="02040503050406030204" pitchFamily="18" charset="0"/>
+                        <a:ea typeface="Cambria Math" panose="02040503050406030204" pitchFamily="18" charset="0"/>
+                      </a:rPr>
+                      <m:t>(</m:t>
+                    </m:r>
+                    <m:r>
+                      <a:rPr lang="en-US" b="0" i="1" smtClean="0">
+                        <a:latin typeface="Cambria Math" panose="02040503050406030204" pitchFamily="18" charset="0"/>
+                        <a:ea typeface="Cambria Math" panose="02040503050406030204" pitchFamily="18" charset="0"/>
+                      </a:rPr>
+                      <m:t>𝑡</m:t>
+                    </m:r>
+                    <m:r>
+                      <a:rPr lang="en-US" b="0" i="1" smtClean="0">
+                        <a:latin typeface="Cambria Math" panose="02040503050406030204" pitchFamily="18" charset="0"/>
+                        <a:ea typeface="Cambria Math" panose="02040503050406030204" pitchFamily="18" charset="0"/>
+                      </a:rPr>
+                      <m:t>)</m:t>
+                    </m:r>
+                  </m:oMath>
+                </a14:m>
+                <a:r>
+                  <a:rPr lang="en-US" dirty="0">
+                    <a:latin typeface="Cambria Math" panose="02040503050406030204" pitchFamily="18" charset="0"/>
+                    <a:ea typeface="Cambria Math" panose="02040503050406030204" pitchFamily="18" charset="0"/>
+                  </a:rPr>
+                  <a:t>: vaccination function</a:t>
                 </a:r>
               </a:p>
               <a:p>
@@ -10621,7 +11527,7 @@
             </p:txBody>
           </p:sp>
         </mc:Choice>
-        <mc:Fallback>
+        <mc:Fallback xmlns="">
           <p:sp>
             <p:nvSpPr>
               <p:cNvPr id="39" name="TextBox 38">
@@ -10638,8 +11544,8 @@
             </p:nvSpPr>
             <p:spPr>
               <a:xfrm>
-                <a:off x="5832254" y="1614442"/>
-                <a:ext cx="1952779" cy="3323987"/>
+                <a:off x="5884464" y="1452975"/>
+                <a:ext cx="2157963" cy="3539430"/>
               </a:xfrm>
               <a:prstGeom prst="rect">
                 <a:avLst/>
@@ -10647,7 +11553,7 @@
               <a:blipFill>
                 <a:blip r:embed="rId16"/>
                 <a:stretch>
-                  <a:fillRect t="-382"/>
+                  <a:fillRect t="-357"/>
                 </a:stretch>
               </a:blipFill>
             </p:spPr>
@@ -10876,8 +11782,8 @@
           </a:fontRef>
         </p:style>
       </p:cxnSp>
-      <mc:AlternateContent xmlns:mc="http://schemas.openxmlformats.org/markup-compatibility/2006">
-        <mc:Choice xmlns:a14="http://schemas.microsoft.com/office/drawing/2010/main" Requires="a14">
+      <mc:AlternateContent xmlns:mc="http://schemas.openxmlformats.org/markup-compatibility/2006" xmlns:a14="http://schemas.microsoft.com/office/drawing/2010/main">
+        <mc:Choice Requires="a14">
           <p:sp>
             <p:nvSpPr>
               <p:cNvPr id="59" name="TextBox 58">
@@ -10928,7 +11834,7 @@
             </p:txBody>
           </p:sp>
         </mc:Choice>
-        <mc:Fallback>
+        <mc:Fallback xmlns="">
           <p:sp>
             <p:nvSpPr>
               <p:cNvPr id="59" name="TextBox 58">
@@ -10973,8 +11879,8 @@
           </p:sp>
         </mc:Fallback>
       </mc:AlternateContent>
-      <mc:AlternateContent xmlns:mc="http://schemas.openxmlformats.org/markup-compatibility/2006">
-        <mc:Choice xmlns:a14="http://schemas.microsoft.com/office/drawing/2010/main" Requires="a14">
+      <mc:AlternateContent xmlns:mc="http://schemas.openxmlformats.org/markup-compatibility/2006" xmlns:a14="http://schemas.microsoft.com/office/drawing/2010/main">
+        <mc:Choice Requires="a14">
           <p:sp>
             <p:nvSpPr>
               <p:cNvPr id="60" name="TextBox 59">
@@ -11046,13 +11952,12 @@
                 </a:endParaRPr>
               </a:p>
               <a:p>
-                <a:pPr/>
                 <a:endParaRPr lang="en-US" dirty="0"/>
               </a:p>
             </p:txBody>
           </p:sp>
         </mc:Choice>
-        <mc:Fallback>
+        <mc:Fallback xmlns="">
           <p:sp>
             <p:nvSpPr>
               <p:cNvPr id="60" name="TextBox 59">
@@ -11143,8 +12048,8 @@
           </a:fontRef>
         </p:style>
       </p:cxnSp>
-      <mc:AlternateContent xmlns:mc="http://schemas.openxmlformats.org/markup-compatibility/2006">
-        <mc:Choice xmlns:a14="http://schemas.microsoft.com/office/drawing/2010/main" Requires="a14">
+      <mc:AlternateContent xmlns:mc="http://schemas.openxmlformats.org/markup-compatibility/2006" xmlns:a14="http://schemas.microsoft.com/office/drawing/2010/main">
+        <mc:Choice Requires="a14">
           <p:sp>
             <p:nvSpPr>
               <p:cNvPr id="192" name="TextBox 191">
@@ -11208,7 +12113,7 @@
             </p:txBody>
           </p:sp>
         </mc:Choice>
-        <mc:Fallback>
+        <mc:Fallback xmlns="">
           <p:sp>
             <p:nvSpPr>
               <p:cNvPr id="192" name="TextBox 191">
@@ -11299,8 +12204,8 @@
           </a:fontRef>
         </p:style>
       </p:cxnSp>
-      <mc:AlternateContent xmlns:mc="http://schemas.openxmlformats.org/markup-compatibility/2006">
-        <mc:Choice xmlns:a14="http://schemas.microsoft.com/office/drawing/2010/main" Requires="a14">
+      <mc:AlternateContent xmlns:mc="http://schemas.openxmlformats.org/markup-compatibility/2006" xmlns:a14="http://schemas.microsoft.com/office/drawing/2010/main">
+        <mc:Choice Requires="a14">
           <p:sp>
             <p:nvSpPr>
               <p:cNvPr id="195" name="TextBox 194">
@@ -11364,7 +12269,7 @@
             </p:txBody>
           </p:sp>
         </mc:Choice>
-        <mc:Fallback>
+        <mc:Fallback xmlns="">
           <p:sp>
             <p:nvSpPr>
               <p:cNvPr id="195" name="TextBox 194">
@@ -11438,6 +12343,4866 @@
         <p:cNvPr id="1" name="Shape 206">
           <a:extLst>
             <a:ext uri="{FF2B5EF4-FFF2-40B4-BE49-F238E27FC236}">
+              <a16:creationId xmlns:a16="http://schemas.microsoft.com/office/drawing/2014/main" id="{FE9C5E00-6743-7243-4577-649BF91BDF4F}"/>
+            </a:ext>
+          </a:extLst>
+        </p:cNvPr>
+        <p:cNvGrpSpPr/>
+        <p:nvPr/>
+      </p:nvGrpSpPr>
+      <p:grpSpPr>
+        <a:xfrm>
+          <a:off x="0" y="0"/>
+          <a:ext cx="0" cy="0"/>
+          <a:chOff x="0" y="0"/>
+          <a:chExt cx="0" cy="0"/>
+        </a:xfrm>
+      </p:grpSpPr>
+      <p:sp>
+        <p:nvSpPr>
+          <p:cNvPr id="207" name="Google Shape;207;p33">
+            <a:extLst>
+              <a:ext uri="{FF2B5EF4-FFF2-40B4-BE49-F238E27FC236}">
+                <a16:creationId xmlns:a16="http://schemas.microsoft.com/office/drawing/2014/main" id="{5544838B-98DC-BEEC-DCB9-64EEF4006026}"/>
+              </a:ext>
+            </a:extLst>
+          </p:cNvPr>
+          <p:cNvSpPr txBox="1">
+            <a:spLocks noGrp="1"/>
+          </p:cNvSpPr>
+          <p:nvPr>
+            <p:ph type="title"/>
+          </p:nvPr>
+        </p:nvSpPr>
+        <p:spPr>
+          <a:xfrm>
+            <a:off x="713225" y="350046"/>
+            <a:ext cx="8046096" cy="1058700"/>
+          </a:xfrm>
+          <a:prstGeom prst="rect">
+            <a:avLst/>
+          </a:prstGeom>
+        </p:spPr>
+        <p:txBody>
+          <a:bodyPr spcFirstLastPara="1" wrap="square" lIns="91425" tIns="91425" rIns="91425" bIns="91425" anchor="t" anchorCtr="0">
+            <a:noAutofit/>
+          </a:bodyPr>
+          <a:lstStyle/>
+          <a:p>
+            <a:pPr marL="0" lvl="0" indent="0" algn="l" rtl="0">
+              <a:spcBef>
+                <a:spcPts val="0"/>
+              </a:spcBef>
+              <a:spcAft>
+                <a:spcPts val="0"/>
+              </a:spcAft>
+              <a:buNone/>
+            </a:pPr>
+            <a:r>
+              <a:rPr lang="en" dirty="0">
+                <a:latin typeface="Georgia Pro" panose="02040502050405020303" pitchFamily="18" charset="0"/>
+              </a:rPr>
+              <a:t>Age-Stratified SEIRD Model </a:t>
+            </a:r>
+            <a:endParaRPr i="1" dirty="0">
+              <a:latin typeface="Georgia Pro" panose="02040502050405020303" pitchFamily="18" charset="0"/>
+            </a:endParaRPr>
+          </a:p>
+        </p:txBody>
+      </p:sp>
+      <p:sp>
+        <p:nvSpPr>
+          <p:cNvPr id="2" name="Rectangle 1">
+            <a:extLst>
+              <a:ext uri="{FF2B5EF4-FFF2-40B4-BE49-F238E27FC236}">
+                <a16:creationId xmlns:a16="http://schemas.microsoft.com/office/drawing/2014/main" id="{DEA7C99C-9C64-B925-2D47-2D3365F4D949}"/>
+              </a:ext>
+            </a:extLst>
+          </p:cNvPr>
+          <p:cNvSpPr/>
+          <p:nvPr/>
+        </p:nvSpPr>
+        <p:spPr>
+          <a:xfrm>
+            <a:off x="713225" y="1476997"/>
+            <a:ext cx="609600" cy="548391"/>
+          </a:xfrm>
+          <a:prstGeom prst="rect">
+            <a:avLst/>
+          </a:prstGeom>
+          <a:noFill/>
+        </p:spPr>
+        <p:style>
+          <a:lnRef idx="2">
+            <a:schemeClr val="accent1">
+              <a:shade val="15000"/>
+            </a:schemeClr>
+          </a:lnRef>
+          <a:fillRef idx="1">
+            <a:schemeClr val="accent1"/>
+          </a:fillRef>
+          <a:effectRef idx="0">
+            <a:schemeClr val="accent1"/>
+          </a:effectRef>
+          <a:fontRef idx="minor">
+            <a:schemeClr val="lt1"/>
+          </a:fontRef>
+        </p:style>
+        <p:txBody>
+          <a:bodyPr rtlCol="0" anchor="ctr"/>
+          <a:lstStyle/>
+          <a:p>
+            <a:pPr algn="ctr"/>
+            <a:r>
+              <a:rPr lang="en-US" dirty="0">
+                <a:solidFill>
+                  <a:schemeClr val="bg1">
+                    <a:lumMod val="10000"/>
+                  </a:schemeClr>
+                </a:solidFill>
+                <a:latin typeface="Times New Roman" panose="02020603050405020304" pitchFamily="18" charset="0"/>
+                <a:cs typeface="Times New Roman" panose="02020603050405020304" pitchFamily="18" charset="0"/>
+              </a:rPr>
+              <a:t>S1</a:t>
+            </a:r>
+          </a:p>
+        </p:txBody>
+      </p:sp>
+      <p:sp>
+        <p:nvSpPr>
+          <p:cNvPr id="5" name="Rectangle 4">
+            <a:extLst>
+              <a:ext uri="{FF2B5EF4-FFF2-40B4-BE49-F238E27FC236}">
+                <a16:creationId xmlns:a16="http://schemas.microsoft.com/office/drawing/2014/main" id="{16147B91-1909-BAF0-62C2-00E0B27315FE}"/>
+              </a:ext>
+            </a:extLst>
+          </p:cNvPr>
+          <p:cNvSpPr/>
+          <p:nvPr/>
+        </p:nvSpPr>
+        <p:spPr>
+          <a:xfrm>
+            <a:off x="1959144" y="1476997"/>
+            <a:ext cx="609600" cy="548391"/>
+          </a:xfrm>
+          <a:prstGeom prst="rect">
+            <a:avLst/>
+          </a:prstGeom>
+          <a:noFill/>
+        </p:spPr>
+        <p:style>
+          <a:lnRef idx="2">
+            <a:schemeClr val="accent1">
+              <a:shade val="15000"/>
+            </a:schemeClr>
+          </a:lnRef>
+          <a:fillRef idx="1">
+            <a:schemeClr val="accent1"/>
+          </a:fillRef>
+          <a:effectRef idx="0">
+            <a:schemeClr val="accent1"/>
+          </a:effectRef>
+          <a:fontRef idx="minor">
+            <a:schemeClr val="lt1"/>
+          </a:fontRef>
+        </p:style>
+        <p:txBody>
+          <a:bodyPr rtlCol="0" anchor="ctr"/>
+          <a:lstStyle/>
+          <a:p>
+            <a:pPr algn="ctr"/>
+            <a:r>
+              <a:rPr lang="en-US" dirty="0">
+                <a:solidFill>
+                  <a:schemeClr val="bg1">
+                    <a:lumMod val="10000"/>
+                  </a:schemeClr>
+                </a:solidFill>
+                <a:latin typeface="Times New Roman" panose="02020603050405020304" pitchFamily="18" charset="0"/>
+                <a:cs typeface="Times New Roman" panose="02020603050405020304" pitchFamily="18" charset="0"/>
+              </a:rPr>
+              <a:t>E1</a:t>
+            </a:r>
+          </a:p>
+        </p:txBody>
+      </p:sp>
+      <p:sp>
+        <p:nvSpPr>
+          <p:cNvPr id="6" name="Rectangle 5">
+            <a:extLst>
+              <a:ext uri="{FF2B5EF4-FFF2-40B4-BE49-F238E27FC236}">
+                <a16:creationId xmlns:a16="http://schemas.microsoft.com/office/drawing/2014/main" id="{D5AA1DB9-B378-EEC1-2A50-CD268FB5EAA0}"/>
+              </a:ext>
+            </a:extLst>
+          </p:cNvPr>
+          <p:cNvSpPr/>
+          <p:nvPr/>
+        </p:nvSpPr>
+        <p:spPr>
+          <a:xfrm>
+            <a:off x="3178344" y="1492762"/>
+            <a:ext cx="609600" cy="548391"/>
+          </a:xfrm>
+          <a:prstGeom prst="rect">
+            <a:avLst/>
+          </a:prstGeom>
+          <a:noFill/>
+          <a:ln>
+            <a:solidFill>
+              <a:schemeClr val="accent6">
+                <a:lumMod val="95000"/>
+              </a:schemeClr>
+            </a:solidFill>
+          </a:ln>
+        </p:spPr>
+        <p:style>
+          <a:lnRef idx="2">
+            <a:schemeClr val="accent1">
+              <a:shade val="15000"/>
+            </a:schemeClr>
+          </a:lnRef>
+          <a:fillRef idx="1">
+            <a:schemeClr val="accent1"/>
+          </a:fillRef>
+          <a:effectRef idx="0">
+            <a:schemeClr val="accent1"/>
+          </a:effectRef>
+          <a:fontRef idx="minor">
+            <a:schemeClr val="lt1"/>
+          </a:fontRef>
+        </p:style>
+        <p:txBody>
+          <a:bodyPr rtlCol="0" anchor="ctr"/>
+          <a:lstStyle/>
+          <a:p>
+            <a:pPr algn="ctr"/>
+            <a:r>
+              <a:rPr lang="en-US" dirty="0">
+                <a:solidFill>
+                  <a:schemeClr val="accent6">
+                    <a:lumMod val="95000"/>
+                  </a:schemeClr>
+                </a:solidFill>
+                <a:latin typeface="Times New Roman" panose="02020603050405020304" pitchFamily="18" charset="0"/>
+                <a:cs typeface="Times New Roman" panose="02020603050405020304" pitchFamily="18" charset="0"/>
+              </a:rPr>
+              <a:t>I1</a:t>
+            </a:r>
+          </a:p>
+        </p:txBody>
+      </p:sp>
+      <p:sp>
+        <p:nvSpPr>
+          <p:cNvPr id="7" name="Rectangle 6">
+            <a:extLst>
+              <a:ext uri="{FF2B5EF4-FFF2-40B4-BE49-F238E27FC236}">
+                <a16:creationId xmlns:a16="http://schemas.microsoft.com/office/drawing/2014/main" id="{EE693488-C61B-A5F6-0790-583757BCAF18}"/>
+              </a:ext>
+            </a:extLst>
+          </p:cNvPr>
+          <p:cNvSpPr/>
+          <p:nvPr/>
+        </p:nvSpPr>
+        <p:spPr>
+          <a:xfrm>
+            <a:off x="4431536" y="1979007"/>
+            <a:ext cx="609600" cy="548391"/>
+          </a:xfrm>
+          <a:prstGeom prst="rect">
+            <a:avLst/>
+          </a:prstGeom>
+          <a:noFill/>
+          <a:ln>
+            <a:solidFill>
+              <a:schemeClr val="bg1">
+                <a:lumMod val="10000"/>
+              </a:schemeClr>
+            </a:solidFill>
+          </a:ln>
+        </p:spPr>
+        <p:style>
+          <a:lnRef idx="2">
+            <a:schemeClr val="accent1">
+              <a:shade val="15000"/>
+            </a:schemeClr>
+          </a:lnRef>
+          <a:fillRef idx="1">
+            <a:schemeClr val="accent1"/>
+          </a:fillRef>
+          <a:effectRef idx="0">
+            <a:schemeClr val="accent1"/>
+          </a:effectRef>
+          <a:fontRef idx="minor">
+            <a:schemeClr val="lt1"/>
+          </a:fontRef>
+        </p:style>
+        <p:txBody>
+          <a:bodyPr rtlCol="0" anchor="ctr"/>
+          <a:lstStyle/>
+          <a:p>
+            <a:pPr algn="ctr"/>
+            <a:r>
+              <a:rPr lang="en-US" dirty="0">
+                <a:solidFill>
+                  <a:schemeClr val="bg1">
+                    <a:lumMod val="10000"/>
+                  </a:schemeClr>
+                </a:solidFill>
+                <a:latin typeface="Times New Roman" panose="02020603050405020304" pitchFamily="18" charset="0"/>
+                <a:cs typeface="Times New Roman" panose="02020603050405020304" pitchFamily="18" charset="0"/>
+              </a:rPr>
+              <a:t>R1</a:t>
+            </a:r>
+          </a:p>
+        </p:txBody>
+      </p:sp>
+      <p:sp>
+        <p:nvSpPr>
+          <p:cNvPr id="8" name="Rectangle 7">
+            <a:extLst>
+              <a:ext uri="{FF2B5EF4-FFF2-40B4-BE49-F238E27FC236}">
+                <a16:creationId xmlns:a16="http://schemas.microsoft.com/office/drawing/2014/main" id="{14FB1559-8EEB-DCDF-DDC1-FA3435A628BF}"/>
+              </a:ext>
+            </a:extLst>
+          </p:cNvPr>
+          <p:cNvSpPr/>
+          <p:nvPr/>
+        </p:nvSpPr>
+        <p:spPr>
+          <a:xfrm>
+            <a:off x="4427308" y="1118482"/>
+            <a:ext cx="609600" cy="548391"/>
+          </a:xfrm>
+          <a:prstGeom prst="rect">
+            <a:avLst/>
+          </a:prstGeom>
+          <a:noFill/>
+          <a:ln>
+            <a:solidFill>
+              <a:schemeClr val="accent6">
+                <a:lumMod val="95000"/>
+              </a:schemeClr>
+            </a:solidFill>
+          </a:ln>
+        </p:spPr>
+        <p:style>
+          <a:lnRef idx="2">
+            <a:schemeClr val="accent1">
+              <a:shade val="15000"/>
+            </a:schemeClr>
+          </a:lnRef>
+          <a:fillRef idx="1">
+            <a:schemeClr val="accent1"/>
+          </a:fillRef>
+          <a:effectRef idx="0">
+            <a:schemeClr val="accent1"/>
+          </a:effectRef>
+          <a:fontRef idx="minor">
+            <a:schemeClr val="lt1"/>
+          </a:fontRef>
+        </p:style>
+        <p:txBody>
+          <a:bodyPr rtlCol="0" anchor="ctr"/>
+          <a:lstStyle/>
+          <a:p>
+            <a:pPr algn="ctr"/>
+            <a:r>
+              <a:rPr lang="en-US" dirty="0">
+                <a:solidFill>
+                  <a:schemeClr val="accent6">
+                    <a:lumMod val="95000"/>
+                  </a:schemeClr>
+                </a:solidFill>
+                <a:latin typeface="Times New Roman" panose="02020603050405020304" pitchFamily="18" charset="0"/>
+                <a:cs typeface="Times New Roman" panose="02020603050405020304" pitchFamily="18" charset="0"/>
+              </a:rPr>
+              <a:t>D1</a:t>
+            </a:r>
+          </a:p>
+        </p:txBody>
+      </p:sp>
+      <p:cxnSp>
+        <p:nvCxnSpPr>
+          <p:cNvPr id="10" name="Straight Arrow Connector 9">
+            <a:extLst>
+              <a:ext uri="{FF2B5EF4-FFF2-40B4-BE49-F238E27FC236}">
+                <a16:creationId xmlns:a16="http://schemas.microsoft.com/office/drawing/2014/main" id="{96DE713E-FE69-DE2C-A421-DCEEE87A51E8}"/>
+              </a:ext>
+            </a:extLst>
+          </p:cNvPr>
+          <p:cNvCxnSpPr>
+            <a:cxnSpLocks/>
+            <a:stCxn id="2" idx="3"/>
+          </p:cNvCxnSpPr>
+          <p:nvPr/>
+        </p:nvCxnSpPr>
+        <p:spPr>
+          <a:xfrm>
+            <a:off x="1322825" y="1751193"/>
+            <a:ext cx="635765" cy="0"/>
+          </a:xfrm>
+          <a:prstGeom prst="straightConnector1">
+            <a:avLst/>
+          </a:prstGeom>
+          <a:ln>
+            <a:solidFill>
+              <a:schemeClr val="accent6">
+                <a:lumMod val="95000"/>
+              </a:schemeClr>
+            </a:solidFill>
+            <a:tailEnd type="triangle"/>
+          </a:ln>
+        </p:spPr>
+        <p:style>
+          <a:lnRef idx="1">
+            <a:schemeClr val="accent1"/>
+          </a:lnRef>
+          <a:fillRef idx="0">
+            <a:schemeClr val="accent1"/>
+          </a:fillRef>
+          <a:effectRef idx="0">
+            <a:schemeClr val="accent1"/>
+          </a:effectRef>
+          <a:fontRef idx="minor">
+            <a:schemeClr val="tx1"/>
+          </a:fontRef>
+        </p:style>
+      </p:cxnSp>
+      <p:cxnSp>
+        <p:nvCxnSpPr>
+          <p:cNvPr id="11" name="Straight Arrow Connector 10">
+            <a:extLst>
+              <a:ext uri="{FF2B5EF4-FFF2-40B4-BE49-F238E27FC236}">
+                <a16:creationId xmlns:a16="http://schemas.microsoft.com/office/drawing/2014/main" id="{E701AC4C-C5CB-2250-36C6-85EC6E4BD963}"/>
+              </a:ext>
+            </a:extLst>
+          </p:cNvPr>
+          <p:cNvCxnSpPr>
+            <a:cxnSpLocks/>
+            <a:endCxn id="6" idx="1"/>
+          </p:cNvCxnSpPr>
+          <p:nvPr/>
+        </p:nvCxnSpPr>
+        <p:spPr>
+          <a:xfrm>
+            <a:off x="2568744" y="1766940"/>
+            <a:ext cx="609600" cy="18"/>
+          </a:xfrm>
+          <a:prstGeom prst="straightConnector1">
+            <a:avLst/>
+          </a:prstGeom>
+          <a:ln>
+            <a:solidFill>
+              <a:schemeClr val="accent6">
+                <a:lumMod val="95000"/>
+              </a:schemeClr>
+            </a:solidFill>
+            <a:tailEnd type="triangle"/>
+          </a:ln>
+        </p:spPr>
+        <p:style>
+          <a:lnRef idx="1">
+            <a:schemeClr val="accent1"/>
+          </a:lnRef>
+          <a:fillRef idx="0">
+            <a:schemeClr val="accent1"/>
+          </a:fillRef>
+          <a:effectRef idx="0">
+            <a:schemeClr val="accent1"/>
+          </a:effectRef>
+          <a:fontRef idx="minor">
+            <a:schemeClr val="tx1"/>
+          </a:fontRef>
+        </p:style>
+      </p:cxnSp>
+      <p:cxnSp>
+        <p:nvCxnSpPr>
+          <p:cNvPr id="12" name="Straight Arrow Connector 11">
+            <a:extLst>
+              <a:ext uri="{FF2B5EF4-FFF2-40B4-BE49-F238E27FC236}">
+                <a16:creationId xmlns:a16="http://schemas.microsoft.com/office/drawing/2014/main" id="{19BEFCEA-46CC-69EE-5A08-F39E1C00DB8F}"/>
+              </a:ext>
+            </a:extLst>
+          </p:cNvPr>
+          <p:cNvCxnSpPr>
+            <a:cxnSpLocks/>
+            <a:stCxn id="6" idx="3"/>
+            <a:endCxn id="7" idx="1"/>
+          </p:cNvCxnSpPr>
+          <p:nvPr/>
+        </p:nvCxnSpPr>
+        <p:spPr>
+          <a:xfrm>
+            <a:off x="3787944" y="1766958"/>
+            <a:ext cx="643592" cy="486245"/>
+          </a:xfrm>
+          <a:prstGeom prst="straightConnector1">
+            <a:avLst/>
+          </a:prstGeom>
+          <a:ln>
+            <a:solidFill>
+              <a:schemeClr val="accent6">
+                <a:lumMod val="95000"/>
+              </a:schemeClr>
+            </a:solidFill>
+            <a:tailEnd type="triangle"/>
+          </a:ln>
+        </p:spPr>
+        <p:style>
+          <a:lnRef idx="1">
+            <a:schemeClr val="accent1"/>
+          </a:lnRef>
+          <a:fillRef idx="0">
+            <a:schemeClr val="accent1"/>
+          </a:fillRef>
+          <a:effectRef idx="0">
+            <a:schemeClr val="accent1"/>
+          </a:effectRef>
+          <a:fontRef idx="minor">
+            <a:schemeClr val="tx1"/>
+          </a:fontRef>
+        </p:style>
+      </p:cxnSp>
+      <p:cxnSp>
+        <p:nvCxnSpPr>
+          <p:cNvPr id="13" name="Straight Arrow Connector 12">
+            <a:extLst>
+              <a:ext uri="{FF2B5EF4-FFF2-40B4-BE49-F238E27FC236}">
+                <a16:creationId xmlns:a16="http://schemas.microsoft.com/office/drawing/2014/main" id="{E6FCBB82-AC12-5912-5E6F-23EF1FF9DDD4}"/>
+              </a:ext>
+            </a:extLst>
+          </p:cNvPr>
+          <p:cNvCxnSpPr>
+            <a:cxnSpLocks/>
+            <a:stCxn id="6" idx="3"/>
+            <a:endCxn id="8" idx="1"/>
+          </p:cNvCxnSpPr>
+          <p:nvPr/>
+        </p:nvCxnSpPr>
+        <p:spPr>
+          <a:xfrm flipV="1">
+            <a:off x="3787944" y="1392678"/>
+            <a:ext cx="639364" cy="374280"/>
+          </a:xfrm>
+          <a:prstGeom prst="straightConnector1">
+            <a:avLst/>
+          </a:prstGeom>
+          <a:ln>
+            <a:solidFill>
+              <a:schemeClr val="accent6">
+                <a:lumMod val="95000"/>
+              </a:schemeClr>
+            </a:solidFill>
+            <a:tailEnd type="triangle"/>
+          </a:ln>
+        </p:spPr>
+        <p:style>
+          <a:lnRef idx="1">
+            <a:schemeClr val="accent1"/>
+          </a:lnRef>
+          <a:fillRef idx="0">
+            <a:schemeClr val="accent1"/>
+          </a:fillRef>
+          <a:effectRef idx="0">
+            <a:schemeClr val="accent1"/>
+          </a:effectRef>
+          <a:fontRef idx="minor">
+            <a:schemeClr val="tx1"/>
+          </a:fontRef>
+        </p:style>
+      </p:cxnSp>
+      <mc:AlternateContent xmlns:mc="http://schemas.openxmlformats.org/markup-compatibility/2006" xmlns:a14="http://schemas.microsoft.com/office/drawing/2010/main">
+        <mc:Choice Requires="a14">
+          <p:sp>
+            <p:nvSpPr>
+              <p:cNvPr id="14" name="TextBox 13">
+                <a:extLst>
+                  <a:ext uri="{FF2B5EF4-FFF2-40B4-BE49-F238E27FC236}">
+                    <a16:creationId xmlns:a16="http://schemas.microsoft.com/office/drawing/2014/main" id="{751249EF-2EAD-13C8-0F18-4D53A2AE634B}"/>
+                  </a:ext>
+                </a:extLst>
+              </p:cNvPr>
+              <p:cNvSpPr txBox="1"/>
+              <p:nvPr/>
+            </p:nvSpPr>
+            <p:spPr>
+              <a:xfrm>
+                <a:off x="1510810" y="1441649"/>
+                <a:ext cx="918411" cy="292388"/>
+              </a:xfrm>
+              <a:prstGeom prst="rect">
+                <a:avLst/>
+              </a:prstGeom>
+              <a:noFill/>
+            </p:spPr>
+            <p:txBody>
+              <a:bodyPr wrap="square" rtlCol="0">
+                <a:spAutoFit/>
+              </a:bodyPr>
+              <a:lstStyle/>
+              <a:p>
+                <a14:m>
+                  <m:oMath xmlns:m="http://schemas.openxmlformats.org/officeDocument/2006/math">
+                    <m:r>
+                      <a:rPr lang="en-US" sz="1300" i="1" smtClean="0">
+                        <a:solidFill>
+                          <a:schemeClr val="accent6">
+                            <a:lumMod val="95000"/>
+                          </a:schemeClr>
+                        </a:solidFill>
+                        <a:latin typeface="Cambria Math" panose="02040503050406030204" pitchFamily="18" charset="0"/>
+                        <a:ea typeface="Cambria Math" panose="02040503050406030204" pitchFamily="18" charset="0"/>
+                      </a:rPr>
+                      <m:t>𝜆</m:t>
+                    </m:r>
+                  </m:oMath>
+                </a14:m>
+                <a:r>
+                  <a:rPr lang="en-US" sz="1300" dirty="0">
+                    <a:solidFill>
+                      <a:schemeClr val="bg2"/>
+                    </a:solidFill>
+                  </a:rPr>
+                  <a:t> </a:t>
+                </a:r>
+              </a:p>
+            </p:txBody>
+          </p:sp>
+        </mc:Choice>
+        <mc:Fallback xmlns="">
+          <p:sp>
+            <p:nvSpPr>
+              <p:cNvPr id="14" name="TextBox 13">
+                <a:extLst>
+                  <a:ext uri="{FF2B5EF4-FFF2-40B4-BE49-F238E27FC236}">
+                    <a16:creationId xmlns:a16="http://schemas.microsoft.com/office/drawing/2014/main" id="{751249EF-2EAD-13C8-0F18-4D53A2AE634B}"/>
+                  </a:ext>
+                </a:extLst>
+              </p:cNvPr>
+              <p:cNvSpPr txBox="1">
+                <a:spLocks noRot="1" noChangeAspect="1" noMove="1" noResize="1" noEditPoints="1" noAdjustHandles="1" noChangeArrowheads="1" noChangeShapeType="1" noTextEdit="1"/>
+              </p:cNvSpPr>
+              <p:nvPr/>
+            </p:nvSpPr>
+            <p:spPr>
+              <a:xfrm>
+                <a:off x="1510810" y="1441649"/>
+                <a:ext cx="918411" cy="292388"/>
+              </a:xfrm>
+              <a:prstGeom prst="rect">
+                <a:avLst/>
+              </a:prstGeom>
+              <a:blipFill>
+                <a:blip r:embed="rId3"/>
+                <a:stretch>
+                  <a:fillRect/>
+                </a:stretch>
+              </a:blipFill>
+            </p:spPr>
+            <p:txBody>
+              <a:bodyPr/>
+              <a:lstStyle/>
+              <a:p>
+                <a:r>
+                  <a:rPr lang="en-US">
+                    <a:noFill/>
+                  </a:rPr>
+                  <a:t> </a:t>
+                </a:r>
+              </a:p>
+            </p:txBody>
+          </p:sp>
+        </mc:Fallback>
+      </mc:AlternateContent>
+      <mc:AlternateContent xmlns:mc="http://schemas.openxmlformats.org/markup-compatibility/2006" xmlns:a14="http://schemas.microsoft.com/office/drawing/2010/main">
+        <mc:Choice Requires="a14">
+          <p:sp>
+            <p:nvSpPr>
+              <p:cNvPr id="15" name="TextBox 14">
+                <a:extLst>
+                  <a:ext uri="{FF2B5EF4-FFF2-40B4-BE49-F238E27FC236}">
+                    <a16:creationId xmlns:a16="http://schemas.microsoft.com/office/drawing/2014/main" id="{FFE170C1-BE9B-ACD1-B329-FFF358FDE2C1}"/>
+                  </a:ext>
+                </a:extLst>
+              </p:cNvPr>
+              <p:cNvSpPr txBox="1"/>
+              <p:nvPr/>
+            </p:nvSpPr>
+            <p:spPr>
+              <a:xfrm>
+                <a:off x="2793878" y="1486705"/>
+                <a:ext cx="164148" cy="430887"/>
+              </a:xfrm>
+              <a:prstGeom prst="rect">
+                <a:avLst/>
+              </a:prstGeom>
+              <a:noFill/>
+            </p:spPr>
+            <p:txBody>
+              <a:bodyPr wrap="square" lIns="0" tIns="0" rIns="0" bIns="0" rtlCol="0">
+                <a:spAutoFit/>
+              </a:bodyPr>
+              <a:lstStyle/>
+              <a:p>
+                <a:pPr/>
+                <a14:m>
+                  <m:oMathPara xmlns:m="http://schemas.openxmlformats.org/officeDocument/2006/math">
+                    <m:oMathParaPr>
+                      <m:jc m:val="centerGroup"/>
+                    </m:oMathParaPr>
+                    <m:oMath xmlns:m="http://schemas.openxmlformats.org/officeDocument/2006/math">
+                      <m:r>
+                        <m:rPr>
+                          <m:sty m:val="p"/>
+                        </m:rPr>
+                        <a:rPr lang="en-US" b="0" i="1" smtClean="0">
+                          <a:solidFill>
+                            <a:schemeClr val="accent6">
+                              <a:lumMod val="95000"/>
+                            </a:schemeClr>
+                          </a:solidFill>
+                          <a:latin typeface="Cambria Math" panose="02040503050406030204" pitchFamily="18" charset="0"/>
+                        </a:rPr>
+                        <m:t>ϵ</m:t>
+                      </m:r>
+                    </m:oMath>
+                  </m:oMathPara>
+                </a14:m>
+                <a:endParaRPr lang="en-US" b="0" dirty="0">
+                  <a:solidFill>
+                    <a:schemeClr val="accent3">
+                      <a:lumMod val="85000"/>
+                    </a:schemeClr>
+                  </a:solidFill>
+                </a:endParaRPr>
+              </a:p>
+              <a:p>
+                <a:endParaRPr lang="en-US" dirty="0"/>
+              </a:p>
+            </p:txBody>
+          </p:sp>
+        </mc:Choice>
+        <mc:Fallback xmlns="">
+          <p:sp>
+            <p:nvSpPr>
+              <p:cNvPr id="15" name="TextBox 14">
+                <a:extLst>
+                  <a:ext uri="{FF2B5EF4-FFF2-40B4-BE49-F238E27FC236}">
+                    <a16:creationId xmlns:a16="http://schemas.microsoft.com/office/drawing/2014/main" id="{FFE170C1-BE9B-ACD1-B329-FFF358FDE2C1}"/>
+                  </a:ext>
+                </a:extLst>
+              </p:cNvPr>
+              <p:cNvSpPr txBox="1">
+                <a:spLocks noRot="1" noChangeAspect="1" noMove="1" noResize="1" noEditPoints="1" noAdjustHandles="1" noChangeArrowheads="1" noChangeShapeType="1" noTextEdit="1"/>
+              </p:cNvSpPr>
+              <p:nvPr/>
+            </p:nvSpPr>
+            <p:spPr>
+              <a:xfrm>
+                <a:off x="2793878" y="1486705"/>
+                <a:ext cx="164148" cy="430887"/>
+              </a:xfrm>
+              <a:prstGeom prst="rect">
+                <a:avLst/>
+              </a:prstGeom>
+              <a:blipFill>
+                <a:blip r:embed="rId4"/>
+                <a:stretch>
+                  <a:fillRect r="-7143"/>
+                </a:stretch>
+              </a:blipFill>
+            </p:spPr>
+            <p:txBody>
+              <a:bodyPr/>
+              <a:lstStyle/>
+              <a:p>
+                <a:r>
+                  <a:rPr lang="en-US">
+                    <a:noFill/>
+                  </a:rPr>
+                  <a:t> </a:t>
+                </a:r>
+              </a:p>
+            </p:txBody>
+          </p:sp>
+        </mc:Fallback>
+      </mc:AlternateContent>
+      <mc:AlternateContent xmlns:mc="http://schemas.openxmlformats.org/markup-compatibility/2006" xmlns:a14="http://schemas.microsoft.com/office/drawing/2010/main">
+        <mc:Choice Requires="a14">
+          <p:sp>
+            <p:nvSpPr>
+              <p:cNvPr id="16" name="TextBox 15">
+                <a:extLst>
+                  <a:ext uri="{FF2B5EF4-FFF2-40B4-BE49-F238E27FC236}">
+                    <a16:creationId xmlns:a16="http://schemas.microsoft.com/office/drawing/2014/main" id="{672E8E18-583C-6CFE-0397-11622E3653CA}"/>
+                  </a:ext>
+                </a:extLst>
+              </p:cNvPr>
+              <p:cNvSpPr txBox="1"/>
+              <p:nvPr/>
+            </p:nvSpPr>
+            <p:spPr>
+              <a:xfrm>
+                <a:off x="4107626" y="1788467"/>
+                <a:ext cx="149079" cy="215444"/>
+              </a:xfrm>
+              <a:prstGeom prst="rect">
+                <a:avLst/>
+              </a:prstGeom>
+              <a:noFill/>
+            </p:spPr>
+            <p:txBody>
+              <a:bodyPr wrap="square" lIns="0" tIns="0" rIns="0" bIns="0" rtlCol="0">
+                <a:spAutoFit/>
+              </a:bodyPr>
+              <a:lstStyle/>
+              <a:p>
+                <a:pPr/>
+                <a14:m>
+                  <m:oMathPara xmlns:m="http://schemas.openxmlformats.org/officeDocument/2006/math">
+                    <m:oMathParaPr>
+                      <m:jc m:val="centerGroup"/>
+                    </m:oMathParaPr>
+                    <m:oMath xmlns:m="http://schemas.openxmlformats.org/officeDocument/2006/math">
+                      <m:r>
+                        <a:rPr lang="en-US" i="1" smtClean="0">
+                          <a:solidFill>
+                            <a:schemeClr val="accent6">
+                              <a:lumMod val="95000"/>
+                            </a:schemeClr>
+                          </a:solidFill>
+                          <a:latin typeface="Cambria Math" panose="02040503050406030204" pitchFamily="18" charset="0"/>
+                          <a:ea typeface="Cambria Math" panose="02040503050406030204" pitchFamily="18" charset="0"/>
+                        </a:rPr>
+                        <m:t>𝛾</m:t>
+                      </m:r>
+                    </m:oMath>
+                  </m:oMathPara>
+                </a14:m>
+                <a:endParaRPr lang="en-US" dirty="0">
+                  <a:solidFill>
+                    <a:schemeClr val="accent3">
+                      <a:lumMod val="85000"/>
+                    </a:schemeClr>
+                  </a:solidFill>
+                </a:endParaRPr>
+              </a:p>
+            </p:txBody>
+          </p:sp>
+        </mc:Choice>
+        <mc:Fallback xmlns="">
+          <p:sp>
+            <p:nvSpPr>
+              <p:cNvPr id="16" name="TextBox 15">
+                <a:extLst>
+                  <a:ext uri="{FF2B5EF4-FFF2-40B4-BE49-F238E27FC236}">
+                    <a16:creationId xmlns:a16="http://schemas.microsoft.com/office/drawing/2014/main" id="{672E8E18-583C-6CFE-0397-11622E3653CA}"/>
+                  </a:ext>
+                </a:extLst>
+              </p:cNvPr>
+              <p:cNvSpPr txBox="1">
+                <a:spLocks noRot="1" noChangeAspect="1" noMove="1" noResize="1" noEditPoints="1" noAdjustHandles="1" noChangeArrowheads="1" noChangeShapeType="1" noTextEdit="1"/>
+              </p:cNvSpPr>
+              <p:nvPr/>
+            </p:nvSpPr>
+            <p:spPr>
+              <a:xfrm>
+                <a:off x="4107626" y="1788467"/>
+                <a:ext cx="149079" cy="215444"/>
+              </a:xfrm>
+              <a:prstGeom prst="rect">
+                <a:avLst/>
+              </a:prstGeom>
+              <a:blipFill>
+                <a:blip r:embed="rId5"/>
+                <a:stretch>
+                  <a:fillRect l="-23077" r="-15385" b="-33333"/>
+                </a:stretch>
+              </a:blipFill>
+            </p:spPr>
+            <p:txBody>
+              <a:bodyPr/>
+              <a:lstStyle/>
+              <a:p>
+                <a:r>
+                  <a:rPr lang="en-US">
+                    <a:noFill/>
+                  </a:rPr>
+                  <a:t> </a:t>
+                </a:r>
+              </a:p>
+            </p:txBody>
+          </p:sp>
+        </mc:Fallback>
+      </mc:AlternateContent>
+      <mc:AlternateContent xmlns:mc="http://schemas.openxmlformats.org/markup-compatibility/2006" xmlns:a14="http://schemas.microsoft.com/office/drawing/2010/main">
+        <mc:Choice Requires="a14">
+          <p:sp>
+            <p:nvSpPr>
+              <p:cNvPr id="17" name="TextBox 16">
+                <a:extLst>
+                  <a:ext uri="{FF2B5EF4-FFF2-40B4-BE49-F238E27FC236}">
+                    <a16:creationId xmlns:a16="http://schemas.microsoft.com/office/drawing/2014/main" id="{C0F44430-1266-4700-65F9-2D660A87B577}"/>
+                  </a:ext>
+                </a:extLst>
+              </p:cNvPr>
+              <p:cNvSpPr txBox="1"/>
+              <p:nvPr/>
+            </p:nvSpPr>
+            <p:spPr>
+              <a:xfrm>
+                <a:off x="4078679" y="1235986"/>
+                <a:ext cx="162545" cy="430887"/>
+              </a:xfrm>
+              <a:prstGeom prst="rect">
+                <a:avLst/>
+              </a:prstGeom>
+              <a:noFill/>
+            </p:spPr>
+            <p:txBody>
+              <a:bodyPr wrap="square" lIns="0" tIns="0" rIns="0" bIns="0" rtlCol="0">
+                <a:spAutoFit/>
+              </a:bodyPr>
+              <a:lstStyle/>
+              <a:p>
+                <a:pPr/>
+                <a14:m>
+                  <m:oMathPara xmlns:m="http://schemas.openxmlformats.org/officeDocument/2006/math">
+                    <m:oMathParaPr>
+                      <m:jc m:val="centerGroup"/>
+                    </m:oMathParaPr>
+                    <m:oMath xmlns:m="http://schemas.openxmlformats.org/officeDocument/2006/math">
+                      <m:sSub>
+                        <m:sSubPr>
+                          <m:ctrlPr>
+                            <a:rPr lang="en-US" b="0" i="1" smtClean="0">
+                              <a:solidFill>
+                                <a:schemeClr val="accent6">
+                                  <a:lumMod val="95000"/>
+                                </a:schemeClr>
+                              </a:solidFill>
+                              <a:latin typeface="Cambria Math" panose="02040503050406030204" pitchFamily="18" charset="0"/>
+                              <a:ea typeface="Cambria Math" panose="02040503050406030204" pitchFamily="18" charset="0"/>
+                            </a:rPr>
+                          </m:ctrlPr>
+                        </m:sSubPr>
+                        <m:e>
+                          <m:r>
+                            <a:rPr lang="en-US" i="1" smtClean="0">
+                              <a:solidFill>
+                                <a:schemeClr val="accent6">
+                                  <a:lumMod val="95000"/>
+                                </a:schemeClr>
+                              </a:solidFill>
+                              <a:latin typeface="Cambria Math" panose="02040503050406030204" pitchFamily="18" charset="0"/>
+                              <a:ea typeface="Cambria Math" panose="02040503050406030204" pitchFamily="18" charset="0"/>
+                            </a:rPr>
+                            <m:t>𝛼</m:t>
+                          </m:r>
+                        </m:e>
+                        <m:sub>
+                          <m:r>
+                            <a:rPr lang="en-US" b="0" i="1" smtClean="0">
+                              <a:solidFill>
+                                <a:schemeClr val="accent6">
+                                  <a:lumMod val="95000"/>
+                                </a:schemeClr>
+                              </a:solidFill>
+                              <a:latin typeface="Cambria Math" panose="02040503050406030204" pitchFamily="18" charset="0"/>
+                              <a:ea typeface="Cambria Math" panose="02040503050406030204" pitchFamily="18" charset="0"/>
+                            </a:rPr>
+                            <m:t>1</m:t>
+                          </m:r>
+                        </m:sub>
+                      </m:sSub>
+                    </m:oMath>
+                  </m:oMathPara>
+                </a14:m>
+                <a:endParaRPr lang="en-US" b="0" dirty="0">
+                  <a:solidFill>
+                    <a:schemeClr val="accent6">
+                      <a:lumMod val="95000"/>
+                    </a:schemeClr>
+                  </a:solidFill>
+                  <a:ea typeface="Cambria Math" panose="02040503050406030204" pitchFamily="18" charset="0"/>
+                </a:endParaRPr>
+              </a:p>
+              <a:p>
+                <a:endParaRPr lang="en-US" dirty="0"/>
+              </a:p>
+            </p:txBody>
+          </p:sp>
+        </mc:Choice>
+        <mc:Fallback xmlns="">
+          <p:sp>
+            <p:nvSpPr>
+              <p:cNvPr id="17" name="TextBox 16">
+                <a:extLst>
+                  <a:ext uri="{FF2B5EF4-FFF2-40B4-BE49-F238E27FC236}">
+                    <a16:creationId xmlns:a16="http://schemas.microsoft.com/office/drawing/2014/main" id="{C0F44430-1266-4700-65F9-2D660A87B577}"/>
+                  </a:ext>
+                </a:extLst>
+              </p:cNvPr>
+              <p:cNvSpPr txBox="1">
+                <a:spLocks noRot="1" noChangeAspect="1" noMove="1" noResize="1" noEditPoints="1" noAdjustHandles="1" noChangeArrowheads="1" noChangeShapeType="1" noTextEdit="1"/>
+              </p:cNvSpPr>
+              <p:nvPr/>
+            </p:nvSpPr>
+            <p:spPr>
+              <a:xfrm>
+                <a:off x="4078679" y="1235986"/>
+                <a:ext cx="162545" cy="430887"/>
+              </a:xfrm>
+              <a:prstGeom prst="rect">
+                <a:avLst/>
+              </a:prstGeom>
+              <a:blipFill>
+                <a:blip r:embed="rId6"/>
+                <a:stretch>
+                  <a:fillRect l="-28571" r="-28571"/>
+                </a:stretch>
+              </a:blipFill>
+            </p:spPr>
+            <p:txBody>
+              <a:bodyPr/>
+              <a:lstStyle/>
+              <a:p>
+                <a:r>
+                  <a:rPr lang="en-US">
+                    <a:noFill/>
+                  </a:rPr>
+                  <a:t> </a:t>
+                </a:r>
+              </a:p>
+            </p:txBody>
+          </p:sp>
+        </mc:Fallback>
+      </mc:AlternateContent>
+      <p:sp>
+        <p:nvSpPr>
+          <p:cNvPr id="18" name="Rectangle 17">
+            <a:extLst>
+              <a:ext uri="{FF2B5EF4-FFF2-40B4-BE49-F238E27FC236}">
+                <a16:creationId xmlns:a16="http://schemas.microsoft.com/office/drawing/2014/main" id="{91239186-99DA-4F8E-28A9-1961E71E4684}"/>
+              </a:ext>
+            </a:extLst>
+          </p:cNvPr>
+          <p:cNvSpPr/>
+          <p:nvPr/>
+        </p:nvSpPr>
+        <p:spPr>
+          <a:xfrm>
+            <a:off x="716133" y="3248103"/>
+            <a:ext cx="609600" cy="548391"/>
+          </a:xfrm>
+          <a:prstGeom prst="rect">
+            <a:avLst/>
+          </a:prstGeom>
+          <a:noFill/>
+        </p:spPr>
+        <p:style>
+          <a:lnRef idx="2">
+            <a:schemeClr val="accent1">
+              <a:shade val="15000"/>
+            </a:schemeClr>
+          </a:lnRef>
+          <a:fillRef idx="1">
+            <a:schemeClr val="accent1"/>
+          </a:fillRef>
+          <a:effectRef idx="0">
+            <a:schemeClr val="accent1"/>
+          </a:effectRef>
+          <a:fontRef idx="minor">
+            <a:schemeClr val="lt1"/>
+          </a:fontRef>
+        </p:style>
+        <p:txBody>
+          <a:bodyPr rtlCol="0" anchor="ctr"/>
+          <a:lstStyle/>
+          <a:p>
+            <a:pPr algn="ctr"/>
+            <a:r>
+              <a:rPr lang="en-US" dirty="0">
+                <a:solidFill>
+                  <a:schemeClr val="bg1">
+                    <a:lumMod val="10000"/>
+                  </a:schemeClr>
+                </a:solidFill>
+                <a:latin typeface="Times New Roman" panose="02020603050405020304" pitchFamily="18" charset="0"/>
+                <a:cs typeface="Times New Roman" panose="02020603050405020304" pitchFamily="18" charset="0"/>
+              </a:rPr>
+              <a:t>S2</a:t>
+            </a:r>
+          </a:p>
+        </p:txBody>
+      </p:sp>
+      <p:sp>
+        <p:nvSpPr>
+          <p:cNvPr id="19" name="Rectangle 18">
+            <a:extLst>
+              <a:ext uri="{FF2B5EF4-FFF2-40B4-BE49-F238E27FC236}">
+                <a16:creationId xmlns:a16="http://schemas.microsoft.com/office/drawing/2014/main" id="{B77ED33D-1C75-DDE5-F0A9-46577514084A}"/>
+              </a:ext>
+            </a:extLst>
+          </p:cNvPr>
+          <p:cNvSpPr/>
+          <p:nvPr/>
+        </p:nvSpPr>
+        <p:spPr>
+          <a:xfrm>
+            <a:off x="1958590" y="3246229"/>
+            <a:ext cx="609600" cy="548391"/>
+          </a:xfrm>
+          <a:prstGeom prst="rect">
+            <a:avLst/>
+          </a:prstGeom>
+          <a:noFill/>
+        </p:spPr>
+        <p:style>
+          <a:lnRef idx="2">
+            <a:schemeClr val="accent1">
+              <a:shade val="15000"/>
+            </a:schemeClr>
+          </a:lnRef>
+          <a:fillRef idx="1">
+            <a:schemeClr val="accent1"/>
+          </a:fillRef>
+          <a:effectRef idx="0">
+            <a:schemeClr val="accent1"/>
+          </a:effectRef>
+          <a:fontRef idx="minor">
+            <a:schemeClr val="lt1"/>
+          </a:fontRef>
+        </p:style>
+        <p:txBody>
+          <a:bodyPr rtlCol="0" anchor="ctr"/>
+          <a:lstStyle/>
+          <a:p>
+            <a:pPr algn="ctr"/>
+            <a:r>
+              <a:rPr lang="en-US" dirty="0">
+                <a:solidFill>
+                  <a:schemeClr val="bg1">
+                    <a:lumMod val="10000"/>
+                  </a:schemeClr>
+                </a:solidFill>
+                <a:latin typeface="Times New Roman" panose="02020603050405020304" pitchFamily="18" charset="0"/>
+                <a:cs typeface="Times New Roman" panose="02020603050405020304" pitchFamily="18" charset="0"/>
+              </a:rPr>
+              <a:t>E2</a:t>
+            </a:r>
+          </a:p>
+        </p:txBody>
+      </p:sp>
+      <p:sp>
+        <p:nvSpPr>
+          <p:cNvPr id="20" name="Rectangle 19">
+            <a:extLst>
+              <a:ext uri="{FF2B5EF4-FFF2-40B4-BE49-F238E27FC236}">
+                <a16:creationId xmlns:a16="http://schemas.microsoft.com/office/drawing/2014/main" id="{161411BA-8C80-67A0-A94A-ECA45D4DA659}"/>
+              </a:ext>
+            </a:extLst>
+          </p:cNvPr>
+          <p:cNvSpPr/>
+          <p:nvPr/>
+        </p:nvSpPr>
+        <p:spPr>
+          <a:xfrm>
+            <a:off x="3172817" y="3246017"/>
+            <a:ext cx="609600" cy="548391"/>
+          </a:xfrm>
+          <a:prstGeom prst="rect">
+            <a:avLst/>
+          </a:prstGeom>
+          <a:noFill/>
+          <a:ln>
+            <a:solidFill>
+              <a:schemeClr val="accent6">
+                <a:lumMod val="95000"/>
+              </a:schemeClr>
+            </a:solidFill>
+          </a:ln>
+        </p:spPr>
+        <p:style>
+          <a:lnRef idx="2">
+            <a:schemeClr val="accent1">
+              <a:shade val="15000"/>
+            </a:schemeClr>
+          </a:lnRef>
+          <a:fillRef idx="1">
+            <a:schemeClr val="accent1"/>
+          </a:fillRef>
+          <a:effectRef idx="0">
+            <a:schemeClr val="accent1"/>
+          </a:effectRef>
+          <a:fontRef idx="minor">
+            <a:schemeClr val="lt1"/>
+          </a:fontRef>
+        </p:style>
+        <p:txBody>
+          <a:bodyPr rtlCol="0" anchor="ctr"/>
+          <a:lstStyle/>
+          <a:p>
+            <a:pPr algn="ctr"/>
+            <a:r>
+              <a:rPr lang="en-US" dirty="0">
+                <a:solidFill>
+                  <a:schemeClr val="accent6">
+                    <a:lumMod val="95000"/>
+                  </a:schemeClr>
+                </a:solidFill>
+                <a:latin typeface="Times New Roman" panose="02020603050405020304" pitchFamily="18" charset="0"/>
+                <a:cs typeface="Times New Roman" panose="02020603050405020304" pitchFamily="18" charset="0"/>
+              </a:rPr>
+              <a:t>I2</a:t>
+            </a:r>
+          </a:p>
+        </p:txBody>
+      </p:sp>
+      <p:cxnSp>
+        <p:nvCxnSpPr>
+          <p:cNvPr id="23" name="Straight Arrow Connector 22">
+            <a:extLst>
+              <a:ext uri="{FF2B5EF4-FFF2-40B4-BE49-F238E27FC236}">
+                <a16:creationId xmlns:a16="http://schemas.microsoft.com/office/drawing/2014/main" id="{90D20607-9747-6EE9-B135-1268495F7888}"/>
+              </a:ext>
+            </a:extLst>
+          </p:cNvPr>
+          <p:cNvCxnSpPr>
+            <a:cxnSpLocks/>
+            <a:stCxn id="18" idx="3"/>
+          </p:cNvCxnSpPr>
+          <p:nvPr/>
+        </p:nvCxnSpPr>
+        <p:spPr>
+          <a:xfrm>
+            <a:off x="1325733" y="3522299"/>
+            <a:ext cx="632857" cy="0"/>
+          </a:xfrm>
+          <a:prstGeom prst="straightConnector1">
+            <a:avLst/>
+          </a:prstGeom>
+          <a:ln>
+            <a:solidFill>
+              <a:schemeClr val="accent6">
+                <a:lumMod val="95000"/>
+              </a:schemeClr>
+            </a:solidFill>
+            <a:tailEnd type="triangle"/>
+          </a:ln>
+        </p:spPr>
+        <p:style>
+          <a:lnRef idx="1">
+            <a:schemeClr val="accent1"/>
+          </a:lnRef>
+          <a:fillRef idx="0">
+            <a:schemeClr val="accent1"/>
+          </a:fillRef>
+          <a:effectRef idx="0">
+            <a:schemeClr val="accent1"/>
+          </a:effectRef>
+          <a:fontRef idx="minor">
+            <a:schemeClr val="tx1"/>
+          </a:fontRef>
+        </p:style>
+      </p:cxnSp>
+      <p:cxnSp>
+        <p:nvCxnSpPr>
+          <p:cNvPr id="24" name="Straight Arrow Connector 23">
+            <a:extLst>
+              <a:ext uri="{FF2B5EF4-FFF2-40B4-BE49-F238E27FC236}">
+                <a16:creationId xmlns:a16="http://schemas.microsoft.com/office/drawing/2014/main" id="{C2217952-5704-8052-1D20-6057861AEA72}"/>
+              </a:ext>
+            </a:extLst>
+          </p:cNvPr>
+          <p:cNvCxnSpPr>
+            <a:cxnSpLocks/>
+            <a:stCxn id="19" idx="3"/>
+            <a:endCxn id="20" idx="1"/>
+          </p:cNvCxnSpPr>
+          <p:nvPr/>
+        </p:nvCxnSpPr>
+        <p:spPr>
+          <a:xfrm flipV="1">
+            <a:off x="2568190" y="3520213"/>
+            <a:ext cx="604627" cy="212"/>
+          </a:xfrm>
+          <a:prstGeom prst="straightConnector1">
+            <a:avLst/>
+          </a:prstGeom>
+          <a:ln>
+            <a:solidFill>
+              <a:schemeClr val="accent6">
+                <a:lumMod val="95000"/>
+              </a:schemeClr>
+            </a:solidFill>
+            <a:tailEnd type="triangle"/>
+          </a:ln>
+        </p:spPr>
+        <p:style>
+          <a:lnRef idx="1">
+            <a:schemeClr val="accent1"/>
+          </a:lnRef>
+          <a:fillRef idx="0">
+            <a:schemeClr val="accent1"/>
+          </a:fillRef>
+          <a:effectRef idx="0">
+            <a:schemeClr val="accent1"/>
+          </a:effectRef>
+          <a:fontRef idx="minor">
+            <a:schemeClr val="tx1"/>
+          </a:fontRef>
+        </p:style>
+      </p:cxnSp>
+      <mc:AlternateContent xmlns:mc="http://schemas.openxmlformats.org/markup-compatibility/2006" xmlns:a14="http://schemas.microsoft.com/office/drawing/2010/main">
+        <mc:Choice Requires="a14">
+          <p:sp>
+            <p:nvSpPr>
+              <p:cNvPr id="27" name="TextBox 26">
+                <a:extLst>
+                  <a:ext uri="{FF2B5EF4-FFF2-40B4-BE49-F238E27FC236}">
+                    <a16:creationId xmlns:a16="http://schemas.microsoft.com/office/drawing/2014/main" id="{53EFF29E-1943-8C92-CF85-96ED9AEF7202}"/>
+                  </a:ext>
+                </a:extLst>
+              </p:cNvPr>
+              <p:cNvSpPr txBox="1"/>
+              <p:nvPr/>
+            </p:nvSpPr>
+            <p:spPr>
+              <a:xfrm>
+                <a:off x="1321505" y="3213478"/>
+                <a:ext cx="632857" cy="307777"/>
+              </a:xfrm>
+              <a:prstGeom prst="rect">
+                <a:avLst/>
+              </a:prstGeom>
+              <a:noFill/>
+            </p:spPr>
+            <p:txBody>
+              <a:bodyPr wrap="square" rtlCol="0">
+                <a:spAutoFit/>
+              </a:bodyPr>
+              <a:lstStyle/>
+              <a:p>
+                <a:pPr/>
+                <a14:m>
+                  <m:oMathPara xmlns:m="http://schemas.openxmlformats.org/officeDocument/2006/math">
+                    <m:oMathParaPr>
+                      <m:jc m:val="centerGroup"/>
+                    </m:oMathParaPr>
+                    <m:oMath xmlns:m="http://schemas.openxmlformats.org/officeDocument/2006/math">
+                      <m:r>
+                        <a:rPr lang="en-US" b="0" i="1" smtClean="0">
+                          <a:solidFill>
+                            <a:schemeClr val="accent6">
+                              <a:lumMod val="95000"/>
+                            </a:schemeClr>
+                          </a:solidFill>
+                          <a:latin typeface="Cambria Math" panose="02040503050406030204" pitchFamily="18" charset="0"/>
+                          <a:ea typeface="Cambria Math" panose="02040503050406030204" pitchFamily="18" charset="0"/>
+                        </a:rPr>
+                        <m:t>𝑠𝑠</m:t>
+                      </m:r>
+                      <m:r>
+                        <a:rPr lang="en-US" b="0" i="1" smtClean="0">
+                          <a:solidFill>
+                            <a:schemeClr val="accent6">
+                              <a:lumMod val="95000"/>
+                            </a:schemeClr>
+                          </a:solidFill>
+                          <a:latin typeface="Cambria Math" panose="02040503050406030204" pitchFamily="18" charset="0"/>
+                          <a:ea typeface="Cambria Math" panose="02040503050406030204" pitchFamily="18" charset="0"/>
+                        </a:rPr>
+                        <m:t> ∙</m:t>
+                      </m:r>
+                      <m:r>
+                        <a:rPr lang="en-US" i="1" smtClean="0">
+                          <a:solidFill>
+                            <a:schemeClr val="accent6">
+                              <a:lumMod val="95000"/>
+                            </a:schemeClr>
+                          </a:solidFill>
+                          <a:latin typeface="Cambria Math" panose="02040503050406030204" pitchFamily="18" charset="0"/>
+                          <a:ea typeface="Cambria Math" panose="02040503050406030204" pitchFamily="18" charset="0"/>
+                        </a:rPr>
+                        <m:t>𝜆</m:t>
+                      </m:r>
+                    </m:oMath>
+                  </m:oMathPara>
+                </a14:m>
+                <a:endParaRPr lang="en-US" dirty="0">
+                  <a:solidFill>
+                    <a:schemeClr val="accent6">
+                      <a:lumMod val="95000"/>
+                    </a:schemeClr>
+                  </a:solidFill>
+                </a:endParaRPr>
+              </a:p>
+            </p:txBody>
+          </p:sp>
+        </mc:Choice>
+        <mc:Fallback xmlns="">
+          <p:sp>
+            <p:nvSpPr>
+              <p:cNvPr id="27" name="TextBox 26">
+                <a:extLst>
+                  <a:ext uri="{FF2B5EF4-FFF2-40B4-BE49-F238E27FC236}">
+                    <a16:creationId xmlns:a16="http://schemas.microsoft.com/office/drawing/2014/main" id="{53EFF29E-1943-8C92-CF85-96ED9AEF7202}"/>
+                  </a:ext>
+                </a:extLst>
+              </p:cNvPr>
+              <p:cNvSpPr txBox="1">
+                <a:spLocks noRot="1" noChangeAspect="1" noMove="1" noResize="1" noEditPoints="1" noAdjustHandles="1" noChangeArrowheads="1" noChangeShapeType="1" noTextEdit="1"/>
+              </p:cNvSpPr>
+              <p:nvPr/>
+            </p:nvSpPr>
+            <p:spPr>
+              <a:xfrm>
+                <a:off x="1321505" y="3213478"/>
+                <a:ext cx="632857" cy="307777"/>
+              </a:xfrm>
+              <a:prstGeom prst="rect">
+                <a:avLst/>
+              </a:prstGeom>
+              <a:blipFill>
+                <a:blip r:embed="rId7"/>
+                <a:stretch>
+                  <a:fillRect b="-11538"/>
+                </a:stretch>
+              </a:blipFill>
+            </p:spPr>
+            <p:txBody>
+              <a:bodyPr/>
+              <a:lstStyle/>
+              <a:p>
+                <a:r>
+                  <a:rPr lang="en-US">
+                    <a:noFill/>
+                  </a:rPr>
+                  <a:t> </a:t>
+                </a:r>
+              </a:p>
+            </p:txBody>
+          </p:sp>
+        </mc:Fallback>
+      </mc:AlternateContent>
+      <mc:AlternateContent xmlns:mc="http://schemas.openxmlformats.org/markup-compatibility/2006" xmlns:a14="http://schemas.microsoft.com/office/drawing/2010/main">
+        <mc:Choice Requires="a14">
+          <p:sp>
+            <p:nvSpPr>
+              <p:cNvPr id="28" name="TextBox 27">
+                <a:extLst>
+                  <a:ext uri="{FF2B5EF4-FFF2-40B4-BE49-F238E27FC236}">
+                    <a16:creationId xmlns:a16="http://schemas.microsoft.com/office/drawing/2014/main" id="{A8BE57AF-9358-B4CD-58C7-9474DE3BFB4D}"/>
+                  </a:ext>
+                </a:extLst>
+              </p:cNvPr>
+              <p:cNvSpPr txBox="1"/>
+              <p:nvPr/>
+            </p:nvSpPr>
+            <p:spPr>
+              <a:xfrm>
+                <a:off x="2793878" y="3276436"/>
+                <a:ext cx="164148" cy="430887"/>
+              </a:xfrm>
+              <a:prstGeom prst="rect">
+                <a:avLst/>
+              </a:prstGeom>
+              <a:noFill/>
+            </p:spPr>
+            <p:txBody>
+              <a:bodyPr wrap="square" lIns="0" tIns="0" rIns="0" bIns="0" rtlCol="0">
+                <a:spAutoFit/>
+              </a:bodyPr>
+              <a:lstStyle/>
+              <a:p>
+                <a:pPr/>
+                <a14:m>
+                  <m:oMathPara xmlns:m="http://schemas.openxmlformats.org/officeDocument/2006/math">
+                    <m:oMathParaPr>
+                      <m:jc m:val="centerGroup"/>
+                    </m:oMathParaPr>
+                    <m:oMath xmlns:m="http://schemas.openxmlformats.org/officeDocument/2006/math">
+                      <m:r>
+                        <m:rPr>
+                          <m:sty m:val="p"/>
+                        </m:rPr>
+                        <a:rPr lang="en-US" b="0" i="1" smtClean="0">
+                          <a:solidFill>
+                            <a:schemeClr val="accent6">
+                              <a:lumMod val="95000"/>
+                            </a:schemeClr>
+                          </a:solidFill>
+                          <a:latin typeface="Cambria Math" panose="02040503050406030204" pitchFamily="18" charset="0"/>
+                        </a:rPr>
+                        <m:t>ϵ</m:t>
+                      </m:r>
+                    </m:oMath>
+                  </m:oMathPara>
+                </a14:m>
+                <a:endParaRPr lang="en-US" b="0" dirty="0"/>
+              </a:p>
+              <a:p>
+                <a:endParaRPr lang="en-US" dirty="0"/>
+              </a:p>
+            </p:txBody>
+          </p:sp>
+        </mc:Choice>
+        <mc:Fallback xmlns="">
+          <p:sp>
+            <p:nvSpPr>
+              <p:cNvPr id="28" name="TextBox 27">
+                <a:extLst>
+                  <a:ext uri="{FF2B5EF4-FFF2-40B4-BE49-F238E27FC236}">
+                    <a16:creationId xmlns:a16="http://schemas.microsoft.com/office/drawing/2014/main" id="{A8BE57AF-9358-B4CD-58C7-9474DE3BFB4D}"/>
+                  </a:ext>
+                </a:extLst>
+              </p:cNvPr>
+              <p:cNvSpPr txBox="1">
+                <a:spLocks noRot="1" noChangeAspect="1" noMove="1" noResize="1" noEditPoints="1" noAdjustHandles="1" noChangeArrowheads="1" noChangeShapeType="1" noTextEdit="1"/>
+              </p:cNvSpPr>
+              <p:nvPr/>
+            </p:nvSpPr>
+            <p:spPr>
+              <a:xfrm>
+                <a:off x="2793878" y="3276436"/>
+                <a:ext cx="164148" cy="430887"/>
+              </a:xfrm>
+              <a:prstGeom prst="rect">
+                <a:avLst/>
+              </a:prstGeom>
+              <a:blipFill>
+                <a:blip r:embed="rId8"/>
+                <a:stretch>
+                  <a:fillRect r="-7143"/>
+                </a:stretch>
+              </a:blipFill>
+            </p:spPr>
+            <p:txBody>
+              <a:bodyPr/>
+              <a:lstStyle/>
+              <a:p>
+                <a:r>
+                  <a:rPr lang="en-US">
+                    <a:noFill/>
+                  </a:rPr>
+                  <a:t> </a:t>
+                </a:r>
+              </a:p>
+            </p:txBody>
+          </p:sp>
+        </mc:Fallback>
+      </mc:AlternateContent>
+      <p:cxnSp>
+        <p:nvCxnSpPr>
+          <p:cNvPr id="32" name="Elbow Connector 31">
+            <a:extLst>
+              <a:ext uri="{FF2B5EF4-FFF2-40B4-BE49-F238E27FC236}">
+                <a16:creationId xmlns:a16="http://schemas.microsoft.com/office/drawing/2014/main" id="{F8DF068A-E905-C6A0-ABCD-7BD7B8003CB6}"/>
+              </a:ext>
+            </a:extLst>
+          </p:cNvPr>
+          <p:cNvCxnSpPr>
+            <a:cxnSpLocks/>
+            <a:stCxn id="7" idx="2"/>
+            <a:endCxn id="18" idx="0"/>
+          </p:cNvCxnSpPr>
+          <p:nvPr/>
+        </p:nvCxnSpPr>
+        <p:spPr>
+          <a:xfrm rot="5400000">
+            <a:off x="2518283" y="1030049"/>
+            <a:ext cx="720705" cy="3715403"/>
+          </a:xfrm>
+          <a:prstGeom prst="bentConnector3">
+            <a:avLst>
+              <a:gd name="adj1" fmla="val 40132"/>
+            </a:avLst>
+          </a:prstGeom>
+          <a:ln>
+            <a:solidFill>
+              <a:schemeClr val="accent6">
+                <a:lumMod val="95000"/>
+              </a:schemeClr>
+            </a:solidFill>
+            <a:tailEnd type="triangle"/>
+          </a:ln>
+        </p:spPr>
+        <p:style>
+          <a:lnRef idx="1">
+            <a:schemeClr val="accent1"/>
+          </a:lnRef>
+          <a:fillRef idx="0">
+            <a:schemeClr val="accent1"/>
+          </a:fillRef>
+          <a:effectRef idx="0">
+            <a:schemeClr val="accent1"/>
+          </a:effectRef>
+          <a:fontRef idx="minor">
+            <a:schemeClr val="tx1"/>
+          </a:fontRef>
+        </p:style>
+      </p:cxnSp>
+      <mc:AlternateContent xmlns:mc="http://schemas.openxmlformats.org/markup-compatibility/2006" xmlns:a14="http://schemas.microsoft.com/office/drawing/2010/main">
+        <mc:Choice Requires="a14">
+          <p:sp>
+            <p:nvSpPr>
+              <p:cNvPr id="34" name="TextBox 33">
+                <a:extLst>
+                  <a:ext uri="{FF2B5EF4-FFF2-40B4-BE49-F238E27FC236}">
+                    <a16:creationId xmlns:a16="http://schemas.microsoft.com/office/drawing/2014/main" id="{51B359C8-B648-90F1-DC0D-775B7AD36CB9}"/>
+                  </a:ext>
+                </a:extLst>
+              </p:cNvPr>
+              <p:cNvSpPr txBox="1"/>
+              <p:nvPr/>
+            </p:nvSpPr>
+            <p:spPr>
+              <a:xfrm>
+                <a:off x="3214530" y="2598330"/>
+                <a:ext cx="183512" cy="215444"/>
+              </a:xfrm>
+              <a:prstGeom prst="rect">
+                <a:avLst/>
+              </a:prstGeom>
+              <a:noFill/>
+            </p:spPr>
+            <p:txBody>
+              <a:bodyPr wrap="square" lIns="0" tIns="0" rIns="0" bIns="0" rtlCol="0">
+                <a:spAutoFit/>
+              </a:bodyPr>
+              <a:lstStyle/>
+              <a:p>
+                <a:pPr/>
+                <a14:m>
+                  <m:oMathPara xmlns:m="http://schemas.openxmlformats.org/officeDocument/2006/math">
+                    <m:oMathParaPr>
+                      <m:jc m:val="centerGroup"/>
+                    </m:oMathParaPr>
+                    <m:oMath xmlns:m="http://schemas.openxmlformats.org/officeDocument/2006/math">
+                      <m:r>
+                        <a:rPr lang="en-US" i="1" smtClean="0">
+                          <a:solidFill>
+                            <a:schemeClr val="accent6">
+                              <a:lumMod val="95000"/>
+                            </a:schemeClr>
+                          </a:solidFill>
+                          <a:latin typeface="Cambria Math" panose="02040503050406030204" pitchFamily="18" charset="0"/>
+                          <a:ea typeface="Cambria Math" panose="02040503050406030204" pitchFamily="18" charset="0"/>
+                        </a:rPr>
+                        <m:t>𝜔</m:t>
+                      </m:r>
+                    </m:oMath>
+                  </m:oMathPara>
+                </a14:m>
+                <a:endParaRPr lang="en-US" dirty="0">
+                  <a:solidFill>
+                    <a:schemeClr val="accent6">
+                      <a:lumMod val="95000"/>
+                    </a:schemeClr>
+                  </a:solidFill>
+                </a:endParaRPr>
+              </a:p>
+            </p:txBody>
+          </p:sp>
+        </mc:Choice>
+        <mc:Fallback xmlns="">
+          <p:sp>
+            <p:nvSpPr>
+              <p:cNvPr id="34" name="TextBox 33">
+                <a:extLst>
+                  <a:ext uri="{FF2B5EF4-FFF2-40B4-BE49-F238E27FC236}">
+                    <a16:creationId xmlns:a16="http://schemas.microsoft.com/office/drawing/2014/main" id="{51B359C8-B648-90F1-DC0D-775B7AD36CB9}"/>
+                  </a:ext>
+                </a:extLst>
+              </p:cNvPr>
+              <p:cNvSpPr txBox="1">
+                <a:spLocks noRot="1" noChangeAspect="1" noMove="1" noResize="1" noEditPoints="1" noAdjustHandles="1" noChangeArrowheads="1" noChangeShapeType="1" noTextEdit="1"/>
+              </p:cNvSpPr>
+              <p:nvPr/>
+            </p:nvSpPr>
+            <p:spPr>
+              <a:xfrm>
+                <a:off x="3214530" y="2598330"/>
+                <a:ext cx="183512" cy="215444"/>
+              </a:xfrm>
+              <a:prstGeom prst="rect">
+                <a:avLst/>
+              </a:prstGeom>
+              <a:blipFill>
+                <a:blip r:embed="rId9"/>
+                <a:stretch>
+                  <a:fillRect l="-6250" r="-6250" b="-5556"/>
+                </a:stretch>
+              </a:blipFill>
+            </p:spPr>
+            <p:txBody>
+              <a:bodyPr/>
+              <a:lstStyle/>
+              <a:p>
+                <a:r>
+                  <a:rPr lang="en-US">
+                    <a:noFill/>
+                  </a:rPr>
+                  <a:t> </a:t>
+                </a:r>
+              </a:p>
+            </p:txBody>
+          </p:sp>
+        </mc:Fallback>
+      </mc:AlternateContent>
+      <p:cxnSp>
+        <p:nvCxnSpPr>
+          <p:cNvPr id="62" name="Elbow Connector 61">
+            <a:extLst>
+              <a:ext uri="{FF2B5EF4-FFF2-40B4-BE49-F238E27FC236}">
+                <a16:creationId xmlns:a16="http://schemas.microsoft.com/office/drawing/2014/main" id="{58D83079-4FEA-B296-82C1-D1E7E7AE3CAA}"/>
+              </a:ext>
+            </a:extLst>
+          </p:cNvPr>
+          <p:cNvCxnSpPr>
+            <a:cxnSpLocks/>
+            <a:stCxn id="55" idx="2"/>
+            <a:endCxn id="18" idx="2"/>
+          </p:cNvCxnSpPr>
+          <p:nvPr/>
+        </p:nvCxnSpPr>
+        <p:spPr>
+          <a:xfrm rot="5400000" flipH="1">
+            <a:off x="2629112" y="2188315"/>
+            <a:ext cx="509833" cy="3726192"/>
+          </a:xfrm>
+          <a:prstGeom prst="bentConnector3">
+            <a:avLst>
+              <a:gd name="adj1" fmla="val -72738"/>
+            </a:avLst>
+          </a:prstGeom>
+          <a:ln>
+            <a:solidFill>
+              <a:schemeClr val="accent6">
+                <a:lumMod val="95000"/>
+              </a:schemeClr>
+            </a:solidFill>
+            <a:tailEnd type="triangle"/>
+          </a:ln>
+        </p:spPr>
+        <p:style>
+          <a:lnRef idx="1">
+            <a:schemeClr val="accent1"/>
+          </a:lnRef>
+          <a:fillRef idx="0">
+            <a:schemeClr val="accent1"/>
+          </a:fillRef>
+          <a:effectRef idx="0">
+            <a:schemeClr val="accent1"/>
+          </a:effectRef>
+          <a:fontRef idx="minor">
+            <a:schemeClr val="tx1"/>
+          </a:fontRef>
+        </p:style>
+      </p:cxnSp>
+      <mc:AlternateContent xmlns:mc="http://schemas.openxmlformats.org/markup-compatibility/2006" xmlns:a14="http://schemas.microsoft.com/office/drawing/2010/main">
+        <mc:Choice Requires="a14">
+          <p:sp>
+            <p:nvSpPr>
+              <p:cNvPr id="206" name="TextBox 205">
+                <a:extLst>
+                  <a:ext uri="{FF2B5EF4-FFF2-40B4-BE49-F238E27FC236}">
+                    <a16:creationId xmlns:a16="http://schemas.microsoft.com/office/drawing/2014/main" id="{3928B729-F3BF-27DC-50F4-65E685812944}"/>
+                  </a:ext>
+                </a:extLst>
+              </p:cNvPr>
+              <p:cNvSpPr txBox="1"/>
+              <p:nvPr/>
+            </p:nvSpPr>
+            <p:spPr>
+              <a:xfrm>
+                <a:off x="2836170" y="4434783"/>
+                <a:ext cx="942177" cy="215444"/>
+              </a:xfrm>
+              <a:prstGeom prst="rect">
+                <a:avLst/>
+              </a:prstGeom>
+              <a:noFill/>
+            </p:spPr>
+            <p:txBody>
+              <a:bodyPr wrap="square" lIns="0" tIns="0" rIns="0" bIns="0" rtlCol="0">
+                <a:spAutoFit/>
+              </a:bodyPr>
+              <a:lstStyle/>
+              <a:p>
+                <a:pPr/>
+                <a14:m>
+                  <m:oMathPara xmlns:m="http://schemas.openxmlformats.org/officeDocument/2006/math">
+                    <m:oMathParaPr>
+                      <m:jc m:val="centerGroup"/>
+                    </m:oMathParaPr>
+                    <m:oMath xmlns:m="http://schemas.openxmlformats.org/officeDocument/2006/math">
+                      <m:r>
+                        <a:rPr lang="en-US" b="0" i="1" smtClean="0">
+                          <a:solidFill>
+                            <a:schemeClr val="accent6">
+                              <a:lumMod val="95000"/>
+                            </a:schemeClr>
+                          </a:solidFill>
+                          <a:latin typeface="Cambria Math" panose="02040503050406030204" pitchFamily="18" charset="0"/>
+                          <a:ea typeface="Cambria Math" panose="02040503050406030204" pitchFamily="18" charset="0"/>
+                        </a:rPr>
+                        <m:t>𝑠𝑖</m:t>
+                      </m:r>
+                      <m:r>
+                        <a:rPr lang="en-US" b="0" i="1" smtClean="0">
+                          <a:solidFill>
+                            <a:schemeClr val="accent6">
+                              <a:lumMod val="95000"/>
+                            </a:schemeClr>
+                          </a:solidFill>
+                          <a:latin typeface="Cambria Math" panose="02040503050406030204" pitchFamily="18" charset="0"/>
+                          <a:ea typeface="Cambria Math" panose="02040503050406030204" pitchFamily="18" charset="0"/>
+                        </a:rPr>
+                        <m:t>∙</m:t>
+                      </m:r>
+                      <m:r>
+                        <a:rPr lang="en-US" i="1" smtClean="0">
+                          <a:solidFill>
+                            <a:schemeClr val="accent6">
+                              <a:lumMod val="95000"/>
+                            </a:schemeClr>
+                          </a:solidFill>
+                          <a:latin typeface="Cambria Math" panose="02040503050406030204" pitchFamily="18" charset="0"/>
+                          <a:ea typeface="Cambria Math" panose="02040503050406030204" pitchFamily="18" charset="0"/>
+                        </a:rPr>
+                        <m:t>𝜔</m:t>
+                      </m:r>
+                    </m:oMath>
+                  </m:oMathPara>
+                </a14:m>
+                <a:endParaRPr lang="en-US" dirty="0">
+                  <a:solidFill>
+                    <a:schemeClr val="accent6">
+                      <a:lumMod val="95000"/>
+                    </a:schemeClr>
+                  </a:solidFill>
+                </a:endParaRPr>
+              </a:p>
+            </p:txBody>
+          </p:sp>
+        </mc:Choice>
+        <mc:Fallback xmlns="">
+          <p:sp>
+            <p:nvSpPr>
+              <p:cNvPr id="206" name="TextBox 205">
+                <a:extLst>
+                  <a:ext uri="{FF2B5EF4-FFF2-40B4-BE49-F238E27FC236}">
+                    <a16:creationId xmlns:a16="http://schemas.microsoft.com/office/drawing/2014/main" id="{3928B729-F3BF-27DC-50F4-65E685812944}"/>
+                  </a:ext>
+                </a:extLst>
+              </p:cNvPr>
+              <p:cNvSpPr txBox="1">
+                <a:spLocks noRot="1" noChangeAspect="1" noMove="1" noResize="1" noEditPoints="1" noAdjustHandles="1" noChangeArrowheads="1" noChangeShapeType="1" noTextEdit="1"/>
+              </p:cNvSpPr>
+              <p:nvPr/>
+            </p:nvSpPr>
+            <p:spPr>
+              <a:xfrm>
+                <a:off x="2836170" y="4434783"/>
+                <a:ext cx="942177" cy="215444"/>
+              </a:xfrm>
+              <a:prstGeom prst="rect">
+                <a:avLst/>
+              </a:prstGeom>
+              <a:blipFill>
+                <a:blip r:embed="rId10"/>
+                <a:stretch>
+                  <a:fillRect b="-10526"/>
+                </a:stretch>
+              </a:blipFill>
+            </p:spPr>
+            <p:txBody>
+              <a:bodyPr/>
+              <a:lstStyle/>
+              <a:p>
+                <a:r>
+                  <a:rPr lang="en-US">
+                    <a:noFill/>
+                  </a:rPr>
+                  <a:t> </a:t>
+                </a:r>
+              </a:p>
+            </p:txBody>
+          </p:sp>
+        </mc:Fallback>
+      </mc:AlternateContent>
+      <p:cxnSp>
+        <p:nvCxnSpPr>
+          <p:cNvPr id="211" name="Straight Arrow Connector 210">
+            <a:extLst>
+              <a:ext uri="{FF2B5EF4-FFF2-40B4-BE49-F238E27FC236}">
+                <a16:creationId xmlns:a16="http://schemas.microsoft.com/office/drawing/2014/main" id="{DA2E895B-110C-6A28-1961-D943DA2B1C5C}"/>
+              </a:ext>
+            </a:extLst>
+          </p:cNvPr>
+          <p:cNvCxnSpPr>
+            <a:cxnSpLocks/>
+            <a:stCxn id="2" idx="2"/>
+          </p:cNvCxnSpPr>
+          <p:nvPr/>
+        </p:nvCxnSpPr>
+        <p:spPr>
+          <a:xfrm flipH="1">
+            <a:off x="729238" y="2025388"/>
+            <a:ext cx="288787" cy="255428"/>
+          </a:xfrm>
+          <a:prstGeom prst="straightConnector1">
+            <a:avLst/>
+          </a:prstGeom>
+          <a:ln>
+            <a:solidFill>
+              <a:schemeClr val="accent6">
+                <a:lumMod val="95000"/>
+              </a:schemeClr>
+            </a:solidFill>
+            <a:tailEnd type="triangle"/>
+          </a:ln>
+        </p:spPr>
+        <p:style>
+          <a:lnRef idx="1">
+            <a:schemeClr val="accent1"/>
+          </a:lnRef>
+          <a:fillRef idx="0">
+            <a:schemeClr val="accent1"/>
+          </a:fillRef>
+          <a:effectRef idx="0">
+            <a:schemeClr val="accent1"/>
+          </a:effectRef>
+          <a:fontRef idx="minor">
+            <a:schemeClr val="tx1"/>
+          </a:fontRef>
+        </p:style>
+      </p:cxnSp>
+      <mc:AlternateContent xmlns:mc="http://schemas.openxmlformats.org/markup-compatibility/2006" xmlns:a14="http://schemas.microsoft.com/office/drawing/2010/main">
+        <mc:Choice Requires="a14">
+          <p:sp>
+            <p:nvSpPr>
+              <p:cNvPr id="212" name="TextBox 211">
+                <a:extLst>
+                  <a:ext uri="{FF2B5EF4-FFF2-40B4-BE49-F238E27FC236}">
+                    <a16:creationId xmlns:a16="http://schemas.microsoft.com/office/drawing/2014/main" id="{A6379177-9F6B-7194-8D24-4318383B0006}"/>
+                  </a:ext>
+                </a:extLst>
+              </p:cNvPr>
+              <p:cNvSpPr txBox="1"/>
+              <p:nvPr/>
+            </p:nvSpPr>
+            <p:spPr>
+              <a:xfrm>
+                <a:off x="818215" y="2073850"/>
+                <a:ext cx="330411" cy="246221"/>
+              </a:xfrm>
+              <a:prstGeom prst="rect">
+                <a:avLst/>
+              </a:prstGeom>
+              <a:noFill/>
+            </p:spPr>
+            <p:txBody>
+              <a:bodyPr wrap="square" rtlCol="0">
+                <a:spAutoFit/>
+              </a:bodyPr>
+              <a:lstStyle/>
+              <a:p>
+                <a:pPr/>
+                <a14:m>
+                  <m:oMathPara xmlns:m="http://schemas.openxmlformats.org/officeDocument/2006/math">
+                    <m:oMathParaPr>
+                      <m:jc m:val="centerGroup"/>
+                    </m:oMathParaPr>
+                    <m:oMath xmlns:m="http://schemas.openxmlformats.org/officeDocument/2006/math">
+                      <m:r>
+                        <a:rPr lang="en-US" sz="1000" i="1" dirty="0" smtClean="0">
+                          <a:solidFill>
+                            <a:schemeClr val="accent6">
+                              <a:lumMod val="95000"/>
+                            </a:schemeClr>
+                          </a:solidFill>
+                          <a:latin typeface="Cambria Math" panose="02040503050406030204" pitchFamily="18" charset="0"/>
+                          <a:ea typeface="Cambria Math" panose="02040503050406030204" pitchFamily="18" charset="0"/>
+                        </a:rPr>
+                        <m:t>𝛿</m:t>
+                      </m:r>
+                    </m:oMath>
+                  </m:oMathPara>
+                </a14:m>
+                <a:endParaRPr lang="en-US" sz="1000" dirty="0">
+                  <a:solidFill>
+                    <a:schemeClr val="accent6">
+                      <a:lumMod val="95000"/>
+                    </a:schemeClr>
+                  </a:solidFill>
+                </a:endParaRPr>
+              </a:p>
+            </p:txBody>
+          </p:sp>
+        </mc:Choice>
+        <mc:Fallback xmlns="">
+          <p:sp>
+            <p:nvSpPr>
+              <p:cNvPr id="212" name="TextBox 211">
+                <a:extLst>
+                  <a:ext uri="{FF2B5EF4-FFF2-40B4-BE49-F238E27FC236}">
+                    <a16:creationId xmlns:a16="http://schemas.microsoft.com/office/drawing/2014/main" id="{A6379177-9F6B-7194-8D24-4318383B0006}"/>
+                  </a:ext>
+                </a:extLst>
+              </p:cNvPr>
+              <p:cNvSpPr txBox="1">
+                <a:spLocks noRot="1" noChangeAspect="1" noMove="1" noResize="1" noEditPoints="1" noAdjustHandles="1" noChangeArrowheads="1" noChangeShapeType="1" noTextEdit="1"/>
+              </p:cNvSpPr>
+              <p:nvPr/>
+            </p:nvSpPr>
+            <p:spPr>
+              <a:xfrm>
+                <a:off x="818215" y="2073850"/>
+                <a:ext cx="330411" cy="246221"/>
+              </a:xfrm>
+              <a:prstGeom prst="rect">
+                <a:avLst/>
+              </a:prstGeom>
+              <a:blipFill>
+                <a:blip r:embed="rId11"/>
+                <a:stretch>
+                  <a:fillRect/>
+                </a:stretch>
+              </a:blipFill>
+            </p:spPr>
+            <p:txBody>
+              <a:bodyPr/>
+              <a:lstStyle/>
+              <a:p>
+                <a:r>
+                  <a:rPr lang="en-US">
+                    <a:noFill/>
+                  </a:rPr>
+                  <a:t> </a:t>
+                </a:r>
+              </a:p>
+            </p:txBody>
+          </p:sp>
+        </mc:Fallback>
+      </mc:AlternateContent>
+      <p:cxnSp>
+        <p:nvCxnSpPr>
+          <p:cNvPr id="217" name="Straight Arrow Connector 216">
+            <a:extLst>
+              <a:ext uri="{FF2B5EF4-FFF2-40B4-BE49-F238E27FC236}">
+                <a16:creationId xmlns:a16="http://schemas.microsoft.com/office/drawing/2014/main" id="{1BF31899-73D5-2ECF-CB58-60B7CE34AAD7}"/>
+              </a:ext>
+            </a:extLst>
+          </p:cNvPr>
+          <p:cNvCxnSpPr>
+            <a:cxnSpLocks/>
+          </p:cNvCxnSpPr>
+          <p:nvPr/>
+        </p:nvCxnSpPr>
+        <p:spPr>
+          <a:xfrm flipH="1">
+            <a:off x="1988192" y="2035017"/>
+            <a:ext cx="288787" cy="255428"/>
+          </a:xfrm>
+          <a:prstGeom prst="straightConnector1">
+            <a:avLst/>
+          </a:prstGeom>
+          <a:ln>
+            <a:solidFill>
+              <a:schemeClr val="accent6">
+                <a:lumMod val="95000"/>
+              </a:schemeClr>
+            </a:solidFill>
+            <a:tailEnd type="triangle"/>
+          </a:ln>
+        </p:spPr>
+        <p:style>
+          <a:lnRef idx="1">
+            <a:schemeClr val="accent1"/>
+          </a:lnRef>
+          <a:fillRef idx="0">
+            <a:schemeClr val="accent1"/>
+          </a:fillRef>
+          <a:effectRef idx="0">
+            <a:schemeClr val="accent1"/>
+          </a:effectRef>
+          <a:fontRef idx="minor">
+            <a:schemeClr val="tx1"/>
+          </a:fontRef>
+        </p:style>
+      </p:cxnSp>
+      <mc:AlternateContent xmlns:mc="http://schemas.openxmlformats.org/markup-compatibility/2006" xmlns:a14="http://schemas.microsoft.com/office/drawing/2010/main">
+        <mc:Choice Requires="a14">
+          <p:sp>
+            <p:nvSpPr>
+              <p:cNvPr id="218" name="TextBox 217">
+                <a:extLst>
+                  <a:ext uri="{FF2B5EF4-FFF2-40B4-BE49-F238E27FC236}">
+                    <a16:creationId xmlns:a16="http://schemas.microsoft.com/office/drawing/2014/main" id="{D11A70CC-3DEA-218F-0F42-11DE869C6C5A}"/>
+                  </a:ext>
+                </a:extLst>
+              </p:cNvPr>
+              <p:cNvSpPr txBox="1"/>
+              <p:nvPr/>
+            </p:nvSpPr>
+            <p:spPr>
+              <a:xfrm>
+                <a:off x="2077169" y="2083479"/>
+                <a:ext cx="330411" cy="246221"/>
+              </a:xfrm>
+              <a:prstGeom prst="rect">
+                <a:avLst/>
+              </a:prstGeom>
+              <a:noFill/>
+            </p:spPr>
+            <p:txBody>
+              <a:bodyPr wrap="square" rtlCol="0">
+                <a:spAutoFit/>
+              </a:bodyPr>
+              <a:lstStyle/>
+              <a:p>
+                <a:pPr/>
+                <a14:m>
+                  <m:oMathPara xmlns:m="http://schemas.openxmlformats.org/officeDocument/2006/math">
+                    <m:oMathParaPr>
+                      <m:jc m:val="centerGroup"/>
+                    </m:oMathParaPr>
+                    <m:oMath xmlns:m="http://schemas.openxmlformats.org/officeDocument/2006/math">
+                      <m:r>
+                        <a:rPr lang="en-US" sz="1000" i="1" dirty="0" smtClean="0">
+                          <a:solidFill>
+                            <a:schemeClr val="accent6">
+                              <a:lumMod val="95000"/>
+                            </a:schemeClr>
+                          </a:solidFill>
+                          <a:latin typeface="Cambria Math" panose="02040503050406030204" pitchFamily="18" charset="0"/>
+                          <a:ea typeface="Cambria Math" panose="02040503050406030204" pitchFamily="18" charset="0"/>
+                        </a:rPr>
+                        <m:t>𝛿</m:t>
+                      </m:r>
+                    </m:oMath>
+                  </m:oMathPara>
+                </a14:m>
+                <a:endParaRPr lang="en-US" sz="1000" dirty="0">
+                  <a:solidFill>
+                    <a:schemeClr val="accent3">
+                      <a:lumMod val="85000"/>
+                    </a:schemeClr>
+                  </a:solidFill>
+                </a:endParaRPr>
+              </a:p>
+            </p:txBody>
+          </p:sp>
+        </mc:Choice>
+        <mc:Fallback xmlns="">
+          <p:sp>
+            <p:nvSpPr>
+              <p:cNvPr id="218" name="TextBox 217">
+                <a:extLst>
+                  <a:ext uri="{FF2B5EF4-FFF2-40B4-BE49-F238E27FC236}">
+                    <a16:creationId xmlns:a16="http://schemas.microsoft.com/office/drawing/2014/main" id="{D11A70CC-3DEA-218F-0F42-11DE869C6C5A}"/>
+                  </a:ext>
+                </a:extLst>
+              </p:cNvPr>
+              <p:cNvSpPr txBox="1">
+                <a:spLocks noRot="1" noChangeAspect="1" noMove="1" noResize="1" noEditPoints="1" noAdjustHandles="1" noChangeArrowheads="1" noChangeShapeType="1" noTextEdit="1"/>
+              </p:cNvSpPr>
+              <p:nvPr/>
+            </p:nvSpPr>
+            <p:spPr>
+              <a:xfrm>
+                <a:off x="2077169" y="2083479"/>
+                <a:ext cx="330411" cy="246221"/>
+              </a:xfrm>
+              <a:prstGeom prst="rect">
+                <a:avLst/>
+              </a:prstGeom>
+              <a:blipFill>
+                <a:blip r:embed="rId12"/>
+                <a:stretch>
+                  <a:fillRect/>
+                </a:stretch>
+              </a:blipFill>
+            </p:spPr>
+            <p:txBody>
+              <a:bodyPr/>
+              <a:lstStyle/>
+              <a:p>
+                <a:r>
+                  <a:rPr lang="en-US">
+                    <a:noFill/>
+                  </a:rPr>
+                  <a:t> </a:t>
+                </a:r>
+              </a:p>
+            </p:txBody>
+          </p:sp>
+        </mc:Fallback>
+      </mc:AlternateContent>
+      <p:cxnSp>
+        <p:nvCxnSpPr>
+          <p:cNvPr id="219" name="Straight Arrow Connector 218">
+            <a:extLst>
+              <a:ext uri="{FF2B5EF4-FFF2-40B4-BE49-F238E27FC236}">
+                <a16:creationId xmlns:a16="http://schemas.microsoft.com/office/drawing/2014/main" id="{48751EE8-0788-5E75-D2E9-8CB04C20BB60}"/>
+              </a:ext>
+            </a:extLst>
+          </p:cNvPr>
+          <p:cNvCxnSpPr>
+            <a:cxnSpLocks/>
+          </p:cNvCxnSpPr>
+          <p:nvPr/>
+        </p:nvCxnSpPr>
+        <p:spPr>
+          <a:xfrm flipH="1">
+            <a:off x="3186170" y="2053040"/>
+            <a:ext cx="288787" cy="255428"/>
+          </a:xfrm>
+          <a:prstGeom prst="straightConnector1">
+            <a:avLst/>
+          </a:prstGeom>
+          <a:ln>
+            <a:solidFill>
+              <a:schemeClr val="accent6">
+                <a:lumMod val="95000"/>
+              </a:schemeClr>
+            </a:solidFill>
+            <a:tailEnd type="triangle"/>
+          </a:ln>
+        </p:spPr>
+        <p:style>
+          <a:lnRef idx="1">
+            <a:schemeClr val="accent1"/>
+          </a:lnRef>
+          <a:fillRef idx="0">
+            <a:schemeClr val="accent1"/>
+          </a:fillRef>
+          <a:effectRef idx="0">
+            <a:schemeClr val="accent1"/>
+          </a:effectRef>
+          <a:fontRef idx="minor">
+            <a:schemeClr val="tx1"/>
+          </a:fontRef>
+        </p:style>
+      </p:cxnSp>
+      <mc:AlternateContent xmlns:mc="http://schemas.openxmlformats.org/markup-compatibility/2006" xmlns:a14="http://schemas.microsoft.com/office/drawing/2010/main">
+        <mc:Choice Requires="a14">
+          <p:sp>
+            <p:nvSpPr>
+              <p:cNvPr id="220" name="TextBox 219">
+                <a:extLst>
+                  <a:ext uri="{FF2B5EF4-FFF2-40B4-BE49-F238E27FC236}">
+                    <a16:creationId xmlns:a16="http://schemas.microsoft.com/office/drawing/2014/main" id="{0A6040BB-752E-AE7D-3CDC-E86A5CEFDC00}"/>
+                  </a:ext>
+                </a:extLst>
+              </p:cNvPr>
+              <p:cNvSpPr txBox="1"/>
+              <p:nvPr/>
+            </p:nvSpPr>
+            <p:spPr>
+              <a:xfrm>
+                <a:off x="3275147" y="2101502"/>
+                <a:ext cx="330411" cy="246221"/>
+              </a:xfrm>
+              <a:prstGeom prst="rect">
+                <a:avLst/>
+              </a:prstGeom>
+              <a:noFill/>
+            </p:spPr>
+            <p:txBody>
+              <a:bodyPr wrap="square" rtlCol="0">
+                <a:spAutoFit/>
+              </a:bodyPr>
+              <a:lstStyle/>
+              <a:p>
+                <a:pPr/>
+                <a14:m>
+                  <m:oMathPara xmlns:m="http://schemas.openxmlformats.org/officeDocument/2006/math">
+                    <m:oMathParaPr>
+                      <m:jc m:val="centerGroup"/>
+                    </m:oMathParaPr>
+                    <m:oMath xmlns:m="http://schemas.openxmlformats.org/officeDocument/2006/math">
+                      <m:r>
+                        <a:rPr lang="en-US" sz="1000" i="1" dirty="0" smtClean="0">
+                          <a:solidFill>
+                            <a:schemeClr val="accent6">
+                              <a:lumMod val="95000"/>
+                            </a:schemeClr>
+                          </a:solidFill>
+                          <a:latin typeface="Cambria Math" panose="02040503050406030204" pitchFamily="18" charset="0"/>
+                          <a:ea typeface="Cambria Math" panose="02040503050406030204" pitchFamily="18" charset="0"/>
+                        </a:rPr>
+                        <m:t>𝛿</m:t>
+                      </m:r>
+                    </m:oMath>
+                  </m:oMathPara>
+                </a14:m>
+                <a:endParaRPr lang="en-US" sz="1000" dirty="0">
+                  <a:solidFill>
+                    <a:schemeClr val="accent3">
+                      <a:lumMod val="85000"/>
+                    </a:schemeClr>
+                  </a:solidFill>
+                </a:endParaRPr>
+              </a:p>
+            </p:txBody>
+          </p:sp>
+        </mc:Choice>
+        <mc:Fallback xmlns="">
+          <p:sp>
+            <p:nvSpPr>
+              <p:cNvPr id="220" name="TextBox 219">
+                <a:extLst>
+                  <a:ext uri="{FF2B5EF4-FFF2-40B4-BE49-F238E27FC236}">
+                    <a16:creationId xmlns:a16="http://schemas.microsoft.com/office/drawing/2014/main" id="{0A6040BB-752E-AE7D-3CDC-E86A5CEFDC00}"/>
+                  </a:ext>
+                </a:extLst>
+              </p:cNvPr>
+              <p:cNvSpPr txBox="1">
+                <a:spLocks noRot="1" noChangeAspect="1" noMove="1" noResize="1" noEditPoints="1" noAdjustHandles="1" noChangeArrowheads="1" noChangeShapeType="1" noTextEdit="1"/>
+              </p:cNvSpPr>
+              <p:nvPr/>
+            </p:nvSpPr>
+            <p:spPr>
+              <a:xfrm>
+                <a:off x="3275147" y="2101502"/>
+                <a:ext cx="330411" cy="246221"/>
+              </a:xfrm>
+              <a:prstGeom prst="rect">
+                <a:avLst/>
+              </a:prstGeom>
+              <a:blipFill>
+                <a:blip r:embed="rId13"/>
+                <a:stretch>
+                  <a:fillRect/>
+                </a:stretch>
+              </a:blipFill>
+            </p:spPr>
+            <p:txBody>
+              <a:bodyPr/>
+              <a:lstStyle/>
+              <a:p>
+                <a:r>
+                  <a:rPr lang="en-US">
+                    <a:noFill/>
+                  </a:rPr>
+                  <a:t> </a:t>
+                </a:r>
+              </a:p>
+            </p:txBody>
+          </p:sp>
+        </mc:Fallback>
+      </mc:AlternateContent>
+      <p:cxnSp>
+        <p:nvCxnSpPr>
+          <p:cNvPr id="226" name="Straight Arrow Connector 225">
+            <a:extLst>
+              <a:ext uri="{FF2B5EF4-FFF2-40B4-BE49-F238E27FC236}">
+                <a16:creationId xmlns:a16="http://schemas.microsoft.com/office/drawing/2014/main" id="{7A26E796-8DFA-82E4-3081-2A230281C7AD}"/>
+              </a:ext>
+            </a:extLst>
+          </p:cNvPr>
+          <p:cNvCxnSpPr>
+            <a:cxnSpLocks/>
+          </p:cNvCxnSpPr>
+          <p:nvPr/>
+        </p:nvCxnSpPr>
+        <p:spPr>
+          <a:xfrm flipH="1">
+            <a:off x="729238" y="3804509"/>
+            <a:ext cx="288787" cy="255428"/>
+          </a:xfrm>
+          <a:prstGeom prst="straightConnector1">
+            <a:avLst/>
+          </a:prstGeom>
+          <a:ln>
+            <a:solidFill>
+              <a:schemeClr val="accent6">
+                <a:lumMod val="95000"/>
+              </a:schemeClr>
+            </a:solidFill>
+            <a:tailEnd type="triangle"/>
+          </a:ln>
+        </p:spPr>
+        <p:style>
+          <a:lnRef idx="1">
+            <a:schemeClr val="accent1"/>
+          </a:lnRef>
+          <a:fillRef idx="0">
+            <a:schemeClr val="accent1"/>
+          </a:fillRef>
+          <a:effectRef idx="0">
+            <a:schemeClr val="accent1"/>
+          </a:effectRef>
+          <a:fontRef idx="minor">
+            <a:schemeClr val="tx1"/>
+          </a:fontRef>
+        </p:style>
+      </p:cxnSp>
+      <mc:AlternateContent xmlns:mc="http://schemas.openxmlformats.org/markup-compatibility/2006" xmlns:a14="http://schemas.microsoft.com/office/drawing/2010/main">
+        <mc:Choice Requires="a14">
+          <p:sp>
+            <p:nvSpPr>
+              <p:cNvPr id="227" name="TextBox 226">
+                <a:extLst>
+                  <a:ext uri="{FF2B5EF4-FFF2-40B4-BE49-F238E27FC236}">
+                    <a16:creationId xmlns:a16="http://schemas.microsoft.com/office/drawing/2014/main" id="{7B06C35E-E9DA-0CE7-E87C-54AF9962B092}"/>
+                  </a:ext>
+                </a:extLst>
+              </p:cNvPr>
+              <p:cNvSpPr txBox="1"/>
+              <p:nvPr/>
+            </p:nvSpPr>
+            <p:spPr>
+              <a:xfrm>
+                <a:off x="767413" y="3852971"/>
+                <a:ext cx="330411" cy="246221"/>
+              </a:xfrm>
+              <a:prstGeom prst="rect">
+                <a:avLst/>
+              </a:prstGeom>
+              <a:noFill/>
+            </p:spPr>
+            <p:txBody>
+              <a:bodyPr wrap="square" rtlCol="0">
+                <a:spAutoFit/>
+              </a:bodyPr>
+              <a:lstStyle/>
+              <a:p>
+                <a:pPr/>
+                <a14:m>
+                  <m:oMathPara xmlns:m="http://schemas.openxmlformats.org/officeDocument/2006/math">
+                    <m:oMathParaPr>
+                      <m:jc m:val="centerGroup"/>
+                    </m:oMathParaPr>
+                    <m:oMath xmlns:m="http://schemas.openxmlformats.org/officeDocument/2006/math">
+                      <m:r>
+                        <a:rPr lang="en-US" sz="1000" i="1" dirty="0" smtClean="0">
+                          <a:solidFill>
+                            <a:schemeClr val="accent6">
+                              <a:lumMod val="95000"/>
+                            </a:schemeClr>
+                          </a:solidFill>
+                          <a:latin typeface="Cambria Math" panose="02040503050406030204" pitchFamily="18" charset="0"/>
+                          <a:ea typeface="Cambria Math" panose="02040503050406030204" pitchFamily="18" charset="0"/>
+                        </a:rPr>
+                        <m:t>𝛿</m:t>
+                      </m:r>
+                    </m:oMath>
+                  </m:oMathPara>
+                </a14:m>
+                <a:endParaRPr lang="en-US" sz="1000" dirty="0">
+                  <a:solidFill>
+                    <a:schemeClr val="accent6">
+                      <a:lumMod val="95000"/>
+                    </a:schemeClr>
+                  </a:solidFill>
+                </a:endParaRPr>
+              </a:p>
+            </p:txBody>
+          </p:sp>
+        </mc:Choice>
+        <mc:Fallback xmlns="">
+          <p:sp>
+            <p:nvSpPr>
+              <p:cNvPr id="227" name="TextBox 226">
+                <a:extLst>
+                  <a:ext uri="{FF2B5EF4-FFF2-40B4-BE49-F238E27FC236}">
+                    <a16:creationId xmlns:a16="http://schemas.microsoft.com/office/drawing/2014/main" id="{7B06C35E-E9DA-0CE7-E87C-54AF9962B092}"/>
+                  </a:ext>
+                </a:extLst>
+              </p:cNvPr>
+              <p:cNvSpPr txBox="1">
+                <a:spLocks noRot="1" noChangeAspect="1" noMove="1" noResize="1" noEditPoints="1" noAdjustHandles="1" noChangeArrowheads="1" noChangeShapeType="1" noTextEdit="1"/>
+              </p:cNvSpPr>
+              <p:nvPr/>
+            </p:nvSpPr>
+            <p:spPr>
+              <a:xfrm>
+                <a:off x="767413" y="3852971"/>
+                <a:ext cx="330411" cy="246221"/>
+              </a:xfrm>
+              <a:prstGeom prst="rect">
+                <a:avLst/>
+              </a:prstGeom>
+              <a:blipFill>
+                <a:blip r:embed="rId11"/>
+                <a:stretch>
+                  <a:fillRect/>
+                </a:stretch>
+              </a:blipFill>
+            </p:spPr>
+            <p:txBody>
+              <a:bodyPr/>
+              <a:lstStyle/>
+              <a:p>
+                <a:r>
+                  <a:rPr lang="en-US">
+                    <a:noFill/>
+                  </a:rPr>
+                  <a:t> </a:t>
+                </a:r>
+              </a:p>
+            </p:txBody>
+          </p:sp>
+        </mc:Fallback>
+      </mc:AlternateContent>
+      <p:cxnSp>
+        <p:nvCxnSpPr>
+          <p:cNvPr id="228" name="Straight Arrow Connector 227">
+            <a:extLst>
+              <a:ext uri="{FF2B5EF4-FFF2-40B4-BE49-F238E27FC236}">
+                <a16:creationId xmlns:a16="http://schemas.microsoft.com/office/drawing/2014/main" id="{528636C4-5B3E-4C37-2116-7239F0416D62}"/>
+              </a:ext>
+            </a:extLst>
+          </p:cNvPr>
+          <p:cNvCxnSpPr>
+            <a:cxnSpLocks/>
+          </p:cNvCxnSpPr>
+          <p:nvPr/>
+        </p:nvCxnSpPr>
+        <p:spPr>
+          <a:xfrm flipH="1">
+            <a:off x="1988192" y="3799479"/>
+            <a:ext cx="288787" cy="255428"/>
+          </a:xfrm>
+          <a:prstGeom prst="straightConnector1">
+            <a:avLst/>
+          </a:prstGeom>
+          <a:ln>
+            <a:solidFill>
+              <a:schemeClr val="accent6">
+                <a:lumMod val="95000"/>
+              </a:schemeClr>
+            </a:solidFill>
+            <a:tailEnd type="triangle"/>
+          </a:ln>
+        </p:spPr>
+        <p:style>
+          <a:lnRef idx="1">
+            <a:schemeClr val="accent1"/>
+          </a:lnRef>
+          <a:fillRef idx="0">
+            <a:schemeClr val="accent1"/>
+          </a:fillRef>
+          <a:effectRef idx="0">
+            <a:schemeClr val="accent1"/>
+          </a:effectRef>
+          <a:fontRef idx="minor">
+            <a:schemeClr val="tx1"/>
+          </a:fontRef>
+        </p:style>
+      </p:cxnSp>
+      <mc:AlternateContent xmlns:mc="http://schemas.openxmlformats.org/markup-compatibility/2006" xmlns:a14="http://schemas.microsoft.com/office/drawing/2010/main">
+        <mc:Choice Requires="a14">
+          <p:sp>
+            <p:nvSpPr>
+              <p:cNvPr id="229" name="TextBox 228">
+                <a:extLst>
+                  <a:ext uri="{FF2B5EF4-FFF2-40B4-BE49-F238E27FC236}">
+                    <a16:creationId xmlns:a16="http://schemas.microsoft.com/office/drawing/2014/main" id="{0B1CC00F-E1F8-D63F-9FAC-82DDB8C06B23}"/>
+                  </a:ext>
+                </a:extLst>
+              </p:cNvPr>
+              <p:cNvSpPr txBox="1"/>
+              <p:nvPr/>
+            </p:nvSpPr>
+            <p:spPr>
+              <a:xfrm>
+                <a:off x="2077169" y="3847941"/>
+                <a:ext cx="330411" cy="246221"/>
+              </a:xfrm>
+              <a:prstGeom prst="rect">
+                <a:avLst/>
+              </a:prstGeom>
+              <a:noFill/>
+            </p:spPr>
+            <p:txBody>
+              <a:bodyPr wrap="square" rtlCol="0">
+                <a:spAutoFit/>
+              </a:bodyPr>
+              <a:lstStyle/>
+              <a:p>
+                <a:pPr/>
+                <a14:m>
+                  <m:oMathPara xmlns:m="http://schemas.openxmlformats.org/officeDocument/2006/math">
+                    <m:oMathParaPr>
+                      <m:jc m:val="centerGroup"/>
+                    </m:oMathParaPr>
+                    <m:oMath xmlns:m="http://schemas.openxmlformats.org/officeDocument/2006/math">
+                      <m:r>
+                        <a:rPr lang="en-US" sz="1000" i="1" dirty="0" smtClean="0">
+                          <a:solidFill>
+                            <a:schemeClr val="accent6">
+                              <a:lumMod val="95000"/>
+                            </a:schemeClr>
+                          </a:solidFill>
+                          <a:latin typeface="Cambria Math" panose="02040503050406030204" pitchFamily="18" charset="0"/>
+                          <a:ea typeface="Cambria Math" panose="02040503050406030204" pitchFamily="18" charset="0"/>
+                        </a:rPr>
+                        <m:t>𝛿</m:t>
+                      </m:r>
+                    </m:oMath>
+                  </m:oMathPara>
+                </a14:m>
+                <a:endParaRPr lang="en-US" sz="1000" dirty="0">
+                  <a:solidFill>
+                    <a:schemeClr val="accent1">
+                      <a:lumMod val="60000"/>
+                      <a:lumOff val="40000"/>
+                    </a:schemeClr>
+                  </a:solidFill>
+                </a:endParaRPr>
+              </a:p>
+            </p:txBody>
+          </p:sp>
+        </mc:Choice>
+        <mc:Fallback xmlns="">
+          <p:sp>
+            <p:nvSpPr>
+              <p:cNvPr id="229" name="TextBox 228">
+                <a:extLst>
+                  <a:ext uri="{FF2B5EF4-FFF2-40B4-BE49-F238E27FC236}">
+                    <a16:creationId xmlns:a16="http://schemas.microsoft.com/office/drawing/2014/main" id="{0B1CC00F-E1F8-D63F-9FAC-82DDB8C06B23}"/>
+                  </a:ext>
+                </a:extLst>
+              </p:cNvPr>
+              <p:cNvSpPr txBox="1">
+                <a:spLocks noRot="1" noChangeAspect="1" noMove="1" noResize="1" noEditPoints="1" noAdjustHandles="1" noChangeArrowheads="1" noChangeShapeType="1" noTextEdit="1"/>
+              </p:cNvSpPr>
+              <p:nvPr/>
+            </p:nvSpPr>
+            <p:spPr>
+              <a:xfrm>
+                <a:off x="2077169" y="3847941"/>
+                <a:ext cx="330411" cy="246221"/>
+              </a:xfrm>
+              <a:prstGeom prst="rect">
+                <a:avLst/>
+              </a:prstGeom>
+              <a:blipFill>
+                <a:blip r:embed="rId14"/>
+                <a:stretch>
+                  <a:fillRect/>
+                </a:stretch>
+              </a:blipFill>
+            </p:spPr>
+            <p:txBody>
+              <a:bodyPr/>
+              <a:lstStyle/>
+              <a:p>
+                <a:r>
+                  <a:rPr lang="en-US">
+                    <a:noFill/>
+                  </a:rPr>
+                  <a:t> </a:t>
+                </a:r>
+              </a:p>
+            </p:txBody>
+          </p:sp>
+        </mc:Fallback>
+      </mc:AlternateContent>
+      <p:cxnSp>
+        <p:nvCxnSpPr>
+          <p:cNvPr id="230" name="Straight Arrow Connector 229">
+            <a:extLst>
+              <a:ext uri="{FF2B5EF4-FFF2-40B4-BE49-F238E27FC236}">
+                <a16:creationId xmlns:a16="http://schemas.microsoft.com/office/drawing/2014/main" id="{1E09094C-B164-5911-AF99-F42A03E11996}"/>
+              </a:ext>
+            </a:extLst>
+          </p:cNvPr>
+          <p:cNvCxnSpPr>
+            <a:cxnSpLocks/>
+          </p:cNvCxnSpPr>
+          <p:nvPr/>
+        </p:nvCxnSpPr>
+        <p:spPr>
+          <a:xfrm flipH="1">
+            <a:off x="3186170" y="3795680"/>
+            <a:ext cx="288787" cy="255428"/>
+          </a:xfrm>
+          <a:prstGeom prst="straightConnector1">
+            <a:avLst/>
+          </a:prstGeom>
+          <a:ln>
+            <a:solidFill>
+              <a:schemeClr val="accent6">
+                <a:lumMod val="95000"/>
+              </a:schemeClr>
+            </a:solidFill>
+            <a:tailEnd type="triangle"/>
+          </a:ln>
+        </p:spPr>
+        <p:style>
+          <a:lnRef idx="1">
+            <a:schemeClr val="accent1"/>
+          </a:lnRef>
+          <a:fillRef idx="0">
+            <a:schemeClr val="accent1"/>
+          </a:fillRef>
+          <a:effectRef idx="0">
+            <a:schemeClr val="accent1"/>
+          </a:effectRef>
+          <a:fontRef idx="minor">
+            <a:schemeClr val="tx1"/>
+          </a:fontRef>
+        </p:style>
+      </p:cxnSp>
+      <mc:AlternateContent xmlns:mc="http://schemas.openxmlformats.org/markup-compatibility/2006" xmlns:a14="http://schemas.microsoft.com/office/drawing/2010/main">
+        <mc:Choice Requires="a14">
+          <p:sp>
+            <p:nvSpPr>
+              <p:cNvPr id="231" name="TextBox 230">
+                <a:extLst>
+                  <a:ext uri="{FF2B5EF4-FFF2-40B4-BE49-F238E27FC236}">
+                    <a16:creationId xmlns:a16="http://schemas.microsoft.com/office/drawing/2014/main" id="{AB8D06C6-22A5-1C89-B633-9A72E462D1BD}"/>
+                  </a:ext>
+                </a:extLst>
+              </p:cNvPr>
+              <p:cNvSpPr txBox="1"/>
+              <p:nvPr/>
+            </p:nvSpPr>
+            <p:spPr>
+              <a:xfrm>
+                <a:off x="3275147" y="3844142"/>
+                <a:ext cx="330411" cy="246221"/>
+              </a:xfrm>
+              <a:prstGeom prst="rect">
+                <a:avLst/>
+              </a:prstGeom>
+              <a:noFill/>
+            </p:spPr>
+            <p:txBody>
+              <a:bodyPr wrap="square" rtlCol="0">
+                <a:spAutoFit/>
+              </a:bodyPr>
+              <a:lstStyle/>
+              <a:p>
+                <a:pPr/>
+                <a14:m>
+                  <m:oMathPara xmlns:m="http://schemas.openxmlformats.org/officeDocument/2006/math">
+                    <m:oMathParaPr>
+                      <m:jc m:val="centerGroup"/>
+                    </m:oMathParaPr>
+                    <m:oMath xmlns:m="http://schemas.openxmlformats.org/officeDocument/2006/math">
+                      <m:r>
+                        <a:rPr lang="en-US" sz="1000" i="1" dirty="0" smtClean="0">
+                          <a:solidFill>
+                            <a:schemeClr val="accent6">
+                              <a:lumMod val="95000"/>
+                            </a:schemeClr>
+                          </a:solidFill>
+                          <a:latin typeface="Cambria Math" panose="02040503050406030204" pitchFamily="18" charset="0"/>
+                          <a:ea typeface="Cambria Math" panose="02040503050406030204" pitchFamily="18" charset="0"/>
+                        </a:rPr>
+                        <m:t>𝛿</m:t>
+                      </m:r>
+                    </m:oMath>
+                  </m:oMathPara>
+                </a14:m>
+                <a:endParaRPr lang="en-US" sz="1000" dirty="0">
+                  <a:solidFill>
+                    <a:schemeClr val="accent1">
+                      <a:lumMod val="60000"/>
+                      <a:lumOff val="40000"/>
+                    </a:schemeClr>
+                  </a:solidFill>
+                </a:endParaRPr>
+              </a:p>
+            </p:txBody>
+          </p:sp>
+        </mc:Choice>
+        <mc:Fallback xmlns="">
+          <p:sp>
+            <p:nvSpPr>
+              <p:cNvPr id="231" name="TextBox 230">
+                <a:extLst>
+                  <a:ext uri="{FF2B5EF4-FFF2-40B4-BE49-F238E27FC236}">
+                    <a16:creationId xmlns:a16="http://schemas.microsoft.com/office/drawing/2014/main" id="{AB8D06C6-22A5-1C89-B633-9A72E462D1BD}"/>
+                  </a:ext>
+                </a:extLst>
+              </p:cNvPr>
+              <p:cNvSpPr txBox="1">
+                <a:spLocks noRot="1" noChangeAspect="1" noMove="1" noResize="1" noEditPoints="1" noAdjustHandles="1" noChangeArrowheads="1" noChangeShapeType="1" noTextEdit="1"/>
+              </p:cNvSpPr>
+              <p:nvPr/>
+            </p:nvSpPr>
+            <p:spPr>
+              <a:xfrm>
+                <a:off x="3275147" y="3844142"/>
+                <a:ext cx="330411" cy="246221"/>
+              </a:xfrm>
+              <a:prstGeom prst="rect">
+                <a:avLst/>
+              </a:prstGeom>
+              <a:blipFill>
+                <a:blip r:embed="rId15"/>
+                <a:stretch>
+                  <a:fillRect/>
+                </a:stretch>
+              </a:blipFill>
+            </p:spPr>
+            <p:txBody>
+              <a:bodyPr/>
+              <a:lstStyle/>
+              <a:p>
+                <a:r>
+                  <a:rPr lang="en-US">
+                    <a:noFill/>
+                  </a:rPr>
+                  <a:t> </a:t>
+                </a:r>
+              </a:p>
+            </p:txBody>
+          </p:sp>
+        </mc:Fallback>
+      </mc:AlternateContent>
+      <mc:AlternateContent xmlns:mc="http://schemas.openxmlformats.org/markup-compatibility/2006" xmlns:a14="http://schemas.microsoft.com/office/drawing/2010/main">
+        <mc:Choice Requires="a14">
+          <p:sp>
+            <p:nvSpPr>
+              <p:cNvPr id="39" name="TextBox 38">
+                <a:extLst>
+                  <a:ext uri="{FF2B5EF4-FFF2-40B4-BE49-F238E27FC236}">
+                    <a16:creationId xmlns:a16="http://schemas.microsoft.com/office/drawing/2014/main" id="{016FC581-6692-C0F5-D29A-000D6FA41BA9}"/>
+                  </a:ext>
+                </a:extLst>
+              </p:cNvPr>
+              <p:cNvSpPr txBox="1"/>
+              <p:nvPr/>
+            </p:nvSpPr>
+            <p:spPr>
+              <a:xfrm>
+                <a:off x="5884464" y="1452975"/>
+                <a:ext cx="2157963" cy="3539430"/>
+              </a:xfrm>
+              <a:prstGeom prst="rect">
+                <a:avLst/>
+              </a:prstGeom>
+              <a:noFill/>
+            </p:spPr>
+            <p:txBody>
+              <a:bodyPr wrap="none" rtlCol="0">
+                <a:spAutoFit/>
+              </a:bodyPr>
+              <a:lstStyle/>
+              <a:p>
+                <a14:m>
+                  <m:oMath xmlns:m="http://schemas.openxmlformats.org/officeDocument/2006/math">
+                    <m:r>
+                      <a:rPr lang="en-US" b="0" i="1" smtClean="0">
+                        <a:solidFill>
+                          <a:schemeClr val="accent6">
+                            <a:lumMod val="95000"/>
+                          </a:schemeClr>
+                        </a:solidFill>
+                        <a:latin typeface="Cambria Math" panose="02040503050406030204" pitchFamily="18" charset="0"/>
+                      </a:rPr>
+                      <m:t>𝜆</m:t>
+                    </m:r>
+                    <m:r>
+                      <a:rPr lang="en-US" b="0" i="1" smtClean="0">
+                        <a:solidFill>
+                          <a:schemeClr val="accent6">
+                            <a:lumMod val="95000"/>
+                          </a:schemeClr>
+                        </a:solidFill>
+                        <a:latin typeface="Cambria Math" panose="02040503050406030204" pitchFamily="18" charset="0"/>
+                      </a:rPr>
+                      <m:t>:</m:t>
+                    </m:r>
+                  </m:oMath>
+                </a14:m>
+                <a:r>
+                  <a:rPr lang="en-US" dirty="0">
+                    <a:solidFill>
+                      <a:schemeClr val="accent6">
+                        <a:lumMod val="95000"/>
+                      </a:schemeClr>
+                    </a:solidFill>
+                  </a:rPr>
+                  <a:t> </a:t>
+                </a:r>
+                <a:r>
+                  <a:rPr lang="en-US" dirty="0">
+                    <a:solidFill>
+                      <a:schemeClr val="accent6">
+                        <a:lumMod val="95000"/>
+                      </a:schemeClr>
+                    </a:solidFill>
+                    <a:latin typeface="Cambria Math" panose="02040503050406030204" pitchFamily="18" charset="0"/>
+                    <a:ea typeface="Cambria Math" panose="02040503050406030204" pitchFamily="18" charset="0"/>
+                  </a:rPr>
+                  <a:t>force of infection</a:t>
+                </a:r>
+              </a:p>
+              <a:p>
+                <a14:m>
+                  <m:oMath xmlns:m="http://schemas.openxmlformats.org/officeDocument/2006/math">
+                    <m:r>
+                      <a:rPr lang="en-US" b="0" i="1" smtClean="0">
+                        <a:latin typeface="Cambria Math" panose="02040503050406030204" pitchFamily="18" charset="0"/>
+                        <a:ea typeface="Cambria Math" panose="02040503050406030204" pitchFamily="18" charset="0"/>
+                      </a:rPr>
+                      <m:t>𝑣</m:t>
+                    </m:r>
+                    <m:r>
+                      <a:rPr lang="en-US" b="0" i="1" smtClean="0">
+                        <a:latin typeface="Cambria Math" panose="02040503050406030204" pitchFamily="18" charset="0"/>
+                        <a:ea typeface="Cambria Math" panose="02040503050406030204" pitchFamily="18" charset="0"/>
+                      </a:rPr>
+                      <m:t>(</m:t>
+                    </m:r>
+                    <m:r>
+                      <a:rPr lang="en-US" b="0" i="1" smtClean="0">
+                        <a:latin typeface="Cambria Math" panose="02040503050406030204" pitchFamily="18" charset="0"/>
+                        <a:ea typeface="Cambria Math" panose="02040503050406030204" pitchFamily="18" charset="0"/>
+                      </a:rPr>
+                      <m:t>𝑡</m:t>
+                    </m:r>
+                    <m:r>
+                      <a:rPr lang="en-US" b="0" i="1" smtClean="0">
+                        <a:latin typeface="Cambria Math" panose="02040503050406030204" pitchFamily="18" charset="0"/>
+                        <a:ea typeface="Cambria Math" panose="02040503050406030204" pitchFamily="18" charset="0"/>
+                      </a:rPr>
+                      <m:t>)</m:t>
+                    </m:r>
+                  </m:oMath>
+                </a14:m>
+                <a:r>
+                  <a:rPr lang="en-US" dirty="0">
+                    <a:latin typeface="Cambria Math" panose="02040503050406030204" pitchFamily="18" charset="0"/>
+                    <a:ea typeface="Cambria Math" panose="02040503050406030204" pitchFamily="18" charset="0"/>
+                  </a:rPr>
+                  <a:t>: vaccination function</a:t>
+                </a:r>
+              </a:p>
+              <a:p>
+                <a14:m>
+                  <m:oMath xmlns:m="http://schemas.openxmlformats.org/officeDocument/2006/math">
+                    <m:r>
+                      <a:rPr lang="en-US" b="0" i="1" smtClean="0">
+                        <a:solidFill>
+                          <a:schemeClr val="accent6">
+                            <a:lumMod val="95000"/>
+                          </a:schemeClr>
+                        </a:solidFill>
+                        <a:latin typeface="Cambria Math" panose="02040503050406030204" pitchFamily="18" charset="0"/>
+                        <a:ea typeface="Cambria Math" panose="02040503050406030204" pitchFamily="18" charset="0"/>
+                      </a:rPr>
+                      <m:t>𝜖</m:t>
+                    </m:r>
+                  </m:oMath>
+                </a14:m>
+                <a:r>
+                  <a:rPr lang="en-US" dirty="0">
+                    <a:solidFill>
+                      <a:schemeClr val="accent6">
+                        <a:lumMod val="95000"/>
+                      </a:schemeClr>
+                    </a:solidFill>
+                    <a:latin typeface="Cambria Math" panose="02040503050406030204" pitchFamily="18" charset="0"/>
+                    <a:ea typeface="Cambria Math" panose="02040503050406030204" pitchFamily="18" charset="0"/>
+                  </a:rPr>
+                  <a:t>: latent period</a:t>
+                </a:r>
+              </a:p>
+              <a:p>
+                <a14:m>
+                  <m:oMath xmlns:m="http://schemas.openxmlformats.org/officeDocument/2006/math">
+                    <m:r>
+                      <m:rPr>
+                        <m:sty m:val="p"/>
+                      </m:rPr>
+                      <a:rPr lang="en-US" b="0" i="1" smtClean="0">
+                        <a:solidFill>
+                          <a:schemeClr val="accent6">
+                            <a:lumMod val="95000"/>
+                          </a:schemeClr>
+                        </a:solidFill>
+                        <a:latin typeface="Cambria Math" panose="02040503050406030204" pitchFamily="18" charset="0"/>
+                        <a:ea typeface="Cambria Math" panose="02040503050406030204" pitchFamily="18" charset="0"/>
+                      </a:rPr>
+                      <m:t>γ</m:t>
+                    </m:r>
+                  </m:oMath>
+                </a14:m>
+                <a:r>
+                  <a:rPr lang="en-US" dirty="0">
+                    <a:solidFill>
+                      <a:schemeClr val="accent6">
+                        <a:lumMod val="95000"/>
+                      </a:schemeClr>
+                    </a:solidFill>
+                    <a:latin typeface="Cambria Math" panose="02040503050406030204" pitchFamily="18" charset="0"/>
+                    <a:ea typeface="Cambria Math" panose="02040503050406030204" pitchFamily="18" charset="0"/>
+                  </a:rPr>
+                  <a:t>: recovery rate</a:t>
+                </a:r>
+              </a:p>
+              <a:p>
+                <a14:m>
+                  <m:oMath xmlns:m="http://schemas.openxmlformats.org/officeDocument/2006/math">
+                    <m:r>
+                      <m:rPr>
+                        <m:sty m:val="p"/>
+                      </m:rPr>
+                      <a:rPr lang="en-US" b="0" i="1" smtClean="0">
+                        <a:solidFill>
+                          <a:schemeClr val="accent6">
+                            <a:lumMod val="95000"/>
+                          </a:schemeClr>
+                        </a:solidFill>
+                        <a:latin typeface="Cambria Math" panose="02040503050406030204" pitchFamily="18" charset="0"/>
+                        <a:ea typeface="Cambria Math" panose="02040503050406030204" pitchFamily="18" charset="0"/>
+                      </a:rPr>
+                      <m:t>α</m:t>
+                    </m:r>
+                  </m:oMath>
+                </a14:m>
+                <a:r>
+                  <a:rPr lang="en-US" dirty="0">
+                    <a:solidFill>
+                      <a:schemeClr val="accent6">
+                        <a:lumMod val="95000"/>
+                      </a:schemeClr>
+                    </a:solidFill>
+                    <a:latin typeface="Cambria Math" panose="02040503050406030204" pitchFamily="18" charset="0"/>
+                    <a:ea typeface="Cambria Math" panose="02040503050406030204" pitchFamily="18" charset="0"/>
+                  </a:rPr>
+                  <a:t>: death rate</a:t>
+                </a:r>
+              </a:p>
+              <a:p>
+                <a14:m>
+                  <m:oMath xmlns:m="http://schemas.openxmlformats.org/officeDocument/2006/math">
+                    <m:r>
+                      <m:rPr>
+                        <m:sty m:val="p"/>
+                      </m:rPr>
+                      <a:rPr lang="en-US" b="0" i="1" smtClean="0">
+                        <a:solidFill>
+                          <a:schemeClr val="accent6">
+                            <a:lumMod val="95000"/>
+                          </a:schemeClr>
+                        </a:solidFill>
+                        <a:latin typeface="Cambria Math" panose="02040503050406030204" pitchFamily="18" charset="0"/>
+                        <a:ea typeface="Cambria Math" panose="02040503050406030204" pitchFamily="18" charset="0"/>
+                      </a:rPr>
+                      <m:t>ω</m:t>
+                    </m:r>
+                  </m:oMath>
+                </a14:m>
+                <a:r>
+                  <a:rPr lang="en-US" dirty="0">
+                    <a:solidFill>
+                      <a:schemeClr val="accent6">
+                        <a:lumMod val="95000"/>
+                      </a:schemeClr>
+                    </a:solidFill>
+                    <a:latin typeface="Cambria Math" panose="02040503050406030204" pitchFamily="18" charset="0"/>
+                    <a:ea typeface="Cambria Math" panose="02040503050406030204" pitchFamily="18" charset="0"/>
+                  </a:rPr>
+                  <a:t>: waning of immunity</a:t>
+                </a:r>
+              </a:p>
+              <a:p>
+                <a14:m>
+                  <m:oMath xmlns:m="http://schemas.openxmlformats.org/officeDocument/2006/math">
+                    <m:r>
+                      <a:rPr lang="en-US" b="0" i="1" smtClean="0">
+                        <a:solidFill>
+                          <a:schemeClr val="accent6">
+                            <a:lumMod val="95000"/>
+                          </a:schemeClr>
+                        </a:solidFill>
+                        <a:latin typeface="Cambria Math" panose="02040503050406030204" pitchFamily="18" charset="0"/>
+                        <a:ea typeface="Cambria Math" panose="02040503050406030204" pitchFamily="18" charset="0"/>
+                      </a:rPr>
+                      <m:t>𝑠𝑠</m:t>
+                    </m:r>
+                  </m:oMath>
+                </a14:m>
+                <a:r>
+                  <a:rPr lang="en-US" dirty="0">
+                    <a:solidFill>
+                      <a:schemeClr val="accent6">
+                        <a:lumMod val="95000"/>
+                      </a:schemeClr>
+                    </a:solidFill>
+                    <a:latin typeface="Cambria Math" panose="02040503050406030204" pitchFamily="18" charset="0"/>
+                    <a:ea typeface="Cambria Math" panose="02040503050406030204" pitchFamily="18" charset="0"/>
+                  </a:rPr>
+                  <a:t>: scale susceptibility</a:t>
+                </a:r>
+              </a:p>
+              <a:p>
+                <a14:m>
+                  <m:oMath xmlns:m="http://schemas.openxmlformats.org/officeDocument/2006/math">
+                    <m:r>
+                      <a:rPr lang="en-US" b="0" i="1" smtClean="0">
+                        <a:solidFill>
+                          <a:schemeClr val="accent6">
+                            <a:lumMod val="95000"/>
+                          </a:schemeClr>
+                        </a:solidFill>
+                        <a:latin typeface="Cambria Math" panose="02040503050406030204" pitchFamily="18" charset="0"/>
+                        <a:ea typeface="Cambria Math" panose="02040503050406030204" pitchFamily="18" charset="0"/>
+                      </a:rPr>
+                      <m:t>𝑠𝑖</m:t>
+                    </m:r>
+                  </m:oMath>
+                </a14:m>
+                <a:r>
+                  <a:rPr lang="en-US" dirty="0">
+                    <a:solidFill>
+                      <a:schemeClr val="accent6">
+                        <a:lumMod val="95000"/>
+                      </a:schemeClr>
+                    </a:solidFill>
+                    <a:latin typeface="Cambria Math" panose="02040503050406030204" pitchFamily="18" charset="0"/>
+                    <a:ea typeface="Cambria Math" panose="02040503050406030204" pitchFamily="18" charset="0"/>
+                  </a:rPr>
+                  <a:t>: scale immunity</a:t>
+                </a:r>
+              </a:p>
+              <a:p>
+                <a14:m>
+                  <m:oMath xmlns:m="http://schemas.openxmlformats.org/officeDocument/2006/math">
+                    <m:r>
+                      <a:rPr lang="en-US" b="0" i="1" smtClean="0">
+                        <a:solidFill>
+                          <a:schemeClr val="accent6">
+                            <a:lumMod val="95000"/>
+                          </a:schemeClr>
+                        </a:solidFill>
+                        <a:latin typeface="Cambria Math" panose="02040503050406030204" pitchFamily="18" charset="0"/>
+                        <a:ea typeface="Cambria Math" panose="02040503050406030204" pitchFamily="18" charset="0"/>
+                      </a:rPr>
+                      <m:t>𝛿</m:t>
+                    </m:r>
+                  </m:oMath>
+                </a14:m>
+                <a:r>
+                  <a:rPr lang="en-US" dirty="0">
+                    <a:solidFill>
+                      <a:schemeClr val="accent6">
+                        <a:lumMod val="95000"/>
+                      </a:schemeClr>
+                    </a:solidFill>
+                    <a:latin typeface="Cambria Math" panose="02040503050406030204" pitchFamily="18" charset="0"/>
+                    <a:ea typeface="Cambria Math" panose="02040503050406030204" pitchFamily="18" charset="0"/>
+                  </a:rPr>
+                  <a:t>: aging rate</a:t>
+                </a:r>
+              </a:p>
+              <a:p>
+                <a:endParaRPr lang="en-US" dirty="0">
+                  <a:latin typeface="Cambria Math" panose="02040503050406030204" pitchFamily="18" charset="0"/>
+                  <a:ea typeface="Cambria Math" panose="02040503050406030204" pitchFamily="18" charset="0"/>
+                </a:endParaRPr>
+              </a:p>
+              <a:p>
+                <a:endParaRPr lang="en-US" dirty="0">
+                  <a:latin typeface="Cambria Math" panose="02040503050406030204" pitchFamily="18" charset="0"/>
+                  <a:ea typeface="Cambria Math" panose="02040503050406030204" pitchFamily="18" charset="0"/>
+                </a:endParaRPr>
+              </a:p>
+              <a:p>
+                <a:endParaRPr lang="en-US" dirty="0">
+                  <a:latin typeface="Cambria Math" panose="02040503050406030204" pitchFamily="18" charset="0"/>
+                  <a:ea typeface="Cambria Math" panose="02040503050406030204" pitchFamily="18" charset="0"/>
+                </a:endParaRPr>
+              </a:p>
+              <a:p>
+                <a:endParaRPr lang="en-US" dirty="0">
+                  <a:latin typeface="Cambria Math" panose="02040503050406030204" pitchFamily="18" charset="0"/>
+                  <a:ea typeface="Cambria Math" panose="02040503050406030204" pitchFamily="18" charset="0"/>
+                </a:endParaRPr>
+              </a:p>
+              <a:p>
+                <a:endParaRPr lang="en-US" dirty="0">
+                  <a:latin typeface="Cambria Math" panose="02040503050406030204" pitchFamily="18" charset="0"/>
+                  <a:ea typeface="Cambria Math" panose="02040503050406030204" pitchFamily="18" charset="0"/>
+                </a:endParaRPr>
+              </a:p>
+              <a:p>
+                <a:endParaRPr lang="en-US" dirty="0">
+                  <a:latin typeface="Cambria Math" panose="02040503050406030204" pitchFamily="18" charset="0"/>
+                  <a:ea typeface="Cambria Math" panose="02040503050406030204" pitchFamily="18" charset="0"/>
+                </a:endParaRPr>
+              </a:p>
+              <a:p>
+                <a:endParaRPr lang="en-US" dirty="0">
+                  <a:latin typeface="Cambria Math" panose="02040503050406030204" pitchFamily="18" charset="0"/>
+                  <a:ea typeface="Cambria Math" panose="02040503050406030204" pitchFamily="18" charset="0"/>
+                </a:endParaRPr>
+              </a:p>
+            </p:txBody>
+          </p:sp>
+        </mc:Choice>
+        <mc:Fallback xmlns="">
+          <p:sp>
+            <p:nvSpPr>
+              <p:cNvPr id="39" name="TextBox 38">
+                <a:extLst>
+                  <a:ext uri="{FF2B5EF4-FFF2-40B4-BE49-F238E27FC236}">
+                    <a16:creationId xmlns:a16="http://schemas.microsoft.com/office/drawing/2014/main" id="{016FC581-6692-C0F5-D29A-000D6FA41BA9}"/>
+                  </a:ext>
+                </a:extLst>
+              </p:cNvPr>
+              <p:cNvSpPr txBox="1">
+                <a:spLocks noRot="1" noChangeAspect="1" noMove="1" noResize="1" noEditPoints="1" noAdjustHandles="1" noChangeArrowheads="1" noChangeShapeType="1" noTextEdit="1"/>
+              </p:cNvSpPr>
+              <p:nvPr/>
+            </p:nvSpPr>
+            <p:spPr>
+              <a:xfrm>
+                <a:off x="5884464" y="1452975"/>
+                <a:ext cx="2157963" cy="3539430"/>
+              </a:xfrm>
+              <a:prstGeom prst="rect">
+                <a:avLst/>
+              </a:prstGeom>
+              <a:blipFill>
+                <a:blip r:embed="rId16"/>
+                <a:stretch>
+                  <a:fillRect t="-357"/>
+                </a:stretch>
+              </a:blipFill>
+            </p:spPr>
+            <p:txBody>
+              <a:bodyPr/>
+              <a:lstStyle/>
+              <a:p>
+                <a:r>
+                  <a:rPr lang="en-US">
+                    <a:noFill/>
+                  </a:rPr>
+                  <a:t> </a:t>
+                </a:r>
+              </a:p>
+            </p:txBody>
+          </p:sp>
+        </mc:Fallback>
+      </mc:AlternateContent>
+      <p:sp>
+        <p:nvSpPr>
+          <p:cNvPr id="55" name="Rectangle 54">
+            <a:extLst>
+              <a:ext uri="{FF2B5EF4-FFF2-40B4-BE49-F238E27FC236}">
+                <a16:creationId xmlns:a16="http://schemas.microsoft.com/office/drawing/2014/main" id="{DB4E3081-58BA-D778-71B0-1A62113ECB06}"/>
+              </a:ext>
+            </a:extLst>
+          </p:cNvPr>
+          <p:cNvSpPr/>
+          <p:nvPr/>
+        </p:nvSpPr>
+        <p:spPr>
+          <a:xfrm>
+            <a:off x="4442325" y="3757936"/>
+            <a:ext cx="609600" cy="548391"/>
+          </a:xfrm>
+          <a:prstGeom prst="rect">
+            <a:avLst/>
+          </a:prstGeom>
+          <a:noFill/>
+        </p:spPr>
+        <p:style>
+          <a:lnRef idx="2">
+            <a:schemeClr val="accent1">
+              <a:shade val="15000"/>
+            </a:schemeClr>
+          </a:lnRef>
+          <a:fillRef idx="1">
+            <a:schemeClr val="accent1"/>
+          </a:fillRef>
+          <a:effectRef idx="0">
+            <a:schemeClr val="accent1"/>
+          </a:effectRef>
+          <a:fontRef idx="minor">
+            <a:schemeClr val="lt1"/>
+          </a:fontRef>
+        </p:style>
+        <p:txBody>
+          <a:bodyPr rtlCol="0" anchor="ctr"/>
+          <a:lstStyle/>
+          <a:p>
+            <a:pPr algn="ctr"/>
+            <a:r>
+              <a:rPr lang="en-US" dirty="0">
+                <a:solidFill>
+                  <a:schemeClr val="bg1">
+                    <a:lumMod val="10000"/>
+                  </a:schemeClr>
+                </a:solidFill>
+                <a:latin typeface="Times New Roman" panose="02020603050405020304" pitchFamily="18" charset="0"/>
+                <a:cs typeface="Times New Roman" panose="02020603050405020304" pitchFamily="18" charset="0"/>
+              </a:rPr>
+              <a:t>R2</a:t>
+            </a:r>
+          </a:p>
+        </p:txBody>
+      </p:sp>
+      <p:sp>
+        <p:nvSpPr>
+          <p:cNvPr id="56" name="Rectangle 55">
+            <a:extLst>
+              <a:ext uri="{FF2B5EF4-FFF2-40B4-BE49-F238E27FC236}">
+                <a16:creationId xmlns:a16="http://schemas.microsoft.com/office/drawing/2014/main" id="{0C3CDA1A-1ECB-BAB3-51A8-D1FC1FA81768}"/>
+              </a:ext>
+            </a:extLst>
+          </p:cNvPr>
+          <p:cNvSpPr/>
+          <p:nvPr/>
+        </p:nvSpPr>
+        <p:spPr>
+          <a:xfrm>
+            <a:off x="4438097" y="2897411"/>
+            <a:ext cx="609600" cy="548391"/>
+          </a:xfrm>
+          <a:prstGeom prst="rect">
+            <a:avLst/>
+          </a:prstGeom>
+          <a:noFill/>
+          <a:ln>
+            <a:solidFill>
+              <a:schemeClr val="accent6">
+                <a:lumMod val="95000"/>
+              </a:schemeClr>
+            </a:solidFill>
+          </a:ln>
+        </p:spPr>
+        <p:style>
+          <a:lnRef idx="2">
+            <a:schemeClr val="accent1">
+              <a:shade val="15000"/>
+            </a:schemeClr>
+          </a:lnRef>
+          <a:fillRef idx="1">
+            <a:schemeClr val="accent1"/>
+          </a:fillRef>
+          <a:effectRef idx="0">
+            <a:schemeClr val="accent1"/>
+          </a:effectRef>
+          <a:fontRef idx="minor">
+            <a:schemeClr val="lt1"/>
+          </a:fontRef>
+        </p:style>
+        <p:txBody>
+          <a:bodyPr rtlCol="0" anchor="ctr"/>
+          <a:lstStyle/>
+          <a:p>
+            <a:pPr algn="ctr"/>
+            <a:r>
+              <a:rPr lang="en-US" dirty="0">
+                <a:solidFill>
+                  <a:schemeClr val="accent6">
+                    <a:lumMod val="95000"/>
+                  </a:schemeClr>
+                </a:solidFill>
+                <a:latin typeface="Times New Roman" panose="02020603050405020304" pitchFamily="18" charset="0"/>
+                <a:cs typeface="Times New Roman" panose="02020603050405020304" pitchFamily="18" charset="0"/>
+              </a:rPr>
+              <a:t>D2</a:t>
+            </a:r>
+          </a:p>
+        </p:txBody>
+      </p:sp>
+      <p:cxnSp>
+        <p:nvCxnSpPr>
+          <p:cNvPr id="57" name="Straight Arrow Connector 56">
+            <a:extLst>
+              <a:ext uri="{FF2B5EF4-FFF2-40B4-BE49-F238E27FC236}">
+                <a16:creationId xmlns:a16="http://schemas.microsoft.com/office/drawing/2014/main" id="{2CF18A77-F94B-7904-2D3D-58B9529FE602}"/>
+              </a:ext>
+            </a:extLst>
+          </p:cNvPr>
+          <p:cNvCxnSpPr>
+            <a:cxnSpLocks/>
+            <a:endCxn id="55" idx="1"/>
+          </p:cNvCxnSpPr>
+          <p:nvPr/>
+        </p:nvCxnSpPr>
+        <p:spPr>
+          <a:xfrm>
+            <a:off x="3798733" y="3545887"/>
+            <a:ext cx="643592" cy="486245"/>
+          </a:xfrm>
+          <a:prstGeom prst="straightConnector1">
+            <a:avLst/>
+          </a:prstGeom>
+          <a:ln>
+            <a:solidFill>
+              <a:schemeClr val="accent6">
+                <a:lumMod val="95000"/>
+              </a:schemeClr>
+            </a:solidFill>
+            <a:tailEnd type="triangle"/>
+          </a:ln>
+        </p:spPr>
+        <p:style>
+          <a:lnRef idx="1">
+            <a:schemeClr val="accent1"/>
+          </a:lnRef>
+          <a:fillRef idx="0">
+            <a:schemeClr val="accent1"/>
+          </a:fillRef>
+          <a:effectRef idx="0">
+            <a:schemeClr val="accent1"/>
+          </a:effectRef>
+          <a:fontRef idx="minor">
+            <a:schemeClr val="tx1"/>
+          </a:fontRef>
+        </p:style>
+      </p:cxnSp>
+      <p:cxnSp>
+        <p:nvCxnSpPr>
+          <p:cNvPr id="58" name="Straight Arrow Connector 57">
+            <a:extLst>
+              <a:ext uri="{FF2B5EF4-FFF2-40B4-BE49-F238E27FC236}">
+                <a16:creationId xmlns:a16="http://schemas.microsoft.com/office/drawing/2014/main" id="{916C583F-0FB3-CA84-FB83-971E56A3C53E}"/>
+              </a:ext>
+            </a:extLst>
+          </p:cNvPr>
+          <p:cNvCxnSpPr>
+            <a:cxnSpLocks/>
+            <a:endCxn id="56" idx="1"/>
+          </p:cNvCxnSpPr>
+          <p:nvPr/>
+        </p:nvCxnSpPr>
+        <p:spPr>
+          <a:xfrm flipV="1">
+            <a:off x="3798733" y="3171607"/>
+            <a:ext cx="639364" cy="374280"/>
+          </a:xfrm>
+          <a:prstGeom prst="straightConnector1">
+            <a:avLst/>
+          </a:prstGeom>
+          <a:ln>
+            <a:solidFill>
+              <a:schemeClr val="accent6">
+                <a:lumMod val="95000"/>
+              </a:schemeClr>
+            </a:solidFill>
+            <a:tailEnd type="triangle"/>
+          </a:ln>
+        </p:spPr>
+        <p:style>
+          <a:lnRef idx="1">
+            <a:schemeClr val="accent1"/>
+          </a:lnRef>
+          <a:fillRef idx="0">
+            <a:schemeClr val="accent1"/>
+          </a:fillRef>
+          <a:effectRef idx="0">
+            <a:schemeClr val="accent1"/>
+          </a:effectRef>
+          <a:fontRef idx="minor">
+            <a:schemeClr val="tx1"/>
+          </a:fontRef>
+        </p:style>
+      </p:cxnSp>
+      <mc:AlternateContent xmlns:mc="http://schemas.openxmlformats.org/markup-compatibility/2006" xmlns:a14="http://schemas.microsoft.com/office/drawing/2010/main">
+        <mc:Choice Requires="a14">
+          <p:sp>
+            <p:nvSpPr>
+              <p:cNvPr id="59" name="TextBox 58">
+                <a:extLst>
+                  <a:ext uri="{FF2B5EF4-FFF2-40B4-BE49-F238E27FC236}">
+                    <a16:creationId xmlns:a16="http://schemas.microsoft.com/office/drawing/2014/main" id="{1E90D781-8B06-DFE2-C275-0D9664515D33}"/>
+                  </a:ext>
+                </a:extLst>
+              </p:cNvPr>
+              <p:cNvSpPr txBox="1"/>
+              <p:nvPr/>
+            </p:nvSpPr>
+            <p:spPr>
+              <a:xfrm>
+                <a:off x="4118415" y="3567396"/>
+                <a:ext cx="149079" cy="215444"/>
+              </a:xfrm>
+              <a:prstGeom prst="rect">
+                <a:avLst/>
+              </a:prstGeom>
+              <a:noFill/>
+            </p:spPr>
+            <p:txBody>
+              <a:bodyPr wrap="square" lIns="0" tIns="0" rIns="0" bIns="0" rtlCol="0">
+                <a:spAutoFit/>
+              </a:bodyPr>
+              <a:lstStyle/>
+              <a:p>
+                <a:pPr/>
+                <a14:m>
+                  <m:oMathPara xmlns:m="http://schemas.openxmlformats.org/officeDocument/2006/math">
+                    <m:oMathParaPr>
+                      <m:jc m:val="centerGroup"/>
+                    </m:oMathParaPr>
+                    <m:oMath xmlns:m="http://schemas.openxmlformats.org/officeDocument/2006/math">
+                      <m:r>
+                        <a:rPr lang="en-US" i="1" smtClean="0">
+                          <a:solidFill>
+                            <a:schemeClr val="accent6">
+                              <a:lumMod val="95000"/>
+                            </a:schemeClr>
+                          </a:solidFill>
+                          <a:latin typeface="Cambria Math" panose="02040503050406030204" pitchFamily="18" charset="0"/>
+                          <a:ea typeface="Cambria Math" panose="02040503050406030204" pitchFamily="18" charset="0"/>
+                        </a:rPr>
+                        <m:t>𝛾</m:t>
+                      </m:r>
+                    </m:oMath>
+                  </m:oMathPara>
+                </a14:m>
+                <a:endParaRPr lang="en-US" dirty="0"/>
+              </a:p>
+            </p:txBody>
+          </p:sp>
+        </mc:Choice>
+        <mc:Fallback xmlns="">
+          <p:sp>
+            <p:nvSpPr>
+              <p:cNvPr id="59" name="TextBox 58">
+                <a:extLst>
+                  <a:ext uri="{FF2B5EF4-FFF2-40B4-BE49-F238E27FC236}">
+                    <a16:creationId xmlns:a16="http://schemas.microsoft.com/office/drawing/2014/main" id="{1E90D781-8B06-DFE2-C275-0D9664515D33}"/>
+                  </a:ext>
+                </a:extLst>
+              </p:cNvPr>
+              <p:cNvSpPr txBox="1">
+                <a:spLocks noRot="1" noChangeAspect="1" noMove="1" noResize="1" noEditPoints="1" noAdjustHandles="1" noChangeArrowheads="1" noChangeShapeType="1" noTextEdit="1"/>
+              </p:cNvSpPr>
+              <p:nvPr/>
+            </p:nvSpPr>
+            <p:spPr>
+              <a:xfrm>
+                <a:off x="4118415" y="3567396"/>
+                <a:ext cx="149079" cy="215444"/>
+              </a:xfrm>
+              <a:prstGeom prst="rect">
+                <a:avLst/>
+              </a:prstGeom>
+              <a:blipFill>
+                <a:blip r:embed="rId17"/>
+                <a:stretch>
+                  <a:fillRect l="-25000" r="-25000" b="-26316"/>
+                </a:stretch>
+              </a:blipFill>
+            </p:spPr>
+            <p:txBody>
+              <a:bodyPr/>
+              <a:lstStyle/>
+              <a:p>
+                <a:r>
+                  <a:rPr lang="en-US">
+                    <a:noFill/>
+                  </a:rPr>
+                  <a:t> </a:t>
+                </a:r>
+              </a:p>
+            </p:txBody>
+          </p:sp>
+        </mc:Fallback>
+      </mc:AlternateContent>
+      <mc:AlternateContent xmlns:mc="http://schemas.openxmlformats.org/markup-compatibility/2006" xmlns:a14="http://schemas.microsoft.com/office/drawing/2010/main">
+        <mc:Choice Requires="a14">
+          <p:sp>
+            <p:nvSpPr>
+              <p:cNvPr id="60" name="TextBox 59">
+                <a:extLst>
+                  <a:ext uri="{FF2B5EF4-FFF2-40B4-BE49-F238E27FC236}">
+                    <a16:creationId xmlns:a16="http://schemas.microsoft.com/office/drawing/2014/main" id="{4E0B5ED0-B1A1-534B-12AC-25BB9E125C68}"/>
+                  </a:ext>
+                </a:extLst>
+              </p:cNvPr>
+              <p:cNvSpPr txBox="1"/>
+              <p:nvPr/>
+            </p:nvSpPr>
+            <p:spPr>
+              <a:xfrm>
+                <a:off x="4089468" y="3014915"/>
+                <a:ext cx="162545" cy="430887"/>
+              </a:xfrm>
+              <a:prstGeom prst="rect">
+                <a:avLst/>
+              </a:prstGeom>
+              <a:noFill/>
+            </p:spPr>
+            <p:txBody>
+              <a:bodyPr wrap="square" lIns="0" tIns="0" rIns="0" bIns="0" rtlCol="0">
+                <a:spAutoFit/>
+              </a:bodyPr>
+              <a:lstStyle/>
+              <a:p>
+                <a:pPr/>
+                <a14:m>
+                  <m:oMathPara xmlns:m="http://schemas.openxmlformats.org/officeDocument/2006/math">
+                    <m:oMathParaPr>
+                      <m:jc m:val="centerGroup"/>
+                    </m:oMathParaPr>
+                    <m:oMath xmlns:m="http://schemas.openxmlformats.org/officeDocument/2006/math">
+                      <m:sSub>
+                        <m:sSubPr>
+                          <m:ctrlPr>
+                            <a:rPr lang="en-US" b="0" i="1" smtClean="0">
+                              <a:solidFill>
+                                <a:schemeClr val="accent6">
+                                  <a:lumMod val="95000"/>
+                                </a:schemeClr>
+                              </a:solidFill>
+                              <a:latin typeface="Cambria Math" panose="02040503050406030204" pitchFamily="18" charset="0"/>
+                              <a:ea typeface="Cambria Math" panose="02040503050406030204" pitchFamily="18" charset="0"/>
+                            </a:rPr>
+                          </m:ctrlPr>
+                        </m:sSubPr>
+                        <m:e>
+                          <m:r>
+                            <a:rPr lang="en-US" i="1" smtClean="0">
+                              <a:solidFill>
+                                <a:schemeClr val="accent6">
+                                  <a:lumMod val="95000"/>
+                                </a:schemeClr>
+                              </a:solidFill>
+                              <a:latin typeface="Cambria Math" panose="02040503050406030204" pitchFamily="18" charset="0"/>
+                              <a:ea typeface="Cambria Math" panose="02040503050406030204" pitchFamily="18" charset="0"/>
+                            </a:rPr>
+                            <m:t>𝛼</m:t>
+                          </m:r>
+                        </m:e>
+                        <m:sub>
+                          <m:r>
+                            <a:rPr lang="en-US" b="0" i="1" smtClean="0">
+                              <a:solidFill>
+                                <a:schemeClr val="accent6">
+                                  <a:lumMod val="95000"/>
+                                </a:schemeClr>
+                              </a:solidFill>
+                              <a:latin typeface="Cambria Math" panose="02040503050406030204" pitchFamily="18" charset="0"/>
+                              <a:ea typeface="Cambria Math" panose="02040503050406030204" pitchFamily="18" charset="0"/>
+                            </a:rPr>
+                            <m:t>2</m:t>
+                          </m:r>
+                        </m:sub>
+                      </m:sSub>
+                    </m:oMath>
+                  </m:oMathPara>
+                </a14:m>
+                <a:endParaRPr lang="en-US" b="0" dirty="0">
+                  <a:ea typeface="Cambria Math" panose="02040503050406030204" pitchFamily="18" charset="0"/>
+                </a:endParaRPr>
+              </a:p>
+              <a:p>
+                <a:endParaRPr lang="en-US" dirty="0"/>
+              </a:p>
+            </p:txBody>
+          </p:sp>
+        </mc:Choice>
+        <mc:Fallback xmlns="">
+          <p:sp>
+            <p:nvSpPr>
+              <p:cNvPr id="60" name="TextBox 59">
+                <a:extLst>
+                  <a:ext uri="{FF2B5EF4-FFF2-40B4-BE49-F238E27FC236}">
+                    <a16:creationId xmlns:a16="http://schemas.microsoft.com/office/drawing/2014/main" id="{4E0B5ED0-B1A1-534B-12AC-25BB9E125C68}"/>
+                  </a:ext>
+                </a:extLst>
+              </p:cNvPr>
+              <p:cNvSpPr txBox="1">
+                <a:spLocks noRot="1" noChangeAspect="1" noMove="1" noResize="1" noEditPoints="1" noAdjustHandles="1" noChangeArrowheads="1" noChangeShapeType="1" noTextEdit="1"/>
+              </p:cNvSpPr>
+              <p:nvPr/>
+            </p:nvSpPr>
+            <p:spPr>
+              <a:xfrm>
+                <a:off x="4089468" y="3014915"/>
+                <a:ext cx="162545" cy="430887"/>
+              </a:xfrm>
+              <a:prstGeom prst="rect">
+                <a:avLst/>
+              </a:prstGeom>
+              <a:blipFill>
+                <a:blip r:embed="rId18"/>
+                <a:stretch>
+                  <a:fillRect l="-28571" r="-28571"/>
+                </a:stretch>
+              </a:blipFill>
+            </p:spPr>
+            <p:txBody>
+              <a:bodyPr/>
+              <a:lstStyle/>
+              <a:p>
+                <a:r>
+                  <a:rPr lang="en-US">
+                    <a:noFill/>
+                  </a:rPr>
+                  <a:t> </a:t>
+                </a:r>
+              </a:p>
+            </p:txBody>
+          </p:sp>
+        </mc:Fallback>
+      </mc:AlternateContent>
+      <p:cxnSp>
+        <p:nvCxnSpPr>
+          <p:cNvPr id="63" name="Straight Arrow Connector 62">
+            <a:extLst>
+              <a:ext uri="{FF2B5EF4-FFF2-40B4-BE49-F238E27FC236}">
+                <a16:creationId xmlns:a16="http://schemas.microsoft.com/office/drawing/2014/main" id="{4B9D673B-1847-9F82-37CA-9E58E6085B38}"/>
+              </a:ext>
+            </a:extLst>
+          </p:cNvPr>
+          <p:cNvCxnSpPr>
+            <a:cxnSpLocks/>
+          </p:cNvCxnSpPr>
+          <p:nvPr/>
+        </p:nvCxnSpPr>
+        <p:spPr>
+          <a:xfrm flipH="1">
+            <a:off x="4435977" y="2541096"/>
+            <a:ext cx="288787" cy="255428"/>
+          </a:xfrm>
+          <a:prstGeom prst="straightConnector1">
+            <a:avLst/>
+          </a:prstGeom>
+          <a:ln>
+            <a:solidFill>
+              <a:schemeClr val="accent6">
+                <a:lumMod val="95000"/>
+              </a:schemeClr>
+            </a:solidFill>
+            <a:tailEnd type="triangle"/>
+          </a:ln>
+        </p:spPr>
+        <p:style>
+          <a:lnRef idx="1">
+            <a:schemeClr val="accent1"/>
+          </a:lnRef>
+          <a:fillRef idx="0">
+            <a:schemeClr val="accent1"/>
+          </a:fillRef>
+          <a:effectRef idx="0">
+            <a:schemeClr val="accent1"/>
+          </a:effectRef>
+          <a:fontRef idx="minor">
+            <a:schemeClr val="tx1"/>
+          </a:fontRef>
+        </p:style>
+      </p:cxnSp>
+      <mc:AlternateContent xmlns:mc="http://schemas.openxmlformats.org/markup-compatibility/2006" xmlns:a14="http://schemas.microsoft.com/office/drawing/2010/main">
+        <mc:Choice Requires="a14">
+          <p:sp>
+            <p:nvSpPr>
+              <p:cNvPr id="192" name="TextBox 191">
+                <a:extLst>
+                  <a:ext uri="{FF2B5EF4-FFF2-40B4-BE49-F238E27FC236}">
+                    <a16:creationId xmlns:a16="http://schemas.microsoft.com/office/drawing/2014/main" id="{1E397651-2456-F3A7-4690-CEB368F8BF59}"/>
+                  </a:ext>
+                </a:extLst>
+              </p:cNvPr>
+              <p:cNvSpPr txBox="1"/>
+              <p:nvPr/>
+            </p:nvSpPr>
+            <p:spPr>
+              <a:xfrm>
+                <a:off x="4494474" y="2589558"/>
+                <a:ext cx="330411" cy="246221"/>
+              </a:xfrm>
+              <a:prstGeom prst="rect">
+                <a:avLst/>
+              </a:prstGeom>
+              <a:noFill/>
+            </p:spPr>
+            <p:txBody>
+              <a:bodyPr wrap="square" rtlCol="0">
+                <a:spAutoFit/>
+              </a:bodyPr>
+              <a:lstStyle/>
+              <a:p>
+                <a:pPr/>
+                <a14:m>
+                  <m:oMathPara xmlns:m="http://schemas.openxmlformats.org/officeDocument/2006/math">
+                    <m:oMathParaPr>
+                      <m:jc m:val="centerGroup"/>
+                    </m:oMathParaPr>
+                    <m:oMath xmlns:m="http://schemas.openxmlformats.org/officeDocument/2006/math">
+                      <m:r>
+                        <a:rPr lang="en-US" sz="1000" i="1" dirty="0" smtClean="0">
+                          <a:solidFill>
+                            <a:schemeClr val="accent6">
+                              <a:lumMod val="95000"/>
+                            </a:schemeClr>
+                          </a:solidFill>
+                          <a:latin typeface="Cambria Math" panose="02040503050406030204" pitchFamily="18" charset="0"/>
+                          <a:ea typeface="Cambria Math" panose="02040503050406030204" pitchFamily="18" charset="0"/>
+                        </a:rPr>
+                        <m:t>𝛿</m:t>
+                      </m:r>
+                    </m:oMath>
+                  </m:oMathPara>
+                </a14:m>
+                <a:endParaRPr lang="en-US" sz="1000" dirty="0">
+                  <a:solidFill>
+                    <a:schemeClr val="accent1">
+                      <a:lumMod val="60000"/>
+                      <a:lumOff val="40000"/>
+                    </a:schemeClr>
+                  </a:solidFill>
+                </a:endParaRPr>
+              </a:p>
+            </p:txBody>
+          </p:sp>
+        </mc:Choice>
+        <mc:Fallback xmlns="">
+          <p:sp>
+            <p:nvSpPr>
+              <p:cNvPr id="192" name="TextBox 191">
+                <a:extLst>
+                  <a:ext uri="{FF2B5EF4-FFF2-40B4-BE49-F238E27FC236}">
+                    <a16:creationId xmlns:a16="http://schemas.microsoft.com/office/drawing/2014/main" id="{1E397651-2456-F3A7-4690-CEB368F8BF59}"/>
+                  </a:ext>
+                </a:extLst>
+              </p:cNvPr>
+              <p:cNvSpPr txBox="1">
+                <a:spLocks noRot="1" noChangeAspect="1" noMove="1" noResize="1" noEditPoints="1" noAdjustHandles="1" noChangeArrowheads="1" noChangeShapeType="1" noTextEdit="1"/>
+              </p:cNvSpPr>
+              <p:nvPr/>
+            </p:nvSpPr>
+            <p:spPr>
+              <a:xfrm>
+                <a:off x="4494474" y="2589558"/>
+                <a:ext cx="330411" cy="246221"/>
+              </a:xfrm>
+              <a:prstGeom prst="rect">
+                <a:avLst/>
+              </a:prstGeom>
+              <a:blipFill>
+                <a:blip r:embed="rId19"/>
+                <a:stretch>
+                  <a:fillRect/>
+                </a:stretch>
+              </a:blipFill>
+            </p:spPr>
+            <p:txBody>
+              <a:bodyPr/>
+              <a:lstStyle/>
+              <a:p>
+                <a:r>
+                  <a:rPr lang="en-US">
+                    <a:noFill/>
+                  </a:rPr>
+                  <a:t> </a:t>
+                </a:r>
+              </a:p>
+            </p:txBody>
+          </p:sp>
+        </mc:Fallback>
+      </mc:AlternateContent>
+      <p:cxnSp>
+        <p:nvCxnSpPr>
+          <p:cNvPr id="194" name="Straight Arrow Connector 193">
+            <a:extLst>
+              <a:ext uri="{FF2B5EF4-FFF2-40B4-BE49-F238E27FC236}">
+                <a16:creationId xmlns:a16="http://schemas.microsoft.com/office/drawing/2014/main" id="{FCD154DC-6762-A268-649E-376D5EC27175}"/>
+              </a:ext>
+            </a:extLst>
+          </p:cNvPr>
+          <p:cNvCxnSpPr>
+            <a:cxnSpLocks/>
+          </p:cNvCxnSpPr>
+          <p:nvPr/>
+        </p:nvCxnSpPr>
+        <p:spPr>
+          <a:xfrm flipH="1">
+            <a:off x="4454323" y="4307069"/>
+            <a:ext cx="288787" cy="255428"/>
+          </a:xfrm>
+          <a:prstGeom prst="straightConnector1">
+            <a:avLst/>
+          </a:prstGeom>
+          <a:ln>
+            <a:solidFill>
+              <a:schemeClr val="accent6">
+                <a:lumMod val="95000"/>
+              </a:schemeClr>
+            </a:solidFill>
+            <a:tailEnd type="triangle"/>
+          </a:ln>
+        </p:spPr>
+        <p:style>
+          <a:lnRef idx="1">
+            <a:schemeClr val="accent1"/>
+          </a:lnRef>
+          <a:fillRef idx="0">
+            <a:schemeClr val="accent1"/>
+          </a:fillRef>
+          <a:effectRef idx="0">
+            <a:schemeClr val="accent1"/>
+          </a:effectRef>
+          <a:fontRef idx="minor">
+            <a:schemeClr val="tx1"/>
+          </a:fontRef>
+        </p:style>
+      </p:cxnSp>
+      <mc:AlternateContent xmlns:mc="http://schemas.openxmlformats.org/markup-compatibility/2006" xmlns:a14="http://schemas.microsoft.com/office/drawing/2010/main">
+        <mc:Choice Requires="a14">
+          <p:sp>
+            <p:nvSpPr>
+              <p:cNvPr id="195" name="TextBox 194">
+                <a:extLst>
+                  <a:ext uri="{FF2B5EF4-FFF2-40B4-BE49-F238E27FC236}">
+                    <a16:creationId xmlns:a16="http://schemas.microsoft.com/office/drawing/2014/main" id="{A98BEFD8-6966-1D6F-455B-7A49AE037086}"/>
+                  </a:ext>
+                </a:extLst>
+              </p:cNvPr>
+              <p:cNvSpPr txBox="1"/>
+              <p:nvPr/>
+            </p:nvSpPr>
+            <p:spPr>
+              <a:xfrm>
+                <a:off x="4502660" y="4365691"/>
+                <a:ext cx="330411" cy="246221"/>
+              </a:xfrm>
+              <a:prstGeom prst="rect">
+                <a:avLst/>
+              </a:prstGeom>
+              <a:noFill/>
+            </p:spPr>
+            <p:txBody>
+              <a:bodyPr wrap="square" rtlCol="0">
+                <a:spAutoFit/>
+              </a:bodyPr>
+              <a:lstStyle/>
+              <a:p>
+                <a:pPr/>
+                <a14:m>
+                  <m:oMathPara xmlns:m="http://schemas.openxmlformats.org/officeDocument/2006/math">
+                    <m:oMathParaPr>
+                      <m:jc m:val="centerGroup"/>
+                    </m:oMathParaPr>
+                    <m:oMath xmlns:m="http://schemas.openxmlformats.org/officeDocument/2006/math">
+                      <m:r>
+                        <a:rPr lang="en-US" sz="1000" i="1" dirty="0" smtClean="0">
+                          <a:solidFill>
+                            <a:schemeClr val="accent6">
+                              <a:lumMod val="95000"/>
+                            </a:schemeClr>
+                          </a:solidFill>
+                          <a:latin typeface="Cambria Math" panose="02040503050406030204" pitchFamily="18" charset="0"/>
+                          <a:ea typeface="Cambria Math" panose="02040503050406030204" pitchFamily="18" charset="0"/>
+                        </a:rPr>
+                        <m:t>𝛿</m:t>
+                      </m:r>
+                    </m:oMath>
+                  </m:oMathPara>
+                </a14:m>
+                <a:endParaRPr lang="en-US" sz="1000" dirty="0">
+                  <a:solidFill>
+                    <a:schemeClr val="accent1">
+                      <a:lumMod val="60000"/>
+                      <a:lumOff val="40000"/>
+                    </a:schemeClr>
+                  </a:solidFill>
+                </a:endParaRPr>
+              </a:p>
+            </p:txBody>
+          </p:sp>
+        </mc:Choice>
+        <mc:Fallback xmlns="">
+          <p:sp>
+            <p:nvSpPr>
+              <p:cNvPr id="195" name="TextBox 194">
+                <a:extLst>
+                  <a:ext uri="{FF2B5EF4-FFF2-40B4-BE49-F238E27FC236}">
+                    <a16:creationId xmlns:a16="http://schemas.microsoft.com/office/drawing/2014/main" id="{A98BEFD8-6966-1D6F-455B-7A49AE037086}"/>
+                  </a:ext>
+                </a:extLst>
+              </p:cNvPr>
+              <p:cNvSpPr txBox="1">
+                <a:spLocks noRot="1" noChangeAspect="1" noMove="1" noResize="1" noEditPoints="1" noAdjustHandles="1" noChangeArrowheads="1" noChangeShapeType="1" noTextEdit="1"/>
+              </p:cNvSpPr>
+              <p:nvPr/>
+            </p:nvSpPr>
+            <p:spPr>
+              <a:xfrm>
+                <a:off x="4502660" y="4365691"/>
+                <a:ext cx="330411" cy="246221"/>
+              </a:xfrm>
+              <a:prstGeom prst="rect">
+                <a:avLst/>
+              </a:prstGeom>
+              <a:blipFill>
+                <a:blip r:embed="rId14"/>
+                <a:stretch>
+                  <a:fillRect/>
+                </a:stretch>
+              </a:blipFill>
+            </p:spPr>
+            <p:txBody>
+              <a:bodyPr/>
+              <a:lstStyle/>
+              <a:p>
+                <a:r>
+                  <a:rPr lang="en-US">
+                    <a:noFill/>
+                  </a:rPr>
+                  <a:t> </a:t>
+                </a:r>
+              </a:p>
+            </p:txBody>
+          </p:sp>
+        </mc:Fallback>
+      </mc:AlternateContent>
+      <p:cxnSp>
+        <p:nvCxnSpPr>
+          <p:cNvPr id="25" name="Curved Connector 24">
+            <a:extLst>
+              <a:ext uri="{FF2B5EF4-FFF2-40B4-BE49-F238E27FC236}">
+                <a16:creationId xmlns:a16="http://schemas.microsoft.com/office/drawing/2014/main" id="{2B9F771C-27FF-A97E-1464-284FE6AF52C2}"/>
+              </a:ext>
+            </a:extLst>
+          </p:cNvPr>
+          <p:cNvCxnSpPr>
+            <a:cxnSpLocks/>
+            <a:stCxn id="2" idx="2"/>
+            <a:endCxn id="55" idx="0"/>
+          </p:cNvCxnSpPr>
+          <p:nvPr/>
+        </p:nvCxnSpPr>
+        <p:spPr>
+          <a:xfrm rot="16200000" flipH="1">
+            <a:off x="2016301" y="1027112"/>
+            <a:ext cx="1732548" cy="3729100"/>
+          </a:xfrm>
+          <a:prstGeom prst="curvedConnector3">
+            <a:avLst>
+              <a:gd name="adj1" fmla="val 50000"/>
+            </a:avLst>
+          </a:prstGeom>
+          <a:ln>
+            <a:solidFill>
+              <a:schemeClr val="bg1">
+                <a:lumMod val="10000"/>
+              </a:schemeClr>
+            </a:solidFill>
+            <a:tailEnd type="triangle"/>
+          </a:ln>
+        </p:spPr>
+        <p:style>
+          <a:lnRef idx="1">
+            <a:schemeClr val="accent1"/>
+          </a:lnRef>
+          <a:fillRef idx="0">
+            <a:schemeClr val="accent1"/>
+          </a:fillRef>
+          <a:effectRef idx="0">
+            <a:schemeClr val="accent1"/>
+          </a:effectRef>
+          <a:fontRef idx="minor">
+            <a:schemeClr val="tx1"/>
+          </a:fontRef>
+        </p:style>
+      </p:cxnSp>
+      <p:cxnSp>
+        <p:nvCxnSpPr>
+          <p:cNvPr id="30" name="Curved Connector 29">
+            <a:extLst>
+              <a:ext uri="{FF2B5EF4-FFF2-40B4-BE49-F238E27FC236}">
+                <a16:creationId xmlns:a16="http://schemas.microsoft.com/office/drawing/2014/main" id="{09328D76-B96E-16A9-1086-D42361D66C75}"/>
+              </a:ext>
+            </a:extLst>
+          </p:cNvPr>
+          <p:cNvCxnSpPr>
+            <a:cxnSpLocks/>
+            <a:stCxn id="5" idx="2"/>
+            <a:endCxn id="55" idx="0"/>
+          </p:cNvCxnSpPr>
+          <p:nvPr/>
+        </p:nvCxnSpPr>
+        <p:spPr>
+          <a:xfrm rot="16200000" flipH="1">
+            <a:off x="2639260" y="1650071"/>
+            <a:ext cx="1732548" cy="2483181"/>
+          </a:xfrm>
+          <a:prstGeom prst="curvedConnector3">
+            <a:avLst>
+              <a:gd name="adj1" fmla="val 32870"/>
+            </a:avLst>
+          </a:prstGeom>
+          <a:ln>
+            <a:solidFill>
+              <a:schemeClr val="bg1">
+                <a:lumMod val="10000"/>
+              </a:schemeClr>
+            </a:solidFill>
+            <a:tailEnd type="triangle"/>
+          </a:ln>
+        </p:spPr>
+        <p:style>
+          <a:lnRef idx="1">
+            <a:schemeClr val="accent1"/>
+          </a:lnRef>
+          <a:fillRef idx="0">
+            <a:schemeClr val="accent1"/>
+          </a:fillRef>
+          <a:effectRef idx="0">
+            <a:schemeClr val="accent1"/>
+          </a:effectRef>
+          <a:fontRef idx="minor">
+            <a:schemeClr val="tx1"/>
+          </a:fontRef>
+        </p:style>
+      </p:cxnSp>
+      <p:cxnSp>
+        <p:nvCxnSpPr>
+          <p:cNvPr id="38" name="Straight Arrow Connector 37">
+            <a:extLst>
+              <a:ext uri="{FF2B5EF4-FFF2-40B4-BE49-F238E27FC236}">
+                <a16:creationId xmlns:a16="http://schemas.microsoft.com/office/drawing/2014/main" id="{F7A9A9DE-A325-48D7-ED6E-895A2C6527D7}"/>
+              </a:ext>
+            </a:extLst>
+          </p:cNvPr>
+          <p:cNvCxnSpPr>
+            <a:cxnSpLocks/>
+            <a:stCxn id="7" idx="2"/>
+            <a:endCxn id="55" idx="0"/>
+          </p:cNvCxnSpPr>
+          <p:nvPr/>
+        </p:nvCxnSpPr>
+        <p:spPr>
+          <a:xfrm>
+            <a:off x="4736336" y="2527398"/>
+            <a:ext cx="10789" cy="1230538"/>
+          </a:xfrm>
+          <a:prstGeom prst="straightConnector1">
+            <a:avLst/>
+          </a:prstGeom>
+          <a:ln>
+            <a:solidFill>
+              <a:schemeClr val="bg1">
+                <a:lumMod val="10000"/>
+              </a:schemeClr>
+            </a:solidFill>
+            <a:tailEnd type="triangle"/>
+          </a:ln>
+        </p:spPr>
+        <p:style>
+          <a:lnRef idx="1">
+            <a:schemeClr val="accent1"/>
+          </a:lnRef>
+          <a:fillRef idx="0">
+            <a:schemeClr val="accent1"/>
+          </a:fillRef>
+          <a:effectRef idx="0">
+            <a:schemeClr val="accent1"/>
+          </a:effectRef>
+          <a:fontRef idx="minor">
+            <a:schemeClr val="tx1"/>
+          </a:fontRef>
+        </p:style>
+      </p:cxnSp>
+      <p:cxnSp>
+        <p:nvCxnSpPr>
+          <p:cNvPr id="42" name="Curved Connector 41">
+            <a:extLst>
+              <a:ext uri="{FF2B5EF4-FFF2-40B4-BE49-F238E27FC236}">
+                <a16:creationId xmlns:a16="http://schemas.microsoft.com/office/drawing/2014/main" id="{87164588-D92A-F91B-78AF-C08783FF7828}"/>
+              </a:ext>
+            </a:extLst>
+          </p:cNvPr>
+          <p:cNvCxnSpPr>
+            <a:cxnSpLocks/>
+            <a:stCxn id="18" idx="0"/>
+            <a:endCxn id="55" idx="0"/>
+          </p:cNvCxnSpPr>
+          <p:nvPr/>
+        </p:nvCxnSpPr>
+        <p:spPr>
+          <a:xfrm rot="16200000" flipH="1">
+            <a:off x="2629112" y="1639923"/>
+            <a:ext cx="509833" cy="3726192"/>
+          </a:xfrm>
+          <a:prstGeom prst="curvedConnector3">
+            <a:avLst>
+              <a:gd name="adj1" fmla="val -61962"/>
+            </a:avLst>
+          </a:prstGeom>
+          <a:ln>
+            <a:solidFill>
+              <a:schemeClr val="bg1">
+                <a:lumMod val="10000"/>
+              </a:schemeClr>
+            </a:solidFill>
+            <a:tailEnd type="triangle"/>
+          </a:ln>
+        </p:spPr>
+        <p:style>
+          <a:lnRef idx="1">
+            <a:schemeClr val="accent1"/>
+          </a:lnRef>
+          <a:fillRef idx="0">
+            <a:schemeClr val="accent1"/>
+          </a:fillRef>
+          <a:effectRef idx="0">
+            <a:schemeClr val="accent1"/>
+          </a:effectRef>
+          <a:fontRef idx="minor">
+            <a:schemeClr val="tx1"/>
+          </a:fontRef>
+        </p:style>
+      </p:cxnSp>
+      <p:cxnSp>
+        <p:nvCxnSpPr>
+          <p:cNvPr id="51" name="Curved Connector 50">
+            <a:extLst>
+              <a:ext uri="{FF2B5EF4-FFF2-40B4-BE49-F238E27FC236}">
+                <a16:creationId xmlns:a16="http://schemas.microsoft.com/office/drawing/2014/main" id="{D86CE7CB-2846-5192-E8B1-9A3BFCFDFCB2}"/>
+              </a:ext>
+            </a:extLst>
+          </p:cNvPr>
+          <p:cNvCxnSpPr>
+            <a:cxnSpLocks/>
+            <a:stCxn id="19" idx="0"/>
+            <a:endCxn id="55" idx="0"/>
+          </p:cNvCxnSpPr>
+          <p:nvPr/>
+        </p:nvCxnSpPr>
+        <p:spPr>
+          <a:xfrm rot="16200000" flipH="1">
+            <a:off x="3249403" y="2260215"/>
+            <a:ext cx="511707" cy="2483735"/>
+          </a:xfrm>
+          <a:prstGeom prst="curvedConnector3">
+            <a:avLst>
+              <a:gd name="adj1" fmla="val -34053"/>
+            </a:avLst>
+          </a:prstGeom>
+          <a:ln>
+            <a:solidFill>
+              <a:schemeClr val="bg1">
+                <a:lumMod val="10000"/>
+              </a:schemeClr>
+            </a:solidFill>
+            <a:tailEnd type="triangle"/>
+          </a:ln>
+        </p:spPr>
+        <p:style>
+          <a:lnRef idx="1">
+            <a:schemeClr val="accent1"/>
+          </a:lnRef>
+          <a:fillRef idx="0">
+            <a:schemeClr val="accent1"/>
+          </a:fillRef>
+          <a:effectRef idx="0">
+            <a:schemeClr val="accent1"/>
+          </a:effectRef>
+          <a:fontRef idx="minor">
+            <a:schemeClr val="tx1"/>
+          </a:fontRef>
+        </p:style>
+      </p:cxnSp>
+      <mc:AlternateContent xmlns:mc="http://schemas.openxmlformats.org/markup-compatibility/2006" xmlns:a14="http://schemas.microsoft.com/office/drawing/2010/main">
+        <mc:Choice Requires="a14">
+          <p:sp>
+            <p:nvSpPr>
+              <p:cNvPr id="54" name="TextBox 53">
+                <a:extLst>
+                  <a:ext uri="{FF2B5EF4-FFF2-40B4-BE49-F238E27FC236}">
+                    <a16:creationId xmlns:a16="http://schemas.microsoft.com/office/drawing/2014/main" id="{247D9BB8-C135-50B7-1D55-AC59E48D8442}"/>
+                  </a:ext>
+                </a:extLst>
+              </p:cNvPr>
+              <p:cNvSpPr txBox="1"/>
+              <p:nvPr/>
+            </p:nvSpPr>
+            <p:spPr>
+              <a:xfrm>
+                <a:off x="1120738" y="2062155"/>
+                <a:ext cx="324063" cy="184666"/>
+              </a:xfrm>
+              <a:prstGeom prst="rect">
+                <a:avLst/>
+              </a:prstGeom>
+              <a:noFill/>
+            </p:spPr>
+            <p:txBody>
+              <a:bodyPr wrap="none" lIns="0" tIns="0" rIns="0" bIns="0" rtlCol="0">
+                <a:spAutoFit/>
+              </a:bodyPr>
+              <a:lstStyle/>
+              <a:p>
+                <a:pPr/>
+                <a14:m>
+                  <m:oMathPara xmlns:m="http://schemas.openxmlformats.org/officeDocument/2006/math">
+                    <m:oMathParaPr>
+                      <m:jc m:val="centerGroup"/>
+                    </m:oMathParaPr>
+                    <m:oMath xmlns:m="http://schemas.openxmlformats.org/officeDocument/2006/math">
+                      <m:r>
+                        <a:rPr lang="en-US" sz="1200" b="0" i="1" smtClean="0">
+                          <a:latin typeface="Cambria Math" panose="02040503050406030204" pitchFamily="18" charset="0"/>
+                        </a:rPr>
+                        <m:t>𝑣</m:t>
+                      </m:r>
+                      <m:r>
+                        <a:rPr lang="en-US" sz="1200" b="0" i="1" smtClean="0">
+                          <a:latin typeface="Cambria Math" panose="02040503050406030204" pitchFamily="18" charset="0"/>
+                        </a:rPr>
+                        <m:t>(</m:t>
+                      </m:r>
+                      <m:r>
+                        <a:rPr lang="en-US" sz="1200" b="0" i="1" smtClean="0">
+                          <a:latin typeface="Cambria Math" panose="02040503050406030204" pitchFamily="18" charset="0"/>
+                        </a:rPr>
+                        <m:t>𝑡</m:t>
+                      </m:r>
+                      <m:r>
+                        <a:rPr lang="en-US" sz="1200" b="0" i="1" smtClean="0">
+                          <a:latin typeface="Cambria Math" panose="02040503050406030204" pitchFamily="18" charset="0"/>
+                        </a:rPr>
+                        <m:t>)</m:t>
+                      </m:r>
+                    </m:oMath>
+                  </m:oMathPara>
+                </a14:m>
+                <a:endParaRPr lang="en-US" sz="1200" dirty="0"/>
+              </a:p>
+            </p:txBody>
+          </p:sp>
+        </mc:Choice>
+        <mc:Fallback xmlns="">
+          <p:sp>
+            <p:nvSpPr>
+              <p:cNvPr id="54" name="TextBox 53">
+                <a:extLst>
+                  <a:ext uri="{FF2B5EF4-FFF2-40B4-BE49-F238E27FC236}">
+                    <a16:creationId xmlns:a16="http://schemas.microsoft.com/office/drawing/2014/main" id="{247D9BB8-C135-50B7-1D55-AC59E48D8442}"/>
+                  </a:ext>
+                </a:extLst>
+              </p:cNvPr>
+              <p:cNvSpPr txBox="1">
+                <a:spLocks noRot="1" noChangeAspect="1" noMove="1" noResize="1" noEditPoints="1" noAdjustHandles="1" noChangeArrowheads="1" noChangeShapeType="1" noTextEdit="1"/>
+              </p:cNvSpPr>
+              <p:nvPr/>
+            </p:nvSpPr>
+            <p:spPr>
+              <a:xfrm>
+                <a:off x="1120738" y="2062155"/>
+                <a:ext cx="324063" cy="184666"/>
+              </a:xfrm>
+              <a:prstGeom prst="rect">
+                <a:avLst/>
+              </a:prstGeom>
+              <a:blipFill>
+                <a:blip r:embed="rId20"/>
+                <a:stretch>
+                  <a:fillRect l="-7692" r="-15385" b="-31250"/>
+                </a:stretch>
+              </a:blipFill>
+            </p:spPr>
+            <p:txBody>
+              <a:bodyPr/>
+              <a:lstStyle/>
+              <a:p>
+                <a:r>
+                  <a:rPr lang="en-US">
+                    <a:noFill/>
+                  </a:rPr>
+                  <a:t> </a:t>
+                </a:r>
+              </a:p>
+            </p:txBody>
+          </p:sp>
+        </mc:Fallback>
+      </mc:AlternateContent>
+      <mc:AlternateContent xmlns:mc="http://schemas.openxmlformats.org/markup-compatibility/2006" xmlns:a14="http://schemas.microsoft.com/office/drawing/2010/main">
+        <mc:Choice Requires="a14">
+          <p:sp>
+            <p:nvSpPr>
+              <p:cNvPr id="61" name="TextBox 60">
+                <a:extLst>
+                  <a:ext uri="{FF2B5EF4-FFF2-40B4-BE49-F238E27FC236}">
+                    <a16:creationId xmlns:a16="http://schemas.microsoft.com/office/drawing/2014/main" id="{A1D4F977-8FCB-2291-F66D-FD2AD92C78B0}"/>
+                  </a:ext>
+                </a:extLst>
+              </p:cNvPr>
+              <p:cNvSpPr txBox="1"/>
+              <p:nvPr/>
+            </p:nvSpPr>
+            <p:spPr>
+              <a:xfrm>
+                <a:off x="2412281" y="2041327"/>
+                <a:ext cx="324063" cy="184666"/>
+              </a:xfrm>
+              <a:prstGeom prst="rect">
+                <a:avLst/>
+              </a:prstGeom>
+              <a:noFill/>
+            </p:spPr>
+            <p:txBody>
+              <a:bodyPr wrap="none" lIns="0" tIns="0" rIns="0" bIns="0" rtlCol="0">
+                <a:spAutoFit/>
+              </a:bodyPr>
+              <a:lstStyle/>
+              <a:p>
+                <a:pPr/>
+                <a14:m>
+                  <m:oMathPara xmlns:m="http://schemas.openxmlformats.org/officeDocument/2006/math">
+                    <m:oMathParaPr>
+                      <m:jc m:val="centerGroup"/>
+                    </m:oMathParaPr>
+                    <m:oMath xmlns:m="http://schemas.openxmlformats.org/officeDocument/2006/math">
+                      <m:r>
+                        <a:rPr lang="en-US" sz="1200" b="0" i="1" smtClean="0">
+                          <a:latin typeface="Cambria Math" panose="02040503050406030204" pitchFamily="18" charset="0"/>
+                        </a:rPr>
+                        <m:t>𝑣</m:t>
+                      </m:r>
+                      <m:r>
+                        <a:rPr lang="en-US" sz="1200" b="0" i="1" smtClean="0">
+                          <a:latin typeface="Cambria Math" panose="02040503050406030204" pitchFamily="18" charset="0"/>
+                        </a:rPr>
+                        <m:t>(</m:t>
+                      </m:r>
+                      <m:r>
+                        <a:rPr lang="en-US" sz="1200" b="0" i="1" smtClean="0">
+                          <a:latin typeface="Cambria Math" panose="02040503050406030204" pitchFamily="18" charset="0"/>
+                        </a:rPr>
+                        <m:t>𝑡</m:t>
+                      </m:r>
+                      <m:r>
+                        <a:rPr lang="en-US" sz="1200" b="0" i="1" smtClean="0">
+                          <a:latin typeface="Cambria Math" panose="02040503050406030204" pitchFamily="18" charset="0"/>
+                        </a:rPr>
+                        <m:t>)</m:t>
+                      </m:r>
+                    </m:oMath>
+                  </m:oMathPara>
+                </a14:m>
+                <a:endParaRPr lang="en-US" sz="1200" dirty="0"/>
+              </a:p>
+            </p:txBody>
+          </p:sp>
+        </mc:Choice>
+        <mc:Fallback xmlns="">
+          <p:sp>
+            <p:nvSpPr>
+              <p:cNvPr id="61" name="TextBox 60">
+                <a:extLst>
+                  <a:ext uri="{FF2B5EF4-FFF2-40B4-BE49-F238E27FC236}">
+                    <a16:creationId xmlns:a16="http://schemas.microsoft.com/office/drawing/2014/main" id="{A1D4F977-8FCB-2291-F66D-FD2AD92C78B0}"/>
+                  </a:ext>
+                </a:extLst>
+              </p:cNvPr>
+              <p:cNvSpPr txBox="1">
+                <a:spLocks noRot="1" noChangeAspect="1" noMove="1" noResize="1" noEditPoints="1" noAdjustHandles="1" noChangeArrowheads="1" noChangeShapeType="1" noTextEdit="1"/>
+              </p:cNvSpPr>
+              <p:nvPr/>
+            </p:nvSpPr>
+            <p:spPr>
+              <a:xfrm>
+                <a:off x="2412281" y="2041327"/>
+                <a:ext cx="324063" cy="184666"/>
+              </a:xfrm>
+              <a:prstGeom prst="rect">
+                <a:avLst/>
+              </a:prstGeom>
+              <a:blipFill>
+                <a:blip r:embed="rId21"/>
+                <a:stretch>
+                  <a:fillRect l="-7692" r="-15385" b="-37500"/>
+                </a:stretch>
+              </a:blipFill>
+            </p:spPr>
+            <p:txBody>
+              <a:bodyPr/>
+              <a:lstStyle/>
+              <a:p>
+                <a:r>
+                  <a:rPr lang="en-US">
+                    <a:noFill/>
+                  </a:rPr>
+                  <a:t> </a:t>
+                </a:r>
+              </a:p>
+            </p:txBody>
+          </p:sp>
+        </mc:Fallback>
+      </mc:AlternateContent>
+      <mc:AlternateContent xmlns:mc="http://schemas.openxmlformats.org/markup-compatibility/2006" xmlns:a14="http://schemas.microsoft.com/office/drawing/2010/main">
+        <mc:Choice Requires="a14">
+          <p:sp>
+            <p:nvSpPr>
+              <p:cNvPr id="193" name="TextBox 192">
+                <a:extLst>
+                  <a:ext uri="{FF2B5EF4-FFF2-40B4-BE49-F238E27FC236}">
+                    <a16:creationId xmlns:a16="http://schemas.microsoft.com/office/drawing/2014/main" id="{EE035CF3-11BE-4D37-066A-E29D054392AA}"/>
+                  </a:ext>
+                </a:extLst>
+              </p:cNvPr>
+              <p:cNvSpPr txBox="1"/>
+              <p:nvPr/>
+            </p:nvSpPr>
+            <p:spPr>
+              <a:xfrm>
+                <a:off x="4760547" y="2569969"/>
+                <a:ext cx="324063" cy="184666"/>
+              </a:xfrm>
+              <a:prstGeom prst="rect">
+                <a:avLst/>
+              </a:prstGeom>
+              <a:noFill/>
+            </p:spPr>
+            <p:txBody>
+              <a:bodyPr wrap="none" lIns="0" tIns="0" rIns="0" bIns="0" rtlCol="0">
+                <a:spAutoFit/>
+              </a:bodyPr>
+              <a:lstStyle/>
+              <a:p>
+                <a:pPr/>
+                <a14:m>
+                  <m:oMathPara xmlns:m="http://schemas.openxmlformats.org/officeDocument/2006/math">
+                    <m:oMathParaPr>
+                      <m:jc m:val="centerGroup"/>
+                    </m:oMathParaPr>
+                    <m:oMath xmlns:m="http://schemas.openxmlformats.org/officeDocument/2006/math">
+                      <m:r>
+                        <a:rPr lang="en-US" sz="1200" b="0" i="1" smtClean="0">
+                          <a:latin typeface="Cambria Math" panose="02040503050406030204" pitchFamily="18" charset="0"/>
+                        </a:rPr>
+                        <m:t>𝑣</m:t>
+                      </m:r>
+                      <m:r>
+                        <a:rPr lang="en-US" sz="1200" b="0" i="1" smtClean="0">
+                          <a:latin typeface="Cambria Math" panose="02040503050406030204" pitchFamily="18" charset="0"/>
+                        </a:rPr>
+                        <m:t>(</m:t>
+                      </m:r>
+                      <m:r>
+                        <a:rPr lang="en-US" sz="1200" b="0" i="1" smtClean="0">
+                          <a:latin typeface="Cambria Math" panose="02040503050406030204" pitchFamily="18" charset="0"/>
+                        </a:rPr>
+                        <m:t>𝑡</m:t>
+                      </m:r>
+                      <m:r>
+                        <a:rPr lang="en-US" sz="1200" b="0" i="1" smtClean="0">
+                          <a:latin typeface="Cambria Math" panose="02040503050406030204" pitchFamily="18" charset="0"/>
+                        </a:rPr>
+                        <m:t>)</m:t>
+                      </m:r>
+                    </m:oMath>
+                  </m:oMathPara>
+                </a14:m>
+                <a:endParaRPr lang="en-US" sz="1200" dirty="0"/>
+              </a:p>
+            </p:txBody>
+          </p:sp>
+        </mc:Choice>
+        <mc:Fallback xmlns="">
+          <p:sp>
+            <p:nvSpPr>
+              <p:cNvPr id="193" name="TextBox 192">
+                <a:extLst>
+                  <a:ext uri="{FF2B5EF4-FFF2-40B4-BE49-F238E27FC236}">
+                    <a16:creationId xmlns:a16="http://schemas.microsoft.com/office/drawing/2014/main" id="{EE035CF3-11BE-4D37-066A-E29D054392AA}"/>
+                  </a:ext>
+                </a:extLst>
+              </p:cNvPr>
+              <p:cNvSpPr txBox="1">
+                <a:spLocks noRot="1" noChangeAspect="1" noMove="1" noResize="1" noEditPoints="1" noAdjustHandles="1" noChangeArrowheads="1" noChangeShapeType="1" noTextEdit="1"/>
+              </p:cNvSpPr>
+              <p:nvPr/>
+            </p:nvSpPr>
+            <p:spPr>
+              <a:xfrm>
+                <a:off x="4760547" y="2569969"/>
+                <a:ext cx="324063" cy="184666"/>
+              </a:xfrm>
+              <a:prstGeom prst="rect">
+                <a:avLst/>
+              </a:prstGeom>
+              <a:blipFill>
+                <a:blip r:embed="rId22"/>
+                <a:stretch>
+                  <a:fillRect l="-3704" r="-14815" b="-46667"/>
+                </a:stretch>
+              </a:blipFill>
+            </p:spPr>
+            <p:txBody>
+              <a:bodyPr/>
+              <a:lstStyle/>
+              <a:p>
+                <a:r>
+                  <a:rPr lang="en-US">
+                    <a:noFill/>
+                  </a:rPr>
+                  <a:t> </a:t>
+                </a:r>
+              </a:p>
+            </p:txBody>
+          </p:sp>
+        </mc:Fallback>
+      </mc:AlternateContent>
+      <mc:AlternateContent xmlns:mc="http://schemas.openxmlformats.org/markup-compatibility/2006" xmlns:a14="http://schemas.microsoft.com/office/drawing/2010/main">
+        <mc:Choice Requires="a14">
+          <p:sp>
+            <p:nvSpPr>
+              <p:cNvPr id="196" name="TextBox 195">
+                <a:extLst>
+                  <a:ext uri="{FF2B5EF4-FFF2-40B4-BE49-F238E27FC236}">
+                    <a16:creationId xmlns:a16="http://schemas.microsoft.com/office/drawing/2014/main" id="{132BDF30-8DF6-1240-423C-B384508798EC}"/>
+                  </a:ext>
+                </a:extLst>
+              </p:cNvPr>
+              <p:cNvSpPr txBox="1"/>
+              <p:nvPr/>
+            </p:nvSpPr>
+            <p:spPr>
+              <a:xfrm>
+                <a:off x="1362589" y="3079040"/>
+                <a:ext cx="324063" cy="184666"/>
+              </a:xfrm>
+              <a:prstGeom prst="rect">
+                <a:avLst/>
+              </a:prstGeom>
+              <a:noFill/>
+            </p:spPr>
+            <p:txBody>
+              <a:bodyPr wrap="none" lIns="0" tIns="0" rIns="0" bIns="0" rtlCol="0">
+                <a:spAutoFit/>
+              </a:bodyPr>
+              <a:lstStyle/>
+              <a:p>
+                <a:pPr/>
+                <a14:m>
+                  <m:oMathPara xmlns:m="http://schemas.openxmlformats.org/officeDocument/2006/math">
+                    <m:oMathParaPr>
+                      <m:jc m:val="centerGroup"/>
+                    </m:oMathParaPr>
+                    <m:oMath xmlns:m="http://schemas.openxmlformats.org/officeDocument/2006/math">
+                      <m:r>
+                        <a:rPr lang="en-US" sz="1200" b="0" i="1" smtClean="0">
+                          <a:latin typeface="Cambria Math" panose="02040503050406030204" pitchFamily="18" charset="0"/>
+                        </a:rPr>
+                        <m:t>𝑣</m:t>
+                      </m:r>
+                      <m:r>
+                        <a:rPr lang="en-US" sz="1200" b="0" i="1" smtClean="0">
+                          <a:latin typeface="Cambria Math" panose="02040503050406030204" pitchFamily="18" charset="0"/>
+                        </a:rPr>
+                        <m:t>(</m:t>
+                      </m:r>
+                      <m:r>
+                        <a:rPr lang="en-US" sz="1200" b="0" i="1" smtClean="0">
+                          <a:latin typeface="Cambria Math" panose="02040503050406030204" pitchFamily="18" charset="0"/>
+                        </a:rPr>
+                        <m:t>𝑡</m:t>
+                      </m:r>
+                      <m:r>
+                        <a:rPr lang="en-US" sz="1200" b="0" i="1" smtClean="0">
+                          <a:latin typeface="Cambria Math" panose="02040503050406030204" pitchFamily="18" charset="0"/>
+                        </a:rPr>
+                        <m:t>)</m:t>
+                      </m:r>
+                    </m:oMath>
+                  </m:oMathPara>
+                </a14:m>
+                <a:endParaRPr lang="en-US" sz="1200" dirty="0"/>
+              </a:p>
+            </p:txBody>
+          </p:sp>
+        </mc:Choice>
+        <mc:Fallback xmlns="">
+          <p:sp>
+            <p:nvSpPr>
+              <p:cNvPr id="196" name="TextBox 195">
+                <a:extLst>
+                  <a:ext uri="{FF2B5EF4-FFF2-40B4-BE49-F238E27FC236}">
+                    <a16:creationId xmlns:a16="http://schemas.microsoft.com/office/drawing/2014/main" id="{132BDF30-8DF6-1240-423C-B384508798EC}"/>
+                  </a:ext>
+                </a:extLst>
+              </p:cNvPr>
+              <p:cNvSpPr txBox="1">
+                <a:spLocks noRot="1" noChangeAspect="1" noMove="1" noResize="1" noEditPoints="1" noAdjustHandles="1" noChangeArrowheads="1" noChangeShapeType="1" noTextEdit="1"/>
+              </p:cNvSpPr>
+              <p:nvPr/>
+            </p:nvSpPr>
+            <p:spPr>
+              <a:xfrm>
+                <a:off x="1362589" y="3079040"/>
+                <a:ext cx="324063" cy="184666"/>
+              </a:xfrm>
+              <a:prstGeom prst="rect">
+                <a:avLst/>
+              </a:prstGeom>
+              <a:blipFill>
+                <a:blip r:embed="rId23"/>
+                <a:stretch>
+                  <a:fillRect l="-3846" r="-15385" b="-46667"/>
+                </a:stretch>
+              </a:blipFill>
+            </p:spPr>
+            <p:txBody>
+              <a:bodyPr/>
+              <a:lstStyle/>
+              <a:p>
+                <a:r>
+                  <a:rPr lang="en-US">
+                    <a:noFill/>
+                  </a:rPr>
+                  <a:t> </a:t>
+                </a:r>
+              </a:p>
+            </p:txBody>
+          </p:sp>
+        </mc:Fallback>
+      </mc:AlternateContent>
+      <mc:AlternateContent xmlns:mc="http://schemas.openxmlformats.org/markup-compatibility/2006" xmlns:a14="http://schemas.microsoft.com/office/drawing/2010/main">
+        <mc:Choice Requires="a14">
+          <p:sp>
+            <p:nvSpPr>
+              <p:cNvPr id="198" name="TextBox 197">
+                <a:extLst>
+                  <a:ext uri="{FF2B5EF4-FFF2-40B4-BE49-F238E27FC236}">
+                    <a16:creationId xmlns:a16="http://schemas.microsoft.com/office/drawing/2014/main" id="{C9CCE4B4-8B5B-02D1-DE34-A3485C9B4118}"/>
+                  </a:ext>
+                </a:extLst>
+              </p:cNvPr>
+              <p:cNvSpPr txBox="1"/>
+              <p:nvPr/>
+            </p:nvSpPr>
+            <p:spPr>
+              <a:xfrm>
+                <a:off x="2609394" y="3126405"/>
+                <a:ext cx="324063" cy="184666"/>
+              </a:xfrm>
+              <a:prstGeom prst="rect">
+                <a:avLst/>
+              </a:prstGeom>
+              <a:noFill/>
+            </p:spPr>
+            <p:txBody>
+              <a:bodyPr wrap="none" lIns="0" tIns="0" rIns="0" bIns="0" rtlCol="0">
+                <a:spAutoFit/>
+              </a:bodyPr>
+              <a:lstStyle/>
+              <a:p>
+                <a:pPr/>
+                <a14:m>
+                  <m:oMathPara xmlns:m="http://schemas.openxmlformats.org/officeDocument/2006/math">
+                    <m:oMathParaPr>
+                      <m:jc m:val="centerGroup"/>
+                    </m:oMathParaPr>
+                    <m:oMath xmlns:m="http://schemas.openxmlformats.org/officeDocument/2006/math">
+                      <m:r>
+                        <a:rPr lang="en-US" sz="1200" b="0" i="1" smtClean="0">
+                          <a:latin typeface="Cambria Math" panose="02040503050406030204" pitchFamily="18" charset="0"/>
+                        </a:rPr>
+                        <m:t>𝑣</m:t>
+                      </m:r>
+                      <m:r>
+                        <a:rPr lang="en-US" sz="1200" b="0" i="1" smtClean="0">
+                          <a:latin typeface="Cambria Math" panose="02040503050406030204" pitchFamily="18" charset="0"/>
+                        </a:rPr>
+                        <m:t>(</m:t>
+                      </m:r>
+                      <m:r>
+                        <a:rPr lang="en-US" sz="1200" b="0" i="1" smtClean="0">
+                          <a:latin typeface="Cambria Math" panose="02040503050406030204" pitchFamily="18" charset="0"/>
+                        </a:rPr>
+                        <m:t>𝑡</m:t>
+                      </m:r>
+                      <m:r>
+                        <a:rPr lang="en-US" sz="1200" b="0" i="1" smtClean="0">
+                          <a:latin typeface="Cambria Math" panose="02040503050406030204" pitchFamily="18" charset="0"/>
+                        </a:rPr>
+                        <m:t>)</m:t>
+                      </m:r>
+                    </m:oMath>
+                  </m:oMathPara>
+                </a14:m>
+                <a:endParaRPr lang="en-US" sz="1200" dirty="0"/>
+              </a:p>
+            </p:txBody>
+          </p:sp>
+        </mc:Choice>
+        <mc:Fallback xmlns="">
+          <p:sp>
+            <p:nvSpPr>
+              <p:cNvPr id="198" name="TextBox 197">
+                <a:extLst>
+                  <a:ext uri="{FF2B5EF4-FFF2-40B4-BE49-F238E27FC236}">
+                    <a16:creationId xmlns:a16="http://schemas.microsoft.com/office/drawing/2014/main" id="{C9CCE4B4-8B5B-02D1-DE34-A3485C9B4118}"/>
+                  </a:ext>
+                </a:extLst>
+              </p:cNvPr>
+              <p:cNvSpPr txBox="1">
+                <a:spLocks noRot="1" noChangeAspect="1" noMove="1" noResize="1" noEditPoints="1" noAdjustHandles="1" noChangeArrowheads="1" noChangeShapeType="1" noTextEdit="1"/>
+              </p:cNvSpPr>
+              <p:nvPr/>
+            </p:nvSpPr>
+            <p:spPr>
+              <a:xfrm>
+                <a:off x="2609394" y="3126405"/>
+                <a:ext cx="324063" cy="184666"/>
+              </a:xfrm>
+              <a:prstGeom prst="rect">
+                <a:avLst/>
+              </a:prstGeom>
+              <a:blipFill>
+                <a:blip r:embed="rId24"/>
+                <a:stretch>
+                  <a:fillRect l="-3846" r="-15385" b="-40000"/>
+                </a:stretch>
+              </a:blipFill>
+            </p:spPr>
+            <p:txBody>
+              <a:bodyPr/>
+              <a:lstStyle/>
+              <a:p>
+                <a:r>
+                  <a:rPr lang="en-US">
+                    <a:noFill/>
+                  </a:rPr>
+                  <a:t> </a:t>
+                </a:r>
+              </a:p>
+            </p:txBody>
+          </p:sp>
+        </mc:Fallback>
+      </mc:AlternateContent>
+    </p:spTree>
+    <p:extLst>
+      <p:ext uri="{BB962C8B-B14F-4D97-AF65-F5344CB8AC3E}">
+        <p14:creationId xmlns:p14="http://schemas.microsoft.com/office/powerpoint/2010/main" val="1273499281"/>
+      </p:ext>
+    </p:extLst>
+  </p:cSld>
+  <p:clrMapOvr>
+    <a:masterClrMapping/>
+  </p:clrMapOvr>
+</p:sld>
+</file>
+
+<file path=ppt/slides/slide14.xml><?xml version="1.0" encoding="utf-8"?>
+<p:sld xmlns:a="http://schemas.openxmlformats.org/drawingml/2006/main" xmlns:r="http://schemas.openxmlformats.org/officeDocument/2006/relationships" xmlns:p="http://schemas.openxmlformats.org/presentationml/2006/main">
+  <p:cSld>
+    <p:bg>
+      <p:bgPr>
+        <a:solidFill>
+          <a:srgbClr val="FFFFFF"/>
+        </a:solidFill>
+        <a:effectLst/>
+      </p:bgPr>
+    </p:bg>
+    <p:spTree>
+      <p:nvGrpSpPr>
+        <p:cNvPr id="1" name="Shape 206">
+          <a:extLst>
+            <a:ext uri="{FF2B5EF4-FFF2-40B4-BE49-F238E27FC236}">
               <a16:creationId xmlns:a16="http://schemas.microsoft.com/office/drawing/2014/main" id="{5C3EE616-0E3B-0308-88AC-741449ED1381}"/>
             </a:ext>
           </a:extLst>
@@ -11494,10 +17259,14 @@
               <a:buNone/>
             </a:pPr>
             <a:r>
-              <a:rPr lang="en" dirty="0"/>
+              <a:rPr lang="en" dirty="0">
+                <a:latin typeface="Georgia Pro" panose="02040502050405020303" pitchFamily="18" charset="0"/>
+              </a:rPr>
               <a:t>COVID-19</a:t>
             </a:r>
-            <a:endParaRPr i="1" dirty="0"/>
+            <a:endParaRPr i="1" dirty="0">
+              <a:latin typeface="Georgia Pro" panose="02040502050405020303" pitchFamily="18" charset="0"/>
+            </a:endParaRPr>
           </a:p>
         </p:txBody>
       </p:sp>
@@ -12306,7 +18075,7 @@
 </p:sld>
 </file>
 
-<file path=ppt/slides/slide14.xml><?xml version="1.0" encoding="utf-8"?>
+<file path=ppt/slides/slide15.xml><?xml version="1.0" encoding="utf-8"?>
 <p:sld xmlns:a="http://schemas.openxmlformats.org/drawingml/2006/main" xmlns:r="http://schemas.openxmlformats.org/officeDocument/2006/relationships" xmlns:p="http://schemas.openxmlformats.org/presentationml/2006/main">
   <p:cSld>
     <p:bg>
@@ -12425,7 +18194,7 @@
 </p:sld>
 </file>
 
-<file path=ppt/slides/slide15.xml><?xml version="1.0" encoding="utf-8"?>
+<file path=ppt/slides/slide16.xml><?xml version="1.0" encoding="utf-8"?>
 <p:sld xmlns:a="http://schemas.openxmlformats.org/drawingml/2006/main" xmlns:r="http://schemas.openxmlformats.org/officeDocument/2006/relationships" xmlns:p="http://schemas.openxmlformats.org/presentationml/2006/main">
   <p:cSld>
     <p:bg>
@@ -12544,7 +18313,7 @@
 </p:sld>
 </file>
 
-<file path=ppt/slides/slide16.xml><?xml version="1.0" encoding="utf-8"?>
+<file path=ppt/slides/slide17.xml><?xml version="1.0" encoding="utf-8"?>
 <p:sld xmlns:a="http://schemas.openxmlformats.org/drawingml/2006/main" xmlns:r="http://schemas.openxmlformats.org/officeDocument/2006/relationships" xmlns:p="http://schemas.openxmlformats.org/presentationml/2006/main">
   <p:cSld>
     <p:bg>
@@ -12616,10 +18385,14 @@
               <a:buNone/>
             </a:pPr>
             <a:r>
-              <a:rPr lang="en" dirty="0"/>
+              <a:rPr lang="en" dirty="0">
+                <a:latin typeface="Georgia Pro" panose="02040502050405020303" pitchFamily="18" charset="0"/>
+              </a:rPr>
               <a:t>Flu</a:t>
             </a:r>
-            <a:endParaRPr i="1" dirty="0"/>
+            <a:endParaRPr i="1" dirty="0">
+              <a:latin typeface="Georgia Pro" panose="02040502050405020303" pitchFamily="18" charset="0"/>
+            </a:endParaRPr>
           </a:p>
         </p:txBody>
       </p:sp>
@@ -13422,7 +19195,7 @@
 </p:sld>
 </file>
 
-<file path=ppt/slides/slide17.xml><?xml version="1.0" encoding="utf-8"?>
+<file path=ppt/slides/slide18.xml><?xml version="1.0" encoding="utf-8"?>
 <p:sld xmlns:a="http://schemas.openxmlformats.org/drawingml/2006/main" xmlns:r="http://schemas.openxmlformats.org/officeDocument/2006/relationships" xmlns:p="http://schemas.openxmlformats.org/presentationml/2006/main">
   <p:cSld>
     <p:bg>
@@ -13541,7 +19314,7 @@
 </p:sld>
 </file>
 
-<file path=ppt/slides/slide18.xml><?xml version="1.0" encoding="utf-8"?>
+<file path=ppt/slides/slide19.xml><?xml version="1.0" encoding="utf-8"?>
 <p:sld xmlns:a="http://schemas.openxmlformats.org/drawingml/2006/main" xmlns:r="http://schemas.openxmlformats.org/officeDocument/2006/relationships" xmlns:p="http://schemas.openxmlformats.org/presentationml/2006/main">
   <p:cSld>
     <p:bg>
@@ -13660,7 +19433,919 @@
 </p:sld>
 </file>
 
-<file path=ppt/slides/slide19.xml><?xml version="1.0" encoding="utf-8"?>
+<file path=ppt/slides/slide2.xml><?xml version="1.0" encoding="utf-8"?>
+<p:sld xmlns:a="http://schemas.openxmlformats.org/drawingml/2006/main" xmlns:r="http://schemas.openxmlformats.org/officeDocument/2006/relationships" xmlns:p="http://schemas.openxmlformats.org/presentationml/2006/main">
+  <p:cSld>
+    <p:bg>
+      <p:bgPr>
+        <a:solidFill>
+          <a:srgbClr val="FFFFFF"/>
+        </a:solidFill>
+        <a:effectLst/>
+      </p:bgPr>
+    </p:bg>
+    <p:spTree>
+      <p:nvGrpSpPr>
+        <p:cNvPr id="1" name="Shape 206"/>
+        <p:cNvGrpSpPr/>
+        <p:nvPr/>
+      </p:nvGrpSpPr>
+      <p:grpSpPr>
+        <a:xfrm>
+          <a:off x="0" y="0"/>
+          <a:ext cx="0" cy="0"/>
+          <a:chOff x="0" y="0"/>
+          <a:chExt cx="0" cy="0"/>
+        </a:xfrm>
+      </p:grpSpPr>
+      <p:sp>
+        <p:nvSpPr>
+          <p:cNvPr id="207" name="Google Shape;207;p33"/>
+          <p:cNvSpPr txBox="1">
+            <a:spLocks noGrp="1"/>
+          </p:cNvSpPr>
+          <p:nvPr>
+            <p:ph type="title"/>
+          </p:nvPr>
+        </p:nvSpPr>
+        <p:spPr>
+          <a:xfrm>
+            <a:off x="713225" y="350046"/>
+            <a:ext cx="8046096" cy="1058700"/>
+          </a:xfrm>
+          <a:prstGeom prst="rect">
+            <a:avLst/>
+          </a:prstGeom>
+        </p:spPr>
+        <p:txBody>
+          <a:bodyPr spcFirstLastPara="1" wrap="square" lIns="91425" tIns="91425" rIns="91425" bIns="91425" anchor="t" anchorCtr="0">
+            <a:noAutofit/>
+          </a:bodyPr>
+          <a:lstStyle/>
+          <a:p>
+            <a:pPr marL="0" lvl="0" indent="0" algn="l" rtl="0">
+              <a:spcBef>
+                <a:spcPts val="0"/>
+              </a:spcBef>
+              <a:spcAft>
+                <a:spcPts val="0"/>
+              </a:spcAft>
+              <a:buNone/>
+            </a:pPr>
+            <a:r>
+              <a:rPr lang="en" dirty="0">
+                <a:latin typeface="Georgia Pro" panose="02040502050405020303" pitchFamily="18" charset="0"/>
+                <a:cs typeface="Calibri" panose="020F0502020204030204" pitchFamily="34" charset="0"/>
+              </a:rPr>
+              <a:t>Background - Vaccinations</a:t>
+            </a:r>
+            <a:endParaRPr i="1" dirty="0">
+              <a:latin typeface="Georgia Pro" panose="02040502050405020303" pitchFamily="18" charset="0"/>
+              <a:cs typeface="Calibri" panose="020F0502020204030204" pitchFamily="34" charset="0"/>
+            </a:endParaRPr>
+          </a:p>
+        </p:txBody>
+      </p:sp>
+      <p:sp>
+        <p:nvSpPr>
+          <p:cNvPr id="5" name="Subtitle 2">
+            <a:extLst>
+              <a:ext uri="{FF2B5EF4-FFF2-40B4-BE49-F238E27FC236}">
+                <a16:creationId xmlns:a16="http://schemas.microsoft.com/office/drawing/2014/main" id="{C2B31399-2766-6DEC-4BB9-8DC7BA7D782C}"/>
+              </a:ext>
+            </a:extLst>
+          </p:cNvPr>
+          <p:cNvSpPr txBox="1">
+            <a:spLocks/>
+          </p:cNvSpPr>
+          <p:nvPr/>
+        </p:nvSpPr>
+        <p:spPr>
+          <a:xfrm>
+            <a:off x="7564607" y="4669661"/>
+            <a:ext cx="1194714" cy="247585"/>
+          </a:xfrm>
+          <a:prstGeom prst="rect">
+            <a:avLst/>
+          </a:prstGeom>
+          <a:noFill/>
+          <a:ln>
+            <a:noFill/>
+          </a:ln>
+        </p:spPr>
+        <p:txBody>
+          <a:bodyPr spcFirstLastPara="1" wrap="square" lIns="91425" tIns="91425" rIns="91425" bIns="91425" anchor="t" anchorCtr="0">
+            <a:noAutofit/>
+          </a:bodyPr>
+          <a:lstStyle>
+            <a:defPPr marR="0" lvl="0" algn="l" rtl="0">
+              <a:lnSpc>
+                <a:spcPct val="100000"/>
+              </a:lnSpc>
+              <a:spcBef>
+                <a:spcPts val="0"/>
+              </a:spcBef>
+              <a:spcAft>
+                <a:spcPts val="0"/>
+              </a:spcAft>
+            </a:defPPr>
+            <a:lvl1pPr marL="457200" marR="0" lvl="0" indent="-304800" algn="l" rtl="0">
+              <a:lnSpc>
+                <a:spcPct val="100000"/>
+              </a:lnSpc>
+              <a:spcBef>
+                <a:spcPts val="0"/>
+              </a:spcBef>
+              <a:spcAft>
+                <a:spcPts val="0"/>
+              </a:spcAft>
+              <a:buClr>
+                <a:schemeClr val="dk1"/>
+              </a:buClr>
+              <a:buSzPts val="1200"/>
+              <a:buFont typeface="DM Sans"/>
+              <a:buChar char="●"/>
+              <a:defRPr sz="1200" b="0" i="0" u="none" strike="noStrike" cap="none">
+                <a:solidFill>
+                  <a:schemeClr val="dk1"/>
+                </a:solidFill>
+                <a:latin typeface="DM Sans"/>
+                <a:ea typeface="DM Sans"/>
+                <a:cs typeface="DM Sans"/>
+                <a:sym typeface="DM Sans"/>
+              </a:defRPr>
+            </a:lvl1pPr>
+            <a:lvl2pPr marL="914400" marR="0" lvl="1" indent="-304800" algn="ctr" rtl="0">
+              <a:lnSpc>
+                <a:spcPct val="100000"/>
+              </a:lnSpc>
+              <a:spcBef>
+                <a:spcPts val="1000"/>
+              </a:spcBef>
+              <a:spcAft>
+                <a:spcPts val="0"/>
+              </a:spcAft>
+              <a:buClr>
+                <a:srgbClr val="E76A28"/>
+              </a:buClr>
+              <a:buSzPts val="1200"/>
+              <a:buFont typeface="DM Sans"/>
+              <a:buChar char="○"/>
+              <a:defRPr sz="1200" b="0" i="0" u="none" strike="noStrike" cap="none">
+                <a:solidFill>
+                  <a:schemeClr val="dk1"/>
+                </a:solidFill>
+                <a:latin typeface="DM Sans"/>
+                <a:ea typeface="DM Sans"/>
+                <a:cs typeface="DM Sans"/>
+                <a:sym typeface="DM Sans"/>
+              </a:defRPr>
+            </a:lvl2pPr>
+            <a:lvl3pPr marL="1371600" marR="0" lvl="2" indent="-304800" algn="ctr" rtl="0">
+              <a:lnSpc>
+                <a:spcPct val="100000"/>
+              </a:lnSpc>
+              <a:spcBef>
+                <a:spcPts val="1600"/>
+              </a:spcBef>
+              <a:spcAft>
+                <a:spcPts val="0"/>
+              </a:spcAft>
+              <a:buClr>
+                <a:srgbClr val="E76A28"/>
+              </a:buClr>
+              <a:buSzPts val="1200"/>
+              <a:buFont typeface="DM Sans"/>
+              <a:buChar char="■"/>
+              <a:defRPr sz="1200" b="0" i="0" u="none" strike="noStrike" cap="none">
+                <a:solidFill>
+                  <a:schemeClr val="dk1"/>
+                </a:solidFill>
+                <a:latin typeface="DM Sans"/>
+                <a:ea typeface="DM Sans"/>
+                <a:cs typeface="DM Sans"/>
+                <a:sym typeface="DM Sans"/>
+              </a:defRPr>
+            </a:lvl3pPr>
+            <a:lvl4pPr marL="1828800" marR="0" lvl="3" indent="-304800" algn="ctr" rtl="0">
+              <a:lnSpc>
+                <a:spcPct val="100000"/>
+              </a:lnSpc>
+              <a:spcBef>
+                <a:spcPts val="1600"/>
+              </a:spcBef>
+              <a:spcAft>
+                <a:spcPts val="0"/>
+              </a:spcAft>
+              <a:buClr>
+                <a:srgbClr val="E76A28"/>
+              </a:buClr>
+              <a:buSzPts val="1200"/>
+              <a:buFont typeface="DM Sans"/>
+              <a:buChar char="●"/>
+              <a:defRPr sz="1200" b="0" i="0" u="none" strike="noStrike" cap="none">
+                <a:solidFill>
+                  <a:schemeClr val="dk1"/>
+                </a:solidFill>
+                <a:latin typeface="DM Sans"/>
+                <a:ea typeface="DM Sans"/>
+                <a:cs typeface="DM Sans"/>
+                <a:sym typeface="DM Sans"/>
+              </a:defRPr>
+            </a:lvl4pPr>
+            <a:lvl5pPr marL="2286000" marR="0" lvl="4" indent="-304800" algn="ctr" rtl="0">
+              <a:lnSpc>
+                <a:spcPct val="100000"/>
+              </a:lnSpc>
+              <a:spcBef>
+                <a:spcPts val="1600"/>
+              </a:spcBef>
+              <a:spcAft>
+                <a:spcPts val="0"/>
+              </a:spcAft>
+              <a:buClr>
+                <a:srgbClr val="E76A28"/>
+              </a:buClr>
+              <a:buSzPts val="1200"/>
+              <a:buFont typeface="DM Sans"/>
+              <a:buChar char="○"/>
+              <a:defRPr sz="1200" b="0" i="0" u="none" strike="noStrike" cap="none">
+                <a:solidFill>
+                  <a:schemeClr val="dk1"/>
+                </a:solidFill>
+                <a:latin typeface="DM Sans"/>
+                <a:ea typeface="DM Sans"/>
+                <a:cs typeface="DM Sans"/>
+                <a:sym typeface="DM Sans"/>
+              </a:defRPr>
+            </a:lvl5pPr>
+            <a:lvl6pPr marL="2743200" marR="0" lvl="5" indent="-304800" algn="ctr" rtl="0">
+              <a:lnSpc>
+                <a:spcPct val="100000"/>
+              </a:lnSpc>
+              <a:spcBef>
+                <a:spcPts val="1600"/>
+              </a:spcBef>
+              <a:spcAft>
+                <a:spcPts val="0"/>
+              </a:spcAft>
+              <a:buClr>
+                <a:srgbClr val="999999"/>
+              </a:buClr>
+              <a:buSzPts val="1200"/>
+              <a:buFont typeface="DM Sans"/>
+              <a:buChar char="■"/>
+              <a:defRPr sz="1200" b="0" i="0" u="none" strike="noStrike" cap="none">
+                <a:solidFill>
+                  <a:schemeClr val="dk1"/>
+                </a:solidFill>
+                <a:latin typeface="DM Sans"/>
+                <a:ea typeface="DM Sans"/>
+                <a:cs typeface="DM Sans"/>
+                <a:sym typeface="DM Sans"/>
+              </a:defRPr>
+            </a:lvl6pPr>
+            <a:lvl7pPr marL="3200400" marR="0" lvl="6" indent="-304800" algn="ctr" rtl="0">
+              <a:lnSpc>
+                <a:spcPct val="100000"/>
+              </a:lnSpc>
+              <a:spcBef>
+                <a:spcPts val="1600"/>
+              </a:spcBef>
+              <a:spcAft>
+                <a:spcPts val="0"/>
+              </a:spcAft>
+              <a:buClr>
+                <a:srgbClr val="999999"/>
+              </a:buClr>
+              <a:buSzPts val="1200"/>
+              <a:buFont typeface="DM Sans"/>
+              <a:buChar char="●"/>
+              <a:defRPr sz="1200" b="0" i="0" u="none" strike="noStrike" cap="none">
+                <a:solidFill>
+                  <a:schemeClr val="dk1"/>
+                </a:solidFill>
+                <a:latin typeface="DM Sans"/>
+                <a:ea typeface="DM Sans"/>
+                <a:cs typeface="DM Sans"/>
+                <a:sym typeface="DM Sans"/>
+              </a:defRPr>
+            </a:lvl7pPr>
+            <a:lvl8pPr marL="3657600" marR="0" lvl="7" indent="-304800" algn="ctr" rtl="0">
+              <a:lnSpc>
+                <a:spcPct val="100000"/>
+              </a:lnSpc>
+              <a:spcBef>
+                <a:spcPts val="1600"/>
+              </a:spcBef>
+              <a:spcAft>
+                <a:spcPts val="0"/>
+              </a:spcAft>
+              <a:buClr>
+                <a:srgbClr val="999999"/>
+              </a:buClr>
+              <a:buSzPts val="1200"/>
+              <a:buFont typeface="DM Sans"/>
+              <a:buChar char="○"/>
+              <a:defRPr sz="1200" b="0" i="0" u="none" strike="noStrike" cap="none">
+                <a:solidFill>
+                  <a:schemeClr val="dk1"/>
+                </a:solidFill>
+                <a:latin typeface="DM Sans"/>
+                <a:ea typeface="DM Sans"/>
+                <a:cs typeface="DM Sans"/>
+                <a:sym typeface="DM Sans"/>
+              </a:defRPr>
+            </a:lvl8pPr>
+            <a:lvl9pPr marL="4114800" marR="0" lvl="8" indent="-304800" algn="ctr" rtl="0">
+              <a:lnSpc>
+                <a:spcPct val="100000"/>
+              </a:lnSpc>
+              <a:spcBef>
+                <a:spcPts val="1600"/>
+              </a:spcBef>
+              <a:spcAft>
+                <a:spcPts val="1600"/>
+              </a:spcAft>
+              <a:buClr>
+                <a:srgbClr val="999999"/>
+              </a:buClr>
+              <a:buSzPts val="1200"/>
+              <a:buFont typeface="DM Sans"/>
+              <a:buChar char="■"/>
+              <a:defRPr sz="1200" b="0" i="0" u="none" strike="noStrike" cap="none">
+                <a:solidFill>
+                  <a:schemeClr val="dk1"/>
+                </a:solidFill>
+                <a:latin typeface="DM Sans"/>
+                <a:ea typeface="DM Sans"/>
+                <a:cs typeface="DM Sans"/>
+                <a:sym typeface="DM Sans"/>
+              </a:defRPr>
+            </a:lvl9pPr>
+          </a:lstStyle>
+          <a:p>
+            <a:pPr marL="152400" indent="0" algn="r">
+              <a:buNone/>
+            </a:pPr>
+            <a:r>
+              <a:rPr lang="en-US" sz="1000" dirty="0"/>
+              <a:t>CDC, 2025</a:t>
+            </a:r>
+          </a:p>
+        </p:txBody>
+      </p:sp>
+      <p:graphicFrame>
+        <p:nvGraphicFramePr>
+          <p:cNvPr id="8" name="Table 7">
+            <a:extLst>
+              <a:ext uri="{FF2B5EF4-FFF2-40B4-BE49-F238E27FC236}">
+                <a16:creationId xmlns:a16="http://schemas.microsoft.com/office/drawing/2014/main" id="{C9EC405C-8F1E-4BD8-3300-6877438A8589}"/>
+              </a:ext>
+            </a:extLst>
+          </p:cNvPr>
+          <p:cNvGraphicFramePr>
+            <a:graphicFrameLocks noGrp="1"/>
+          </p:cNvGraphicFramePr>
+          <p:nvPr>
+            <p:extLst>
+              <p:ext uri="{D42A27DB-BD31-4B8C-83A1-F6EECF244321}">
+                <p14:modId xmlns:p14="http://schemas.microsoft.com/office/powerpoint/2010/main" val="886053572"/>
+              </p:ext>
+            </p:extLst>
+          </p:nvPr>
+        </p:nvGraphicFramePr>
+        <p:xfrm>
+          <a:off x="779302" y="1180272"/>
+          <a:ext cx="5822975" cy="1322121"/>
+        </p:xfrm>
+        <a:graphic>
+          <a:graphicData uri="http://schemas.openxmlformats.org/drawingml/2006/table">
+            <a:tbl>
+              <a:tblPr firstRow="1" bandRow="1">
+                <a:tableStyleId>{0084F75A-2F05-4FDF-92FC-A56C2412D897}</a:tableStyleId>
+              </a:tblPr>
+              <a:tblGrid>
+                <a:gridCol w="935815">
+                  <a:extLst>
+                    <a:ext uri="{9D8B030D-6E8A-4147-A177-3AD203B41FA5}">
+                      <a16:colId xmlns:a16="http://schemas.microsoft.com/office/drawing/2014/main" val="3289205874"/>
+                    </a:ext>
+                  </a:extLst>
+                </a:gridCol>
+                <a:gridCol w="959931">
+                  <a:extLst>
+                    <a:ext uri="{9D8B030D-6E8A-4147-A177-3AD203B41FA5}">
+                      <a16:colId xmlns:a16="http://schemas.microsoft.com/office/drawing/2014/main" val="3252779650"/>
+                    </a:ext>
+                  </a:extLst>
+                </a:gridCol>
+                <a:gridCol w="3927229">
+                  <a:extLst>
+                    <a:ext uri="{9D8B030D-6E8A-4147-A177-3AD203B41FA5}">
+                      <a16:colId xmlns:a16="http://schemas.microsoft.com/office/drawing/2014/main" val="3752128261"/>
+                    </a:ext>
+                  </a:extLst>
+                </a:gridCol>
+              </a:tblGrid>
+              <a:tr h="261070">
+                <a:tc gridSpan="3">
+                  <a:txBody>
+                    <a:bodyPr/>
+                    <a:lstStyle/>
+                    <a:p>
+                      <a:r>
+                        <a:rPr lang="en-US" sz="1200" b="1" dirty="0">
+                          <a:latin typeface="Cambria Math" panose="02040503050406030204" pitchFamily="18" charset="0"/>
+                          <a:ea typeface="Cambria Math" panose="02040503050406030204" pitchFamily="18" charset="0"/>
+                        </a:rPr>
+                        <a:t>COVID-19</a:t>
+                      </a:r>
+                    </a:p>
+                  </a:txBody>
+                  <a:tcPr/>
+                </a:tc>
+                <a:tc hMerge="1">
+                  <a:txBody>
+                    <a:bodyPr/>
+                    <a:lstStyle/>
+                    <a:p>
+                      <a:endParaRPr lang="en-US" dirty="0">
+                        <a:latin typeface="Cambria Math" panose="02040503050406030204" pitchFamily="18" charset="0"/>
+                        <a:ea typeface="Cambria Math" panose="02040503050406030204" pitchFamily="18" charset="0"/>
+                      </a:endParaRPr>
+                    </a:p>
+                  </a:txBody>
+                  <a:tcPr/>
+                </a:tc>
+                <a:tc hMerge="1">
+                  <a:txBody>
+                    <a:bodyPr/>
+                    <a:lstStyle/>
+                    <a:p>
+                      <a:endParaRPr lang="en-US" dirty="0">
+                        <a:latin typeface="Cambria Math" panose="02040503050406030204" pitchFamily="18" charset="0"/>
+                        <a:ea typeface="Cambria Math" panose="02040503050406030204" pitchFamily="18" charset="0"/>
+                      </a:endParaRPr>
+                    </a:p>
+                  </a:txBody>
+                  <a:tcPr/>
+                </a:tc>
+                <a:extLst>
+                  <a:ext uri="{0D108BD9-81ED-4DB2-BD59-A6C34878D82A}">
+                    <a16:rowId xmlns:a16="http://schemas.microsoft.com/office/drawing/2014/main" val="2452055618"/>
+                  </a:ext>
+                </a:extLst>
+              </a:tr>
+              <a:tr h="349267">
+                <a:tc>
+                  <a:txBody>
+                    <a:bodyPr/>
+                    <a:lstStyle/>
+                    <a:p>
+                      <a:r>
+                        <a:rPr lang="en-US" sz="1200" dirty="0">
+                          <a:latin typeface="Cambria Math" panose="02040503050406030204" pitchFamily="18" charset="0"/>
+                          <a:ea typeface="Cambria Math" panose="02040503050406030204" pitchFamily="18" charset="0"/>
+                        </a:rPr>
+                        <a:t>Children</a:t>
+                      </a:r>
+                    </a:p>
+                  </a:txBody>
+                  <a:tcPr/>
+                </a:tc>
+                <a:tc>
+                  <a:txBody>
+                    <a:bodyPr/>
+                    <a:lstStyle/>
+                    <a:p>
+                      <a:r>
+                        <a:rPr lang="en-US" sz="1200" dirty="0">
+                          <a:latin typeface="Cambria Math" panose="02040503050406030204" pitchFamily="18" charset="0"/>
+                          <a:ea typeface="Cambria Math" panose="02040503050406030204" pitchFamily="18" charset="0"/>
+                        </a:rPr>
+                        <a:t>Adults</a:t>
+                      </a:r>
+                    </a:p>
+                  </a:txBody>
+                  <a:tcPr/>
+                </a:tc>
+                <a:tc>
+                  <a:txBody>
+                    <a:bodyPr/>
+                    <a:lstStyle/>
+                    <a:p>
+                      <a:r>
+                        <a:rPr lang="en-US" sz="1200" dirty="0">
+                          <a:latin typeface="Cambria Math" panose="02040503050406030204" pitchFamily="18" charset="0"/>
+                          <a:ea typeface="Cambria Math" panose="02040503050406030204" pitchFamily="18" charset="0"/>
+                        </a:rPr>
+                        <a:t>Risk Factor</a:t>
+                      </a:r>
+                    </a:p>
+                  </a:txBody>
+                  <a:tcPr/>
+                </a:tc>
+                <a:extLst>
+                  <a:ext uri="{0D108BD9-81ED-4DB2-BD59-A6C34878D82A}">
+                    <a16:rowId xmlns:a16="http://schemas.microsoft.com/office/drawing/2014/main" val="2011994035"/>
+                  </a:ext>
+                </a:extLst>
+              </a:tr>
+              <a:tr h="349267">
+                <a:tc>
+                  <a:txBody>
+                    <a:bodyPr/>
+                    <a:lstStyle/>
+                    <a:p>
+                      <a:r>
+                        <a:rPr lang="en-US" sz="1200" dirty="0">
+                          <a:latin typeface="Cambria Math" panose="02040503050406030204" pitchFamily="18" charset="0"/>
+                          <a:ea typeface="Cambria Math" panose="02040503050406030204" pitchFamily="18" charset="0"/>
+                        </a:rPr>
+                        <a:t>70%</a:t>
+                      </a:r>
+                    </a:p>
+                  </a:txBody>
+                  <a:tcPr/>
+                </a:tc>
+                <a:tc>
+                  <a:txBody>
+                    <a:bodyPr/>
+                    <a:lstStyle/>
+                    <a:p>
+                      <a:r>
+                        <a:rPr lang="en-US" sz="1200" dirty="0">
+                          <a:latin typeface="Cambria Math" panose="02040503050406030204" pitchFamily="18" charset="0"/>
+                          <a:ea typeface="Cambria Math" panose="02040503050406030204" pitchFamily="18" charset="0"/>
+                        </a:rPr>
+                        <a:t>50%</a:t>
+                      </a:r>
+                    </a:p>
+                  </a:txBody>
+                  <a:tcPr/>
+                </a:tc>
+                <a:tc>
+                  <a:txBody>
+                    <a:bodyPr/>
+                    <a:lstStyle/>
+                    <a:p>
+                      <a:r>
+                        <a:rPr lang="en-US" sz="1200" dirty="0">
+                          <a:latin typeface="Cambria Math" panose="02040503050406030204" pitchFamily="18" charset="0"/>
+                          <a:ea typeface="Cambria Math" panose="02040503050406030204" pitchFamily="18" charset="0"/>
+                        </a:rPr>
+                        <a:t>Decrease in risk of emergency care visit</a:t>
+                      </a:r>
+                    </a:p>
+                  </a:txBody>
+                  <a:tcPr/>
+                </a:tc>
+                <a:extLst>
+                  <a:ext uri="{0D108BD9-81ED-4DB2-BD59-A6C34878D82A}">
+                    <a16:rowId xmlns:a16="http://schemas.microsoft.com/office/drawing/2014/main" val="4239815429"/>
+                  </a:ext>
+                </a:extLst>
+              </a:tr>
+              <a:tr h="349267">
+                <a:tc>
+                  <a:txBody>
+                    <a:bodyPr/>
+                    <a:lstStyle/>
+                    <a:p>
+                      <a:r>
+                        <a:rPr lang="en-US" sz="1200" dirty="0">
+                          <a:latin typeface="Cambria Math" panose="02040503050406030204" pitchFamily="18" charset="0"/>
+                          <a:ea typeface="Cambria Math" panose="02040503050406030204" pitchFamily="18" charset="0"/>
+                        </a:rPr>
+                        <a:t>57%</a:t>
+                      </a:r>
+                    </a:p>
+                  </a:txBody>
+                  <a:tcPr/>
+                </a:tc>
+                <a:tc>
+                  <a:txBody>
+                    <a:bodyPr/>
+                    <a:lstStyle/>
+                    <a:p>
+                      <a:r>
+                        <a:rPr lang="en-US" sz="1200" dirty="0">
+                          <a:latin typeface="Cambria Math" panose="02040503050406030204" pitchFamily="18" charset="0"/>
+                          <a:ea typeface="Cambria Math" panose="02040503050406030204" pitchFamily="18" charset="0"/>
+                        </a:rPr>
+                        <a:t>70%</a:t>
+                      </a:r>
+                    </a:p>
+                  </a:txBody>
+                  <a:tcPr/>
+                </a:tc>
+                <a:tc>
+                  <a:txBody>
+                    <a:bodyPr/>
+                    <a:lstStyle/>
+                    <a:p>
+                      <a:r>
+                        <a:rPr lang="en-US" sz="1200" dirty="0">
+                          <a:latin typeface="Cambria Math" panose="02040503050406030204" pitchFamily="18" charset="0"/>
+                          <a:ea typeface="Cambria Math" panose="02040503050406030204" pitchFamily="18" charset="0"/>
+                        </a:rPr>
+                        <a:t>Decrease in risk of critical illness</a:t>
+                      </a:r>
+                    </a:p>
+                  </a:txBody>
+                  <a:tcPr/>
+                </a:tc>
+                <a:extLst>
+                  <a:ext uri="{0D108BD9-81ED-4DB2-BD59-A6C34878D82A}">
+                    <a16:rowId xmlns:a16="http://schemas.microsoft.com/office/drawing/2014/main" val="272883248"/>
+                  </a:ext>
+                </a:extLst>
+              </a:tr>
+            </a:tbl>
+          </a:graphicData>
+        </a:graphic>
+      </p:graphicFrame>
+      <p:graphicFrame>
+        <p:nvGraphicFramePr>
+          <p:cNvPr id="2" name="Table 1">
+            <a:extLst>
+              <a:ext uri="{FF2B5EF4-FFF2-40B4-BE49-F238E27FC236}">
+                <a16:creationId xmlns:a16="http://schemas.microsoft.com/office/drawing/2014/main" id="{1F1DB517-A84C-1462-9BB7-BDCD0720D311}"/>
+              </a:ext>
+            </a:extLst>
+          </p:cNvPr>
+          <p:cNvGraphicFramePr>
+            <a:graphicFrameLocks noGrp="1"/>
+          </p:cNvGraphicFramePr>
+          <p:nvPr>
+            <p:extLst>
+              <p:ext uri="{D42A27DB-BD31-4B8C-83A1-F6EECF244321}">
+                <p14:modId xmlns:p14="http://schemas.microsoft.com/office/powerpoint/2010/main" val="1806676945"/>
+              </p:ext>
+            </p:extLst>
+          </p:nvPr>
+        </p:nvGraphicFramePr>
+        <p:xfrm>
+          <a:off x="779302" y="2932472"/>
+          <a:ext cx="5822975" cy="1322121"/>
+        </p:xfrm>
+        <a:graphic>
+          <a:graphicData uri="http://schemas.openxmlformats.org/drawingml/2006/table">
+            <a:tbl>
+              <a:tblPr firstRow="1" bandRow="1">
+                <a:tableStyleId>{0084F75A-2F05-4FDF-92FC-A56C2412D897}</a:tableStyleId>
+              </a:tblPr>
+              <a:tblGrid>
+                <a:gridCol w="935815">
+                  <a:extLst>
+                    <a:ext uri="{9D8B030D-6E8A-4147-A177-3AD203B41FA5}">
+                      <a16:colId xmlns:a16="http://schemas.microsoft.com/office/drawing/2014/main" val="3289205874"/>
+                    </a:ext>
+                  </a:extLst>
+                </a:gridCol>
+                <a:gridCol w="959931">
+                  <a:extLst>
+                    <a:ext uri="{9D8B030D-6E8A-4147-A177-3AD203B41FA5}">
+                      <a16:colId xmlns:a16="http://schemas.microsoft.com/office/drawing/2014/main" val="3252779650"/>
+                    </a:ext>
+                  </a:extLst>
+                </a:gridCol>
+                <a:gridCol w="3927229">
+                  <a:extLst>
+                    <a:ext uri="{9D8B030D-6E8A-4147-A177-3AD203B41FA5}">
+                      <a16:colId xmlns:a16="http://schemas.microsoft.com/office/drawing/2014/main" val="3752128261"/>
+                    </a:ext>
+                  </a:extLst>
+                </a:gridCol>
+              </a:tblGrid>
+              <a:tr h="261070">
+                <a:tc gridSpan="3">
+                  <a:txBody>
+                    <a:bodyPr/>
+                    <a:lstStyle/>
+                    <a:p>
+                      <a:r>
+                        <a:rPr lang="en-US" sz="1200" b="1" dirty="0">
+                          <a:latin typeface="Cambria Math" panose="02040503050406030204" pitchFamily="18" charset="0"/>
+                          <a:ea typeface="Cambria Math" panose="02040503050406030204" pitchFamily="18" charset="0"/>
+                        </a:rPr>
+                        <a:t>Flu</a:t>
+                      </a:r>
+                    </a:p>
+                  </a:txBody>
+                  <a:tcPr/>
+                </a:tc>
+                <a:tc hMerge="1">
+                  <a:txBody>
+                    <a:bodyPr/>
+                    <a:lstStyle/>
+                    <a:p>
+                      <a:endParaRPr lang="en-US" dirty="0">
+                        <a:latin typeface="Cambria Math" panose="02040503050406030204" pitchFamily="18" charset="0"/>
+                        <a:ea typeface="Cambria Math" panose="02040503050406030204" pitchFamily="18" charset="0"/>
+                      </a:endParaRPr>
+                    </a:p>
+                  </a:txBody>
+                  <a:tcPr/>
+                </a:tc>
+                <a:tc hMerge="1">
+                  <a:txBody>
+                    <a:bodyPr/>
+                    <a:lstStyle/>
+                    <a:p>
+                      <a:endParaRPr lang="en-US" dirty="0">
+                        <a:latin typeface="Cambria Math" panose="02040503050406030204" pitchFamily="18" charset="0"/>
+                        <a:ea typeface="Cambria Math" panose="02040503050406030204" pitchFamily="18" charset="0"/>
+                      </a:endParaRPr>
+                    </a:p>
+                  </a:txBody>
+                  <a:tcPr/>
+                </a:tc>
+                <a:extLst>
+                  <a:ext uri="{0D108BD9-81ED-4DB2-BD59-A6C34878D82A}">
+                    <a16:rowId xmlns:a16="http://schemas.microsoft.com/office/drawing/2014/main" val="2452055618"/>
+                  </a:ext>
+                </a:extLst>
+              </a:tr>
+              <a:tr h="349267">
+                <a:tc>
+                  <a:txBody>
+                    <a:bodyPr/>
+                    <a:lstStyle/>
+                    <a:p>
+                      <a:r>
+                        <a:rPr lang="en-US" sz="1200" dirty="0">
+                          <a:latin typeface="Cambria Math" panose="02040503050406030204" pitchFamily="18" charset="0"/>
+                          <a:ea typeface="Cambria Math" panose="02040503050406030204" pitchFamily="18" charset="0"/>
+                        </a:rPr>
+                        <a:t>Children</a:t>
+                      </a:r>
+                    </a:p>
+                  </a:txBody>
+                  <a:tcPr/>
+                </a:tc>
+                <a:tc>
+                  <a:txBody>
+                    <a:bodyPr/>
+                    <a:lstStyle/>
+                    <a:p>
+                      <a:r>
+                        <a:rPr lang="en-US" sz="1200" dirty="0">
+                          <a:latin typeface="Cambria Math" panose="02040503050406030204" pitchFamily="18" charset="0"/>
+                          <a:ea typeface="Cambria Math" panose="02040503050406030204" pitchFamily="18" charset="0"/>
+                        </a:rPr>
+                        <a:t>Adults</a:t>
+                      </a:r>
+                    </a:p>
+                  </a:txBody>
+                  <a:tcPr/>
+                </a:tc>
+                <a:tc>
+                  <a:txBody>
+                    <a:bodyPr/>
+                    <a:lstStyle/>
+                    <a:p>
+                      <a:r>
+                        <a:rPr lang="en-US" sz="1200" dirty="0">
+                          <a:latin typeface="Cambria Math" panose="02040503050406030204" pitchFamily="18" charset="0"/>
+                          <a:ea typeface="Cambria Math" panose="02040503050406030204" pitchFamily="18" charset="0"/>
+                        </a:rPr>
+                        <a:t>Risk Factor</a:t>
+                      </a:r>
+                    </a:p>
+                  </a:txBody>
+                  <a:tcPr/>
+                </a:tc>
+                <a:extLst>
+                  <a:ext uri="{0D108BD9-81ED-4DB2-BD59-A6C34878D82A}">
+                    <a16:rowId xmlns:a16="http://schemas.microsoft.com/office/drawing/2014/main" val="2011994035"/>
+                  </a:ext>
+                </a:extLst>
+              </a:tr>
+              <a:tr h="349267">
+                <a:tc>
+                  <a:txBody>
+                    <a:bodyPr/>
+                    <a:lstStyle/>
+                    <a:p>
+                      <a:r>
+                        <a:rPr lang="en-US" sz="1200" dirty="0">
+                          <a:latin typeface="Cambria Math" panose="02040503050406030204" pitchFamily="18" charset="0"/>
+                          <a:ea typeface="Cambria Math" panose="02040503050406030204" pitchFamily="18" charset="0"/>
+                        </a:rPr>
+                        <a:t>75%</a:t>
+                      </a:r>
+                    </a:p>
+                  </a:txBody>
+                  <a:tcPr/>
+                </a:tc>
+                <a:tc>
+                  <a:txBody>
+                    <a:bodyPr/>
+                    <a:lstStyle/>
+                    <a:p>
+                      <a:r>
+                        <a:rPr lang="en-US" sz="1200" dirty="0">
+                          <a:latin typeface="Cambria Math" panose="02040503050406030204" pitchFamily="18" charset="0"/>
+                          <a:ea typeface="Cambria Math" panose="02040503050406030204" pitchFamily="18" charset="0"/>
+                        </a:rPr>
+                        <a:t>50%</a:t>
+                      </a:r>
+                    </a:p>
+                  </a:txBody>
+                  <a:tcPr/>
+                </a:tc>
+                <a:tc>
+                  <a:txBody>
+                    <a:bodyPr/>
+                    <a:lstStyle/>
+                    <a:p>
+                      <a:r>
+                        <a:rPr lang="en-US" sz="1200" dirty="0">
+                          <a:latin typeface="Cambria Math" panose="02040503050406030204" pitchFamily="18" charset="0"/>
+                          <a:ea typeface="Cambria Math" panose="02040503050406030204" pitchFamily="18" charset="0"/>
+                        </a:rPr>
+                        <a:t>Decrease in risk of severe life-threatening influenza</a:t>
+                      </a:r>
+                    </a:p>
+                  </a:txBody>
+                  <a:tcPr/>
+                </a:tc>
+                <a:extLst>
+                  <a:ext uri="{0D108BD9-81ED-4DB2-BD59-A6C34878D82A}">
+                    <a16:rowId xmlns:a16="http://schemas.microsoft.com/office/drawing/2014/main" val="4239815429"/>
+                  </a:ext>
+                </a:extLst>
+              </a:tr>
+              <a:tr h="349267">
+                <a:tc>
+                  <a:txBody>
+                    <a:bodyPr/>
+                    <a:lstStyle/>
+                    <a:p>
+                      <a:r>
+                        <a:rPr lang="en-US" sz="1200" dirty="0">
+                          <a:latin typeface="Cambria Math" panose="02040503050406030204" pitchFamily="18" charset="0"/>
+                          <a:ea typeface="Cambria Math" panose="02040503050406030204" pitchFamily="18" charset="0"/>
+                        </a:rPr>
+                        <a:t>50%</a:t>
+                      </a:r>
+                    </a:p>
+                  </a:txBody>
+                  <a:tcPr/>
+                </a:tc>
+                <a:tc>
+                  <a:txBody>
+                    <a:bodyPr/>
+                    <a:lstStyle/>
+                    <a:p>
+                      <a:r>
+                        <a:rPr lang="en-US" sz="1200" dirty="0">
+                          <a:latin typeface="Cambria Math" panose="02040503050406030204" pitchFamily="18" charset="0"/>
+                          <a:ea typeface="Cambria Math" panose="02040503050406030204" pitchFamily="18" charset="0"/>
+                        </a:rPr>
+                        <a:t>82%</a:t>
+                      </a:r>
+                    </a:p>
+                  </a:txBody>
+                  <a:tcPr/>
+                </a:tc>
+                <a:tc>
+                  <a:txBody>
+                    <a:bodyPr/>
+                    <a:lstStyle/>
+                    <a:p>
+                      <a:r>
+                        <a:rPr lang="en-US" sz="1200" dirty="0">
+                          <a:latin typeface="Cambria Math" panose="02040503050406030204" pitchFamily="18" charset="0"/>
+                          <a:ea typeface="Cambria Math" panose="02040503050406030204" pitchFamily="18" charset="0"/>
+                        </a:rPr>
+                        <a:t>Decrease in risk of  ICU admission</a:t>
+                      </a:r>
+                    </a:p>
+                  </a:txBody>
+                  <a:tcPr/>
+                </a:tc>
+                <a:extLst>
+                  <a:ext uri="{0D108BD9-81ED-4DB2-BD59-A6C34878D82A}">
+                    <a16:rowId xmlns:a16="http://schemas.microsoft.com/office/drawing/2014/main" val="272883248"/>
+                  </a:ext>
+                </a:extLst>
+              </a:tr>
+            </a:tbl>
+          </a:graphicData>
+        </a:graphic>
+      </p:graphicFrame>
+    </p:spTree>
+  </p:cSld>
+  <p:clrMapOvr>
+    <a:masterClrMapping/>
+  </p:clrMapOvr>
+</p:sld>
+</file>
+
+<file path=ppt/slides/slide20.xml><?xml version="1.0" encoding="utf-8"?>
 <p:sld xmlns:a="http://schemas.openxmlformats.org/drawingml/2006/main" xmlns:r="http://schemas.openxmlformats.org/officeDocument/2006/relationships" xmlns:p="http://schemas.openxmlformats.org/presentationml/2006/main">
   <p:cSld>
     <p:bg>
@@ -13732,10 +20417,14 @@
               <a:buNone/>
             </a:pPr>
             <a:r>
-              <a:rPr lang="en" dirty="0"/>
+              <a:rPr lang="en" dirty="0">
+                <a:latin typeface="Georgia Pro" panose="02040502050405020303" pitchFamily="18" charset="0"/>
+              </a:rPr>
               <a:t>Conclusions &amp; Future Research</a:t>
             </a:r>
-            <a:endParaRPr i="1" dirty="0"/>
+            <a:endParaRPr i="1" dirty="0">
+              <a:latin typeface="Georgia Pro" panose="02040502050405020303" pitchFamily="18" charset="0"/>
+            </a:endParaRPr>
           </a:p>
         </p:txBody>
       </p:sp>
@@ -13801,7 +20490,7 @@
         <p:spPr>
           <a:xfrm>
             <a:off x="713225" y="874130"/>
-            <a:ext cx="7641503" cy="1697620"/>
+            <a:ext cx="7641503" cy="1545220"/>
           </a:xfrm>
           <a:prstGeom prst="rect">
             <a:avLst/>
@@ -14074,7 +20763,22 @@
               <a:rPr lang="en-US" sz="1400" dirty="0">
                 <a:latin typeface="Aptos" panose="020B0004020202020204" pitchFamily="34" charset="0"/>
               </a:rPr>
-              <a:t>Understanding vaccination behavior can allow us to work toward larger vaccination coverage throughout Illinois</a:t>
+              <a:t>Vaccination can reduce the number of infections across different age groups</a:t>
+            </a:r>
+          </a:p>
+          <a:p>
+            <a:pPr>
+              <a:spcBef>
+                <a:spcPts val="1000"/>
+              </a:spcBef>
+              <a:buFont typeface="Arial" panose="020B0604020202020204" pitchFamily="34" charset="0"/>
+              <a:buChar char="•"/>
+            </a:pPr>
+            <a:r>
+              <a:rPr lang="en-US" sz="1400" dirty="0">
+                <a:latin typeface="Aptos" panose="020B0004020202020204" pitchFamily="34" charset="0"/>
+              </a:rPr>
+              <a:t>Vaccination can delay the second peak of infections over time  </a:t>
             </a:r>
           </a:p>
           <a:p>
@@ -14087,21 +20791,310 @@
             </a:pPr>
             <a:r>
               <a:rPr lang="en-US" sz="1400" dirty="0">
+                <a:solidFill>
+                  <a:schemeClr val="tx1"/>
+                </a:solidFill>
                 <a:latin typeface="Aptos" panose="020B0004020202020204" pitchFamily="34" charset="0"/>
               </a:rPr>
-              <a:t>Understanding</a:t>
+              <a:t>For COVID-19, only increasing the vaccination rate for Children delays the second peak of infections in both children and adults with children</a:t>
             </a:r>
+          </a:p>
+        </p:txBody>
+      </p:sp>
+      <p:sp>
+        <p:nvSpPr>
+          <p:cNvPr id="3" name="Google Shape;208;p33">
+            <a:extLst>
+              <a:ext uri="{FF2B5EF4-FFF2-40B4-BE49-F238E27FC236}">
+                <a16:creationId xmlns:a16="http://schemas.microsoft.com/office/drawing/2014/main" id="{77FD7C85-892E-8546-9D24-F03441148674}"/>
+              </a:ext>
+            </a:extLst>
+          </p:cNvPr>
+          <p:cNvSpPr txBox="1">
+            <a:spLocks/>
+          </p:cNvSpPr>
+          <p:nvPr/>
+        </p:nvSpPr>
+        <p:spPr>
+          <a:xfrm>
+            <a:off x="713224" y="2189535"/>
+            <a:ext cx="7641503" cy="1545220"/>
+          </a:xfrm>
+          <a:prstGeom prst="rect">
+            <a:avLst/>
+          </a:prstGeom>
+          <a:noFill/>
+          <a:ln>
+            <a:noFill/>
+          </a:ln>
+        </p:spPr>
+        <p:txBody>
+          <a:bodyPr spcFirstLastPara="1" wrap="square" lIns="91425" tIns="91425" rIns="91425" bIns="91425" anchor="t" anchorCtr="0">
+            <a:noAutofit/>
+          </a:bodyPr>
+          <a:lstStyle>
+            <a:defPPr marR="0" lvl="0" algn="l" rtl="0">
+              <a:lnSpc>
+                <a:spcPct val="100000"/>
+              </a:lnSpc>
+              <a:spcBef>
+                <a:spcPts val="0"/>
+              </a:spcBef>
+              <a:spcAft>
+                <a:spcPts val="0"/>
+              </a:spcAft>
+            </a:defPPr>
+            <a:lvl1pPr marL="457200" marR="0" lvl="0" indent="-304800" algn="l" rtl="0">
+              <a:lnSpc>
+                <a:spcPct val="100000"/>
+              </a:lnSpc>
+              <a:spcBef>
+                <a:spcPts val="0"/>
+              </a:spcBef>
+              <a:spcAft>
+                <a:spcPts val="0"/>
+              </a:spcAft>
+              <a:buClr>
+                <a:schemeClr val="dk1"/>
+              </a:buClr>
+              <a:buSzPts val="1200"/>
+              <a:buFont typeface="DM Sans"/>
+              <a:buChar char="●"/>
+              <a:defRPr sz="1200" b="0" i="0" u="none" strike="noStrike" cap="none">
+                <a:solidFill>
+                  <a:schemeClr val="dk1"/>
+                </a:solidFill>
+                <a:latin typeface="DM Sans"/>
+                <a:ea typeface="DM Sans"/>
+                <a:cs typeface="DM Sans"/>
+                <a:sym typeface="DM Sans"/>
+              </a:defRPr>
+            </a:lvl1pPr>
+            <a:lvl2pPr marL="914400" marR="0" lvl="1" indent="-304800" algn="ctr" rtl="0">
+              <a:lnSpc>
+                <a:spcPct val="100000"/>
+              </a:lnSpc>
+              <a:spcBef>
+                <a:spcPts val="1000"/>
+              </a:spcBef>
+              <a:spcAft>
+                <a:spcPts val="0"/>
+              </a:spcAft>
+              <a:buClr>
+                <a:srgbClr val="E76A28"/>
+              </a:buClr>
+              <a:buSzPts val="1200"/>
+              <a:buFont typeface="DM Sans"/>
+              <a:buChar char="○"/>
+              <a:defRPr sz="1200" b="0" i="0" u="none" strike="noStrike" cap="none">
+                <a:solidFill>
+                  <a:schemeClr val="dk1"/>
+                </a:solidFill>
+                <a:latin typeface="DM Sans"/>
+                <a:ea typeface="DM Sans"/>
+                <a:cs typeface="DM Sans"/>
+                <a:sym typeface="DM Sans"/>
+              </a:defRPr>
+            </a:lvl2pPr>
+            <a:lvl3pPr marL="1371600" marR="0" lvl="2" indent="-304800" algn="ctr" rtl="0">
+              <a:lnSpc>
+                <a:spcPct val="100000"/>
+              </a:lnSpc>
+              <a:spcBef>
+                <a:spcPts val="1600"/>
+              </a:spcBef>
+              <a:spcAft>
+                <a:spcPts val="0"/>
+              </a:spcAft>
+              <a:buClr>
+                <a:srgbClr val="E76A28"/>
+              </a:buClr>
+              <a:buSzPts val="1200"/>
+              <a:buFont typeface="DM Sans"/>
+              <a:buChar char="■"/>
+              <a:defRPr sz="1200" b="0" i="0" u="none" strike="noStrike" cap="none">
+                <a:solidFill>
+                  <a:schemeClr val="dk1"/>
+                </a:solidFill>
+                <a:latin typeface="DM Sans"/>
+                <a:ea typeface="DM Sans"/>
+                <a:cs typeface="DM Sans"/>
+                <a:sym typeface="DM Sans"/>
+              </a:defRPr>
+            </a:lvl3pPr>
+            <a:lvl4pPr marL="1828800" marR="0" lvl="3" indent="-304800" algn="ctr" rtl="0">
+              <a:lnSpc>
+                <a:spcPct val="100000"/>
+              </a:lnSpc>
+              <a:spcBef>
+                <a:spcPts val="1600"/>
+              </a:spcBef>
+              <a:spcAft>
+                <a:spcPts val="0"/>
+              </a:spcAft>
+              <a:buClr>
+                <a:srgbClr val="E76A28"/>
+              </a:buClr>
+              <a:buSzPts val="1200"/>
+              <a:buFont typeface="DM Sans"/>
+              <a:buChar char="●"/>
+              <a:defRPr sz="1200" b="0" i="0" u="none" strike="noStrike" cap="none">
+                <a:solidFill>
+                  <a:schemeClr val="dk1"/>
+                </a:solidFill>
+                <a:latin typeface="DM Sans"/>
+                <a:ea typeface="DM Sans"/>
+                <a:cs typeface="DM Sans"/>
+                <a:sym typeface="DM Sans"/>
+              </a:defRPr>
+            </a:lvl4pPr>
+            <a:lvl5pPr marL="2286000" marR="0" lvl="4" indent="-304800" algn="ctr" rtl="0">
+              <a:lnSpc>
+                <a:spcPct val="100000"/>
+              </a:lnSpc>
+              <a:spcBef>
+                <a:spcPts val="1600"/>
+              </a:spcBef>
+              <a:spcAft>
+                <a:spcPts val="0"/>
+              </a:spcAft>
+              <a:buClr>
+                <a:srgbClr val="E76A28"/>
+              </a:buClr>
+              <a:buSzPts val="1200"/>
+              <a:buFont typeface="DM Sans"/>
+              <a:buChar char="○"/>
+              <a:defRPr sz="1200" b="0" i="0" u="none" strike="noStrike" cap="none">
+                <a:solidFill>
+                  <a:schemeClr val="dk1"/>
+                </a:solidFill>
+                <a:latin typeface="DM Sans"/>
+                <a:ea typeface="DM Sans"/>
+                <a:cs typeface="DM Sans"/>
+                <a:sym typeface="DM Sans"/>
+              </a:defRPr>
+            </a:lvl5pPr>
+            <a:lvl6pPr marL="2743200" marR="0" lvl="5" indent="-304800" algn="ctr" rtl="0">
+              <a:lnSpc>
+                <a:spcPct val="100000"/>
+              </a:lnSpc>
+              <a:spcBef>
+                <a:spcPts val="1600"/>
+              </a:spcBef>
+              <a:spcAft>
+                <a:spcPts val="0"/>
+              </a:spcAft>
+              <a:buClr>
+                <a:srgbClr val="999999"/>
+              </a:buClr>
+              <a:buSzPts val="1200"/>
+              <a:buFont typeface="DM Sans"/>
+              <a:buChar char="■"/>
+              <a:defRPr sz="1200" b="0" i="0" u="none" strike="noStrike" cap="none">
+                <a:solidFill>
+                  <a:schemeClr val="dk1"/>
+                </a:solidFill>
+                <a:latin typeface="DM Sans"/>
+                <a:ea typeface="DM Sans"/>
+                <a:cs typeface="DM Sans"/>
+                <a:sym typeface="DM Sans"/>
+              </a:defRPr>
+            </a:lvl6pPr>
+            <a:lvl7pPr marL="3200400" marR="0" lvl="6" indent="-304800" algn="ctr" rtl="0">
+              <a:lnSpc>
+                <a:spcPct val="100000"/>
+              </a:lnSpc>
+              <a:spcBef>
+                <a:spcPts val="1600"/>
+              </a:spcBef>
+              <a:spcAft>
+                <a:spcPts val="0"/>
+              </a:spcAft>
+              <a:buClr>
+                <a:srgbClr val="999999"/>
+              </a:buClr>
+              <a:buSzPts val="1200"/>
+              <a:buFont typeface="DM Sans"/>
+              <a:buChar char="●"/>
+              <a:defRPr sz="1200" b="0" i="0" u="none" strike="noStrike" cap="none">
+                <a:solidFill>
+                  <a:schemeClr val="dk1"/>
+                </a:solidFill>
+                <a:latin typeface="DM Sans"/>
+                <a:ea typeface="DM Sans"/>
+                <a:cs typeface="DM Sans"/>
+                <a:sym typeface="DM Sans"/>
+              </a:defRPr>
+            </a:lvl7pPr>
+            <a:lvl8pPr marL="3657600" marR="0" lvl="7" indent="-304800" algn="ctr" rtl="0">
+              <a:lnSpc>
+                <a:spcPct val="100000"/>
+              </a:lnSpc>
+              <a:spcBef>
+                <a:spcPts val="1600"/>
+              </a:spcBef>
+              <a:spcAft>
+                <a:spcPts val="0"/>
+              </a:spcAft>
+              <a:buClr>
+                <a:srgbClr val="999999"/>
+              </a:buClr>
+              <a:buSzPts val="1200"/>
+              <a:buFont typeface="DM Sans"/>
+              <a:buChar char="○"/>
+              <a:defRPr sz="1200" b="0" i="0" u="none" strike="noStrike" cap="none">
+                <a:solidFill>
+                  <a:schemeClr val="dk1"/>
+                </a:solidFill>
+                <a:latin typeface="DM Sans"/>
+                <a:ea typeface="DM Sans"/>
+                <a:cs typeface="DM Sans"/>
+                <a:sym typeface="DM Sans"/>
+              </a:defRPr>
+            </a:lvl8pPr>
+            <a:lvl9pPr marL="4114800" marR="0" lvl="8" indent="-304800" algn="ctr" rtl="0">
+              <a:lnSpc>
+                <a:spcPct val="100000"/>
+              </a:lnSpc>
+              <a:spcBef>
+                <a:spcPts val="1600"/>
+              </a:spcBef>
+              <a:spcAft>
+                <a:spcPts val="1600"/>
+              </a:spcAft>
+              <a:buClr>
+                <a:srgbClr val="999999"/>
+              </a:buClr>
+              <a:buSzPts val="1200"/>
+              <a:buFont typeface="DM Sans"/>
+              <a:buChar char="■"/>
+              <a:defRPr sz="1200" b="0" i="0" u="none" strike="noStrike" cap="none">
+                <a:solidFill>
+                  <a:schemeClr val="dk1"/>
+                </a:solidFill>
+                <a:latin typeface="DM Sans"/>
+                <a:ea typeface="DM Sans"/>
+                <a:cs typeface="DM Sans"/>
+                <a:sym typeface="DM Sans"/>
+              </a:defRPr>
+            </a:lvl9pPr>
+          </a:lstStyle>
+          <a:p>
+            <a:pPr>
+              <a:buClr>
+                <a:schemeClr val="tx1"/>
+              </a:buClr>
+              <a:buFont typeface="Arial" panose="020B0604020202020204" pitchFamily="34" charset="0"/>
+              <a:buChar char="•"/>
+            </a:pPr>
             <a:r>
-              <a:rPr lang="en-US" sz="1400" b="1" dirty="0">
+              <a:rPr lang="en-US" sz="1400" dirty="0">
+                <a:solidFill>
+                  <a:schemeClr val="tx1"/>
+                </a:solidFill>
                 <a:latin typeface="Aptos" panose="020B0004020202020204" pitchFamily="34" charset="0"/>
               </a:rPr>
-              <a:t> </a:t>
-            </a:r>
-            <a:r>
-              <a:rPr lang="en-US" sz="1400" dirty="0">
-                <a:latin typeface="Aptos" panose="020B0004020202020204" pitchFamily="34" charset="0"/>
-              </a:rPr>
-              <a:t>the different barriers and behaviors between different age groups can allow us to better target vaccination interventions for specific age groups </a:t>
+              <a:t>For Flu, having the same vaccination coverage for all age groups is less impactful than for COVID</a:t>
             </a:r>
           </a:p>
           <a:p>
@@ -14163,30 +21156,45 @@
               <a:buFont typeface="Arial" panose="020B0604020202020204" pitchFamily="34" charset="0"/>
               <a:buChar char="•"/>
             </a:pPr>
-            <a:endParaRPr lang="en-US" sz="1400" dirty="0">
-              <a:solidFill>
-                <a:schemeClr val="tx1"/>
-              </a:solidFill>
-              <a:latin typeface="Aptos" panose="020B0004020202020204" pitchFamily="34" charset="0"/>
-            </a:endParaRPr>
+            <a:r>
+              <a:rPr lang="en-US" sz="1400" dirty="0">
+                <a:solidFill>
+                  <a:schemeClr val="tx1"/>
+                </a:solidFill>
+                <a:latin typeface="Aptos" panose="020B0004020202020204" pitchFamily="34" charset="0"/>
+              </a:rPr>
+              <a:t>How can we optimize vaccination rates to get the least infections, critical illness, and deaths? </a:t>
+            </a:r>
           </a:p>
           <a:p>
-            <a:pPr>
-              <a:lnSpc>
-                <a:spcPts val="1000"/>
-              </a:lnSpc>
+            <a:pPr lvl="1" algn="l">
               <a:buClr>
                 <a:schemeClr val="tx1"/>
               </a:buClr>
               <a:buFont typeface="Arial" panose="020B0604020202020204" pitchFamily="34" charset="0"/>
               <a:buChar char="•"/>
             </a:pPr>
-            <a:endParaRPr lang="en-US" sz="1400" dirty="0">
-              <a:solidFill>
-                <a:schemeClr val="tx1"/>
-              </a:solidFill>
-              <a:latin typeface="Aptos" panose="020B0004020202020204" pitchFamily="34" charset="0"/>
-            </a:endParaRPr>
+            <a:r>
+              <a:rPr lang="en-US" sz="1400" dirty="0">
+                <a:solidFill>
+                  <a:schemeClr val="tx1"/>
+                </a:solidFill>
+                <a:latin typeface="Aptos" panose="020B0004020202020204" pitchFamily="34" charset="0"/>
+              </a:rPr>
+              <a:t>What barriers are specific to each age group? What can be done to eliminate these barriers? </a:t>
+            </a:r>
+          </a:p>
+          <a:p>
+            <a:pPr marL="0" lvl="0" indent="0" algn="l" rtl="0">
+              <a:spcBef>
+                <a:spcPts val="0"/>
+              </a:spcBef>
+              <a:spcAft>
+                <a:spcPts val="0"/>
+              </a:spcAft>
+              <a:buNone/>
+            </a:pPr>
+            <a:endParaRPr lang="en-US" dirty="0"/>
           </a:p>
         </p:txBody>
       </p:sp>
@@ -14196,1481 +21204,6 @@
         <p14:creationId xmlns:p14="http://schemas.microsoft.com/office/powerpoint/2010/main" val="3452368039"/>
       </p:ext>
     </p:extLst>
-  </p:cSld>
-  <p:clrMapOvr>
-    <a:masterClrMapping/>
-  </p:clrMapOvr>
-</p:sld>
-</file>
-
-<file path=ppt/slides/slide2.xml><?xml version="1.0" encoding="utf-8"?>
-<p:sld xmlns:a="http://schemas.openxmlformats.org/drawingml/2006/main" xmlns:r="http://schemas.openxmlformats.org/officeDocument/2006/relationships" xmlns:p="http://schemas.openxmlformats.org/presentationml/2006/main">
-  <p:cSld>
-    <p:bg>
-      <p:bgPr>
-        <a:solidFill>
-          <a:srgbClr val="FFFFFF"/>
-        </a:solidFill>
-        <a:effectLst/>
-      </p:bgPr>
-    </p:bg>
-    <p:spTree>
-      <p:nvGrpSpPr>
-        <p:cNvPr id="1" name="Shape 206"/>
-        <p:cNvGrpSpPr/>
-        <p:nvPr/>
-      </p:nvGrpSpPr>
-      <p:grpSpPr>
-        <a:xfrm>
-          <a:off x="0" y="0"/>
-          <a:ext cx="0" cy="0"/>
-          <a:chOff x="0" y="0"/>
-          <a:chExt cx="0" cy="0"/>
-        </a:xfrm>
-      </p:grpSpPr>
-      <p:sp>
-        <p:nvSpPr>
-          <p:cNvPr id="207" name="Google Shape;207;p33"/>
-          <p:cNvSpPr txBox="1">
-            <a:spLocks noGrp="1"/>
-          </p:cNvSpPr>
-          <p:nvPr>
-            <p:ph type="title"/>
-          </p:nvPr>
-        </p:nvSpPr>
-        <p:spPr>
-          <a:xfrm>
-            <a:off x="713225" y="350046"/>
-            <a:ext cx="8046096" cy="1058700"/>
-          </a:xfrm>
-          <a:prstGeom prst="rect">
-            <a:avLst/>
-          </a:prstGeom>
-        </p:spPr>
-        <p:txBody>
-          <a:bodyPr spcFirstLastPara="1" wrap="square" lIns="91425" tIns="91425" rIns="91425" bIns="91425" anchor="t" anchorCtr="0">
-            <a:noAutofit/>
-          </a:bodyPr>
-          <a:lstStyle/>
-          <a:p>
-            <a:pPr marL="0" lvl="0" indent="0" algn="l" rtl="0">
-              <a:spcBef>
-                <a:spcPts val="0"/>
-              </a:spcBef>
-              <a:spcAft>
-                <a:spcPts val="0"/>
-              </a:spcAft>
-              <a:buNone/>
-            </a:pPr>
-            <a:r>
-              <a:rPr lang="en" dirty="0"/>
-              <a:t>Background - Vaccinations</a:t>
-            </a:r>
-            <a:endParaRPr i="1" dirty="0"/>
-          </a:p>
-        </p:txBody>
-      </p:sp>
-      <p:sp>
-        <p:nvSpPr>
-          <p:cNvPr id="4" name="Google Shape;208;p33">
-            <a:extLst>
-              <a:ext uri="{FF2B5EF4-FFF2-40B4-BE49-F238E27FC236}">
-                <a16:creationId xmlns:a16="http://schemas.microsoft.com/office/drawing/2014/main" id="{4A0268F0-7D0F-597A-F76F-DB577CD78F7F}"/>
-              </a:ext>
-            </a:extLst>
-          </p:cNvPr>
-          <p:cNvSpPr txBox="1">
-            <a:spLocks/>
-          </p:cNvSpPr>
-          <p:nvPr/>
-        </p:nvSpPr>
-        <p:spPr>
-          <a:xfrm>
-            <a:off x="713225" y="879396"/>
-            <a:ext cx="7913941" cy="2396834"/>
-          </a:xfrm>
-          <a:prstGeom prst="rect">
-            <a:avLst/>
-          </a:prstGeom>
-          <a:noFill/>
-          <a:ln>
-            <a:noFill/>
-          </a:ln>
-        </p:spPr>
-        <p:txBody>
-          <a:bodyPr spcFirstLastPara="1" wrap="square" lIns="91425" tIns="91425" rIns="91425" bIns="91425" anchor="t" anchorCtr="0">
-            <a:noAutofit/>
-          </a:bodyPr>
-          <a:lstStyle>
-            <a:defPPr marR="0" lvl="0" algn="l" rtl="0">
-              <a:lnSpc>
-                <a:spcPct val="100000"/>
-              </a:lnSpc>
-              <a:spcBef>
-                <a:spcPts val="0"/>
-              </a:spcBef>
-              <a:spcAft>
-                <a:spcPts val="0"/>
-              </a:spcAft>
-            </a:defPPr>
-            <a:lvl1pPr marL="457200" marR="0" lvl="0" indent="-304800" algn="l" rtl="0">
-              <a:lnSpc>
-                <a:spcPct val="100000"/>
-              </a:lnSpc>
-              <a:spcBef>
-                <a:spcPts val="0"/>
-              </a:spcBef>
-              <a:spcAft>
-                <a:spcPts val="0"/>
-              </a:spcAft>
-              <a:buClr>
-                <a:schemeClr val="dk1"/>
-              </a:buClr>
-              <a:buSzPts val="1200"/>
-              <a:buFont typeface="DM Sans"/>
-              <a:buChar char="●"/>
-              <a:defRPr sz="1200" b="0" i="0" u="none" strike="noStrike" cap="none">
-                <a:solidFill>
-                  <a:schemeClr val="dk1"/>
-                </a:solidFill>
-                <a:latin typeface="DM Sans"/>
-                <a:ea typeface="DM Sans"/>
-                <a:cs typeface="DM Sans"/>
-                <a:sym typeface="DM Sans"/>
-              </a:defRPr>
-            </a:lvl1pPr>
-            <a:lvl2pPr marL="914400" marR="0" lvl="1" indent="-304800" algn="ctr" rtl="0">
-              <a:lnSpc>
-                <a:spcPct val="100000"/>
-              </a:lnSpc>
-              <a:spcBef>
-                <a:spcPts val="1000"/>
-              </a:spcBef>
-              <a:spcAft>
-                <a:spcPts val="0"/>
-              </a:spcAft>
-              <a:buClr>
-                <a:srgbClr val="E76A28"/>
-              </a:buClr>
-              <a:buSzPts val="1200"/>
-              <a:buFont typeface="DM Sans"/>
-              <a:buChar char="○"/>
-              <a:defRPr sz="1200" b="0" i="0" u="none" strike="noStrike" cap="none">
-                <a:solidFill>
-                  <a:schemeClr val="dk1"/>
-                </a:solidFill>
-                <a:latin typeface="DM Sans"/>
-                <a:ea typeface="DM Sans"/>
-                <a:cs typeface="DM Sans"/>
-                <a:sym typeface="DM Sans"/>
-              </a:defRPr>
-            </a:lvl2pPr>
-            <a:lvl3pPr marL="1371600" marR="0" lvl="2" indent="-304800" algn="ctr" rtl="0">
-              <a:lnSpc>
-                <a:spcPct val="100000"/>
-              </a:lnSpc>
-              <a:spcBef>
-                <a:spcPts val="1600"/>
-              </a:spcBef>
-              <a:spcAft>
-                <a:spcPts val="0"/>
-              </a:spcAft>
-              <a:buClr>
-                <a:srgbClr val="E76A28"/>
-              </a:buClr>
-              <a:buSzPts val="1200"/>
-              <a:buFont typeface="DM Sans"/>
-              <a:buChar char="■"/>
-              <a:defRPr sz="1200" b="0" i="0" u="none" strike="noStrike" cap="none">
-                <a:solidFill>
-                  <a:schemeClr val="dk1"/>
-                </a:solidFill>
-                <a:latin typeface="DM Sans"/>
-                <a:ea typeface="DM Sans"/>
-                <a:cs typeface="DM Sans"/>
-                <a:sym typeface="DM Sans"/>
-              </a:defRPr>
-            </a:lvl3pPr>
-            <a:lvl4pPr marL="1828800" marR="0" lvl="3" indent="-304800" algn="ctr" rtl="0">
-              <a:lnSpc>
-                <a:spcPct val="100000"/>
-              </a:lnSpc>
-              <a:spcBef>
-                <a:spcPts val="1600"/>
-              </a:spcBef>
-              <a:spcAft>
-                <a:spcPts val="0"/>
-              </a:spcAft>
-              <a:buClr>
-                <a:srgbClr val="E76A28"/>
-              </a:buClr>
-              <a:buSzPts val="1200"/>
-              <a:buFont typeface="DM Sans"/>
-              <a:buChar char="●"/>
-              <a:defRPr sz="1200" b="0" i="0" u="none" strike="noStrike" cap="none">
-                <a:solidFill>
-                  <a:schemeClr val="dk1"/>
-                </a:solidFill>
-                <a:latin typeface="DM Sans"/>
-                <a:ea typeface="DM Sans"/>
-                <a:cs typeface="DM Sans"/>
-                <a:sym typeface="DM Sans"/>
-              </a:defRPr>
-            </a:lvl4pPr>
-            <a:lvl5pPr marL="2286000" marR="0" lvl="4" indent="-304800" algn="ctr" rtl="0">
-              <a:lnSpc>
-                <a:spcPct val="100000"/>
-              </a:lnSpc>
-              <a:spcBef>
-                <a:spcPts val="1600"/>
-              </a:spcBef>
-              <a:spcAft>
-                <a:spcPts val="0"/>
-              </a:spcAft>
-              <a:buClr>
-                <a:srgbClr val="E76A28"/>
-              </a:buClr>
-              <a:buSzPts val="1200"/>
-              <a:buFont typeface="DM Sans"/>
-              <a:buChar char="○"/>
-              <a:defRPr sz="1200" b="0" i="0" u="none" strike="noStrike" cap="none">
-                <a:solidFill>
-                  <a:schemeClr val="dk1"/>
-                </a:solidFill>
-                <a:latin typeface="DM Sans"/>
-                <a:ea typeface="DM Sans"/>
-                <a:cs typeface="DM Sans"/>
-                <a:sym typeface="DM Sans"/>
-              </a:defRPr>
-            </a:lvl5pPr>
-            <a:lvl6pPr marL="2743200" marR="0" lvl="5" indent="-304800" algn="ctr" rtl="0">
-              <a:lnSpc>
-                <a:spcPct val="100000"/>
-              </a:lnSpc>
-              <a:spcBef>
-                <a:spcPts val="1600"/>
-              </a:spcBef>
-              <a:spcAft>
-                <a:spcPts val="0"/>
-              </a:spcAft>
-              <a:buClr>
-                <a:srgbClr val="999999"/>
-              </a:buClr>
-              <a:buSzPts val="1200"/>
-              <a:buFont typeface="DM Sans"/>
-              <a:buChar char="■"/>
-              <a:defRPr sz="1200" b="0" i="0" u="none" strike="noStrike" cap="none">
-                <a:solidFill>
-                  <a:schemeClr val="dk1"/>
-                </a:solidFill>
-                <a:latin typeface="DM Sans"/>
-                <a:ea typeface="DM Sans"/>
-                <a:cs typeface="DM Sans"/>
-                <a:sym typeface="DM Sans"/>
-              </a:defRPr>
-            </a:lvl6pPr>
-            <a:lvl7pPr marL="3200400" marR="0" lvl="6" indent="-304800" algn="ctr" rtl="0">
-              <a:lnSpc>
-                <a:spcPct val="100000"/>
-              </a:lnSpc>
-              <a:spcBef>
-                <a:spcPts val="1600"/>
-              </a:spcBef>
-              <a:spcAft>
-                <a:spcPts val="0"/>
-              </a:spcAft>
-              <a:buClr>
-                <a:srgbClr val="999999"/>
-              </a:buClr>
-              <a:buSzPts val="1200"/>
-              <a:buFont typeface="DM Sans"/>
-              <a:buChar char="●"/>
-              <a:defRPr sz="1200" b="0" i="0" u="none" strike="noStrike" cap="none">
-                <a:solidFill>
-                  <a:schemeClr val="dk1"/>
-                </a:solidFill>
-                <a:latin typeface="DM Sans"/>
-                <a:ea typeface="DM Sans"/>
-                <a:cs typeface="DM Sans"/>
-                <a:sym typeface="DM Sans"/>
-              </a:defRPr>
-            </a:lvl7pPr>
-            <a:lvl8pPr marL="3657600" marR="0" lvl="7" indent="-304800" algn="ctr" rtl="0">
-              <a:lnSpc>
-                <a:spcPct val="100000"/>
-              </a:lnSpc>
-              <a:spcBef>
-                <a:spcPts val="1600"/>
-              </a:spcBef>
-              <a:spcAft>
-                <a:spcPts val="0"/>
-              </a:spcAft>
-              <a:buClr>
-                <a:srgbClr val="999999"/>
-              </a:buClr>
-              <a:buSzPts val="1200"/>
-              <a:buFont typeface="DM Sans"/>
-              <a:buChar char="○"/>
-              <a:defRPr sz="1200" b="0" i="0" u="none" strike="noStrike" cap="none">
-                <a:solidFill>
-                  <a:schemeClr val="dk1"/>
-                </a:solidFill>
-                <a:latin typeface="DM Sans"/>
-                <a:ea typeface="DM Sans"/>
-                <a:cs typeface="DM Sans"/>
-                <a:sym typeface="DM Sans"/>
-              </a:defRPr>
-            </a:lvl8pPr>
-            <a:lvl9pPr marL="4114800" marR="0" lvl="8" indent="-304800" algn="ctr" rtl="0">
-              <a:lnSpc>
-                <a:spcPct val="100000"/>
-              </a:lnSpc>
-              <a:spcBef>
-                <a:spcPts val="1600"/>
-              </a:spcBef>
-              <a:spcAft>
-                <a:spcPts val="1600"/>
-              </a:spcAft>
-              <a:buClr>
-                <a:srgbClr val="999999"/>
-              </a:buClr>
-              <a:buSzPts val="1200"/>
-              <a:buFont typeface="DM Sans"/>
-              <a:buChar char="■"/>
-              <a:defRPr sz="1200" b="0" i="0" u="none" strike="noStrike" cap="none">
-                <a:solidFill>
-                  <a:schemeClr val="dk1"/>
-                </a:solidFill>
-                <a:latin typeface="DM Sans"/>
-                <a:ea typeface="DM Sans"/>
-                <a:cs typeface="DM Sans"/>
-                <a:sym typeface="DM Sans"/>
-              </a:defRPr>
-            </a:lvl9pPr>
-          </a:lstStyle>
-          <a:p>
-            <a:pPr>
-              <a:lnSpc>
-                <a:spcPts val="1000"/>
-              </a:lnSpc>
-              <a:spcBef>
-                <a:spcPts val="1000"/>
-              </a:spcBef>
-              <a:buFont typeface="Arial" panose="020B0604020202020204" pitchFamily="34" charset="0"/>
-              <a:buChar char="•"/>
-            </a:pPr>
-            <a:r>
-              <a:rPr lang="en-US" b="1" dirty="0">
-                <a:latin typeface="Aptos" panose="020B0004020202020204" pitchFamily="34" charset="0"/>
-                <a:cs typeface="Futura Medium" panose="020B0602020204020303" pitchFamily="34" charset="-79"/>
-              </a:rPr>
-              <a:t>COVID-19</a:t>
-            </a:r>
-          </a:p>
-          <a:p>
-            <a:pPr lvl="1" algn="l">
-              <a:lnSpc>
-                <a:spcPts val="1000"/>
-              </a:lnSpc>
-              <a:buClr>
-                <a:schemeClr val="tx1"/>
-              </a:buClr>
-              <a:buFont typeface="Arial" panose="020B0604020202020204" pitchFamily="34" charset="0"/>
-              <a:buChar char="•"/>
-            </a:pPr>
-            <a:r>
-              <a:rPr lang="en-US" dirty="0">
-                <a:solidFill>
-                  <a:schemeClr val="tx1"/>
-                </a:solidFill>
-                <a:latin typeface="Aptos" panose="020B0004020202020204" pitchFamily="34" charset="0"/>
-                <a:cs typeface="Futura Medium" panose="020B0602020204020303" pitchFamily="34" charset="-79"/>
-              </a:rPr>
-              <a:t>Children experience:</a:t>
-            </a:r>
-          </a:p>
-          <a:p>
-            <a:pPr lvl="2" algn="l">
-              <a:lnSpc>
-                <a:spcPts val="1000"/>
-              </a:lnSpc>
-              <a:buClr>
-                <a:schemeClr val="tx1"/>
-              </a:buClr>
-              <a:buFont typeface="Arial" panose="020B0604020202020204" pitchFamily="34" charset="0"/>
-              <a:buChar char="•"/>
-            </a:pPr>
-            <a:r>
-              <a:rPr lang="en-US" dirty="0">
-                <a:solidFill>
-                  <a:schemeClr val="tx1"/>
-                </a:solidFill>
-                <a:latin typeface="Aptos" panose="020B0004020202020204" pitchFamily="34" charset="0"/>
-                <a:cs typeface="Futura Medium" panose="020B0602020204020303" pitchFamily="34" charset="-79"/>
-              </a:rPr>
-              <a:t>65% decrease in risk of urgent care or emergency department visit in children aged 9 months to 4 years</a:t>
-            </a:r>
-          </a:p>
-          <a:p>
-            <a:pPr lvl="2" algn="l">
-              <a:lnSpc>
-                <a:spcPts val="1000"/>
-              </a:lnSpc>
-              <a:buClr>
-                <a:schemeClr val="tx1"/>
-              </a:buClr>
-              <a:buFont typeface="Arial" panose="020B0604020202020204" pitchFamily="34" charset="0"/>
-              <a:buChar char="•"/>
-            </a:pPr>
-            <a:r>
-              <a:rPr lang="en-US" dirty="0">
-                <a:solidFill>
-                  <a:schemeClr val="tx1"/>
-                </a:solidFill>
-                <a:latin typeface="Aptos" panose="020B0004020202020204" pitchFamily="34" charset="0"/>
-                <a:cs typeface="Futura Medium" panose="020B0602020204020303" pitchFamily="34" charset="-79"/>
-              </a:rPr>
-              <a:t>70</a:t>
-            </a:r>
-            <a:r>
-              <a:rPr lang="en-US" dirty="0">
-                <a:solidFill>
-                  <a:schemeClr val="tx1"/>
-                </a:solidFill>
-                <a:latin typeface="Aptos" panose="020B0004020202020204" pitchFamily="34" charset="0"/>
-                <a:cs typeface="Futura Medium" panose="020B0602020204020303" pitchFamily="34" charset="-79"/>
-              </a:rPr>
-              <a:t>% decrease in risk of urgent care or emergency department visit in children aged 5-17 </a:t>
-            </a:r>
-            <a:r>
-              <a:rPr lang="en-US" dirty="0">
-                <a:solidFill>
-                  <a:schemeClr val="tx1"/>
-                </a:solidFill>
-                <a:latin typeface="Aptos" panose="020B0004020202020204" pitchFamily="34" charset="0"/>
-                <a:cs typeface="Futura Medium" panose="020B0602020204020303" pitchFamily="34" charset="-79"/>
-              </a:rPr>
-              <a:t>years</a:t>
-            </a:r>
-          </a:p>
-          <a:p>
-            <a:pPr lvl="1" algn="l">
-              <a:lnSpc>
-                <a:spcPts val="1000"/>
-              </a:lnSpc>
-              <a:buClr>
-                <a:schemeClr val="tx1"/>
-              </a:buClr>
-              <a:buFont typeface="Arial" panose="020B0604020202020204" pitchFamily="34" charset="0"/>
-              <a:buChar char="•"/>
-            </a:pPr>
-            <a:r>
-              <a:rPr lang="en-US" dirty="0">
-                <a:solidFill>
-                  <a:schemeClr val="tx1"/>
-                </a:solidFill>
-                <a:latin typeface="Aptos" panose="020B0004020202020204" pitchFamily="34" charset="0"/>
-                <a:cs typeface="Futura Medium" panose="020B0602020204020303" pitchFamily="34" charset="-79"/>
-              </a:rPr>
-              <a:t>Adults experience:</a:t>
-            </a:r>
-          </a:p>
-          <a:p>
-            <a:pPr lvl="2" algn="l">
-              <a:lnSpc>
-                <a:spcPts val="1000"/>
-              </a:lnSpc>
-              <a:buClr>
-                <a:schemeClr val="tx1"/>
-              </a:buClr>
-              <a:buFont typeface="Arial" panose="020B0604020202020204" pitchFamily="34" charset="0"/>
-              <a:buChar char="•"/>
-            </a:pPr>
-            <a:r>
-              <a:rPr lang="en-US" dirty="0">
-                <a:solidFill>
-                  <a:schemeClr val="tx1"/>
-                </a:solidFill>
-                <a:latin typeface="Aptos" panose="020B0004020202020204" pitchFamily="34" charset="0"/>
-                <a:cs typeface="Futura Medium" panose="020B0602020204020303" pitchFamily="34" charset="-79"/>
-              </a:rPr>
-              <a:t>70% decrease in risk of critical illness</a:t>
-            </a:r>
-          </a:p>
-          <a:p>
-            <a:pPr lvl="2" algn="l">
-              <a:lnSpc>
-                <a:spcPts val="1000"/>
-              </a:lnSpc>
-              <a:buClr>
-                <a:schemeClr val="tx1"/>
-              </a:buClr>
-              <a:buFont typeface="Arial" panose="020B0604020202020204" pitchFamily="34" charset="0"/>
-              <a:buChar char="•"/>
-            </a:pPr>
-            <a:r>
-              <a:rPr lang="en-US" dirty="0">
-                <a:solidFill>
-                  <a:schemeClr val="tx1"/>
-                </a:solidFill>
-                <a:latin typeface="Aptos" panose="020B0004020202020204" pitchFamily="34" charset="0"/>
-                <a:cs typeface="Futura Medium" panose="020B0602020204020303" pitchFamily="34" charset="-79"/>
-              </a:rPr>
-              <a:t>50% decrease in risk of hospitalization</a:t>
-            </a:r>
-            <a:endParaRPr lang="en-US" dirty="0">
-              <a:solidFill>
-                <a:schemeClr val="tx1"/>
-              </a:solidFill>
-              <a:latin typeface="Aptos" panose="020B0004020202020204" pitchFamily="34" charset="0"/>
-              <a:cs typeface="Futura Medium" panose="020B0602020204020303" pitchFamily="34" charset="-79"/>
-            </a:endParaRPr>
-          </a:p>
-          <a:p>
-            <a:pPr lvl="1" algn="l">
-              <a:buClr>
-                <a:schemeClr val="tx1"/>
-              </a:buClr>
-              <a:buFont typeface="Arial" panose="020B0604020202020204" pitchFamily="34" charset="0"/>
-              <a:buChar char="•"/>
-            </a:pPr>
-            <a:endParaRPr lang="en-US" dirty="0">
-              <a:solidFill>
-                <a:schemeClr val="tx1"/>
-              </a:solidFill>
-              <a:latin typeface="Aptos" panose="020B0004020202020204" pitchFamily="34" charset="0"/>
-              <a:cs typeface="Futura Medium" panose="020B0602020204020303" pitchFamily="34" charset="-79"/>
-            </a:endParaRPr>
-          </a:p>
-          <a:p>
-            <a:pPr>
-              <a:lnSpc>
-                <a:spcPts val="1000"/>
-              </a:lnSpc>
-              <a:buClr>
-                <a:schemeClr val="tx1"/>
-              </a:buClr>
-              <a:buFont typeface="Arial" panose="020B0604020202020204" pitchFamily="34" charset="0"/>
-              <a:buChar char="•"/>
-            </a:pPr>
-            <a:endParaRPr lang="en-US" dirty="0">
-              <a:solidFill>
-                <a:schemeClr val="tx1"/>
-              </a:solidFill>
-              <a:latin typeface="Aptos" panose="020B0004020202020204" pitchFamily="34" charset="0"/>
-              <a:cs typeface="Futura Medium" panose="020B0602020204020303" pitchFamily="34" charset="-79"/>
-            </a:endParaRPr>
-          </a:p>
-        </p:txBody>
-      </p:sp>
-      <p:sp>
-        <p:nvSpPr>
-          <p:cNvPr id="5" name="Subtitle 2">
-            <a:extLst>
-              <a:ext uri="{FF2B5EF4-FFF2-40B4-BE49-F238E27FC236}">
-                <a16:creationId xmlns:a16="http://schemas.microsoft.com/office/drawing/2014/main" id="{C2B31399-2766-6DEC-4BB9-8DC7BA7D782C}"/>
-              </a:ext>
-            </a:extLst>
-          </p:cNvPr>
-          <p:cNvSpPr txBox="1">
-            <a:spLocks/>
-          </p:cNvSpPr>
-          <p:nvPr/>
-        </p:nvSpPr>
-        <p:spPr>
-          <a:xfrm>
-            <a:off x="7564607" y="4669661"/>
-            <a:ext cx="1194714" cy="247585"/>
-          </a:xfrm>
-          <a:prstGeom prst="rect">
-            <a:avLst/>
-          </a:prstGeom>
-          <a:noFill/>
-          <a:ln>
-            <a:noFill/>
-          </a:ln>
-        </p:spPr>
-        <p:txBody>
-          <a:bodyPr spcFirstLastPara="1" wrap="square" lIns="91425" tIns="91425" rIns="91425" bIns="91425" anchor="t" anchorCtr="0">
-            <a:noAutofit/>
-          </a:bodyPr>
-          <a:lstStyle>
-            <a:defPPr marR="0" lvl="0" algn="l" rtl="0">
-              <a:lnSpc>
-                <a:spcPct val="100000"/>
-              </a:lnSpc>
-              <a:spcBef>
-                <a:spcPts val="0"/>
-              </a:spcBef>
-              <a:spcAft>
-                <a:spcPts val="0"/>
-              </a:spcAft>
-            </a:defPPr>
-            <a:lvl1pPr marL="457200" marR="0" lvl="0" indent="-304800" algn="l" rtl="0">
-              <a:lnSpc>
-                <a:spcPct val="100000"/>
-              </a:lnSpc>
-              <a:spcBef>
-                <a:spcPts val="0"/>
-              </a:spcBef>
-              <a:spcAft>
-                <a:spcPts val="0"/>
-              </a:spcAft>
-              <a:buClr>
-                <a:schemeClr val="dk1"/>
-              </a:buClr>
-              <a:buSzPts val="1200"/>
-              <a:buFont typeface="DM Sans"/>
-              <a:buChar char="●"/>
-              <a:defRPr sz="1200" b="0" i="0" u="none" strike="noStrike" cap="none">
-                <a:solidFill>
-                  <a:schemeClr val="dk1"/>
-                </a:solidFill>
-                <a:latin typeface="DM Sans"/>
-                <a:ea typeface="DM Sans"/>
-                <a:cs typeface="DM Sans"/>
-                <a:sym typeface="DM Sans"/>
-              </a:defRPr>
-            </a:lvl1pPr>
-            <a:lvl2pPr marL="914400" marR="0" lvl="1" indent="-304800" algn="ctr" rtl="0">
-              <a:lnSpc>
-                <a:spcPct val="100000"/>
-              </a:lnSpc>
-              <a:spcBef>
-                <a:spcPts val="1000"/>
-              </a:spcBef>
-              <a:spcAft>
-                <a:spcPts val="0"/>
-              </a:spcAft>
-              <a:buClr>
-                <a:srgbClr val="E76A28"/>
-              </a:buClr>
-              <a:buSzPts val="1200"/>
-              <a:buFont typeface="DM Sans"/>
-              <a:buChar char="○"/>
-              <a:defRPr sz="1200" b="0" i="0" u="none" strike="noStrike" cap="none">
-                <a:solidFill>
-                  <a:schemeClr val="dk1"/>
-                </a:solidFill>
-                <a:latin typeface="DM Sans"/>
-                <a:ea typeface="DM Sans"/>
-                <a:cs typeface="DM Sans"/>
-                <a:sym typeface="DM Sans"/>
-              </a:defRPr>
-            </a:lvl2pPr>
-            <a:lvl3pPr marL="1371600" marR="0" lvl="2" indent="-304800" algn="ctr" rtl="0">
-              <a:lnSpc>
-                <a:spcPct val="100000"/>
-              </a:lnSpc>
-              <a:spcBef>
-                <a:spcPts val="1600"/>
-              </a:spcBef>
-              <a:spcAft>
-                <a:spcPts val="0"/>
-              </a:spcAft>
-              <a:buClr>
-                <a:srgbClr val="E76A28"/>
-              </a:buClr>
-              <a:buSzPts val="1200"/>
-              <a:buFont typeface="DM Sans"/>
-              <a:buChar char="■"/>
-              <a:defRPr sz="1200" b="0" i="0" u="none" strike="noStrike" cap="none">
-                <a:solidFill>
-                  <a:schemeClr val="dk1"/>
-                </a:solidFill>
-                <a:latin typeface="DM Sans"/>
-                <a:ea typeface="DM Sans"/>
-                <a:cs typeface="DM Sans"/>
-                <a:sym typeface="DM Sans"/>
-              </a:defRPr>
-            </a:lvl3pPr>
-            <a:lvl4pPr marL="1828800" marR="0" lvl="3" indent="-304800" algn="ctr" rtl="0">
-              <a:lnSpc>
-                <a:spcPct val="100000"/>
-              </a:lnSpc>
-              <a:spcBef>
-                <a:spcPts val="1600"/>
-              </a:spcBef>
-              <a:spcAft>
-                <a:spcPts val="0"/>
-              </a:spcAft>
-              <a:buClr>
-                <a:srgbClr val="E76A28"/>
-              </a:buClr>
-              <a:buSzPts val="1200"/>
-              <a:buFont typeface="DM Sans"/>
-              <a:buChar char="●"/>
-              <a:defRPr sz="1200" b="0" i="0" u="none" strike="noStrike" cap="none">
-                <a:solidFill>
-                  <a:schemeClr val="dk1"/>
-                </a:solidFill>
-                <a:latin typeface="DM Sans"/>
-                <a:ea typeface="DM Sans"/>
-                <a:cs typeface="DM Sans"/>
-                <a:sym typeface="DM Sans"/>
-              </a:defRPr>
-            </a:lvl4pPr>
-            <a:lvl5pPr marL="2286000" marR="0" lvl="4" indent="-304800" algn="ctr" rtl="0">
-              <a:lnSpc>
-                <a:spcPct val="100000"/>
-              </a:lnSpc>
-              <a:spcBef>
-                <a:spcPts val="1600"/>
-              </a:spcBef>
-              <a:spcAft>
-                <a:spcPts val="0"/>
-              </a:spcAft>
-              <a:buClr>
-                <a:srgbClr val="E76A28"/>
-              </a:buClr>
-              <a:buSzPts val="1200"/>
-              <a:buFont typeface="DM Sans"/>
-              <a:buChar char="○"/>
-              <a:defRPr sz="1200" b="0" i="0" u="none" strike="noStrike" cap="none">
-                <a:solidFill>
-                  <a:schemeClr val="dk1"/>
-                </a:solidFill>
-                <a:latin typeface="DM Sans"/>
-                <a:ea typeface="DM Sans"/>
-                <a:cs typeface="DM Sans"/>
-                <a:sym typeface="DM Sans"/>
-              </a:defRPr>
-            </a:lvl5pPr>
-            <a:lvl6pPr marL="2743200" marR="0" lvl="5" indent="-304800" algn="ctr" rtl="0">
-              <a:lnSpc>
-                <a:spcPct val="100000"/>
-              </a:lnSpc>
-              <a:spcBef>
-                <a:spcPts val="1600"/>
-              </a:spcBef>
-              <a:spcAft>
-                <a:spcPts val="0"/>
-              </a:spcAft>
-              <a:buClr>
-                <a:srgbClr val="999999"/>
-              </a:buClr>
-              <a:buSzPts val="1200"/>
-              <a:buFont typeface="DM Sans"/>
-              <a:buChar char="■"/>
-              <a:defRPr sz="1200" b="0" i="0" u="none" strike="noStrike" cap="none">
-                <a:solidFill>
-                  <a:schemeClr val="dk1"/>
-                </a:solidFill>
-                <a:latin typeface="DM Sans"/>
-                <a:ea typeface="DM Sans"/>
-                <a:cs typeface="DM Sans"/>
-                <a:sym typeface="DM Sans"/>
-              </a:defRPr>
-            </a:lvl6pPr>
-            <a:lvl7pPr marL="3200400" marR="0" lvl="6" indent="-304800" algn="ctr" rtl="0">
-              <a:lnSpc>
-                <a:spcPct val="100000"/>
-              </a:lnSpc>
-              <a:spcBef>
-                <a:spcPts val="1600"/>
-              </a:spcBef>
-              <a:spcAft>
-                <a:spcPts val="0"/>
-              </a:spcAft>
-              <a:buClr>
-                <a:srgbClr val="999999"/>
-              </a:buClr>
-              <a:buSzPts val="1200"/>
-              <a:buFont typeface="DM Sans"/>
-              <a:buChar char="●"/>
-              <a:defRPr sz="1200" b="0" i="0" u="none" strike="noStrike" cap="none">
-                <a:solidFill>
-                  <a:schemeClr val="dk1"/>
-                </a:solidFill>
-                <a:latin typeface="DM Sans"/>
-                <a:ea typeface="DM Sans"/>
-                <a:cs typeface="DM Sans"/>
-                <a:sym typeface="DM Sans"/>
-              </a:defRPr>
-            </a:lvl7pPr>
-            <a:lvl8pPr marL="3657600" marR="0" lvl="7" indent="-304800" algn="ctr" rtl="0">
-              <a:lnSpc>
-                <a:spcPct val="100000"/>
-              </a:lnSpc>
-              <a:spcBef>
-                <a:spcPts val="1600"/>
-              </a:spcBef>
-              <a:spcAft>
-                <a:spcPts val="0"/>
-              </a:spcAft>
-              <a:buClr>
-                <a:srgbClr val="999999"/>
-              </a:buClr>
-              <a:buSzPts val="1200"/>
-              <a:buFont typeface="DM Sans"/>
-              <a:buChar char="○"/>
-              <a:defRPr sz="1200" b="0" i="0" u="none" strike="noStrike" cap="none">
-                <a:solidFill>
-                  <a:schemeClr val="dk1"/>
-                </a:solidFill>
-                <a:latin typeface="DM Sans"/>
-                <a:ea typeface="DM Sans"/>
-                <a:cs typeface="DM Sans"/>
-                <a:sym typeface="DM Sans"/>
-              </a:defRPr>
-            </a:lvl8pPr>
-            <a:lvl9pPr marL="4114800" marR="0" lvl="8" indent="-304800" algn="ctr" rtl="0">
-              <a:lnSpc>
-                <a:spcPct val="100000"/>
-              </a:lnSpc>
-              <a:spcBef>
-                <a:spcPts val="1600"/>
-              </a:spcBef>
-              <a:spcAft>
-                <a:spcPts val="1600"/>
-              </a:spcAft>
-              <a:buClr>
-                <a:srgbClr val="999999"/>
-              </a:buClr>
-              <a:buSzPts val="1200"/>
-              <a:buFont typeface="DM Sans"/>
-              <a:buChar char="■"/>
-              <a:defRPr sz="1200" b="0" i="0" u="none" strike="noStrike" cap="none">
-                <a:solidFill>
-                  <a:schemeClr val="dk1"/>
-                </a:solidFill>
-                <a:latin typeface="DM Sans"/>
-                <a:ea typeface="DM Sans"/>
-                <a:cs typeface="DM Sans"/>
-                <a:sym typeface="DM Sans"/>
-              </a:defRPr>
-            </a:lvl9pPr>
-          </a:lstStyle>
-          <a:p>
-            <a:pPr marL="152400" indent="0" algn="r">
-              <a:buNone/>
-            </a:pPr>
-            <a:r>
-              <a:rPr lang="en-US" sz="1000" dirty="0"/>
-              <a:t>CDC, 2025</a:t>
-            </a:r>
-          </a:p>
-        </p:txBody>
-      </p:sp>
-      <p:sp>
-        <p:nvSpPr>
-          <p:cNvPr id="7" name="Google Shape;208;p33">
-            <a:extLst>
-              <a:ext uri="{FF2B5EF4-FFF2-40B4-BE49-F238E27FC236}">
-                <a16:creationId xmlns:a16="http://schemas.microsoft.com/office/drawing/2014/main" id="{CCFFE039-576D-369C-ADD3-32193668F651}"/>
-              </a:ext>
-            </a:extLst>
-          </p:cNvPr>
-          <p:cNvSpPr txBox="1">
-            <a:spLocks/>
-          </p:cNvSpPr>
-          <p:nvPr/>
-        </p:nvSpPr>
-        <p:spPr>
-          <a:xfrm>
-            <a:off x="779302" y="3176839"/>
-            <a:ext cx="7913941" cy="2396834"/>
-          </a:xfrm>
-          <a:prstGeom prst="rect">
-            <a:avLst/>
-          </a:prstGeom>
-          <a:noFill/>
-          <a:ln>
-            <a:noFill/>
-          </a:ln>
-        </p:spPr>
-        <p:txBody>
-          <a:bodyPr spcFirstLastPara="1" wrap="square" lIns="91425" tIns="91425" rIns="91425" bIns="91425" anchor="t" anchorCtr="0">
-            <a:noAutofit/>
-          </a:bodyPr>
-          <a:lstStyle>
-            <a:defPPr marR="0" lvl="0" algn="l" rtl="0">
-              <a:lnSpc>
-                <a:spcPct val="100000"/>
-              </a:lnSpc>
-              <a:spcBef>
-                <a:spcPts val="0"/>
-              </a:spcBef>
-              <a:spcAft>
-                <a:spcPts val="0"/>
-              </a:spcAft>
-            </a:defPPr>
-            <a:lvl1pPr marL="457200" marR="0" lvl="0" indent="-304800" algn="l" rtl="0">
-              <a:lnSpc>
-                <a:spcPct val="100000"/>
-              </a:lnSpc>
-              <a:spcBef>
-                <a:spcPts val="0"/>
-              </a:spcBef>
-              <a:spcAft>
-                <a:spcPts val="0"/>
-              </a:spcAft>
-              <a:buClr>
-                <a:schemeClr val="dk1"/>
-              </a:buClr>
-              <a:buSzPts val="1200"/>
-              <a:buFont typeface="DM Sans"/>
-              <a:buChar char="●"/>
-              <a:defRPr sz="1200" b="0" i="0" u="none" strike="noStrike" cap="none">
-                <a:solidFill>
-                  <a:schemeClr val="dk1"/>
-                </a:solidFill>
-                <a:latin typeface="DM Sans"/>
-                <a:ea typeface="DM Sans"/>
-                <a:cs typeface="DM Sans"/>
-                <a:sym typeface="DM Sans"/>
-              </a:defRPr>
-            </a:lvl1pPr>
-            <a:lvl2pPr marL="914400" marR="0" lvl="1" indent="-304800" algn="ctr" rtl="0">
-              <a:lnSpc>
-                <a:spcPct val="100000"/>
-              </a:lnSpc>
-              <a:spcBef>
-                <a:spcPts val="1000"/>
-              </a:spcBef>
-              <a:spcAft>
-                <a:spcPts val="0"/>
-              </a:spcAft>
-              <a:buClr>
-                <a:srgbClr val="E76A28"/>
-              </a:buClr>
-              <a:buSzPts val="1200"/>
-              <a:buFont typeface="DM Sans"/>
-              <a:buChar char="○"/>
-              <a:defRPr sz="1200" b="0" i="0" u="none" strike="noStrike" cap="none">
-                <a:solidFill>
-                  <a:schemeClr val="dk1"/>
-                </a:solidFill>
-                <a:latin typeface="DM Sans"/>
-                <a:ea typeface="DM Sans"/>
-                <a:cs typeface="DM Sans"/>
-                <a:sym typeface="DM Sans"/>
-              </a:defRPr>
-            </a:lvl2pPr>
-            <a:lvl3pPr marL="1371600" marR="0" lvl="2" indent="-304800" algn="ctr" rtl="0">
-              <a:lnSpc>
-                <a:spcPct val="100000"/>
-              </a:lnSpc>
-              <a:spcBef>
-                <a:spcPts val="1600"/>
-              </a:spcBef>
-              <a:spcAft>
-                <a:spcPts val="0"/>
-              </a:spcAft>
-              <a:buClr>
-                <a:srgbClr val="E76A28"/>
-              </a:buClr>
-              <a:buSzPts val="1200"/>
-              <a:buFont typeface="DM Sans"/>
-              <a:buChar char="■"/>
-              <a:defRPr sz="1200" b="0" i="0" u="none" strike="noStrike" cap="none">
-                <a:solidFill>
-                  <a:schemeClr val="dk1"/>
-                </a:solidFill>
-                <a:latin typeface="DM Sans"/>
-                <a:ea typeface="DM Sans"/>
-                <a:cs typeface="DM Sans"/>
-                <a:sym typeface="DM Sans"/>
-              </a:defRPr>
-            </a:lvl3pPr>
-            <a:lvl4pPr marL="1828800" marR="0" lvl="3" indent="-304800" algn="ctr" rtl="0">
-              <a:lnSpc>
-                <a:spcPct val="100000"/>
-              </a:lnSpc>
-              <a:spcBef>
-                <a:spcPts val="1600"/>
-              </a:spcBef>
-              <a:spcAft>
-                <a:spcPts val="0"/>
-              </a:spcAft>
-              <a:buClr>
-                <a:srgbClr val="E76A28"/>
-              </a:buClr>
-              <a:buSzPts val="1200"/>
-              <a:buFont typeface="DM Sans"/>
-              <a:buChar char="●"/>
-              <a:defRPr sz="1200" b="0" i="0" u="none" strike="noStrike" cap="none">
-                <a:solidFill>
-                  <a:schemeClr val="dk1"/>
-                </a:solidFill>
-                <a:latin typeface="DM Sans"/>
-                <a:ea typeface="DM Sans"/>
-                <a:cs typeface="DM Sans"/>
-                <a:sym typeface="DM Sans"/>
-              </a:defRPr>
-            </a:lvl4pPr>
-            <a:lvl5pPr marL="2286000" marR="0" lvl="4" indent="-304800" algn="ctr" rtl="0">
-              <a:lnSpc>
-                <a:spcPct val="100000"/>
-              </a:lnSpc>
-              <a:spcBef>
-                <a:spcPts val="1600"/>
-              </a:spcBef>
-              <a:spcAft>
-                <a:spcPts val="0"/>
-              </a:spcAft>
-              <a:buClr>
-                <a:srgbClr val="E76A28"/>
-              </a:buClr>
-              <a:buSzPts val="1200"/>
-              <a:buFont typeface="DM Sans"/>
-              <a:buChar char="○"/>
-              <a:defRPr sz="1200" b="0" i="0" u="none" strike="noStrike" cap="none">
-                <a:solidFill>
-                  <a:schemeClr val="dk1"/>
-                </a:solidFill>
-                <a:latin typeface="DM Sans"/>
-                <a:ea typeface="DM Sans"/>
-                <a:cs typeface="DM Sans"/>
-                <a:sym typeface="DM Sans"/>
-              </a:defRPr>
-            </a:lvl5pPr>
-            <a:lvl6pPr marL="2743200" marR="0" lvl="5" indent="-304800" algn="ctr" rtl="0">
-              <a:lnSpc>
-                <a:spcPct val="100000"/>
-              </a:lnSpc>
-              <a:spcBef>
-                <a:spcPts val="1600"/>
-              </a:spcBef>
-              <a:spcAft>
-                <a:spcPts val="0"/>
-              </a:spcAft>
-              <a:buClr>
-                <a:srgbClr val="999999"/>
-              </a:buClr>
-              <a:buSzPts val="1200"/>
-              <a:buFont typeface="DM Sans"/>
-              <a:buChar char="■"/>
-              <a:defRPr sz="1200" b="0" i="0" u="none" strike="noStrike" cap="none">
-                <a:solidFill>
-                  <a:schemeClr val="dk1"/>
-                </a:solidFill>
-                <a:latin typeface="DM Sans"/>
-                <a:ea typeface="DM Sans"/>
-                <a:cs typeface="DM Sans"/>
-                <a:sym typeface="DM Sans"/>
-              </a:defRPr>
-            </a:lvl6pPr>
-            <a:lvl7pPr marL="3200400" marR="0" lvl="6" indent="-304800" algn="ctr" rtl="0">
-              <a:lnSpc>
-                <a:spcPct val="100000"/>
-              </a:lnSpc>
-              <a:spcBef>
-                <a:spcPts val="1600"/>
-              </a:spcBef>
-              <a:spcAft>
-                <a:spcPts val="0"/>
-              </a:spcAft>
-              <a:buClr>
-                <a:srgbClr val="999999"/>
-              </a:buClr>
-              <a:buSzPts val="1200"/>
-              <a:buFont typeface="DM Sans"/>
-              <a:buChar char="●"/>
-              <a:defRPr sz="1200" b="0" i="0" u="none" strike="noStrike" cap="none">
-                <a:solidFill>
-                  <a:schemeClr val="dk1"/>
-                </a:solidFill>
-                <a:latin typeface="DM Sans"/>
-                <a:ea typeface="DM Sans"/>
-                <a:cs typeface="DM Sans"/>
-                <a:sym typeface="DM Sans"/>
-              </a:defRPr>
-            </a:lvl7pPr>
-            <a:lvl8pPr marL="3657600" marR="0" lvl="7" indent="-304800" algn="ctr" rtl="0">
-              <a:lnSpc>
-                <a:spcPct val="100000"/>
-              </a:lnSpc>
-              <a:spcBef>
-                <a:spcPts val="1600"/>
-              </a:spcBef>
-              <a:spcAft>
-                <a:spcPts val="0"/>
-              </a:spcAft>
-              <a:buClr>
-                <a:srgbClr val="999999"/>
-              </a:buClr>
-              <a:buSzPts val="1200"/>
-              <a:buFont typeface="DM Sans"/>
-              <a:buChar char="○"/>
-              <a:defRPr sz="1200" b="0" i="0" u="none" strike="noStrike" cap="none">
-                <a:solidFill>
-                  <a:schemeClr val="dk1"/>
-                </a:solidFill>
-                <a:latin typeface="DM Sans"/>
-                <a:ea typeface="DM Sans"/>
-                <a:cs typeface="DM Sans"/>
-                <a:sym typeface="DM Sans"/>
-              </a:defRPr>
-            </a:lvl8pPr>
-            <a:lvl9pPr marL="4114800" marR="0" lvl="8" indent="-304800" algn="ctr" rtl="0">
-              <a:lnSpc>
-                <a:spcPct val="100000"/>
-              </a:lnSpc>
-              <a:spcBef>
-                <a:spcPts val="1600"/>
-              </a:spcBef>
-              <a:spcAft>
-                <a:spcPts val="1600"/>
-              </a:spcAft>
-              <a:buClr>
-                <a:srgbClr val="999999"/>
-              </a:buClr>
-              <a:buSzPts val="1200"/>
-              <a:buFont typeface="DM Sans"/>
-              <a:buChar char="■"/>
-              <a:defRPr sz="1200" b="0" i="0" u="none" strike="noStrike" cap="none">
-                <a:solidFill>
-                  <a:schemeClr val="dk1"/>
-                </a:solidFill>
-                <a:latin typeface="DM Sans"/>
-                <a:ea typeface="DM Sans"/>
-                <a:cs typeface="DM Sans"/>
-                <a:sym typeface="DM Sans"/>
-              </a:defRPr>
-            </a:lvl9pPr>
-          </a:lstStyle>
-          <a:p>
-            <a:pPr>
-              <a:lnSpc>
-                <a:spcPts val="1000"/>
-              </a:lnSpc>
-              <a:spcBef>
-                <a:spcPts val="1000"/>
-              </a:spcBef>
-              <a:buFont typeface="Arial" panose="020B0604020202020204" pitchFamily="34" charset="0"/>
-              <a:buChar char="•"/>
-            </a:pPr>
-            <a:r>
-              <a:rPr lang="en-US" b="1" dirty="0">
-                <a:latin typeface="Aptos" panose="020B0004020202020204" pitchFamily="34" charset="0"/>
-                <a:cs typeface="Futura Medium" panose="020B0602020204020303" pitchFamily="34" charset="-79"/>
-              </a:rPr>
-              <a:t>Flu</a:t>
-            </a:r>
-          </a:p>
-          <a:p>
-            <a:pPr lvl="1" algn="l">
-              <a:lnSpc>
-                <a:spcPts val="1000"/>
-              </a:lnSpc>
-              <a:buClr>
-                <a:schemeClr val="tx1"/>
-              </a:buClr>
-              <a:buFont typeface="Arial" panose="020B0604020202020204" pitchFamily="34" charset="0"/>
-              <a:buChar char="•"/>
-            </a:pPr>
-            <a:r>
-              <a:rPr lang="en-US" dirty="0">
-                <a:solidFill>
-                  <a:schemeClr val="tx1"/>
-                </a:solidFill>
-                <a:latin typeface="Aptos" panose="020B0004020202020204" pitchFamily="34" charset="0"/>
-                <a:cs typeface="Futura Medium" panose="020B0602020204020303" pitchFamily="34" charset="-79"/>
-              </a:rPr>
-              <a:t>Children experience:</a:t>
-            </a:r>
-          </a:p>
-          <a:p>
-            <a:pPr lvl="2" algn="l">
-              <a:lnSpc>
-                <a:spcPts val="1000"/>
-              </a:lnSpc>
-              <a:buClr>
-                <a:schemeClr val="tx1"/>
-              </a:buClr>
-              <a:buFont typeface="Arial" panose="020B0604020202020204" pitchFamily="34" charset="0"/>
-              <a:buChar char="•"/>
-            </a:pPr>
-            <a:r>
-              <a:rPr lang="en-US" dirty="0">
-                <a:solidFill>
-                  <a:schemeClr val="tx1"/>
-                </a:solidFill>
-                <a:latin typeface="Aptos" panose="020B0004020202020204" pitchFamily="34" charset="0"/>
-                <a:cs typeface="Futura Medium" panose="020B0602020204020303" pitchFamily="34" charset="-79"/>
-              </a:rPr>
-              <a:t> 75% </a:t>
-            </a:r>
-            <a:r>
-              <a:rPr lang="en-US" b="0" i="0" dirty="0">
-                <a:solidFill>
-                  <a:srgbClr val="1C1D1F"/>
-                </a:solidFill>
-                <a:effectLst/>
-                <a:latin typeface="Nunito" panose="020F0502020204030204" pitchFamily="34" charset="0"/>
-              </a:rPr>
-              <a:t>decrease in risk of severe life-threatening influenza </a:t>
-            </a:r>
-            <a:endParaRPr lang="en-US" dirty="0">
-              <a:solidFill>
-                <a:srgbClr val="1C1D1F"/>
-              </a:solidFill>
-              <a:latin typeface="Nunito" panose="020F0502020204030204" pitchFamily="34" charset="0"/>
-            </a:endParaRPr>
-          </a:p>
-          <a:p>
-            <a:pPr lvl="1" algn="l">
-              <a:lnSpc>
-                <a:spcPts val="1000"/>
-              </a:lnSpc>
-              <a:buClr>
-                <a:schemeClr val="tx1"/>
-              </a:buClr>
-              <a:buFont typeface="Arial" panose="020B0604020202020204" pitchFamily="34" charset="0"/>
-              <a:buChar char="•"/>
-            </a:pPr>
-            <a:r>
-              <a:rPr lang="en-US" dirty="0">
-                <a:solidFill>
-                  <a:schemeClr val="tx1"/>
-                </a:solidFill>
-                <a:latin typeface="Aptos" panose="020B0004020202020204" pitchFamily="34" charset="0"/>
-                <a:cs typeface="Futura Medium" panose="020B0602020204020303" pitchFamily="34" charset="-79"/>
-              </a:rPr>
-              <a:t>Adults experience:</a:t>
-            </a:r>
-          </a:p>
-          <a:p>
-            <a:pPr lvl="2" algn="l">
-              <a:lnSpc>
-                <a:spcPts val="1000"/>
-              </a:lnSpc>
-              <a:buClr>
-                <a:schemeClr val="tx1"/>
-              </a:buClr>
-              <a:buFont typeface="Arial" panose="020B0604020202020204" pitchFamily="34" charset="0"/>
-              <a:buChar char="•"/>
-            </a:pPr>
-            <a:r>
-              <a:rPr lang="en-US" dirty="0">
-                <a:solidFill>
-                  <a:schemeClr val="tx1"/>
-                </a:solidFill>
-                <a:latin typeface="Aptos" panose="020B0004020202020204" pitchFamily="34" charset="0"/>
-                <a:cs typeface="Futura Medium" panose="020B0602020204020303" pitchFamily="34" charset="-79"/>
-              </a:rPr>
-              <a:t> 82% decrease in risk of ICU admission</a:t>
-            </a:r>
-            <a:endParaRPr lang="en-US" dirty="0">
-              <a:solidFill>
-                <a:schemeClr val="tx1"/>
-              </a:solidFill>
-              <a:latin typeface="Aptos" panose="020B0004020202020204" pitchFamily="34" charset="0"/>
-              <a:cs typeface="Futura Medium" panose="020B0602020204020303" pitchFamily="34" charset="-79"/>
-            </a:endParaRPr>
-          </a:p>
-          <a:p>
-            <a:pPr>
-              <a:lnSpc>
-                <a:spcPts val="1000"/>
-              </a:lnSpc>
-              <a:buClr>
-                <a:schemeClr val="tx1"/>
-              </a:buClr>
-              <a:buFont typeface="Arial" panose="020B0604020202020204" pitchFamily="34" charset="0"/>
-              <a:buChar char="•"/>
-            </a:pPr>
-            <a:endParaRPr lang="en-US" dirty="0">
-              <a:solidFill>
-                <a:schemeClr val="tx1"/>
-              </a:solidFill>
-              <a:latin typeface="Aptos" panose="020B0004020202020204" pitchFamily="34" charset="0"/>
-              <a:cs typeface="Futura Medium" panose="020B0602020204020303" pitchFamily="34" charset="-79"/>
-            </a:endParaRPr>
-          </a:p>
-        </p:txBody>
-      </p:sp>
-      <p:graphicFrame>
-        <p:nvGraphicFramePr>
-          <p:cNvPr id="8" name="Table 7">
-            <a:extLst>
-              <a:ext uri="{FF2B5EF4-FFF2-40B4-BE49-F238E27FC236}">
-                <a16:creationId xmlns:a16="http://schemas.microsoft.com/office/drawing/2014/main" id="{C9EC405C-8F1E-4BD8-3300-6877438A8589}"/>
-              </a:ext>
-            </a:extLst>
-          </p:cNvPr>
-          <p:cNvGraphicFramePr>
-            <a:graphicFrameLocks noGrp="1"/>
-          </p:cNvGraphicFramePr>
-          <p:nvPr>
-            <p:extLst>
-              <p:ext uri="{D42A27DB-BD31-4B8C-83A1-F6EECF244321}">
-                <p14:modId xmlns:p14="http://schemas.microsoft.com/office/powerpoint/2010/main" val="89889629"/>
-              </p:ext>
-            </p:extLst>
-          </p:nvPr>
-        </p:nvGraphicFramePr>
-        <p:xfrm>
-          <a:off x="2933700" y="761648"/>
-          <a:ext cx="6096000" cy="1112520"/>
-        </p:xfrm>
-        <a:graphic>
-          <a:graphicData uri="http://schemas.openxmlformats.org/drawingml/2006/table">
-            <a:tbl>
-              <a:tblPr firstRow="1" bandRow="1">
-                <a:tableStyleId>{0084F75A-2F05-4FDF-92FC-A56C2412D897}</a:tableStyleId>
-              </a:tblPr>
-              <a:tblGrid>
-                <a:gridCol w="2032000">
-                  <a:extLst>
-                    <a:ext uri="{9D8B030D-6E8A-4147-A177-3AD203B41FA5}">
-                      <a16:colId xmlns:a16="http://schemas.microsoft.com/office/drawing/2014/main" val="3289205874"/>
-                    </a:ext>
-                  </a:extLst>
-                </a:gridCol>
-                <a:gridCol w="2032000">
-                  <a:extLst>
-                    <a:ext uri="{9D8B030D-6E8A-4147-A177-3AD203B41FA5}">
-                      <a16:colId xmlns:a16="http://schemas.microsoft.com/office/drawing/2014/main" val="3252779650"/>
-                    </a:ext>
-                  </a:extLst>
-                </a:gridCol>
-                <a:gridCol w="2032000">
-                  <a:extLst>
-                    <a:ext uri="{9D8B030D-6E8A-4147-A177-3AD203B41FA5}">
-                      <a16:colId xmlns:a16="http://schemas.microsoft.com/office/drawing/2014/main" val="3752128261"/>
-                    </a:ext>
-                  </a:extLst>
-                </a:gridCol>
-              </a:tblGrid>
-              <a:tr h="370840">
-                <a:tc>
-                  <a:txBody>
-                    <a:bodyPr/>
-                    <a:lstStyle/>
-                    <a:p>
-                      <a:r>
-                        <a:rPr lang="en-US" dirty="0"/>
-                        <a:t>COVID-19</a:t>
-                      </a:r>
-                    </a:p>
-                  </a:txBody>
-                  <a:tcPr/>
-                </a:tc>
-                <a:tc>
-                  <a:txBody>
-                    <a:bodyPr/>
-                    <a:lstStyle/>
-                    <a:p>
-                      <a:endParaRPr lang="en-US" dirty="0"/>
-                    </a:p>
-                  </a:txBody>
-                  <a:tcPr/>
-                </a:tc>
-                <a:tc>
-                  <a:txBody>
-                    <a:bodyPr/>
-                    <a:lstStyle/>
-                    <a:p>
-                      <a:endParaRPr lang="en-US" dirty="0"/>
-                    </a:p>
-                  </a:txBody>
-                  <a:tcPr/>
-                </a:tc>
-                <a:extLst>
-                  <a:ext uri="{0D108BD9-81ED-4DB2-BD59-A6C34878D82A}">
-                    <a16:rowId xmlns:a16="http://schemas.microsoft.com/office/drawing/2014/main" val="2452055618"/>
-                  </a:ext>
-                </a:extLst>
-              </a:tr>
-              <a:tr h="370840">
-                <a:tc>
-                  <a:txBody>
-                    <a:bodyPr/>
-                    <a:lstStyle/>
-                    <a:p>
-                      <a:r>
-                        <a:rPr lang="en-US" dirty="0"/>
-                        <a:t>Children</a:t>
-                      </a:r>
-                    </a:p>
-                  </a:txBody>
-                  <a:tcPr/>
-                </a:tc>
-                <a:tc>
-                  <a:txBody>
-                    <a:bodyPr/>
-                    <a:lstStyle/>
-                    <a:p>
-                      <a:r>
-                        <a:rPr lang="en-US" dirty="0"/>
-                        <a:t>Adults</a:t>
-                      </a:r>
-                    </a:p>
-                  </a:txBody>
-                  <a:tcPr/>
-                </a:tc>
-                <a:tc>
-                  <a:txBody>
-                    <a:bodyPr/>
-                    <a:lstStyle/>
-                    <a:p>
-                      <a:r>
-                        <a:rPr lang="en-US" dirty="0"/>
-                        <a:t>Risk</a:t>
-                      </a:r>
-                    </a:p>
-                  </a:txBody>
-                  <a:tcPr/>
-                </a:tc>
-                <a:extLst>
-                  <a:ext uri="{0D108BD9-81ED-4DB2-BD59-A6C34878D82A}">
-                    <a16:rowId xmlns:a16="http://schemas.microsoft.com/office/drawing/2014/main" val="2011994035"/>
-                  </a:ext>
-                </a:extLst>
-              </a:tr>
-              <a:tr h="370840">
-                <a:tc>
-                  <a:txBody>
-                    <a:bodyPr/>
-                    <a:lstStyle/>
-                    <a:p>
-                      <a:r>
-                        <a:rPr lang="en-US" dirty="0"/>
-                        <a:t>65%</a:t>
-                      </a:r>
-                    </a:p>
-                  </a:txBody>
-                  <a:tcPr/>
-                </a:tc>
-                <a:tc>
-                  <a:txBody>
-                    <a:bodyPr/>
-                    <a:lstStyle/>
-                    <a:p>
-                      <a:r>
-                        <a:rPr lang="en-US" dirty="0"/>
-                        <a:t>50%</a:t>
-                      </a:r>
-                    </a:p>
-                  </a:txBody>
-                  <a:tcPr/>
-                </a:tc>
-                <a:tc>
-                  <a:txBody>
-                    <a:bodyPr/>
-                    <a:lstStyle/>
-                    <a:p>
-                      <a:r>
-                        <a:rPr lang="en-US" dirty="0"/>
-                        <a:t>Emergency care visit</a:t>
-                      </a:r>
-                    </a:p>
-                  </a:txBody>
-                  <a:tcPr/>
-                </a:tc>
-                <a:extLst>
-                  <a:ext uri="{0D108BD9-81ED-4DB2-BD59-A6C34878D82A}">
-                    <a16:rowId xmlns:a16="http://schemas.microsoft.com/office/drawing/2014/main" val="4239815429"/>
-                  </a:ext>
-                </a:extLst>
-              </a:tr>
-            </a:tbl>
-          </a:graphicData>
-        </a:graphic>
-      </p:graphicFrame>
-    </p:spTree>
   </p:cSld>
   <p:clrMapOvr>
     <a:masterClrMapping/>
@@ -15750,10 +21283,14 @@
               <a:buNone/>
             </a:pPr>
             <a:r>
-              <a:rPr lang="en" dirty="0"/>
+              <a:rPr lang="en" dirty="0">
+                <a:latin typeface="Georgia Pro" panose="02040502050405020303" pitchFamily="18" charset="0"/>
+              </a:rPr>
               <a:t>Background – Vaccination Behaviors in Adults</a:t>
             </a:r>
-            <a:endParaRPr i="1" dirty="0"/>
+            <a:endParaRPr i="1" dirty="0">
+              <a:latin typeface="Georgia Pro" panose="02040502050405020303" pitchFamily="18" charset="0"/>
+            </a:endParaRPr>
           </a:p>
         </p:txBody>
       </p:sp>
@@ -16656,10 +22193,14 @@
               <a:buNone/>
             </a:pPr>
             <a:r>
-              <a:rPr lang="en" dirty="0"/>
+              <a:rPr lang="en" dirty="0">
+                <a:latin typeface="Georgia Pro" panose="02040502050405020303" pitchFamily="18" charset="0"/>
+              </a:rPr>
               <a:t>Background – Vaccination Behaviors in Children</a:t>
             </a:r>
-            <a:endParaRPr i="1" dirty="0"/>
+            <a:endParaRPr i="1" dirty="0">
+              <a:latin typeface="Georgia Pro" panose="02040502050405020303" pitchFamily="18" charset="0"/>
+            </a:endParaRPr>
           </a:p>
         </p:txBody>
       </p:sp>
@@ -17585,20 +23126,30 @@
               </a:spcAft>
             </a:pPr>
             <a:r>
-              <a:rPr lang="en" sz="3000" dirty="0"/>
+              <a:rPr lang="en" sz="3000" dirty="0">
+                <a:latin typeface="Georgia Pro" panose="02040502050405020303" pitchFamily="18" charset="0"/>
+              </a:rPr>
               <a:t>How do adults and children behave       differently with respect to vaccination behavior?</a:t>
             </a:r>
             <a:br>
-              <a:rPr lang="en" sz="3000" dirty="0"/>
+              <a:rPr lang="en" sz="3000" dirty="0">
+                <a:latin typeface="Georgia Pro" panose="02040502050405020303" pitchFamily="18" charset="0"/>
+              </a:rPr>
             </a:br>
             <a:br>
-              <a:rPr lang="en" sz="3000" dirty="0"/>
+              <a:rPr lang="en" sz="3000" dirty="0">
+                <a:latin typeface="Georgia Pro" panose="02040502050405020303" pitchFamily="18" charset="0"/>
+              </a:rPr>
             </a:br>
             <a:r>
-              <a:rPr lang="en" sz="3000" dirty="0"/>
+              <a:rPr lang="en" sz="3000" dirty="0">
+                <a:latin typeface="Georgia Pro" panose="02040502050405020303" pitchFamily="18" charset="0"/>
+              </a:rPr>
               <a:t>Are these consistent across respiratory pathogens?</a:t>
             </a:r>
-            <a:endParaRPr sz="3000" dirty="0"/>
+            <a:endParaRPr sz="3000" dirty="0">
+              <a:latin typeface="Georgia Pro" panose="02040502050405020303" pitchFamily="18" charset="0"/>
+            </a:endParaRPr>
           </a:p>
         </p:txBody>
       </p:sp>
@@ -17687,10 +23238,14 @@
               <a:buNone/>
             </a:pPr>
             <a:r>
-              <a:rPr lang="en" dirty="0"/>
+              <a:rPr lang="en" dirty="0">
+                <a:latin typeface="Georgia Pro" panose="02040502050405020303" pitchFamily="18" charset="0"/>
+              </a:rPr>
               <a:t>Survey Data</a:t>
             </a:r>
-            <a:endParaRPr i="1" dirty="0"/>
+            <a:endParaRPr i="1" dirty="0">
+              <a:latin typeface="Georgia Pro" panose="02040502050405020303" pitchFamily="18" charset="0"/>
+            </a:endParaRPr>
           </a:p>
         </p:txBody>
       </p:sp>
@@ -18924,10 +24479,14 @@
               <a:buNone/>
             </a:pPr>
             <a:r>
-              <a:rPr lang="en" dirty="0"/>
+              <a:rPr lang="en" dirty="0">
+                <a:latin typeface="Georgia Pro" panose="02040502050405020303" pitchFamily="18" charset="0"/>
+              </a:rPr>
               <a:t>Survey Exploration – Income Level</a:t>
             </a:r>
-            <a:endParaRPr i="1" dirty="0"/>
+            <a:endParaRPr i="1" dirty="0">
+              <a:latin typeface="Georgia Pro" panose="02040502050405020303" pitchFamily="18" charset="0"/>
+            </a:endParaRPr>
           </a:p>
         </p:txBody>
       </p:sp>
@@ -19045,19 +24604,23 @@
               <a:buNone/>
             </a:pPr>
             <a:r>
-              <a:rPr lang="en" dirty="0"/>
+              <a:rPr lang="en" dirty="0">
+                <a:latin typeface="Georgia Pro" panose="02040502050405020303" pitchFamily="18" charset="0"/>
+              </a:rPr>
               <a:t>Survey Exploration – Income Level</a:t>
             </a:r>
-            <a:endParaRPr i="1" dirty="0"/>
+            <a:endParaRPr i="1" dirty="0">
+              <a:latin typeface="Georgia Pro" panose="02040502050405020303" pitchFamily="18" charset="0"/>
+            </a:endParaRPr>
           </a:p>
         </p:txBody>
       </p:sp>
       <p:pic>
         <p:nvPicPr>
-          <p:cNvPr id="2" name="Picture 1" descr="A graph of a number of people with no one&#10;&#10;AI-generated content may be incorrect.">
+          <p:cNvPr id="4" name="Picture 3" descr="A graph showing a number of blue bars&#10;&#10;AI-generated content may be incorrect.">
             <a:extLst>
               <a:ext uri="{FF2B5EF4-FFF2-40B4-BE49-F238E27FC236}">
-                <a16:creationId xmlns:a16="http://schemas.microsoft.com/office/drawing/2014/main" id="{D3CFCF68-4302-1AF6-6836-3621644FB453}"/>
+                <a16:creationId xmlns:a16="http://schemas.microsoft.com/office/drawing/2014/main" id="{87CA9C69-972B-1356-633F-C3D783B39528}"/>
               </a:ext>
             </a:extLst>
           </p:cNvPr>
@@ -19068,14 +24631,13 @@
         </p:nvPicPr>
         <p:blipFill>
           <a:blip r:embed="rId3"/>
-          <a:stretch>
-            <a:fillRect/>
-          </a:stretch>
+          <a:srcRect t="19856" b="20356"/>
+          <a:stretch/>
         </p:blipFill>
         <p:spPr>
           <a:xfrm>
-            <a:off x="713225" y="1003507"/>
-            <a:ext cx="7271078" cy="3635539"/>
+            <a:off x="261863" y="1408746"/>
+            <a:ext cx="8273843" cy="2473377"/>
           </a:xfrm>
           <a:prstGeom prst="rect">
             <a:avLst/>
@@ -19167,10 +24729,14 @@
               <a:buNone/>
             </a:pPr>
             <a:r>
-              <a:rPr lang="en" dirty="0"/>
+              <a:rPr lang="en" dirty="0">
+                <a:latin typeface="Georgia Pro" panose="02040502050405020303" pitchFamily="18" charset="0"/>
+              </a:rPr>
               <a:t>Survey Exploration – Income Level</a:t>
             </a:r>
-            <a:endParaRPr i="1" dirty="0"/>
+            <a:endParaRPr i="1" dirty="0">
+              <a:latin typeface="Georgia Pro" panose="02040502050405020303" pitchFamily="18" charset="0"/>
+            </a:endParaRPr>
           </a:p>
         </p:txBody>
       </p:sp>
@@ -19195,7 +24761,7 @@
         </p:blipFill>
         <p:spPr>
           <a:xfrm>
-            <a:off x="313623" y="1511167"/>
+            <a:off x="384679" y="1334903"/>
             <a:ext cx="8254160" cy="2473693"/>
           </a:xfrm>
           <a:prstGeom prst="rect">

--- a/presentations/URES2025.pptx
+++ b/presentations/URES2025.pptx
@@ -46,14 +46,16 @@
     <p:embeddedFont>
       <p:font typeface="Georgia Pro" panose="02040502050405020303" pitchFamily="18" charset="0"/>
       <p:regular r:id="rId28"/>
-      <p:italic r:id="rId29"/>
+      <p:bold r:id="rId29"/>
+      <p:italic r:id="rId30"/>
+      <p:boldItalic r:id="rId31"/>
     </p:embeddedFont>
     <p:embeddedFont>
       <p:font typeface="Playfair Display Medium" pitchFamily="2" charset="77"/>
-      <p:regular r:id="rId30"/>
-      <p:bold r:id="rId31"/>
-      <p:italic r:id="rId32"/>
-      <p:boldItalic r:id="rId33"/>
+      <p:regular r:id="rId32"/>
+      <p:bold r:id="rId33"/>
+      <p:italic r:id="rId34"/>
+      <p:boldItalic r:id="rId35"/>
     </p:embeddedFont>
   </p:embeddedFontLst>
   <p:defaultTextStyle>
@@ -7889,8 +7891,8 @@
           </a:fontRef>
         </p:style>
       </p:cxnSp>
-      <mc:AlternateContent xmlns:mc="http://schemas.openxmlformats.org/markup-compatibility/2006" xmlns:a14="http://schemas.microsoft.com/office/drawing/2010/main">
-        <mc:Choice Requires="a14">
+      <mc:AlternateContent xmlns:mc="http://schemas.openxmlformats.org/markup-compatibility/2006">
+        <mc:Choice xmlns:a14="http://schemas.microsoft.com/office/drawing/2010/main" Requires="a14">
           <p:sp>
             <p:nvSpPr>
               <p:cNvPr id="4" name="TextBox 3">
@@ -7905,8 +7907,8 @@
             </p:nvSpPr>
             <p:spPr>
               <a:xfrm>
-                <a:off x="1501727" y="1476841"/>
-                <a:ext cx="282385" cy="430887"/>
+                <a:off x="1334329" y="1485632"/>
+                <a:ext cx="392864" cy="646331"/>
               </a:xfrm>
               <a:prstGeom prst="rect">
                 <a:avLst/>
@@ -7939,7 +7941,7 @@
                             <a:rPr lang="en-US" b="0" i="1" smtClean="0">
                               <a:latin typeface="Cambria Math" panose="02040503050406030204" pitchFamily="18" charset="0"/>
                             </a:rPr>
-                            <m:t>𝑐</m:t>
+                            <m:t>𝛿</m:t>
                           </m:r>
                         </m:e>
                         <m:sub>
@@ -7947,7 +7949,7 @@
                             <a:rPr lang="en-US" b="0" i="1" smtClean="0">
                               <a:latin typeface="Cambria Math" panose="02040503050406030204" pitchFamily="18" charset="0"/>
                             </a:rPr>
-                            <m:t>1</m:t>
+                            <m:t>𝐶𝐴</m:t>
                           </m:r>
                         </m:sub>
                       </m:sSub>
@@ -7957,12 +7959,16 @@
                 <a:endParaRPr lang="en-US" b="0" dirty="0"/>
               </a:p>
               <a:p>
+                <a:pPr/>
+                <a:endParaRPr lang="en-US" b="0" dirty="0"/>
+              </a:p>
+              <a:p>
                 <a:endParaRPr lang="en-US" dirty="0"/>
               </a:p>
             </p:txBody>
           </p:sp>
         </mc:Choice>
-        <mc:Fallback xmlns="">
+        <mc:Fallback>
           <p:sp>
             <p:nvSpPr>
               <p:cNvPr id="4" name="TextBox 3">
@@ -7979,8 +7985,8 @@
             </p:nvSpPr>
             <p:spPr>
               <a:xfrm>
-                <a:off x="1501727" y="1476841"/>
-                <a:ext cx="282385" cy="430887"/>
+                <a:off x="1334329" y="1485632"/>
+                <a:ext cx="392864" cy="646331"/>
               </a:xfrm>
               <a:prstGeom prst="rect">
                 <a:avLst/>
@@ -7988,7 +7994,7 @@
               <a:blipFill>
                 <a:blip r:embed="rId3"/>
                 <a:stretch>
-                  <a:fillRect/>
+                  <a:fillRect l="-3226"/>
                 </a:stretch>
               </a:blipFill>
             </p:spPr>
@@ -8007,362 +8013,8 @@
           </p:sp>
         </mc:Fallback>
       </mc:AlternateContent>
-      <mc:AlternateContent xmlns:mc="http://schemas.openxmlformats.org/markup-compatibility/2006" xmlns:a14="http://schemas.microsoft.com/office/drawing/2010/main">
-        <mc:Choice Requires="a14">
-          <p:sp>
-            <p:nvSpPr>
-              <p:cNvPr id="5" name="TextBox 4">
-                <a:extLst>
-                  <a:ext uri="{FF2B5EF4-FFF2-40B4-BE49-F238E27FC236}">
-                    <a16:creationId xmlns:a16="http://schemas.microsoft.com/office/drawing/2014/main" id="{0A100195-771A-E348-3AEC-5056D5C4D4AD}"/>
-                  </a:ext>
-                </a:extLst>
-              </p:cNvPr>
-              <p:cNvSpPr txBox="1"/>
-              <p:nvPr/>
-            </p:nvSpPr>
-            <p:spPr>
-              <a:xfrm>
-                <a:off x="4595080" y="1408746"/>
-                <a:ext cx="280461" cy="430887"/>
-              </a:xfrm>
-              <a:prstGeom prst="rect">
-                <a:avLst/>
-              </a:prstGeom>
-              <a:noFill/>
-            </p:spPr>
-            <p:txBody>
-              <a:bodyPr wrap="none" lIns="0" tIns="0" rIns="0" bIns="0" rtlCol="0">
-                <a:spAutoFit/>
-              </a:bodyPr>
-              <a:lstStyle/>
-              <a:p>
-                <a:pPr/>
-                <a14:m>
-                  <m:oMathPara xmlns:m="http://schemas.openxmlformats.org/officeDocument/2006/math">
-                    <m:oMathParaPr>
-                      <m:jc m:val="centerGroup"/>
-                    </m:oMathParaPr>
-                    <m:oMath xmlns:m="http://schemas.openxmlformats.org/officeDocument/2006/math">
-                      <m:sSub>
-                        <m:sSubPr>
-                          <m:ctrlPr>
-                            <a:rPr lang="en-US" b="0" i="1" smtClean="0">
-                              <a:latin typeface="Cambria Math" panose="02040503050406030204" pitchFamily="18" charset="0"/>
-                            </a:rPr>
-                          </m:ctrlPr>
-                        </m:sSubPr>
-                        <m:e>
-                          <m:r>
-                            <a:rPr lang="en-US" b="0" i="1" smtClean="0">
-                              <a:latin typeface="Cambria Math" panose="02040503050406030204" pitchFamily="18" charset="0"/>
-                            </a:rPr>
-                            <m:t>𝑐</m:t>
-                          </m:r>
-                        </m:e>
-                        <m:sub>
-                          <m:r>
-                            <a:rPr lang="en-US" b="0" i="1" smtClean="0">
-                              <a:latin typeface="Cambria Math" panose="02040503050406030204" pitchFamily="18" charset="0"/>
-                            </a:rPr>
-                            <m:t>2</m:t>
-                          </m:r>
-                        </m:sub>
-                      </m:sSub>
-                    </m:oMath>
-                  </m:oMathPara>
-                </a14:m>
-                <a:endParaRPr lang="en-US" b="0" dirty="0"/>
-              </a:p>
-              <a:p>
-                <a:endParaRPr lang="en-US" dirty="0"/>
-              </a:p>
-            </p:txBody>
-          </p:sp>
-        </mc:Choice>
-        <mc:Fallback xmlns="">
-          <p:sp>
-            <p:nvSpPr>
-              <p:cNvPr id="5" name="TextBox 4">
-                <a:extLst>
-                  <a:ext uri="{FF2B5EF4-FFF2-40B4-BE49-F238E27FC236}">
-                    <a16:creationId xmlns:a16="http://schemas.microsoft.com/office/drawing/2014/main" id="{0A100195-771A-E348-3AEC-5056D5C4D4AD}"/>
-                  </a:ext>
-                </a:extLst>
-              </p:cNvPr>
-              <p:cNvSpPr txBox="1">
-                <a:spLocks noRot="1" noChangeAspect="1" noMove="1" noResize="1" noEditPoints="1" noAdjustHandles="1" noChangeArrowheads="1" noChangeShapeType="1" noTextEdit="1"/>
-              </p:cNvSpPr>
-              <p:nvPr/>
-            </p:nvSpPr>
-            <p:spPr>
-              <a:xfrm>
-                <a:off x="4595080" y="1408746"/>
-                <a:ext cx="280461" cy="430887"/>
-              </a:xfrm>
-              <a:prstGeom prst="rect">
-                <a:avLst/>
-              </a:prstGeom>
-              <a:blipFill>
-                <a:blip r:embed="rId4"/>
-                <a:stretch>
-                  <a:fillRect/>
-                </a:stretch>
-              </a:blipFill>
-            </p:spPr>
-            <p:txBody>
-              <a:bodyPr/>
-              <a:lstStyle/>
-              <a:p>
-                <a:r>
-                  <a:rPr lang="en-US">
-                    <a:noFill/>
-                  </a:rPr>
-                  <a:t> </a:t>
-                </a:r>
-              </a:p>
-            </p:txBody>
-          </p:sp>
-        </mc:Fallback>
-      </mc:AlternateContent>
-      <mc:AlternateContent xmlns:mc="http://schemas.openxmlformats.org/markup-compatibility/2006" xmlns:a14="http://schemas.microsoft.com/office/drawing/2010/main">
-        <mc:Choice Requires="a14">
-          <p:sp>
-            <p:nvSpPr>
-              <p:cNvPr id="6" name="TextBox 5">
-                <a:extLst>
-                  <a:ext uri="{FF2B5EF4-FFF2-40B4-BE49-F238E27FC236}">
-                    <a16:creationId xmlns:a16="http://schemas.microsoft.com/office/drawing/2014/main" id="{0696AAD6-D411-A814-5605-3A5D0CAF3C5F}"/>
-                  </a:ext>
-                </a:extLst>
-              </p:cNvPr>
-              <p:cNvSpPr txBox="1"/>
-              <p:nvPr/>
-            </p:nvSpPr>
-            <p:spPr>
-              <a:xfrm>
-                <a:off x="1533202" y="3578269"/>
-                <a:ext cx="280461" cy="430887"/>
-              </a:xfrm>
-              <a:prstGeom prst="rect">
-                <a:avLst/>
-              </a:prstGeom>
-              <a:noFill/>
-            </p:spPr>
-            <p:txBody>
-              <a:bodyPr wrap="none" lIns="0" tIns="0" rIns="0" bIns="0" rtlCol="0">
-                <a:spAutoFit/>
-              </a:bodyPr>
-              <a:lstStyle/>
-              <a:p>
-                <a:pPr/>
-                <a14:m>
-                  <m:oMathPara xmlns:m="http://schemas.openxmlformats.org/officeDocument/2006/math">
-                    <m:oMathParaPr>
-                      <m:jc m:val="centerGroup"/>
-                    </m:oMathParaPr>
-                    <m:oMath xmlns:m="http://schemas.openxmlformats.org/officeDocument/2006/math">
-                      <m:sSub>
-                        <m:sSubPr>
-                          <m:ctrlPr>
-                            <a:rPr lang="en-US" b="0" i="1" smtClean="0">
-                              <a:latin typeface="Cambria Math" panose="02040503050406030204" pitchFamily="18" charset="0"/>
-                            </a:rPr>
-                          </m:ctrlPr>
-                        </m:sSubPr>
-                        <m:e>
-                          <m:r>
-                            <a:rPr lang="en-US" b="0" i="1" smtClean="0">
-                              <a:latin typeface="Cambria Math" panose="02040503050406030204" pitchFamily="18" charset="0"/>
-                            </a:rPr>
-                            <m:t>𝑐</m:t>
-                          </m:r>
-                        </m:e>
-                        <m:sub>
-                          <m:r>
-                            <a:rPr lang="en-US" b="0" i="1" smtClean="0">
-                              <a:latin typeface="Cambria Math" panose="02040503050406030204" pitchFamily="18" charset="0"/>
-                            </a:rPr>
-                            <m:t>3</m:t>
-                          </m:r>
-                        </m:sub>
-                      </m:sSub>
-                    </m:oMath>
-                  </m:oMathPara>
-                </a14:m>
-                <a:endParaRPr lang="en-US" b="0" dirty="0"/>
-              </a:p>
-              <a:p>
-                <a:endParaRPr lang="en-US" dirty="0"/>
-              </a:p>
-            </p:txBody>
-          </p:sp>
-        </mc:Choice>
-        <mc:Fallback xmlns="">
-          <p:sp>
-            <p:nvSpPr>
-              <p:cNvPr id="6" name="TextBox 5">
-                <a:extLst>
-                  <a:ext uri="{FF2B5EF4-FFF2-40B4-BE49-F238E27FC236}">
-                    <a16:creationId xmlns:a16="http://schemas.microsoft.com/office/drawing/2014/main" id="{0696AAD6-D411-A814-5605-3A5D0CAF3C5F}"/>
-                  </a:ext>
-                </a:extLst>
-              </p:cNvPr>
-              <p:cNvSpPr txBox="1">
-                <a:spLocks noRot="1" noChangeAspect="1" noMove="1" noResize="1" noEditPoints="1" noAdjustHandles="1" noChangeArrowheads="1" noChangeShapeType="1" noTextEdit="1"/>
-              </p:cNvSpPr>
-              <p:nvPr/>
-            </p:nvSpPr>
-            <p:spPr>
-              <a:xfrm>
-                <a:off x="1533202" y="3578269"/>
-                <a:ext cx="280461" cy="430887"/>
-              </a:xfrm>
-              <a:prstGeom prst="rect">
-                <a:avLst/>
-              </a:prstGeom>
-              <a:blipFill>
-                <a:blip r:embed="rId5"/>
-                <a:stretch>
-                  <a:fillRect/>
-                </a:stretch>
-              </a:blipFill>
-            </p:spPr>
-            <p:txBody>
-              <a:bodyPr/>
-              <a:lstStyle/>
-              <a:p>
-                <a:r>
-                  <a:rPr lang="en-US">
-                    <a:noFill/>
-                  </a:rPr>
-                  <a:t> </a:t>
-                </a:r>
-              </a:p>
-            </p:txBody>
-          </p:sp>
-        </mc:Fallback>
-      </mc:AlternateContent>
-      <mc:AlternateContent xmlns:mc="http://schemas.openxmlformats.org/markup-compatibility/2006" xmlns:a14="http://schemas.microsoft.com/office/drawing/2010/main">
-        <mc:Choice Requires="a14">
-          <p:sp>
-            <p:nvSpPr>
-              <p:cNvPr id="7" name="TextBox 6">
-                <a:extLst>
-                  <a:ext uri="{FF2B5EF4-FFF2-40B4-BE49-F238E27FC236}">
-                    <a16:creationId xmlns:a16="http://schemas.microsoft.com/office/drawing/2014/main" id="{E2E55B04-E95B-DAF8-D7EE-C127F4393E80}"/>
-                  </a:ext>
-                </a:extLst>
-              </p:cNvPr>
-              <p:cNvSpPr txBox="1"/>
-              <p:nvPr/>
-            </p:nvSpPr>
-            <p:spPr>
-              <a:xfrm>
-                <a:off x="4595080" y="3525463"/>
-                <a:ext cx="280461" cy="430887"/>
-              </a:xfrm>
-              <a:prstGeom prst="rect">
-                <a:avLst/>
-              </a:prstGeom>
-              <a:noFill/>
-            </p:spPr>
-            <p:txBody>
-              <a:bodyPr wrap="none" lIns="0" tIns="0" rIns="0" bIns="0" rtlCol="0">
-                <a:spAutoFit/>
-              </a:bodyPr>
-              <a:lstStyle/>
-              <a:p>
-                <a:pPr/>
-                <a14:m>
-                  <m:oMathPara xmlns:m="http://schemas.openxmlformats.org/officeDocument/2006/math">
-                    <m:oMathParaPr>
-                      <m:jc m:val="centerGroup"/>
-                    </m:oMathParaPr>
-                    <m:oMath xmlns:m="http://schemas.openxmlformats.org/officeDocument/2006/math">
-                      <m:sSub>
-                        <m:sSubPr>
-                          <m:ctrlPr>
-                            <a:rPr lang="en-US" b="0" i="1" smtClean="0">
-                              <a:latin typeface="Cambria Math" panose="02040503050406030204" pitchFamily="18" charset="0"/>
-                            </a:rPr>
-                          </m:ctrlPr>
-                        </m:sSubPr>
-                        <m:e>
-                          <m:r>
-                            <a:rPr lang="en-US" b="0" i="1" smtClean="0">
-                              <a:latin typeface="Cambria Math" panose="02040503050406030204" pitchFamily="18" charset="0"/>
-                            </a:rPr>
-                            <m:t>𝑐</m:t>
-                          </m:r>
-                        </m:e>
-                        <m:sub>
-                          <m:r>
-                            <a:rPr lang="en-US" b="0" i="1" smtClean="0">
-                              <a:latin typeface="Cambria Math" panose="02040503050406030204" pitchFamily="18" charset="0"/>
-                            </a:rPr>
-                            <m:t>4</m:t>
-                          </m:r>
-                        </m:sub>
-                      </m:sSub>
-                    </m:oMath>
-                  </m:oMathPara>
-                </a14:m>
-                <a:endParaRPr lang="en-US" b="0" dirty="0"/>
-              </a:p>
-              <a:p>
-                <a:endParaRPr lang="en-US" dirty="0"/>
-              </a:p>
-            </p:txBody>
-          </p:sp>
-        </mc:Choice>
-        <mc:Fallback xmlns="">
-          <p:sp>
-            <p:nvSpPr>
-              <p:cNvPr id="7" name="TextBox 6">
-                <a:extLst>
-                  <a:ext uri="{FF2B5EF4-FFF2-40B4-BE49-F238E27FC236}">
-                    <a16:creationId xmlns:a16="http://schemas.microsoft.com/office/drawing/2014/main" id="{E2E55B04-E95B-DAF8-D7EE-C127F4393E80}"/>
-                  </a:ext>
-                </a:extLst>
-              </p:cNvPr>
-              <p:cNvSpPr txBox="1">
-                <a:spLocks noRot="1" noChangeAspect="1" noMove="1" noResize="1" noEditPoints="1" noAdjustHandles="1" noChangeArrowheads="1" noChangeShapeType="1" noTextEdit="1"/>
-              </p:cNvSpPr>
-              <p:nvPr/>
-            </p:nvSpPr>
-            <p:spPr>
-              <a:xfrm>
-                <a:off x="4595080" y="3525463"/>
-                <a:ext cx="280461" cy="430887"/>
-              </a:xfrm>
-              <a:prstGeom prst="rect">
-                <a:avLst/>
-              </a:prstGeom>
-              <a:blipFill>
-                <a:blip r:embed="rId6"/>
-                <a:stretch>
-                  <a:fillRect/>
-                </a:stretch>
-              </a:blipFill>
-            </p:spPr>
-            <p:txBody>
-              <a:bodyPr/>
-              <a:lstStyle/>
-              <a:p>
-                <a:r>
-                  <a:rPr lang="en-US">
-                    <a:noFill/>
-                  </a:rPr>
-                  <a:t> </a:t>
-                </a:r>
-              </a:p>
-            </p:txBody>
-          </p:sp>
-        </mc:Fallback>
-      </mc:AlternateContent>
-      <mc:AlternateContent xmlns:mc="http://schemas.openxmlformats.org/markup-compatibility/2006" xmlns:a14="http://schemas.microsoft.com/office/drawing/2010/main">
-        <mc:Choice Requires="a14">
+      <mc:AlternateContent xmlns:mc="http://schemas.openxmlformats.org/markup-compatibility/2006">
+        <mc:Choice xmlns:a14="http://schemas.microsoft.com/office/drawing/2010/main" Requires="a14">
           <p:sp>
             <p:nvSpPr>
               <p:cNvPr id="8" name="TextBox 7">
@@ -8378,7 +8030,7 @@
             <p:spPr>
               <a:xfrm>
                 <a:off x="5977911" y="1673790"/>
-                <a:ext cx="2680567" cy="1600438"/>
+                <a:ext cx="2680567" cy="1384995"/>
               </a:xfrm>
               <a:prstGeom prst="rect">
                 <a:avLst/>
@@ -8408,7 +8060,7 @@
                             <a:latin typeface="Cambria Math" panose="02040503050406030204" pitchFamily="18" charset="0"/>
                             <a:ea typeface="Cambria Math" panose="02040503050406030204" pitchFamily="18" charset="0"/>
                           </a:rPr>
-                          <m:t>𝑐</m:t>
+                          <m:t>𝛿</m:t>
                         </m:r>
                       </m:e>
                       <m:sub>
@@ -8428,10 +8080,8 @@
                     <a:latin typeface="Cambria Math" panose="02040503050406030204" pitchFamily="18" charset="0"/>
                     <a:ea typeface="Cambria Math" panose="02040503050406030204" pitchFamily="18" charset="0"/>
                   </a:rPr>
-                  <a:t>: contact between each group</a:t>
+                  <a:t>: aging rate</a:t>
                 </a:r>
-              </a:p>
-              <a:p>
                 <a:endParaRPr lang="en-US" dirty="0">
                   <a:latin typeface="Cambria Math" panose="02040503050406030204" pitchFamily="18" charset="0"/>
                   <a:ea typeface="Cambria Math" panose="02040503050406030204" pitchFamily="18" charset="0"/>
@@ -8470,7 +8120,7 @@
             </p:txBody>
           </p:sp>
         </mc:Choice>
-        <mc:Fallback xmlns="">
+        <mc:Fallback>
           <p:sp>
             <p:nvSpPr>
               <p:cNvPr id="8" name="TextBox 7">
@@ -8488,7 +8138,373 @@
             <p:spPr>
               <a:xfrm>
                 <a:off x="5977911" y="1673790"/>
-                <a:ext cx="2680567" cy="1600438"/>
+                <a:ext cx="2680567" cy="1384995"/>
+              </a:xfrm>
+              <a:prstGeom prst="rect">
+                <a:avLst/>
+              </a:prstGeom>
+              <a:blipFill>
+                <a:blip r:embed="rId4"/>
+                <a:stretch>
+                  <a:fillRect t="-917"/>
+                </a:stretch>
+              </a:blipFill>
+            </p:spPr>
+            <p:txBody>
+              <a:bodyPr/>
+              <a:lstStyle/>
+              <a:p>
+                <a:r>
+                  <a:rPr lang="en-US">
+                    <a:noFill/>
+                  </a:rPr>
+                  <a:t> </a:t>
+                </a:r>
+              </a:p>
+            </p:txBody>
+          </p:sp>
+        </mc:Fallback>
+      </mc:AlternateContent>
+      <mc:AlternateContent xmlns:mc="http://schemas.openxmlformats.org/markup-compatibility/2006">
+        <mc:Choice xmlns:a14="http://schemas.microsoft.com/office/drawing/2010/main" Requires="a14">
+          <p:sp>
+            <p:nvSpPr>
+              <p:cNvPr id="2" name="TextBox 1">
+                <a:extLst>
+                  <a:ext uri="{FF2B5EF4-FFF2-40B4-BE49-F238E27FC236}">
+                    <a16:creationId xmlns:a16="http://schemas.microsoft.com/office/drawing/2014/main" id="{856C1A1D-CD9F-E05E-7EF9-CE2E968E6670}"/>
+                  </a:ext>
+                </a:extLst>
+              </p:cNvPr>
+              <p:cNvSpPr txBox="1"/>
+              <p:nvPr/>
+            </p:nvSpPr>
+            <p:spPr>
+              <a:xfrm>
+                <a:off x="4686599" y="1485632"/>
+                <a:ext cx="315984" cy="646331"/>
+              </a:xfrm>
+              <a:prstGeom prst="rect">
+                <a:avLst/>
+              </a:prstGeom>
+              <a:noFill/>
+            </p:spPr>
+            <p:txBody>
+              <a:bodyPr wrap="square" lIns="0" tIns="0" rIns="0" bIns="0" rtlCol="0">
+                <a:spAutoFit/>
+              </a:bodyPr>
+              <a:lstStyle/>
+              <a:p>
+                <a:pPr/>
+                <a14:m>
+                  <m:oMathPara xmlns:m="http://schemas.openxmlformats.org/officeDocument/2006/math">
+                    <m:oMathParaPr>
+                      <m:jc m:val="centerGroup"/>
+                    </m:oMathParaPr>
+                    <m:oMath xmlns:m="http://schemas.openxmlformats.org/officeDocument/2006/math">
+                      <m:sSub>
+                        <m:sSubPr>
+                          <m:ctrlPr>
+                            <a:rPr lang="en-US" b="0" i="1" smtClean="0">
+                              <a:latin typeface="Cambria Math" panose="02040503050406030204" pitchFamily="18" charset="0"/>
+                            </a:rPr>
+                          </m:ctrlPr>
+                        </m:sSubPr>
+                        <m:e>
+                          <m:r>
+                            <a:rPr lang="en-US" b="0" i="1" smtClean="0">
+                              <a:latin typeface="Cambria Math" panose="02040503050406030204" pitchFamily="18" charset="0"/>
+                            </a:rPr>
+                            <m:t>𝛿</m:t>
+                          </m:r>
+                        </m:e>
+                        <m:sub>
+                          <m:r>
+                            <a:rPr lang="en-US" b="0" i="1" smtClean="0">
+                              <a:latin typeface="Cambria Math" panose="02040503050406030204" pitchFamily="18" charset="0"/>
+                            </a:rPr>
+                            <m:t>𝑃</m:t>
+                          </m:r>
+                        </m:sub>
+                      </m:sSub>
+                    </m:oMath>
+                  </m:oMathPara>
+                </a14:m>
+                <a:endParaRPr lang="en-US" b="0" dirty="0"/>
+              </a:p>
+              <a:p>
+                <a:pPr/>
+                <a:endParaRPr lang="en-US" b="0" dirty="0"/>
+              </a:p>
+              <a:p>
+                <a:endParaRPr lang="en-US" dirty="0"/>
+              </a:p>
+            </p:txBody>
+          </p:sp>
+        </mc:Choice>
+        <mc:Fallback>
+          <p:sp>
+            <p:nvSpPr>
+              <p:cNvPr id="2" name="TextBox 1">
+                <a:extLst>
+                  <a:ext uri="{FF2B5EF4-FFF2-40B4-BE49-F238E27FC236}">
+                    <a16:creationId xmlns:a16="http://schemas.microsoft.com/office/drawing/2014/main" id="{856C1A1D-CD9F-E05E-7EF9-CE2E968E6670}"/>
+                  </a:ext>
+                </a:extLst>
+              </p:cNvPr>
+              <p:cNvSpPr txBox="1">
+                <a:spLocks noRot="1" noChangeAspect="1" noMove="1" noResize="1" noEditPoints="1" noAdjustHandles="1" noChangeArrowheads="1" noChangeShapeType="1" noTextEdit="1"/>
+              </p:cNvSpPr>
+              <p:nvPr/>
+            </p:nvSpPr>
+            <p:spPr>
+              <a:xfrm>
+                <a:off x="4686599" y="1485632"/>
+                <a:ext cx="315984" cy="646331"/>
+              </a:xfrm>
+              <a:prstGeom prst="rect">
+                <a:avLst/>
+              </a:prstGeom>
+              <a:blipFill>
+                <a:blip r:embed="rId5"/>
+                <a:stretch>
+                  <a:fillRect/>
+                </a:stretch>
+              </a:blipFill>
+            </p:spPr>
+            <p:txBody>
+              <a:bodyPr/>
+              <a:lstStyle/>
+              <a:p>
+                <a:r>
+                  <a:rPr lang="en-US">
+                    <a:noFill/>
+                  </a:rPr>
+                  <a:t> </a:t>
+                </a:r>
+              </a:p>
+            </p:txBody>
+          </p:sp>
+        </mc:Fallback>
+      </mc:AlternateContent>
+      <mc:AlternateContent xmlns:mc="http://schemas.openxmlformats.org/markup-compatibility/2006">
+        <mc:Choice xmlns:a14="http://schemas.microsoft.com/office/drawing/2010/main" Requires="a14">
+          <p:sp>
+            <p:nvSpPr>
+              <p:cNvPr id="10" name="TextBox 9">
+                <a:extLst>
+                  <a:ext uri="{FF2B5EF4-FFF2-40B4-BE49-F238E27FC236}">
+                    <a16:creationId xmlns:a16="http://schemas.microsoft.com/office/drawing/2014/main" id="{7F7CE7E7-F977-6DB8-C8F1-9CF59FE3AF72}"/>
+                  </a:ext>
+                </a:extLst>
+              </p:cNvPr>
+              <p:cNvSpPr txBox="1"/>
+              <p:nvPr/>
+            </p:nvSpPr>
+            <p:spPr>
+              <a:xfrm>
+                <a:off x="1334329" y="3471244"/>
+                <a:ext cx="328295" cy="646331"/>
+              </a:xfrm>
+              <a:prstGeom prst="rect">
+                <a:avLst/>
+              </a:prstGeom>
+              <a:noFill/>
+            </p:spPr>
+            <p:txBody>
+              <a:bodyPr wrap="none" lIns="0" tIns="0" rIns="0" bIns="0" rtlCol="0">
+                <a:spAutoFit/>
+              </a:bodyPr>
+              <a:lstStyle/>
+              <a:p>
+                <a:pPr/>
+                <a14:m>
+                  <m:oMathPara xmlns:m="http://schemas.openxmlformats.org/officeDocument/2006/math">
+                    <m:oMathParaPr>
+                      <m:jc m:val="centerGroup"/>
+                    </m:oMathParaPr>
+                    <m:oMath xmlns:m="http://schemas.openxmlformats.org/officeDocument/2006/math">
+                      <m:sSub>
+                        <m:sSubPr>
+                          <m:ctrlPr>
+                            <a:rPr lang="en-US" b="0" i="1" smtClean="0">
+                              <a:latin typeface="Cambria Math" panose="02040503050406030204" pitchFamily="18" charset="0"/>
+                            </a:rPr>
+                          </m:ctrlPr>
+                        </m:sSubPr>
+                        <m:e>
+                          <m:r>
+                            <a:rPr lang="en-US" b="0" i="1" smtClean="0">
+                              <a:latin typeface="Cambria Math" panose="02040503050406030204" pitchFamily="18" charset="0"/>
+                            </a:rPr>
+                            <m:t>𝛿</m:t>
+                          </m:r>
+                        </m:e>
+                        <m:sub>
+                          <m:r>
+                            <a:rPr lang="en-US" b="0" i="1" smtClean="0">
+                              <a:latin typeface="Cambria Math" panose="02040503050406030204" pitchFamily="18" charset="0"/>
+                            </a:rPr>
+                            <m:t>𝐴</m:t>
+                          </m:r>
+                        </m:sub>
+                      </m:sSub>
+                    </m:oMath>
+                  </m:oMathPara>
+                </a14:m>
+                <a:endParaRPr lang="en-US" b="0" dirty="0"/>
+              </a:p>
+              <a:p>
+                <a:pPr/>
+                <a:endParaRPr lang="en-US" b="0" dirty="0"/>
+              </a:p>
+              <a:p>
+                <a:endParaRPr lang="en-US" dirty="0"/>
+              </a:p>
+            </p:txBody>
+          </p:sp>
+        </mc:Choice>
+        <mc:Fallback>
+          <p:sp>
+            <p:nvSpPr>
+              <p:cNvPr id="10" name="TextBox 9">
+                <a:extLst>
+                  <a:ext uri="{FF2B5EF4-FFF2-40B4-BE49-F238E27FC236}">
+                    <a16:creationId xmlns:a16="http://schemas.microsoft.com/office/drawing/2014/main" id="{7F7CE7E7-F977-6DB8-C8F1-9CF59FE3AF72}"/>
+                  </a:ext>
+                </a:extLst>
+              </p:cNvPr>
+              <p:cNvSpPr txBox="1">
+                <a:spLocks noRot="1" noChangeAspect="1" noMove="1" noResize="1" noEditPoints="1" noAdjustHandles="1" noChangeArrowheads="1" noChangeShapeType="1" noTextEdit="1"/>
+              </p:cNvSpPr>
+              <p:nvPr/>
+            </p:nvSpPr>
+            <p:spPr>
+              <a:xfrm>
+                <a:off x="1334329" y="3471244"/>
+                <a:ext cx="328295" cy="646331"/>
+              </a:xfrm>
+              <a:prstGeom prst="rect">
+                <a:avLst/>
+              </a:prstGeom>
+              <a:blipFill>
+                <a:blip r:embed="rId6"/>
+                <a:stretch>
+                  <a:fillRect/>
+                </a:stretch>
+              </a:blipFill>
+            </p:spPr>
+            <p:txBody>
+              <a:bodyPr/>
+              <a:lstStyle/>
+              <a:p>
+                <a:r>
+                  <a:rPr lang="en-US">
+                    <a:noFill/>
+                  </a:rPr>
+                  <a:t> </a:t>
+                </a:r>
+              </a:p>
+            </p:txBody>
+          </p:sp>
+        </mc:Fallback>
+      </mc:AlternateContent>
+      <mc:AlternateContent xmlns:mc="http://schemas.openxmlformats.org/markup-compatibility/2006">
+        <mc:Choice xmlns:a14="http://schemas.microsoft.com/office/drawing/2010/main" Requires="a14">
+          <p:sp>
+            <p:nvSpPr>
+              <p:cNvPr id="11" name="TextBox 10">
+                <a:extLst>
+                  <a:ext uri="{FF2B5EF4-FFF2-40B4-BE49-F238E27FC236}">
+                    <a16:creationId xmlns:a16="http://schemas.microsoft.com/office/drawing/2014/main" id="{71CE356D-5947-D9FA-E055-A343D3A9A091}"/>
+                  </a:ext>
+                </a:extLst>
+              </p:cNvPr>
+              <p:cNvSpPr txBox="1"/>
+              <p:nvPr/>
+            </p:nvSpPr>
+            <p:spPr>
+              <a:xfrm>
+                <a:off x="4694486" y="3449006"/>
+                <a:ext cx="300210" cy="646331"/>
+              </a:xfrm>
+              <a:prstGeom prst="rect">
+                <a:avLst/>
+              </a:prstGeom>
+              <a:noFill/>
+            </p:spPr>
+            <p:txBody>
+              <a:bodyPr wrap="none" lIns="0" tIns="0" rIns="0" bIns="0" rtlCol="0">
+                <a:spAutoFit/>
+              </a:bodyPr>
+              <a:lstStyle/>
+              <a:p>
+                <a:pPr/>
+                <a14:m>
+                  <m:oMathPara xmlns:m="http://schemas.openxmlformats.org/officeDocument/2006/math">
+                    <m:oMathParaPr>
+                      <m:jc m:val="centerGroup"/>
+                    </m:oMathParaPr>
+                    <m:oMath xmlns:m="http://schemas.openxmlformats.org/officeDocument/2006/math">
+                      <m:sSub>
+                        <m:sSubPr>
+                          <m:ctrlPr>
+                            <a:rPr lang="en-US" b="0" i="1" smtClean="0">
+                              <a:latin typeface="Cambria Math" panose="02040503050406030204" pitchFamily="18" charset="0"/>
+                            </a:rPr>
+                          </m:ctrlPr>
+                        </m:sSubPr>
+                        <m:e>
+                          <m:r>
+                            <a:rPr lang="en-US" b="0" i="1" smtClean="0">
+                              <a:latin typeface="Cambria Math" panose="02040503050406030204" pitchFamily="18" charset="0"/>
+                            </a:rPr>
+                            <m:t>𝛿</m:t>
+                          </m:r>
+                        </m:e>
+                        <m:sub>
+                          <m:r>
+                            <a:rPr lang="en-US" b="0" i="1" smtClean="0">
+                              <a:latin typeface="Cambria Math" panose="02040503050406030204" pitchFamily="18" charset="0"/>
+                            </a:rPr>
+                            <m:t>𝐴</m:t>
+                          </m:r>
+                        </m:sub>
+                      </m:sSub>
+                    </m:oMath>
+                  </m:oMathPara>
+                </a14:m>
+                <a:endParaRPr lang="en-US" b="0" dirty="0"/>
+              </a:p>
+              <a:p>
+                <a:pPr/>
+                <a:endParaRPr lang="en-US" b="0" dirty="0"/>
+              </a:p>
+              <a:p>
+                <a:endParaRPr lang="en-US" dirty="0"/>
+              </a:p>
+            </p:txBody>
+          </p:sp>
+        </mc:Choice>
+        <mc:Fallback>
+          <p:sp>
+            <p:nvSpPr>
+              <p:cNvPr id="11" name="TextBox 10">
+                <a:extLst>
+                  <a:ext uri="{FF2B5EF4-FFF2-40B4-BE49-F238E27FC236}">
+                    <a16:creationId xmlns:a16="http://schemas.microsoft.com/office/drawing/2014/main" id="{71CE356D-5947-D9FA-E055-A343D3A9A091}"/>
+                  </a:ext>
+                </a:extLst>
+              </p:cNvPr>
+              <p:cNvSpPr txBox="1">
+                <a:spLocks noRot="1" noChangeAspect="1" noMove="1" noResize="1" noEditPoints="1" noAdjustHandles="1" noChangeArrowheads="1" noChangeShapeType="1" noTextEdit="1"/>
+              </p:cNvSpPr>
+              <p:nvPr/>
+            </p:nvSpPr>
+            <p:spPr>
+              <a:xfrm>
+                <a:off x="4694486" y="3449006"/>
+                <a:ext cx="300210" cy="646331"/>
               </a:xfrm>
               <a:prstGeom prst="rect">
                 <a:avLst/>
@@ -8496,7 +8512,7 @@
               <a:blipFill>
                 <a:blip r:embed="rId7"/>
                 <a:stretch>
-                  <a:fillRect t="-794"/>
+                  <a:fillRect/>
                 </a:stretch>
               </a:blipFill>
             </p:spPr>
@@ -18153,10 +18169,10 @@
       </p:sp>
       <p:pic>
         <p:nvPicPr>
-          <p:cNvPr id="18" name="Picture 17" descr="A graph of a normal distribution&#10;&#10;AI-generated content may be incorrect.">
+          <p:cNvPr id="4" name="Picture 3" descr="A screenshot of a graph&#10;&#10;AI-generated content may be incorrect.">
             <a:extLst>
               <a:ext uri="{FF2B5EF4-FFF2-40B4-BE49-F238E27FC236}">
-                <a16:creationId xmlns:a16="http://schemas.microsoft.com/office/drawing/2014/main" id="{20442B0C-FFBA-9950-31FC-DBA92F98BBB4}"/>
+                <a16:creationId xmlns:a16="http://schemas.microsoft.com/office/drawing/2014/main" id="{34626C55-B2B7-D2F1-8204-EF8EBDB5CB18}"/>
               </a:ext>
             </a:extLst>
           </p:cNvPr>
@@ -18173,8 +18189,8 @@
         </p:blipFill>
         <p:spPr>
           <a:xfrm>
-            <a:off x="1150076" y="328803"/>
-            <a:ext cx="6843848" cy="4790694"/>
+            <a:off x="1191432" y="410705"/>
+            <a:ext cx="6761136" cy="4732795"/>
           </a:xfrm>
           <a:prstGeom prst="rect">
             <a:avLst/>
@@ -18272,10 +18288,10 @@
       </p:sp>
       <p:pic>
         <p:nvPicPr>
-          <p:cNvPr id="11" name="Picture 10" descr="A screenshot of a graph&#10;&#10;AI-generated content may be incorrect.">
+          <p:cNvPr id="4" name="Picture 3" descr="A screenshot of a graph&#10;&#10;AI-generated content may be incorrect.">
             <a:extLst>
               <a:ext uri="{FF2B5EF4-FFF2-40B4-BE49-F238E27FC236}">
-                <a16:creationId xmlns:a16="http://schemas.microsoft.com/office/drawing/2014/main" id="{69A101B3-70E1-1B99-84F2-7FB850D98581}"/>
+                <a16:creationId xmlns:a16="http://schemas.microsoft.com/office/drawing/2014/main" id="{99EFEBB0-BE54-D626-0BA1-FD66291D2A22}"/>
               </a:ext>
             </a:extLst>
           </p:cNvPr>
@@ -18292,8 +18308,8 @@
         </p:blipFill>
         <p:spPr>
           <a:xfrm>
-            <a:off x="1159328" y="335280"/>
-            <a:ext cx="6825343" cy="4777740"/>
+            <a:off x="1150334" y="328984"/>
+            <a:ext cx="6843331" cy="4790332"/>
           </a:xfrm>
           <a:prstGeom prst="rect">
             <a:avLst/>
@@ -19273,10 +19289,10 @@
       </p:sp>
       <p:pic>
         <p:nvPicPr>
-          <p:cNvPr id="8" name="Picture 7" descr="A graph of a normal distribution&#10;&#10;AI-generated content may be incorrect.">
+          <p:cNvPr id="4" name="Picture 3" descr="A graph of a normal distribution&#10;&#10;AI-generated content may be incorrect.">
             <a:extLst>
               <a:ext uri="{FF2B5EF4-FFF2-40B4-BE49-F238E27FC236}">
-                <a16:creationId xmlns:a16="http://schemas.microsoft.com/office/drawing/2014/main" id="{73B324D5-923D-861B-D0DB-24BE4EEA27BA}"/>
+                <a16:creationId xmlns:a16="http://schemas.microsoft.com/office/drawing/2014/main" id="{EC789263-1584-6A8A-E043-3F043F6F9EA2}"/>
               </a:ext>
             </a:extLst>
           </p:cNvPr>
@@ -19293,8 +19309,8 @@
         </p:blipFill>
         <p:spPr>
           <a:xfrm>
-            <a:off x="1144996" y="325247"/>
-            <a:ext cx="6854008" cy="4797806"/>
+            <a:off x="1130546" y="315132"/>
+            <a:ext cx="6882907" cy="4818035"/>
           </a:xfrm>
           <a:prstGeom prst="rect">
             <a:avLst/>
@@ -19392,10 +19408,10 @@
       </p:sp>
       <p:pic>
         <p:nvPicPr>
-          <p:cNvPr id="6" name="Picture 5" descr="A screenshot of a graph&#10;&#10;AI-generated content may be incorrect.">
+          <p:cNvPr id="4" name="Picture 3" descr="A screenshot of a graph&#10;&#10;AI-generated content may be incorrect.">
             <a:extLst>
               <a:ext uri="{FF2B5EF4-FFF2-40B4-BE49-F238E27FC236}">
-                <a16:creationId xmlns:a16="http://schemas.microsoft.com/office/drawing/2014/main" id="{92B121B5-760F-109C-C9A3-074A478188F8}"/>
+                <a16:creationId xmlns:a16="http://schemas.microsoft.com/office/drawing/2014/main" id="{5660F88D-DD0C-7186-8A68-82E1266673BE}"/>
               </a:ext>
             </a:extLst>
           </p:cNvPr>
@@ -19412,8 +19428,8 @@
         </p:blipFill>
         <p:spPr>
           <a:xfrm>
-            <a:off x="1322614" y="342900"/>
-            <a:ext cx="6803571" cy="4762500"/>
+            <a:off x="1299551" y="326756"/>
+            <a:ext cx="6849697" cy="4794788"/>
           </a:xfrm>
           <a:prstGeom prst="rect">
             <a:avLst/>
